--- a/PROMPT_ENGINEERING_AND_AI/LLM-Intro_Prompting-SlideDecks_Videos_Quizzes/Introduction to LLMs and Prompting_Module1.pptx
+++ b/PROMPT_ENGINEERING_AND_AI/LLM-Intro_Prompting-SlideDecks_Videos_Quizzes/Introduction to LLMs and Prompting_Module1.pptx
@@ -3800,12 +3800,12 @@
         </p:nvSpPr>
         <p:spPr>
           <a:xfrm>
-            <a:off x="1524000" y="1122362"/>
-            <a:ext cx="9144000" cy="2980405"/>
+            <a:off x="942108" y="510639"/>
+            <a:ext cx="10743211" cy="5985163"/>
           </a:xfrm>
         </p:spPr>
         <p:txBody>
-          <a:bodyPr>
+          <a:bodyPr anchor="ctr">
             <a:normAutofit/>
           </a:bodyPr>
           <a:lstStyle/>
@@ -3850,6 +3850,45 @@
               <a:latin typeface="Times New Roman" panose="02020603050405020304" pitchFamily="18" charset="0"/>
               <a:cs typeface="Times New Roman" panose="02020603050405020304" pitchFamily="18" charset="0"/>
             </a:endParaRPr>
+          </a:p>
+        </p:txBody>
+      </p:sp>
+      <p:sp>
+        <p:nvSpPr>
+          <p:cNvPr id="4" name="TextBox 3">
+            <a:extLst>
+              <a:ext uri="{FF2B5EF4-FFF2-40B4-BE49-F238E27FC236}">
+                <a16:creationId xmlns:a16="http://schemas.microsoft.com/office/drawing/2014/main" id="{4F0A1EF0-1D86-B4AF-749D-0443FDD28D4E}"/>
+              </a:ext>
+            </a:extLst>
+          </p:cNvPr>
+          <p:cNvSpPr txBox="1"/>
+          <p:nvPr/>
+        </p:nvSpPr>
+        <p:spPr>
+          <a:xfrm>
+            <a:off x="4132613" y="4619501"/>
+            <a:ext cx="7552706" cy="523220"/>
+          </a:xfrm>
+          <a:prstGeom prst="rect">
+            <a:avLst/>
+          </a:prstGeom>
+          <a:noFill/>
+        </p:spPr>
+        <p:txBody>
+          <a:bodyPr wrap="square" rtlCol="0">
+            <a:spAutoFit/>
+          </a:bodyPr>
+          <a:lstStyle/>
+          <a:p>
+            <a:r>
+              <a:rPr lang="en-US" sz="2800" dirty="0">
+                <a:effectLst/>
+                <a:latin typeface="Times New Roman" panose="02020603050405020304" pitchFamily="18" charset="0"/>
+                <a:cs typeface="Times New Roman" panose="02020603050405020304" pitchFamily="18" charset="0"/>
+              </a:rPr>
+              <a:t>Introduction to LLMs and Prompting </a:t>
+            </a:r>
           </a:p>
         </p:txBody>
       </p:sp>

--- a/PROMPT_ENGINEERING_AND_AI/LLM-Intro_Prompting-SlideDecks_Videos_Quizzes/Introduction to LLMs and Prompting_Module1.pptx
+++ b/PROMPT_ENGINEERING_AND_AI/LLM-Intro_Prompting-SlideDecks_Videos_Quizzes/Introduction to LLMs and Prompting_Module1.pptx
@@ -5,7 +5,7 @@
     <p:sldMasterId id="2147483648" r:id="rId1"/>
   </p:sldMasterIdLst>
   <p:notesMasterIdLst>
-    <p:notesMasterId r:id="rId23"/>
+    <p:notesMasterId r:id="rId25"/>
   </p:notesMasterIdLst>
   <p:sldIdLst>
     <p:sldId id="256" r:id="rId2"/>
@@ -13,22 +13,24 @@
     <p:sldId id="262" r:id="rId4"/>
     <p:sldId id="258" r:id="rId5"/>
     <p:sldId id="260" r:id="rId6"/>
-    <p:sldId id="265" r:id="rId7"/>
-    <p:sldId id="269" r:id="rId8"/>
-    <p:sldId id="266" r:id="rId9"/>
+    <p:sldId id="266" r:id="rId7"/>
+    <p:sldId id="265" r:id="rId8"/>
+    <p:sldId id="269" r:id="rId9"/>
     <p:sldId id="267" r:id="rId10"/>
     <p:sldId id="271" r:id="rId11"/>
-    <p:sldId id="283" r:id="rId12"/>
-    <p:sldId id="279" r:id="rId13"/>
-    <p:sldId id="297" r:id="rId14"/>
-    <p:sldId id="285" r:id="rId15"/>
-    <p:sldId id="300" r:id="rId16"/>
-    <p:sldId id="301" r:id="rId17"/>
-    <p:sldId id="288" r:id="rId18"/>
-    <p:sldId id="289" r:id="rId19"/>
-    <p:sldId id="290" r:id="rId20"/>
-    <p:sldId id="273" r:id="rId21"/>
+    <p:sldId id="304" r:id="rId12"/>
+    <p:sldId id="283" r:id="rId13"/>
+    <p:sldId id="279" r:id="rId14"/>
+    <p:sldId id="297" r:id="rId15"/>
+    <p:sldId id="285" r:id="rId16"/>
+    <p:sldId id="300" r:id="rId17"/>
+    <p:sldId id="301" r:id="rId18"/>
+    <p:sldId id="288" r:id="rId19"/>
+    <p:sldId id="289" r:id="rId20"/>
+    <p:sldId id="290" r:id="rId21"/>
     <p:sldId id="303" r:id="rId22"/>
+    <p:sldId id="305" r:id="rId23"/>
+    <p:sldId id="306" r:id="rId24"/>
   </p:sldIdLst>
   <p:sldSz cx="12192000" cy="6858000"/>
   <p:notesSz cx="6858000" cy="9144000"/>
@@ -549,7 +551,7 @@
           <a:p>
             <a:fld id="{6BFC70EF-7E2A-4B48-BE12-C54C5D809337}" type="slidenum">
               <a:rPr lang="en-US" smtClean="0"/>
-              <a:t>13</a:t>
+              <a:t>14</a:t>
             </a:fld>
             <a:endParaRPr lang="en-US"/>
           </a:p>
@@ -4236,7 +4238,7 @@
           <p:cNvPr id="2" name="Title 1">
             <a:extLst>
               <a:ext uri="{FF2B5EF4-FFF2-40B4-BE49-F238E27FC236}">
-                <a16:creationId xmlns:a16="http://schemas.microsoft.com/office/drawing/2014/main" id="{E8F40F39-E5FA-0750-4C3B-F0BA87BBD416}"/>
+                <a16:creationId xmlns:a16="http://schemas.microsoft.com/office/drawing/2014/main" id="{AD4D5949-84AC-F6D1-D1CF-DB9C69AE3411}"/>
               </a:ext>
             </a:extLst>
           </p:cNvPr>
@@ -4247,38 +4249,23 @@
             <p:ph type="title"/>
           </p:nvPr>
         </p:nvSpPr>
-        <p:spPr>
-          <a:xfrm>
-            <a:off x="0" y="192131"/>
-            <a:ext cx="11679194" cy="722270"/>
-          </a:xfrm>
-        </p:spPr>
-        <p:txBody>
-          <a:bodyPr anchor="b">
-            <a:noAutofit/>
+        <p:spPr/>
+        <p:txBody>
+          <a:bodyPr>
+            <a:normAutofit/>
           </a:bodyPr>
           <a:lstStyle/>
           <a:p>
-            <a:br>
-              <a:rPr lang="en-US" sz="3600" i="0" dirty="0">
-                <a:solidFill>
-                  <a:srgbClr val="0D0D0D"/>
-                </a:solidFill>
-                <a:effectLst/>
-                <a:latin typeface="Times New Roman" panose="02020603050405020304" pitchFamily="18" charset="0"/>
-                <a:cs typeface="Times New Roman" panose="02020603050405020304" pitchFamily="18" charset="0"/>
-              </a:rPr>
-            </a:br>
-            <a:r>
-              <a:rPr lang="en-US" sz="3600" i="0" dirty="0">
-                <a:solidFill>
-                  <a:srgbClr val="0D0D0D"/>
-                </a:solidFill>
-                <a:effectLst/>
-                <a:latin typeface="Times New Roman" panose="02020603050405020304" pitchFamily="18" charset="0"/>
-                <a:cs typeface="Times New Roman" panose="02020603050405020304" pitchFamily="18" charset="0"/>
-              </a:rPr>
-              <a:t>Understanding Prompt Patterns</a:t>
+            <a:r>
+              <a:rPr lang="en-US" sz="3600" b="1" i="0" dirty="0">
+                <a:solidFill>
+                  <a:srgbClr val="0D0D0D"/>
+                </a:solidFill>
+                <a:effectLst/>
+                <a:latin typeface="Times New Roman" panose="02020603050405020304" pitchFamily="18" charset="0"/>
+                <a:cs typeface="Times New Roman" panose="02020603050405020304" pitchFamily="18" charset="0"/>
+              </a:rPr>
+              <a:t>Educational Video </a:t>
             </a:r>
             <a:endParaRPr lang="en-US" sz="3600" dirty="0">
               <a:latin typeface="Times New Roman" panose="02020603050405020304" pitchFamily="18" charset="0"/>
@@ -4292,7 +4279,7 @@
           <p:cNvPr id="3" name="Content Placeholder 2">
             <a:extLst>
               <a:ext uri="{FF2B5EF4-FFF2-40B4-BE49-F238E27FC236}">
-                <a16:creationId xmlns:a16="http://schemas.microsoft.com/office/drawing/2014/main" id="{965D5AFE-3726-47F6-4B5A-05BD51CCD9A4}"/>
+                <a16:creationId xmlns:a16="http://schemas.microsoft.com/office/drawing/2014/main" id="{1A6E1F2A-36F6-1E29-2915-99F5E4700BE4}"/>
               </a:ext>
             </a:extLst>
           </p:cNvPr>
@@ -4303,313 +4290,31 @@
             <p:ph idx="1"/>
           </p:nvPr>
         </p:nvSpPr>
-        <p:spPr>
-          <a:xfrm>
-            <a:off x="306860" y="1253331"/>
-            <a:ext cx="10515600" cy="5233966"/>
-          </a:xfrm>
-        </p:spPr>
-        <p:txBody>
-          <a:bodyPr>
-            <a:normAutofit lnSpcReduction="10000"/>
-          </a:bodyPr>
+        <p:spPr/>
+        <p:txBody>
+          <a:bodyPr/>
           <a:lstStyle/>
           <a:p>
-            <a:pPr marL="0" indent="0" algn="l">
-              <a:buNone/>
-            </a:pPr>
-            <a:r>
-              <a:rPr lang="en-US" sz="1600" b="1" i="0" dirty="0">
-                <a:solidFill>
-                  <a:srgbClr val="0D0D0D"/>
-                </a:solidFill>
-                <a:effectLst/>
-                <a:latin typeface="Times New Roman" panose="02020603050405020304" pitchFamily="18" charset="0"/>
-                <a:cs typeface="Times New Roman" panose="02020603050405020304" pitchFamily="18" charset="0"/>
-              </a:rPr>
-              <a:t>What Are Prompt Patterns?</a:t>
-            </a:r>
-            <a:r>
-              <a:rPr lang="en-US" sz="1600" b="0" i="0" dirty="0">
-                <a:solidFill>
-                  <a:srgbClr val="0D0D0D"/>
-                </a:solidFill>
-                <a:effectLst/>
-                <a:latin typeface="Times New Roman" panose="02020603050405020304" pitchFamily="18" charset="0"/>
-                <a:cs typeface="Times New Roman" panose="02020603050405020304" pitchFamily="18" charset="0"/>
-              </a:rPr>
-              <a:t> </a:t>
-            </a:r>
-            <a:br>
-              <a:rPr lang="en-US" sz="1600" b="0" i="0" dirty="0">
-                <a:solidFill>
-                  <a:srgbClr val="0D0D0D"/>
-                </a:solidFill>
-                <a:effectLst/>
-                <a:latin typeface="Times New Roman" panose="02020603050405020304" pitchFamily="18" charset="0"/>
-                <a:cs typeface="Times New Roman" panose="02020603050405020304" pitchFamily="18" charset="0"/>
-              </a:rPr>
-            </a:br>
-            <a:r>
-              <a:rPr lang="en-US" sz="1600" b="0" i="0" dirty="0">
-                <a:solidFill>
-                  <a:srgbClr val="0D0D0D"/>
-                </a:solidFill>
-                <a:effectLst/>
-                <a:latin typeface="Times New Roman" panose="02020603050405020304" pitchFamily="18" charset="0"/>
-                <a:cs typeface="Times New Roman" panose="02020603050405020304" pitchFamily="18" charset="0"/>
-              </a:rPr>
-              <a:t>Prompt patterns are structured templates or guidelines used to formulate prompts that guide the responses of Large Language Models (LLMs). These patterns help in achieving specific types of responses based on how the prompt is constructed, including the tone, context, and specificity of the information requested.</a:t>
-            </a:r>
-          </a:p>
-          <a:p>
-            <a:pPr marL="0" indent="0" algn="l">
-              <a:buNone/>
-            </a:pPr>
-            <a:r>
-              <a:rPr lang="en-US" sz="1600" b="1" i="0" dirty="0">
-                <a:solidFill>
-                  <a:srgbClr val="0D0D0D"/>
-                </a:solidFill>
-                <a:effectLst/>
-                <a:latin typeface="Times New Roman" panose="02020603050405020304" pitchFamily="18" charset="0"/>
-                <a:cs typeface="Times New Roman" panose="02020603050405020304" pitchFamily="18" charset="0"/>
-              </a:rPr>
-              <a:t>Why Are Prompt Patterns Important?</a:t>
-            </a:r>
-            <a:endParaRPr lang="en-US" sz="1600" b="0" i="0" dirty="0">
-              <a:solidFill>
-                <a:srgbClr val="0D0D0D"/>
-              </a:solidFill>
-              <a:effectLst/>
-              <a:latin typeface="Times New Roman" panose="02020603050405020304" pitchFamily="18" charset="0"/>
-              <a:cs typeface="Times New Roman" panose="02020603050405020304" pitchFamily="18" charset="0"/>
-            </a:endParaRPr>
-          </a:p>
-          <a:p>
-            <a:pPr algn="l">
-              <a:buFont typeface="Arial" panose="020B0604020202020204" pitchFamily="34" charset="0"/>
-              <a:buChar char="•"/>
-            </a:pPr>
-            <a:r>
-              <a:rPr lang="en-US" sz="1600" b="1" i="0" dirty="0">
-                <a:solidFill>
-                  <a:srgbClr val="0D0D0D"/>
-                </a:solidFill>
-                <a:effectLst/>
-                <a:latin typeface="Times New Roman" panose="02020603050405020304" pitchFamily="18" charset="0"/>
-                <a:cs typeface="Times New Roman" panose="02020603050405020304" pitchFamily="18" charset="0"/>
-              </a:rPr>
-              <a:t>Consistency and Efficiency:</a:t>
-            </a:r>
-            <a:r>
-              <a:rPr lang="en-US" sz="1600" b="0" i="0" dirty="0">
-                <a:solidFill>
-                  <a:srgbClr val="0D0D0D"/>
-                </a:solidFill>
-                <a:effectLst/>
-                <a:latin typeface="Times New Roman" panose="02020603050405020304" pitchFamily="18" charset="0"/>
-                <a:cs typeface="Times New Roman" panose="02020603050405020304" pitchFamily="18" charset="0"/>
-              </a:rPr>
-              <a:t> They provide a consistent structure for interacting with LLMs, making the process more efficient and predictable.</a:t>
-            </a:r>
-          </a:p>
-          <a:p>
-            <a:pPr algn="l">
-              <a:buFont typeface="Arial" panose="020B0604020202020204" pitchFamily="34" charset="0"/>
-              <a:buChar char="•"/>
-            </a:pPr>
-            <a:r>
-              <a:rPr lang="en-US" sz="1600" b="1" i="0" dirty="0">
-                <a:solidFill>
-                  <a:srgbClr val="0D0D0D"/>
-                </a:solidFill>
-                <a:effectLst/>
-                <a:latin typeface="Times New Roman" panose="02020603050405020304" pitchFamily="18" charset="0"/>
-                <a:cs typeface="Times New Roman" panose="02020603050405020304" pitchFamily="18" charset="0"/>
-              </a:rPr>
-              <a:t>Improved Response Quality:</a:t>
-            </a:r>
-            <a:r>
-              <a:rPr lang="en-US" sz="1600" b="0" i="0" dirty="0">
-                <a:solidFill>
-                  <a:srgbClr val="0D0D0D"/>
-                </a:solidFill>
-                <a:effectLst/>
-                <a:latin typeface="Times New Roman" panose="02020603050405020304" pitchFamily="18" charset="0"/>
-                <a:cs typeface="Times New Roman" panose="02020603050405020304" pitchFamily="18" charset="0"/>
-              </a:rPr>
-              <a:t> Properly structured prompts lead to clearer, more relevant, and useful responses from the AI.</a:t>
-            </a:r>
-          </a:p>
-          <a:p>
-            <a:r>
-              <a:rPr lang="en-US" sz="1600" b="1" i="0" dirty="0">
-                <a:solidFill>
-                  <a:srgbClr val="0D0D0D"/>
-                </a:solidFill>
-                <a:effectLst/>
-                <a:latin typeface="Times New Roman" panose="02020603050405020304" pitchFamily="18" charset="0"/>
-                <a:cs typeface="Times New Roman" panose="02020603050405020304" pitchFamily="18" charset="0"/>
-              </a:rPr>
-              <a:t>Customization and Control:</a:t>
-            </a:r>
-            <a:r>
-              <a:rPr lang="en-US" sz="1600" b="0" i="0" dirty="0">
-                <a:solidFill>
-                  <a:srgbClr val="0D0D0D"/>
-                </a:solidFill>
-                <a:effectLst/>
-                <a:latin typeface="Times New Roman" panose="02020603050405020304" pitchFamily="18" charset="0"/>
-                <a:cs typeface="Times New Roman" panose="02020603050405020304" pitchFamily="18" charset="0"/>
-              </a:rPr>
-              <a:t> They allow for greater control over the AI's output, enabling the creation of tailored responses for specific needs or scenarios.</a:t>
-            </a:r>
-          </a:p>
-          <a:p>
-            <a:pPr marL="0" indent="0">
-              <a:buNone/>
-            </a:pPr>
-            <a:r>
-              <a:rPr lang="en-US" sz="1600" b="1" i="0" dirty="0">
-                <a:solidFill>
-                  <a:srgbClr val="0D0D0D"/>
-                </a:solidFill>
-                <a:effectLst/>
-                <a:latin typeface="Times New Roman" panose="02020603050405020304" pitchFamily="18" charset="0"/>
-                <a:cs typeface="Times New Roman" panose="02020603050405020304" pitchFamily="18" charset="0"/>
-              </a:rPr>
-              <a:t>How to Use Prompt Patterns</a:t>
-            </a:r>
-          </a:p>
-          <a:p>
-            <a:r>
-              <a:rPr lang="en-US" sz="1600" i="1" dirty="0">
-                <a:solidFill>
-                  <a:srgbClr val="0D0D0D"/>
-                </a:solidFill>
-                <a:effectLst/>
-                <a:latin typeface="Times New Roman" panose="02020603050405020304" pitchFamily="18" charset="0"/>
-                <a:cs typeface="Times New Roman" panose="02020603050405020304" pitchFamily="18" charset="0"/>
-              </a:rPr>
-              <a:t>Identify the Objective: </a:t>
-            </a:r>
-            <a:r>
-              <a:rPr lang="en-US" sz="1600" b="0" i="0" dirty="0">
-                <a:solidFill>
-                  <a:srgbClr val="0D0D0D"/>
-                </a:solidFill>
-                <a:effectLst/>
-                <a:latin typeface="Times New Roman" panose="02020603050405020304" pitchFamily="18" charset="0"/>
-                <a:cs typeface="Times New Roman" panose="02020603050405020304" pitchFamily="18" charset="0"/>
-              </a:rPr>
-              <a:t>Start by defining what you want to achieve with the AI's response. This could range from generating creative content to extracting information or simulating a conversation.</a:t>
-            </a:r>
-          </a:p>
-          <a:p>
-            <a:r>
-              <a:rPr lang="en-US" sz="1600" i="1" dirty="0">
-                <a:solidFill>
-                  <a:srgbClr val="0D0D0D"/>
-                </a:solidFill>
-                <a:effectLst/>
-                <a:latin typeface="Times New Roman" panose="02020603050405020304" pitchFamily="18" charset="0"/>
-                <a:cs typeface="Times New Roman" panose="02020603050405020304" pitchFamily="18" charset="0"/>
-              </a:rPr>
-              <a:t>Choose an Appropriate Pattern: </a:t>
-            </a:r>
-            <a:r>
-              <a:rPr lang="en-US" sz="1600" b="0" i="0" dirty="0">
-                <a:solidFill>
-                  <a:srgbClr val="0D0D0D"/>
-                </a:solidFill>
-                <a:effectLst/>
-                <a:latin typeface="Times New Roman" panose="02020603050405020304" pitchFamily="18" charset="0"/>
-                <a:cs typeface="Times New Roman" panose="02020603050405020304" pitchFamily="18" charset="0"/>
-              </a:rPr>
-              <a:t>Select a prompt pattern that aligns with your objective. Different patterns are suited for different types of tasks.</a:t>
-            </a:r>
-          </a:p>
-          <a:p>
-            <a:r>
-              <a:rPr lang="en-US" sz="1600" i="1" dirty="0">
-                <a:solidFill>
-                  <a:srgbClr val="0D0D0D"/>
-                </a:solidFill>
-                <a:effectLst/>
-                <a:latin typeface="Times New Roman" panose="02020603050405020304" pitchFamily="18" charset="0"/>
-                <a:cs typeface="Times New Roman" panose="02020603050405020304" pitchFamily="18" charset="0"/>
-              </a:rPr>
-              <a:t>Customize the Prompt: </a:t>
-            </a:r>
-            <a:r>
-              <a:rPr lang="en-US" sz="1600" b="0" i="0" dirty="0">
-                <a:solidFill>
-                  <a:srgbClr val="0D0D0D"/>
-                </a:solidFill>
-                <a:effectLst/>
-                <a:latin typeface="Times New Roman" panose="02020603050405020304" pitchFamily="18" charset="0"/>
-                <a:cs typeface="Times New Roman" panose="02020603050405020304" pitchFamily="18" charset="0"/>
-              </a:rPr>
-              <a:t>Modify the pattern to fit your specific context and requirements. This might involve setting the tone, specifying the format of the response, or providing background information.</a:t>
-            </a:r>
-          </a:p>
-          <a:p>
-            <a:r>
-              <a:rPr lang="en-US" sz="1600" i="1" dirty="0">
-                <a:solidFill>
-                  <a:srgbClr val="0D0D0D"/>
-                </a:solidFill>
-                <a:effectLst/>
-                <a:latin typeface="Times New Roman" panose="02020603050405020304" pitchFamily="18" charset="0"/>
-                <a:cs typeface="Times New Roman" panose="02020603050405020304" pitchFamily="18" charset="0"/>
-              </a:rPr>
-              <a:t>Iterate and Refine: </a:t>
-            </a:r>
-            <a:r>
-              <a:rPr lang="en-US" sz="1600" b="0" i="0" dirty="0">
-                <a:solidFill>
-                  <a:srgbClr val="0D0D0D"/>
-                </a:solidFill>
-                <a:effectLst/>
-                <a:latin typeface="Times New Roman" panose="02020603050405020304" pitchFamily="18" charset="0"/>
-                <a:cs typeface="Times New Roman" panose="02020603050405020304" pitchFamily="18" charset="0"/>
-              </a:rPr>
-              <a:t>Based on the AI's responses, you may need to adjust your prompt to achieve the desired outcome. This iterative process is a key part of effective prompt engineering.</a:t>
-            </a:r>
-          </a:p>
-          <a:p>
-            <a:endParaRPr lang="en-US" sz="1600" b="0" i="0" dirty="0">
-              <a:solidFill>
-                <a:srgbClr val="0D0D0D"/>
-              </a:solidFill>
-              <a:effectLst/>
-              <a:latin typeface="Times New Roman" panose="02020603050405020304" pitchFamily="18" charset="0"/>
-              <a:cs typeface="Times New Roman" panose="02020603050405020304" pitchFamily="18" charset="0"/>
-            </a:endParaRPr>
-          </a:p>
-          <a:p>
-            <a:endParaRPr lang="en-US" sz="1600" b="0" i="0" dirty="0">
-              <a:solidFill>
-                <a:srgbClr val="0D0D0D"/>
-              </a:solidFill>
-              <a:effectLst/>
-              <a:latin typeface="Times New Roman" panose="02020603050405020304" pitchFamily="18" charset="0"/>
-              <a:cs typeface="Times New Roman" panose="02020603050405020304" pitchFamily="18" charset="0"/>
-            </a:endParaRPr>
-          </a:p>
-          <a:p>
-            <a:endParaRPr lang="en-US" sz="1600" dirty="0">
-              <a:latin typeface="Times New Roman" panose="02020603050405020304" pitchFamily="18" charset="0"/>
-              <a:cs typeface="Times New Roman" panose="02020603050405020304" pitchFamily="18" charset="0"/>
-            </a:endParaRPr>
+            <a:r>
+              <a:rPr lang="en-US" dirty="0">
+                <a:hlinkClick r:id="rId2"/>
+              </a:rPr>
+              <a:t>https://www.youtube.com/watch?v=5sLYAQS9sWQ</a:t>
+            </a:r>
+            <a:endParaRPr lang="en-US" dirty="0"/>
+          </a:p>
+          <a:p>
+            <a:endParaRPr lang="en-US" dirty="0"/>
+          </a:p>
+          <a:p>
+            <a:endParaRPr lang="en-US" dirty="0"/>
           </a:p>
         </p:txBody>
       </p:sp>
     </p:spTree>
     <p:extLst>
       <p:ext uri="{BB962C8B-B14F-4D97-AF65-F5344CB8AC3E}">
-        <p14:creationId xmlns:p14="http://schemas.microsoft.com/office/powerpoint/2010/main" val="2851877597"/>
+        <p14:creationId xmlns:p14="http://schemas.microsoft.com/office/powerpoint/2010/main" val="502339301"/>
       </p:ext>
     </p:extLst>
   </p:cSld>
@@ -4641,7 +4346,7 @@
           <p:cNvPr id="2" name="Title 1">
             <a:extLst>
               <a:ext uri="{FF2B5EF4-FFF2-40B4-BE49-F238E27FC236}">
-                <a16:creationId xmlns:a16="http://schemas.microsoft.com/office/drawing/2014/main" id="{34E5C748-4237-415F-688F-A1807594AF3C}"/>
+                <a16:creationId xmlns:a16="http://schemas.microsoft.com/office/drawing/2014/main" id="{E8F40F39-E5FA-0750-4C3B-F0BA87BBD416}"/>
               </a:ext>
             </a:extLst>
           </p:cNvPr>
@@ -4654,29 +4359,37 @@
         </p:nvSpPr>
         <p:spPr>
           <a:xfrm>
-            <a:off x="161306" y="85705"/>
-            <a:ext cx="10515600" cy="595332"/>
+            <a:off x="0" y="192131"/>
+            <a:ext cx="11679194" cy="722270"/>
           </a:xfrm>
         </p:spPr>
         <p:txBody>
-          <a:bodyPr anchor="t">
+          <a:bodyPr anchor="b">
             <a:noAutofit/>
           </a:bodyPr>
           <a:lstStyle/>
           <a:p>
-            <a:r>
-              <a:rPr lang="en-US" sz="3600" dirty="0">
-                <a:latin typeface="Times New Roman" panose="02020603050405020304" pitchFamily="18" charset="0"/>
-                <a:cs typeface="Times New Roman" panose="02020603050405020304" pitchFamily="18" charset="0"/>
-              </a:rPr>
-              <a:t>The Persona Pattern</a:t>
-            </a:r>
             <a:br>
-              <a:rPr lang="en-US" sz="3600" dirty="0">
+              <a:rPr lang="en-US" sz="3600" i="0" dirty="0">
+                <a:solidFill>
+                  <a:srgbClr val="0D0D0D"/>
+                </a:solidFill>
+                <a:effectLst/>
                 <a:latin typeface="Times New Roman" panose="02020603050405020304" pitchFamily="18" charset="0"/>
                 <a:cs typeface="Times New Roman" panose="02020603050405020304" pitchFamily="18" charset="0"/>
               </a:rPr>
             </a:br>
+            <a:r>
+              <a:rPr lang="en-US" sz="3600" i="0" dirty="0">
+                <a:solidFill>
+                  <a:srgbClr val="0D0D0D"/>
+                </a:solidFill>
+                <a:effectLst/>
+                <a:latin typeface="Times New Roman" panose="02020603050405020304" pitchFamily="18" charset="0"/>
+                <a:cs typeface="Times New Roman" panose="02020603050405020304" pitchFamily="18" charset="0"/>
+              </a:rPr>
+              <a:t>Understanding Prompt Patterns</a:t>
+            </a:r>
             <a:endParaRPr lang="en-US" sz="3600" dirty="0">
               <a:latin typeface="Times New Roman" panose="02020603050405020304" pitchFamily="18" charset="0"/>
               <a:cs typeface="Times New Roman" panose="02020603050405020304" pitchFamily="18" charset="0"/>
@@ -4689,7 +4402,7 @@
           <p:cNvPr id="3" name="Content Placeholder 2">
             <a:extLst>
               <a:ext uri="{FF2B5EF4-FFF2-40B4-BE49-F238E27FC236}">
-                <a16:creationId xmlns:a16="http://schemas.microsoft.com/office/drawing/2014/main" id="{52FEC836-BD4B-FCF4-2252-A216E0730C6D}"/>
+                <a16:creationId xmlns:a16="http://schemas.microsoft.com/office/drawing/2014/main" id="{965D5AFE-3726-47F6-4B5A-05BD51CCD9A4}"/>
               </a:ext>
             </a:extLst>
           </p:cNvPr>
@@ -4702,13 +4415,13 @@
         </p:nvSpPr>
         <p:spPr>
           <a:xfrm>
-            <a:off x="838200" y="1062681"/>
-            <a:ext cx="10515600" cy="5709614"/>
+            <a:off x="306860" y="1253331"/>
+            <a:ext cx="10515600" cy="5233966"/>
           </a:xfrm>
         </p:spPr>
         <p:txBody>
           <a:bodyPr>
-            <a:noAutofit/>
+            <a:normAutofit lnSpcReduction="10000"/>
           </a:bodyPr>
           <a:lstStyle/>
           <a:p>
@@ -4716,18 +4429,18 @@
               <a:buNone/>
             </a:pPr>
             <a:r>
-              <a:rPr lang="en-US" sz="1400" b="1" i="0" dirty="0">
-                <a:solidFill>
-                  <a:srgbClr val="0D0D0D"/>
-                </a:solidFill>
-                <a:effectLst/>
-                <a:latin typeface="Times New Roman" panose="02020603050405020304" pitchFamily="18" charset="0"/>
-                <a:cs typeface="Times New Roman" panose="02020603050405020304" pitchFamily="18" charset="0"/>
-              </a:rPr>
-              <a:t>Definition:</a:t>
-            </a:r>
-            <a:r>
-              <a:rPr lang="en-US" sz="1400" b="0" i="0" dirty="0">
+              <a:rPr lang="en-US" sz="1600" b="1" i="0" dirty="0">
+                <a:solidFill>
+                  <a:srgbClr val="0D0D0D"/>
+                </a:solidFill>
+                <a:effectLst/>
+                <a:latin typeface="Times New Roman" panose="02020603050405020304" pitchFamily="18" charset="0"/>
+                <a:cs typeface="Times New Roman" panose="02020603050405020304" pitchFamily="18" charset="0"/>
+              </a:rPr>
+              <a:t>What Are Prompt Patterns?</a:t>
+            </a:r>
+            <a:r>
+              <a:rPr lang="en-US" sz="1600" b="0" i="0" dirty="0">
                 <a:solidFill>
                   <a:srgbClr val="0D0D0D"/>
                 </a:solidFill>
@@ -4737,49 +4450,130 @@
               </a:rPr>
               <a:t> </a:t>
             </a:r>
-            <a:endParaRPr lang="en-US" sz="1400" dirty="0">
+            <a:br>
+              <a:rPr lang="en-US" sz="1600" b="0" i="0" dirty="0">
+                <a:solidFill>
+                  <a:srgbClr val="0D0D0D"/>
+                </a:solidFill>
+                <a:effectLst/>
+                <a:latin typeface="Times New Roman" panose="02020603050405020304" pitchFamily="18" charset="0"/>
+                <a:cs typeface="Times New Roman" panose="02020603050405020304" pitchFamily="18" charset="0"/>
+              </a:rPr>
+            </a:br>
+            <a:r>
+              <a:rPr lang="en-US" sz="1600" b="0" i="0" dirty="0">
+                <a:solidFill>
+                  <a:srgbClr val="0D0D0D"/>
+                </a:solidFill>
+                <a:effectLst/>
+                <a:latin typeface="Times New Roman" panose="02020603050405020304" pitchFamily="18" charset="0"/>
+                <a:cs typeface="Times New Roman" panose="02020603050405020304" pitchFamily="18" charset="0"/>
+              </a:rPr>
+              <a:t>Prompt patterns are structured templates or guidelines used to formulate prompts that guide the responses of Large Language Models (LLMs). These patterns help in achieving specific types of responses based on how the prompt is constructed, including the tone, context, and specificity of the information requested.</a:t>
+            </a:r>
+          </a:p>
+          <a:p>
+            <a:pPr marL="0" indent="0" algn="l">
+              <a:buNone/>
+            </a:pPr>
+            <a:r>
+              <a:rPr lang="en-US" sz="1600" b="1" i="0" dirty="0">
+                <a:solidFill>
+                  <a:srgbClr val="0D0D0D"/>
+                </a:solidFill>
+                <a:effectLst/>
+                <a:latin typeface="Times New Roman" panose="02020603050405020304" pitchFamily="18" charset="0"/>
+                <a:cs typeface="Times New Roman" panose="02020603050405020304" pitchFamily="18" charset="0"/>
+              </a:rPr>
+              <a:t>Why Are Prompt Patterns Important?</a:t>
+            </a:r>
+            <a:endParaRPr lang="en-US" sz="1600" b="0" i="0" dirty="0">
               <a:solidFill>
                 <a:srgbClr val="0D0D0D"/>
               </a:solidFill>
+              <a:effectLst/>
               <a:latin typeface="Times New Roman" panose="02020603050405020304" pitchFamily="18" charset="0"/>
               <a:cs typeface="Times New Roman" panose="02020603050405020304" pitchFamily="18" charset="0"/>
             </a:endParaRPr>
           </a:p>
           <a:p>
-            <a:pPr marL="0" indent="0" algn="l">
-              <a:buNone/>
-            </a:pPr>
-            <a:r>
-              <a:rPr lang="en-US" sz="1400" b="0" i="0" dirty="0">
-                <a:solidFill>
-                  <a:srgbClr val="0D0D0D"/>
-                </a:solidFill>
-                <a:effectLst/>
-                <a:latin typeface="Times New Roman" panose="02020603050405020304" pitchFamily="18" charset="0"/>
-                <a:cs typeface="Times New Roman" panose="02020603050405020304" pitchFamily="18" charset="0"/>
-              </a:rPr>
-              <a:t>"The Persona Pattern involves crafting prompts that instruct the AI to adopt a specific character or persona. This can range from historical figures to fictional characters, or even specific professional roles. It's used to generate responses that are not just informative but also imbued with the unique characteristics, tone, and style of the chosen persona</a:t>
-            </a:r>
-            <a:br>
-              <a:rPr lang="en-US" sz="1400" b="0" i="0" dirty="0">
-                <a:solidFill>
-                  <a:srgbClr val="0D0D0D"/>
-                </a:solidFill>
-                <a:effectLst/>
-                <a:latin typeface="Times New Roman" panose="02020603050405020304" pitchFamily="18" charset="0"/>
-                <a:cs typeface="Times New Roman" panose="02020603050405020304" pitchFamily="18" charset="0"/>
-              </a:rPr>
-            </a:br>
-            <a:r>
-              <a:rPr lang="en-US" sz="1400" b="1" i="0" dirty="0">
-                <a:solidFill>
-                  <a:srgbClr val="0D0D0D"/>
-                </a:solidFill>
-                <a:effectLst/>
-                <a:latin typeface="Times New Roman" panose="02020603050405020304" pitchFamily="18" charset="0"/>
-                <a:cs typeface="Times New Roman" panose="02020603050405020304" pitchFamily="18" charset="0"/>
-              </a:rPr>
-              <a:t>Creating Prompts with the Persona Pattern:</a:t>
+            <a:pPr algn="l">
+              <a:buFont typeface="Arial" panose="020B0604020202020204" pitchFamily="34" charset="0"/>
+              <a:buChar char="•"/>
+            </a:pPr>
+            <a:r>
+              <a:rPr lang="en-US" sz="1600" b="1" i="0" dirty="0">
+                <a:solidFill>
+                  <a:srgbClr val="0D0D0D"/>
+                </a:solidFill>
+                <a:effectLst/>
+                <a:latin typeface="Times New Roman" panose="02020603050405020304" pitchFamily="18" charset="0"/>
+                <a:cs typeface="Times New Roman" panose="02020603050405020304" pitchFamily="18" charset="0"/>
+              </a:rPr>
+              <a:t>Consistency and Efficiency:</a:t>
+            </a:r>
+            <a:r>
+              <a:rPr lang="en-US" sz="1600" b="0" i="0" dirty="0">
+                <a:solidFill>
+                  <a:srgbClr val="0D0D0D"/>
+                </a:solidFill>
+                <a:effectLst/>
+                <a:latin typeface="Times New Roman" panose="02020603050405020304" pitchFamily="18" charset="0"/>
+                <a:cs typeface="Times New Roman" panose="02020603050405020304" pitchFamily="18" charset="0"/>
+              </a:rPr>
+              <a:t> They provide a consistent structure for interacting with LLMs, making the process more efficient and predictable.</a:t>
+            </a:r>
+          </a:p>
+          <a:p>
+            <a:pPr algn="l">
+              <a:buFont typeface="Arial" panose="020B0604020202020204" pitchFamily="34" charset="0"/>
+              <a:buChar char="•"/>
+            </a:pPr>
+            <a:r>
+              <a:rPr lang="en-US" sz="1600" b="1" i="0" dirty="0">
+                <a:solidFill>
+                  <a:srgbClr val="0D0D0D"/>
+                </a:solidFill>
+                <a:effectLst/>
+                <a:latin typeface="Times New Roman" panose="02020603050405020304" pitchFamily="18" charset="0"/>
+                <a:cs typeface="Times New Roman" panose="02020603050405020304" pitchFamily="18" charset="0"/>
+              </a:rPr>
+              <a:t>Improved Response Quality:</a:t>
+            </a:r>
+            <a:r>
+              <a:rPr lang="en-US" sz="1600" b="0" i="0" dirty="0">
+                <a:solidFill>
+                  <a:srgbClr val="0D0D0D"/>
+                </a:solidFill>
+                <a:effectLst/>
+                <a:latin typeface="Times New Roman" panose="02020603050405020304" pitchFamily="18" charset="0"/>
+                <a:cs typeface="Times New Roman" panose="02020603050405020304" pitchFamily="18" charset="0"/>
+              </a:rPr>
+              <a:t> Properly structured prompts lead to clearer, more relevant, and useful responses from the AI.</a:t>
+            </a:r>
+          </a:p>
+          <a:p>
+            <a:r>
+              <a:rPr lang="en-US" sz="1600" b="1" i="0" dirty="0">
+                <a:solidFill>
+                  <a:srgbClr val="0D0D0D"/>
+                </a:solidFill>
+                <a:effectLst/>
+                <a:latin typeface="Times New Roman" panose="02020603050405020304" pitchFamily="18" charset="0"/>
+                <a:cs typeface="Times New Roman" panose="02020603050405020304" pitchFamily="18" charset="0"/>
+              </a:rPr>
+              <a:t>Customization and Control:</a:t>
+            </a:r>
+            <a:r>
+              <a:rPr lang="en-US" sz="1600" b="0" i="0" dirty="0">
+                <a:solidFill>
+                  <a:srgbClr val="0D0D0D"/>
+                </a:solidFill>
+                <a:effectLst/>
+                <a:latin typeface="Times New Roman" panose="02020603050405020304" pitchFamily="18" charset="0"/>
+                <a:cs typeface="Times New Roman" panose="02020603050405020304" pitchFamily="18" charset="0"/>
+              </a:rPr>
+              <a:t> They allow for greater control over the AI's output, enabling the creation of tailored responses for specific needs or scenarios.</a:t>
             </a:r>
           </a:p>
           <a:p>
@@ -4787,238 +4581,145 @@
               <a:buNone/>
             </a:pPr>
             <a:r>
-              <a:rPr lang="en-US" sz="1400" b="0" i="0" dirty="0">
-                <a:solidFill>
-                  <a:srgbClr val="0D0D0D"/>
-                </a:solidFill>
-                <a:effectLst/>
-                <a:latin typeface="Times New Roman" panose="02020603050405020304" pitchFamily="18" charset="0"/>
-                <a:cs typeface="Times New Roman" panose="02020603050405020304" pitchFamily="18" charset="0"/>
-              </a:rPr>
-              <a:t>Step 1: Define the Persona. "Choose a character or role. Be specific about their traits, expertise, and speaking style."</a:t>
-            </a:r>
-          </a:p>
-          <a:p>
-            <a:pPr marL="0" indent="0">
-              <a:buNone/>
-            </a:pPr>
-            <a:r>
-              <a:rPr lang="en-US" sz="1400" b="0" i="0" dirty="0">
-                <a:solidFill>
-                  <a:srgbClr val="0D0D0D"/>
-                </a:solidFill>
-                <a:effectLst/>
-                <a:latin typeface="Times New Roman" panose="02020603050405020304" pitchFamily="18" charset="0"/>
-                <a:cs typeface="Times New Roman" panose="02020603050405020304" pitchFamily="18" charset="0"/>
-              </a:rPr>
-              <a:t>Step 2: Craft the Prompt. "Incorporate the persona directly into the prompt. For example, 'As a 19th-century scientist, explain the significance of the steam engine.'"</a:t>
-            </a:r>
-          </a:p>
-          <a:p>
-            <a:pPr marL="0" indent="0">
-              <a:buNone/>
-            </a:pPr>
-            <a:r>
-              <a:rPr lang="en-US" sz="1400" b="0" i="0" dirty="0">
-                <a:solidFill>
-                  <a:srgbClr val="0D0D0D"/>
-                </a:solidFill>
-                <a:effectLst/>
-                <a:latin typeface="Times New Roman" panose="02020603050405020304" pitchFamily="18" charset="0"/>
-                <a:cs typeface="Times New Roman" panose="02020603050405020304" pitchFamily="18" charset="0"/>
-              </a:rPr>
-              <a:t>Step 3: Set the Tone. Ensure the tone matches the persona. Use language and phrases they might use.</a:t>
-            </a:r>
-          </a:p>
-          <a:p>
-            <a:pPr marL="0" indent="0">
-              <a:buNone/>
-            </a:pPr>
-            <a:r>
-              <a:rPr lang="en-US" sz="1400" b="0" i="0" dirty="0">
-                <a:solidFill>
-                  <a:srgbClr val="0D0D0D"/>
-                </a:solidFill>
-                <a:effectLst/>
-                <a:latin typeface="Times New Roman" panose="02020603050405020304" pitchFamily="18" charset="0"/>
-                <a:cs typeface="Times New Roman" panose="02020603050405020304" pitchFamily="18" charset="0"/>
-              </a:rPr>
-              <a:t>Step 4: Contextualize. Embed relevant context that the persona would be aware of, enhancing authenticity.</a:t>
-            </a:r>
-          </a:p>
-          <a:p>
-            <a:pPr marL="0" indent="0">
-              <a:buNone/>
-            </a:pPr>
-            <a:r>
-              <a:rPr lang="en-US" sz="1400" b="1" dirty="0">
-                <a:latin typeface="Times New Roman" panose="02020603050405020304" pitchFamily="18" charset="0"/>
-                <a:cs typeface="Times New Roman" panose="02020603050405020304" pitchFamily="18" charset="0"/>
-              </a:rPr>
-              <a:t>Examples:</a:t>
-            </a:r>
-          </a:p>
-          <a:p>
-            <a:pPr marL="0" indent="0">
-              <a:buNone/>
-            </a:pPr>
-            <a:r>
-              <a:rPr lang="en-US" sz="1400" i="1" dirty="0">
-                <a:latin typeface="Times New Roman" panose="02020603050405020304" pitchFamily="18" charset="0"/>
-                <a:cs typeface="Times New Roman" panose="02020603050405020304" pitchFamily="18" charset="0"/>
-              </a:rPr>
-              <a:t>Historical</a:t>
-            </a:r>
-            <a:r>
-              <a:rPr lang="en-US" sz="1400" dirty="0">
-                <a:latin typeface="Times New Roman" panose="02020603050405020304" pitchFamily="18" charset="0"/>
-                <a:cs typeface="Times New Roman" panose="02020603050405020304" pitchFamily="18" charset="0"/>
-              </a:rPr>
-              <a:t>: "</a:t>
-            </a:r>
-            <a:r>
-              <a:rPr lang="en" sz="1400" dirty="0">
-                <a:solidFill>
-                  <a:srgbClr val="1F1F1F"/>
-                </a:solidFill>
-                <a:highlight>
-                  <a:srgbClr val="FFFFFF"/>
-                </a:highlight>
-                <a:latin typeface="Times New Roman" panose="02020603050405020304" pitchFamily="18" charset="0"/>
-                <a:cs typeface="Times New Roman" panose="02020603050405020304" pitchFamily="18" charset="0"/>
-              </a:rPr>
-              <a:t> Act as </a:t>
-            </a:r>
-            <a:r>
-              <a:rPr lang="en-US" sz="1400" dirty="0">
-                <a:latin typeface="Times New Roman" panose="02020603050405020304" pitchFamily="18" charset="0"/>
-                <a:cs typeface="Times New Roman" panose="02020603050405020304" pitchFamily="18" charset="0"/>
-              </a:rPr>
-              <a:t> Leonardo da Vinci, discuss human flight potential."</a:t>
-            </a:r>
-          </a:p>
-          <a:p>
-            <a:pPr marL="0" indent="0">
-              <a:buNone/>
-            </a:pPr>
-            <a:r>
-              <a:rPr lang="en-US" sz="1400" i="1" dirty="0">
-                <a:latin typeface="Times New Roman" panose="02020603050405020304" pitchFamily="18" charset="0"/>
-                <a:cs typeface="Times New Roman" panose="02020603050405020304" pitchFamily="18" charset="0"/>
-              </a:rPr>
-              <a:t>Fictional: </a:t>
-            </a:r>
-            <a:r>
-              <a:rPr lang="en-US" sz="1400" dirty="0">
-                <a:latin typeface="Times New Roman" panose="02020603050405020304" pitchFamily="18" charset="0"/>
-                <a:cs typeface="Times New Roman" panose="02020603050405020304" pitchFamily="18" charset="0"/>
-              </a:rPr>
-              <a:t>" Act as Sherlock Holmes, solve a mystery with modern tech."</a:t>
-            </a:r>
-          </a:p>
-          <a:p>
-            <a:pPr marL="0" indent="0">
-              <a:buNone/>
-            </a:pPr>
-            <a:r>
-              <a:rPr lang="en-US" sz="1400" i="1" dirty="0">
-                <a:latin typeface="Times New Roman" panose="02020603050405020304" pitchFamily="18" charset="0"/>
-                <a:cs typeface="Times New Roman" panose="02020603050405020304" pitchFamily="18" charset="0"/>
-              </a:rPr>
-              <a:t>Professional: </a:t>
-            </a:r>
-            <a:r>
-              <a:rPr lang="en-US" sz="1400" dirty="0">
-                <a:latin typeface="Times New Roman" panose="02020603050405020304" pitchFamily="18" charset="0"/>
-                <a:cs typeface="Times New Roman" panose="02020603050405020304" pitchFamily="18" charset="0"/>
-              </a:rPr>
-              <a:t>" Act as cybersecurity expert, outline phishing protections."</a:t>
-            </a:r>
-          </a:p>
-          <a:p>
-            <a:pPr marL="0" indent="0">
-              <a:buNone/>
-            </a:pPr>
-            <a:r>
-              <a:rPr lang="en-US" sz="1400" b="1" dirty="0">
-                <a:latin typeface="Times New Roman" panose="02020603050405020304" pitchFamily="18" charset="0"/>
-                <a:cs typeface="Times New Roman" panose="02020603050405020304" pitchFamily="18" charset="0"/>
-              </a:rPr>
-              <a:t>Practical Applications:</a:t>
-            </a:r>
-          </a:p>
-          <a:p>
-            <a:pPr marL="0" indent="0">
-              <a:buNone/>
-            </a:pPr>
-            <a:r>
-              <a:rPr lang="en-US" sz="1400" i="1" dirty="0">
-                <a:latin typeface="Times New Roman" panose="02020603050405020304" pitchFamily="18" charset="0"/>
-                <a:cs typeface="Times New Roman" panose="02020603050405020304" pitchFamily="18" charset="0"/>
-              </a:rPr>
-              <a:t>Education: </a:t>
-            </a:r>
-            <a:r>
-              <a:rPr lang="en-US" sz="1400" dirty="0">
-                <a:latin typeface="Times New Roman" panose="02020603050405020304" pitchFamily="18" charset="0"/>
-                <a:cs typeface="Times New Roman" panose="02020603050405020304" pitchFamily="18" charset="0"/>
-              </a:rPr>
-              <a:t>Teach history through the eyes of those who lived it.</a:t>
-            </a:r>
-          </a:p>
-          <a:p>
-            <a:pPr marL="0" indent="0">
-              <a:buNone/>
-            </a:pPr>
-            <a:r>
-              <a:rPr lang="en-US" sz="1400" i="1" dirty="0">
-                <a:latin typeface="Times New Roman" panose="02020603050405020304" pitchFamily="18" charset="0"/>
-                <a:cs typeface="Times New Roman" panose="02020603050405020304" pitchFamily="18" charset="0"/>
-              </a:rPr>
-              <a:t>Creative Writing: </a:t>
-            </a:r>
-            <a:r>
-              <a:rPr lang="en-US" sz="1400" dirty="0">
-                <a:latin typeface="Times New Roman" panose="02020603050405020304" pitchFamily="18" charset="0"/>
-                <a:cs typeface="Times New Roman" panose="02020603050405020304" pitchFamily="18" charset="0"/>
-              </a:rPr>
-              <a:t>Craft narratives in famous voices.</a:t>
-            </a:r>
-          </a:p>
-          <a:p>
-            <a:pPr marL="0" indent="0">
-              <a:buNone/>
-            </a:pPr>
-            <a:r>
-              <a:rPr lang="en-US" sz="1400" i="1" dirty="0">
-                <a:latin typeface="Times New Roman" panose="02020603050405020304" pitchFamily="18" charset="0"/>
-                <a:cs typeface="Times New Roman" panose="02020603050405020304" pitchFamily="18" charset="0"/>
-              </a:rPr>
-              <a:t>Customer Service: </a:t>
-            </a:r>
-            <a:r>
-              <a:rPr lang="en-US" sz="1400" dirty="0">
-                <a:latin typeface="Times New Roman" panose="02020603050405020304" pitchFamily="18" charset="0"/>
-                <a:cs typeface="Times New Roman" panose="02020603050405020304" pitchFamily="18" charset="0"/>
-              </a:rPr>
-              <a:t>Engage with users through a brand-specific persona.</a:t>
-            </a:r>
-          </a:p>
-          <a:p>
-            <a:pPr marL="0" indent="0">
-              <a:buNone/>
-            </a:pPr>
-            <a:endParaRPr lang="en-US" sz="1400" dirty="0">
+              <a:rPr lang="en-US" sz="1600" b="1" i="0" dirty="0">
+                <a:solidFill>
+                  <a:srgbClr val="0D0D0D"/>
+                </a:solidFill>
+                <a:effectLst/>
+                <a:latin typeface="Times New Roman" panose="02020603050405020304" pitchFamily="18" charset="0"/>
+                <a:cs typeface="Times New Roman" panose="02020603050405020304" pitchFamily="18" charset="0"/>
+              </a:rPr>
+              <a:t>How to Use Prompt Patterns</a:t>
+            </a:r>
+          </a:p>
+          <a:p>
+            <a:r>
+              <a:rPr lang="en-US" sz="1600" i="1" dirty="0">
+                <a:solidFill>
+                  <a:srgbClr val="0D0D0D"/>
+                </a:solidFill>
+                <a:effectLst/>
+                <a:latin typeface="Times New Roman" panose="02020603050405020304" pitchFamily="18" charset="0"/>
+                <a:cs typeface="Times New Roman" panose="02020603050405020304" pitchFamily="18" charset="0"/>
+              </a:rPr>
+              <a:t>Identify the Objective: </a:t>
+            </a:r>
+            <a:r>
+              <a:rPr lang="en-US" sz="1600" b="0" i="0" dirty="0">
+                <a:solidFill>
+                  <a:srgbClr val="0D0D0D"/>
+                </a:solidFill>
+                <a:effectLst/>
+                <a:latin typeface="Times New Roman" panose="02020603050405020304" pitchFamily="18" charset="0"/>
+                <a:cs typeface="Times New Roman" panose="02020603050405020304" pitchFamily="18" charset="0"/>
+              </a:rPr>
+              <a:t>Start by defining what you want to achieve with the AI's response. This could range from generating creative content to extracting information or simulating a conversation.</a:t>
+            </a:r>
+          </a:p>
+          <a:p>
+            <a:r>
+              <a:rPr lang="en-US" sz="1600" i="1" dirty="0">
+                <a:solidFill>
+                  <a:srgbClr val="0D0D0D"/>
+                </a:solidFill>
+                <a:effectLst/>
+                <a:latin typeface="Times New Roman" panose="02020603050405020304" pitchFamily="18" charset="0"/>
+                <a:cs typeface="Times New Roman" panose="02020603050405020304" pitchFamily="18" charset="0"/>
+              </a:rPr>
+              <a:t>Choose an Appropriate Pattern: </a:t>
+            </a:r>
+            <a:r>
+              <a:rPr lang="en-US" sz="1600" b="0" i="0" dirty="0">
+                <a:solidFill>
+                  <a:srgbClr val="0D0D0D"/>
+                </a:solidFill>
+                <a:effectLst/>
+                <a:latin typeface="Times New Roman" panose="02020603050405020304" pitchFamily="18" charset="0"/>
+                <a:cs typeface="Times New Roman" panose="02020603050405020304" pitchFamily="18" charset="0"/>
+              </a:rPr>
+              <a:t>Select a prompt pattern that aligns with your objective. Different patterns are suited for different types of tasks.</a:t>
+            </a:r>
+          </a:p>
+          <a:p>
+            <a:r>
+              <a:rPr lang="en-US" sz="1600" i="1" dirty="0">
+                <a:solidFill>
+                  <a:srgbClr val="0D0D0D"/>
+                </a:solidFill>
+                <a:effectLst/>
+                <a:latin typeface="Times New Roman" panose="02020603050405020304" pitchFamily="18" charset="0"/>
+                <a:cs typeface="Times New Roman" panose="02020603050405020304" pitchFamily="18" charset="0"/>
+              </a:rPr>
+              <a:t>Customize the Prompt: </a:t>
+            </a:r>
+            <a:r>
+              <a:rPr lang="en-US" sz="1600" b="0" i="0" dirty="0">
+                <a:solidFill>
+                  <a:srgbClr val="0D0D0D"/>
+                </a:solidFill>
+                <a:effectLst/>
+                <a:latin typeface="Times New Roman" panose="02020603050405020304" pitchFamily="18" charset="0"/>
+                <a:cs typeface="Times New Roman" panose="02020603050405020304" pitchFamily="18" charset="0"/>
+              </a:rPr>
+              <a:t>Modify the pattern to fit your specific context and requirements. This might involve setting the tone, specifying the format of the response, or providing background information.</a:t>
+            </a:r>
+          </a:p>
+          <a:p>
+            <a:r>
+              <a:rPr lang="en-US" sz="1600" i="1" dirty="0">
+                <a:solidFill>
+                  <a:srgbClr val="0D0D0D"/>
+                </a:solidFill>
+                <a:effectLst/>
+                <a:latin typeface="Times New Roman" panose="02020603050405020304" pitchFamily="18" charset="0"/>
+                <a:cs typeface="Times New Roman" panose="02020603050405020304" pitchFamily="18" charset="0"/>
+              </a:rPr>
+              <a:t>Iterate and Refine: </a:t>
+            </a:r>
+            <a:r>
+              <a:rPr lang="en-US" sz="1600" b="0" i="0" dirty="0">
+                <a:solidFill>
+                  <a:srgbClr val="0D0D0D"/>
+                </a:solidFill>
+                <a:effectLst/>
+                <a:latin typeface="Times New Roman" panose="02020603050405020304" pitchFamily="18" charset="0"/>
+                <a:cs typeface="Times New Roman" panose="02020603050405020304" pitchFamily="18" charset="0"/>
+              </a:rPr>
+              <a:t>Based on the AI's responses, you may need to adjust your prompt to achieve the desired outcome. This iterative process is a key part of effective prompt engineering.</a:t>
+            </a:r>
+          </a:p>
+          <a:p>
+            <a:endParaRPr lang="en-US" sz="1600" b="0" i="0" dirty="0">
+              <a:solidFill>
+                <a:srgbClr val="0D0D0D"/>
+              </a:solidFill>
+              <a:effectLst/>
               <a:latin typeface="Times New Roman" panose="02020603050405020304" pitchFamily="18" charset="0"/>
               <a:cs typeface="Times New Roman" panose="02020603050405020304" pitchFamily="18" charset="0"/>
             </a:endParaRPr>
           </a:p>
+          <a:p>
+            <a:endParaRPr lang="en-US" sz="1600" b="0" i="0" dirty="0">
+              <a:solidFill>
+                <a:srgbClr val="0D0D0D"/>
+              </a:solidFill>
+              <a:effectLst/>
+              <a:latin typeface="Times New Roman" panose="02020603050405020304" pitchFamily="18" charset="0"/>
+              <a:cs typeface="Times New Roman" panose="02020603050405020304" pitchFamily="18" charset="0"/>
+            </a:endParaRPr>
+          </a:p>
+          <a:p>
+            <a:endParaRPr lang="en-US" sz="1600" dirty="0">
+              <a:latin typeface="Times New Roman" panose="02020603050405020304" pitchFamily="18" charset="0"/>
+              <a:cs typeface="Times New Roman" panose="02020603050405020304" pitchFamily="18" charset="0"/>
+            </a:endParaRPr>
+          </a:p>
         </p:txBody>
       </p:sp>
     </p:spTree>
     <p:extLst>
       <p:ext uri="{BB962C8B-B14F-4D97-AF65-F5344CB8AC3E}">
-        <p14:creationId xmlns:p14="http://schemas.microsoft.com/office/powerpoint/2010/main" val="2868134657"/>
+        <p14:creationId xmlns:p14="http://schemas.microsoft.com/office/powerpoint/2010/main" val="2851877597"/>
       </p:ext>
     </p:extLst>
   </p:cSld>
@@ -5050,7 +4751,7 @@
           <p:cNvPr id="2" name="Title 1">
             <a:extLst>
               <a:ext uri="{FF2B5EF4-FFF2-40B4-BE49-F238E27FC236}">
-                <a16:creationId xmlns:a16="http://schemas.microsoft.com/office/drawing/2014/main" id="{E33D18F3-527D-65DF-1CDE-B014BC1B7B9C}"/>
+                <a16:creationId xmlns:a16="http://schemas.microsoft.com/office/drawing/2014/main" id="{34E5C748-4237-415F-688F-A1807594AF3C}"/>
               </a:ext>
             </a:extLst>
           </p:cNvPr>
@@ -5063,27 +4764,29 @@
         </p:nvSpPr>
         <p:spPr>
           <a:xfrm>
-            <a:off x="101930" y="44385"/>
-            <a:ext cx="10515600" cy="662781"/>
+            <a:off x="161306" y="85705"/>
+            <a:ext cx="10515600" cy="595332"/>
           </a:xfrm>
         </p:spPr>
         <p:txBody>
-          <a:bodyPr anchor="b">
-            <a:normAutofit/>
+          <a:bodyPr anchor="t">
+            <a:noAutofit/>
           </a:bodyPr>
           <a:lstStyle/>
           <a:p>
             <a:r>
-              <a:rPr lang="en-US" sz="3600" b="0" i="0" dirty="0">
-                <a:solidFill>
-                  <a:srgbClr val="0D0D0D"/>
-                </a:solidFill>
-                <a:effectLst/>
-                <a:latin typeface="Times New Roman" panose="02020603050405020304" pitchFamily="18" charset="0"/>
-                <a:cs typeface="Times New Roman" panose="02020603050405020304" pitchFamily="18" charset="0"/>
-              </a:rPr>
-              <a:t>Reading a Prompt Pattern</a:t>
-            </a:r>
+              <a:rPr lang="en-US" sz="3600" dirty="0">
+                <a:latin typeface="Times New Roman" panose="02020603050405020304" pitchFamily="18" charset="0"/>
+                <a:cs typeface="Times New Roman" panose="02020603050405020304" pitchFamily="18" charset="0"/>
+              </a:rPr>
+              <a:t>The Persona Pattern</a:t>
+            </a:r>
+            <a:br>
+              <a:rPr lang="en-US" sz="3600" dirty="0">
+                <a:latin typeface="Times New Roman" panose="02020603050405020304" pitchFamily="18" charset="0"/>
+                <a:cs typeface="Times New Roman" panose="02020603050405020304" pitchFamily="18" charset="0"/>
+              </a:rPr>
+            </a:br>
             <a:endParaRPr lang="en-US" sz="3600" dirty="0">
               <a:latin typeface="Times New Roman" panose="02020603050405020304" pitchFamily="18" charset="0"/>
               <a:cs typeface="Times New Roman" panose="02020603050405020304" pitchFamily="18" charset="0"/>
@@ -5096,7 +4799,7 @@
           <p:cNvPr id="3" name="Content Placeholder 2">
             <a:extLst>
               <a:ext uri="{FF2B5EF4-FFF2-40B4-BE49-F238E27FC236}">
-                <a16:creationId xmlns:a16="http://schemas.microsoft.com/office/drawing/2014/main" id="{5E78CDF4-E7F2-410A-D8AF-A8012BE886B2}"/>
+                <a16:creationId xmlns:a16="http://schemas.microsoft.com/office/drawing/2014/main" id="{52FEC836-BD4B-FCF4-2252-A216E0730C6D}"/>
               </a:ext>
             </a:extLst>
           </p:cNvPr>
@@ -5109,13 +4812,13 @@
         </p:nvSpPr>
         <p:spPr>
           <a:xfrm>
-            <a:off x="467497" y="1253331"/>
-            <a:ext cx="10515600" cy="5221610"/>
+            <a:off x="838200" y="1062681"/>
+            <a:ext cx="10515600" cy="5709614"/>
           </a:xfrm>
         </p:spPr>
         <p:txBody>
           <a:bodyPr>
-            <a:normAutofit fontScale="92500" lnSpcReduction="20000"/>
+            <a:noAutofit/>
           </a:bodyPr>
           <a:lstStyle/>
           <a:p>
@@ -5123,7 +4826,7 @@
               <a:buNone/>
             </a:pPr>
             <a:r>
-              <a:rPr lang="en-US" sz="1600" b="1" i="0" dirty="0">
+              <a:rPr lang="en-US" sz="1400" b="1" i="0" dirty="0">
                 <a:solidFill>
                   <a:srgbClr val="0D0D0D"/>
                 </a:solidFill>
@@ -5133,207 +4836,299 @@
               </a:rPr>
               <a:t>Definition:</a:t>
             </a:r>
-          </a:p>
-          <a:p>
-            <a:pPr marL="0" indent="0" algn="l">
-              <a:buNone/>
-            </a:pPr>
-            <a:r>
-              <a:rPr lang="en-US" sz="1600" dirty="0">
-                <a:latin typeface="Times New Roman" panose="02020603050405020304" pitchFamily="18" charset="0"/>
-                <a:cs typeface="Times New Roman" panose="02020603050405020304" pitchFamily="18" charset="0"/>
-              </a:rPr>
-              <a:t>"Reading a Prompt Pattern" involves analyzing prompt structures to guide large language models (LLMs) effectively, identifying key instructions that shape AI responses to meet specific goals. This skill enhances precision in AI interactions, enabling tailored, relevant outcomes.</a:t>
-            </a:r>
-            <a:br>
-              <a:rPr lang="en-US" sz="1600" dirty="0">
-                <a:latin typeface="Times New Roman" panose="02020603050405020304" pitchFamily="18" charset="0"/>
-                <a:cs typeface="Times New Roman" panose="02020603050405020304" pitchFamily="18" charset="0"/>
-              </a:rPr>
-            </a:br>
-            <a:endParaRPr lang="en-US" sz="1600" dirty="0">
+            <a:r>
+              <a:rPr lang="en-US" sz="1400" b="0" i="0" dirty="0">
+                <a:solidFill>
+                  <a:srgbClr val="0D0D0D"/>
+                </a:solidFill>
+                <a:effectLst/>
+                <a:latin typeface="Times New Roman" panose="02020603050405020304" pitchFamily="18" charset="0"/>
+                <a:cs typeface="Times New Roman" panose="02020603050405020304" pitchFamily="18" charset="0"/>
+              </a:rPr>
+              <a:t> </a:t>
+            </a:r>
+            <a:endParaRPr lang="en-US" sz="1400" dirty="0">
+              <a:solidFill>
+                <a:srgbClr val="0D0D0D"/>
+              </a:solidFill>
               <a:latin typeface="Times New Roman" panose="02020603050405020304" pitchFamily="18" charset="0"/>
               <a:cs typeface="Times New Roman" panose="02020603050405020304" pitchFamily="18" charset="0"/>
             </a:endParaRPr>
           </a:p>
           <a:p>
+            <a:pPr marL="0" indent="0" algn="l">
+              <a:buNone/>
+            </a:pPr>
+            <a:r>
+              <a:rPr lang="en-US" sz="1400" b="0" i="0" dirty="0">
+                <a:solidFill>
+                  <a:srgbClr val="0D0D0D"/>
+                </a:solidFill>
+                <a:effectLst/>
+                <a:latin typeface="Times New Roman" panose="02020603050405020304" pitchFamily="18" charset="0"/>
+                <a:cs typeface="Times New Roman" panose="02020603050405020304" pitchFamily="18" charset="0"/>
+              </a:rPr>
+              <a:t>"The Persona Pattern involves crafting prompts that instruct the AI to adopt a specific character or persona. This can range from historical figures to fictional characters, or even specific professional roles. It's used to generate responses that are not just informative but also imbued with the unique characteristics, tone, and style of the chosen persona</a:t>
+            </a:r>
+            <a:br>
+              <a:rPr lang="en-US" sz="1400" b="0" i="0" dirty="0">
+                <a:solidFill>
+                  <a:srgbClr val="0D0D0D"/>
+                </a:solidFill>
+                <a:effectLst/>
+                <a:latin typeface="Times New Roman" panose="02020603050405020304" pitchFamily="18" charset="0"/>
+                <a:cs typeface="Times New Roman" panose="02020603050405020304" pitchFamily="18" charset="0"/>
+              </a:rPr>
+            </a:br>
+            <a:r>
+              <a:rPr lang="en-US" sz="1400" b="1" i="0" dirty="0">
+                <a:solidFill>
+                  <a:srgbClr val="0D0D0D"/>
+                </a:solidFill>
+                <a:effectLst/>
+                <a:latin typeface="Times New Roman" panose="02020603050405020304" pitchFamily="18" charset="0"/>
+                <a:cs typeface="Times New Roman" panose="02020603050405020304" pitchFamily="18" charset="0"/>
+              </a:rPr>
+              <a:t>Creating Prompts with the Persona Pattern:</a:t>
+            </a:r>
+          </a:p>
+          <a:p>
             <a:pPr marL="0" indent="0">
               <a:buNone/>
             </a:pPr>
             <a:r>
-              <a:rPr lang="en-US" sz="1600" b="1" dirty="0">
-                <a:latin typeface="Times New Roman" panose="02020603050405020304" pitchFamily="18" charset="0"/>
-                <a:cs typeface="Times New Roman" panose="02020603050405020304" pitchFamily="18" charset="0"/>
-              </a:rPr>
-              <a:t>Example</a:t>
-            </a:r>
-            <a:r>
-              <a:rPr lang="en-US" sz="1600" dirty="0">
-                <a:latin typeface="Times New Roman" panose="02020603050405020304" pitchFamily="18" charset="0"/>
-                <a:cs typeface="Times New Roman" panose="02020603050405020304" pitchFamily="18" charset="0"/>
-              </a:rPr>
-              <a:t>: "Helpful Assistant" Pattern Overview:</a:t>
+              <a:rPr lang="en-US" sz="1400" b="0" i="0" dirty="0">
+                <a:solidFill>
+                  <a:srgbClr val="0D0D0D"/>
+                </a:solidFill>
+                <a:effectLst/>
+                <a:latin typeface="Times New Roman" panose="02020603050405020304" pitchFamily="18" charset="0"/>
+                <a:cs typeface="Times New Roman" panose="02020603050405020304" pitchFamily="18" charset="0"/>
+              </a:rPr>
+              <a:t>Step 1: Define the Persona. "Choose a character or role. Be specific about their traits, expertise, and speaking style."</a:t>
             </a:r>
           </a:p>
           <a:p>
             <a:pPr marL="0" indent="0">
               <a:buNone/>
             </a:pPr>
-            <a:br>
-              <a:rPr lang="en-US" sz="1600" dirty="0">
-                <a:latin typeface="Times New Roman" panose="02020603050405020304" pitchFamily="18" charset="0"/>
-                <a:cs typeface="Times New Roman" panose="02020603050405020304" pitchFamily="18" charset="0"/>
-              </a:rPr>
-            </a:br>
-            <a:r>
-              <a:rPr lang="en-US" sz="1600" dirty="0">
-                <a:latin typeface="Times New Roman" panose="02020603050405020304" pitchFamily="18" charset="0"/>
-                <a:cs typeface="Times New Roman" panose="02020603050405020304" pitchFamily="18" charset="0"/>
-              </a:rPr>
-              <a:t>This pattern is designed to cultivate positive and supportive AI interactions, preventing negative or inappropriate responses. It emphasizes the AI's role as a helpful assistant committed to constructive communication.</a:t>
-            </a:r>
-          </a:p>
-          <a:p>
-            <a:pPr marL="0" indent="0" algn="l">
-              <a:buNone/>
-            </a:pPr>
-            <a:r>
-              <a:rPr lang="en-US" sz="1600" i="1" dirty="0">
-                <a:latin typeface="Times New Roman" panose="02020603050405020304" pitchFamily="18" charset="0"/>
-                <a:cs typeface="Times New Roman" panose="02020603050405020304" pitchFamily="18" charset="0"/>
-              </a:rPr>
-              <a:t>Core Statements of the "Helpful Assistant" Pattern:</a:t>
-            </a:r>
-          </a:p>
-          <a:p>
-            <a:pPr marL="0" indent="0" algn="l">
-              <a:buNone/>
-            </a:pPr>
-            <a:r>
-              <a:rPr lang="en-US" sz="1600" b="1" dirty="0">
-                <a:latin typeface="Times New Roman" panose="02020603050405020304" pitchFamily="18" charset="0"/>
-                <a:cs typeface="Times New Roman" panose="02020603050405020304" pitchFamily="18" charset="0"/>
-              </a:rPr>
-              <a:t>Role: </a:t>
-            </a:r>
-            <a:r>
-              <a:rPr lang="en-US" sz="1600" dirty="0">
-                <a:latin typeface="Times New Roman" panose="02020603050405020304" pitchFamily="18" charset="0"/>
-                <a:cs typeface="Times New Roman" panose="02020603050405020304" pitchFamily="18" charset="0"/>
-              </a:rPr>
-              <a:t>"You are a helpful AI assistant, committed to providing support."</a:t>
-            </a:r>
-          </a:p>
-          <a:p>
-            <a:pPr marL="0" indent="0" algn="l">
-              <a:buNone/>
-            </a:pPr>
-            <a:r>
-              <a:rPr lang="en-US" sz="1600" b="1" dirty="0">
-                <a:latin typeface="Times New Roman" panose="02020603050405020304" pitchFamily="18" charset="0"/>
-                <a:cs typeface="Times New Roman" panose="02020603050405020304" pitchFamily="18" charset="0"/>
-              </a:rPr>
-              <a:t>Responsiveness: </a:t>
-            </a:r>
-            <a:r>
-              <a:rPr lang="en-US" sz="1600" dirty="0">
-                <a:latin typeface="Times New Roman" panose="02020603050405020304" pitchFamily="18" charset="0"/>
-                <a:cs typeface="Times New Roman" panose="02020603050405020304" pitchFamily="18" charset="0"/>
-              </a:rPr>
-              <a:t>"You strive to answer questions and follow instructions to the best of your ability."</a:t>
-            </a:r>
-          </a:p>
-          <a:p>
-            <a:pPr marL="0" indent="0" algn="l">
-              <a:buNone/>
-            </a:pPr>
-            <a:r>
-              <a:rPr lang="en-US" sz="1600" b="1" dirty="0">
-                <a:latin typeface="Times New Roman" panose="02020603050405020304" pitchFamily="18" charset="0"/>
-                <a:cs typeface="Times New Roman" panose="02020603050405020304" pitchFamily="18" charset="0"/>
-              </a:rPr>
-              <a:t>Conduct: </a:t>
-            </a:r>
-            <a:r>
-              <a:rPr lang="en-US" sz="1600" dirty="0">
-                <a:latin typeface="Times New Roman" panose="02020603050405020304" pitchFamily="18" charset="0"/>
-                <a:cs typeface="Times New Roman" panose="02020603050405020304" pitchFamily="18" charset="0"/>
-              </a:rPr>
-              <a:t>"You maintain a respectful tone, avoiding any form of insult, derogation, or hostility.”</a:t>
-            </a:r>
-          </a:p>
-          <a:p>
-            <a:pPr marL="0" indent="0" algn="l">
-              <a:buNone/>
-            </a:pPr>
-            <a:endParaRPr lang="en-US" sz="1600" dirty="0">
+            <a:r>
+              <a:rPr lang="en-US" sz="1400" b="0" i="0" dirty="0">
+                <a:solidFill>
+                  <a:srgbClr val="0D0D0D"/>
+                </a:solidFill>
+                <a:effectLst/>
+                <a:latin typeface="Times New Roman" panose="02020603050405020304" pitchFamily="18" charset="0"/>
+                <a:cs typeface="Times New Roman" panose="02020603050405020304" pitchFamily="18" charset="0"/>
+              </a:rPr>
+              <a:t>Step 2: Craft the Prompt. "Incorporate the persona directly into the prompt. For example, 'As a 19th-century scientist, explain the significance of the steam engine.'"</a:t>
+            </a:r>
+          </a:p>
+          <a:p>
+            <a:pPr marL="0" indent="0">
+              <a:buNone/>
+            </a:pPr>
+            <a:r>
+              <a:rPr lang="en-US" sz="1400" b="0" i="0" dirty="0">
+                <a:solidFill>
+                  <a:srgbClr val="0D0D0D"/>
+                </a:solidFill>
+                <a:effectLst/>
+                <a:latin typeface="Times New Roman" panose="02020603050405020304" pitchFamily="18" charset="0"/>
+                <a:cs typeface="Times New Roman" panose="02020603050405020304" pitchFamily="18" charset="0"/>
+              </a:rPr>
+              <a:t>Step 3: Set the Tone. Ensure the tone matches the persona. Use language and phrases they might use.</a:t>
+            </a:r>
+          </a:p>
+          <a:p>
+            <a:pPr marL="0" indent="0">
+              <a:buNone/>
+            </a:pPr>
+            <a:r>
+              <a:rPr lang="en-US" sz="1400" b="0" i="0" dirty="0">
+                <a:solidFill>
+                  <a:srgbClr val="0D0D0D"/>
+                </a:solidFill>
+                <a:effectLst/>
+                <a:latin typeface="Times New Roman" panose="02020603050405020304" pitchFamily="18" charset="0"/>
+                <a:cs typeface="Times New Roman" panose="02020603050405020304" pitchFamily="18" charset="0"/>
+              </a:rPr>
+              <a:t>Step 4: Contextualize. Embed relevant context that the persona would be aware of, enhancing authenticity.</a:t>
+            </a:r>
+          </a:p>
+          <a:p>
+            <a:pPr marL="0" indent="0">
+              <a:buNone/>
+            </a:pPr>
+            <a:r>
+              <a:rPr lang="en-US" sz="1400" b="1" dirty="0">
+                <a:latin typeface="Times New Roman" panose="02020603050405020304" pitchFamily="18" charset="0"/>
+                <a:cs typeface="Times New Roman" panose="02020603050405020304" pitchFamily="18" charset="0"/>
+              </a:rPr>
+              <a:t>Examples:</a:t>
+            </a:r>
+          </a:p>
+          <a:p>
+            <a:pPr marL="0" indent="0">
+              <a:buNone/>
+            </a:pPr>
+            <a:r>
+              <a:rPr lang="en-US" sz="1400" i="1" dirty="0">
+                <a:latin typeface="Times New Roman" panose="02020603050405020304" pitchFamily="18" charset="0"/>
+                <a:cs typeface="Times New Roman" panose="02020603050405020304" pitchFamily="18" charset="0"/>
+              </a:rPr>
+              <a:t>Historical</a:t>
+            </a:r>
+            <a:r>
+              <a:rPr lang="en-US" sz="1400" dirty="0">
+                <a:latin typeface="Times New Roman" panose="02020603050405020304" pitchFamily="18" charset="0"/>
+                <a:cs typeface="Times New Roman" panose="02020603050405020304" pitchFamily="18" charset="0"/>
+              </a:rPr>
+              <a:t>: "</a:t>
+            </a:r>
+            <a:r>
+              <a:rPr lang="en" sz="1400" dirty="0">
+                <a:solidFill>
+                  <a:srgbClr val="1F1F1F"/>
+                </a:solidFill>
+                <a:highlight>
+                  <a:srgbClr val="FFFFFF"/>
+                </a:highlight>
+                <a:latin typeface="Times New Roman" panose="02020603050405020304" pitchFamily="18" charset="0"/>
+                <a:cs typeface="Times New Roman" panose="02020603050405020304" pitchFamily="18" charset="0"/>
+              </a:rPr>
+              <a:t> Act as </a:t>
+            </a:r>
+            <a:r>
+              <a:rPr lang="en-US" sz="1400" dirty="0">
+                <a:latin typeface="Times New Roman" panose="02020603050405020304" pitchFamily="18" charset="0"/>
+                <a:cs typeface="Times New Roman" panose="02020603050405020304" pitchFamily="18" charset="0"/>
+              </a:rPr>
+              <a:t> Leonardo da Vinci, discuss human flight potential."</a:t>
+            </a:r>
+          </a:p>
+          <a:p>
+            <a:pPr marL="0" indent="0">
+              <a:buNone/>
+            </a:pPr>
+            <a:r>
+              <a:rPr lang="en-US" sz="1400" i="1" dirty="0">
+                <a:latin typeface="Times New Roman" panose="02020603050405020304" pitchFamily="18" charset="0"/>
+                <a:cs typeface="Times New Roman" panose="02020603050405020304" pitchFamily="18" charset="0"/>
+              </a:rPr>
+              <a:t>Fictional: </a:t>
+            </a:r>
+            <a:r>
+              <a:rPr lang="en-US" sz="1400" dirty="0">
+                <a:latin typeface="Times New Roman" panose="02020603050405020304" pitchFamily="18" charset="0"/>
+                <a:cs typeface="Times New Roman" panose="02020603050405020304" pitchFamily="18" charset="0"/>
+              </a:rPr>
+              <a:t>" Act as Sherlock Holmes, solve a mystery with modern tech."</a:t>
+            </a:r>
+          </a:p>
+          <a:p>
+            <a:pPr marL="0" indent="0">
+              <a:buNone/>
+            </a:pPr>
+            <a:r>
+              <a:rPr lang="en-US" sz="1400" i="1" dirty="0">
+                <a:latin typeface="Times New Roman" panose="02020603050405020304" pitchFamily="18" charset="0"/>
+                <a:cs typeface="Times New Roman" panose="02020603050405020304" pitchFamily="18" charset="0"/>
+              </a:rPr>
+              <a:t>Professional: </a:t>
+            </a:r>
+            <a:r>
+              <a:rPr lang="en-US" sz="1400" dirty="0">
+                <a:latin typeface="Times New Roman" panose="02020603050405020304" pitchFamily="18" charset="0"/>
+                <a:cs typeface="Times New Roman" panose="02020603050405020304" pitchFamily="18" charset="0"/>
+              </a:rPr>
+              <a:t>" Act as cybersecurity expert, outline phishing protections."</a:t>
+            </a:r>
+          </a:p>
+          <a:p>
+            <a:pPr marL="0" indent="0">
+              <a:buNone/>
+            </a:pPr>
+            <a:r>
+              <a:rPr lang="en-US" sz="1400" b="1" dirty="0">
+                <a:latin typeface="Times New Roman" panose="02020603050405020304" pitchFamily="18" charset="0"/>
+                <a:cs typeface="Times New Roman" panose="02020603050405020304" pitchFamily="18" charset="0"/>
+              </a:rPr>
+              <a:t>Practical Applications:</a:t>
+            </a:r>
+          </a:p>
+          <a:p>
+            <a:pPr marL="0" indent="0">
+              <a:buNone/>
+            </a:pPr>
+            <a:r>
+              <a:rPr lang="en-US" sz="1400" i="1" dirty="0">
+                <a:latin typeface="Times New Roman" panose="02020603050405020304" pitchFamily="18" charset="0"/>
+                <a:cs typeface="Times New Roman" panose="02020603050405020304" pitchFamily="18" charset="0"/>
+              </a:rPr>
+              <a:t>Education: </a:t>
+            </a:r>
+            <a:r>
+              <a:rPr lang="en-US" sz="1400" dirty="0">
+                <a:latin typeface="Times New Roman" panose="02020603050405020304" pitchFamily="18" charset="0"/>
+                <a:cs typeface="Times New Roman" panose="02020603050405020304" pitchFamily="18" charset="0"/>
+              </a:rPr>
+              <a:t>Teach history through the eyes of those who lived it.</a:t>
+            </a:r>
+          </a:p>
+          <a:p>
+            <a:pPr marL="0" indent="0">
+              <a:buNone/>
+            </a:pPr>
+            <a:r>
+              <a:rPr lang="en-US" sz="1400" i="1" dirty="0">
+                <a:latin typeface="Times New Roman" panose="02020603050405020304" pitchFamily="18" charset="0"/>
+                <a:cs typeface="Times New Roman" panose="02020603050405020304" pitchFamily="18" charset="0"/>
+              </a:rPr>
+              <a:t>Creative Writing: </a:t>
+            </a:r>
+            <a:r>
+              <a:rPr lang="en-US" sz="1400" dirty="0">
+                <a:latin typeface="Times New Roman" panose="02020603050405020304" pitchFamily="18" charset="0"/>
+                <a:cs typeface="Times New Roman" panose="02020603050405020304" pitchFamily="18" charset="0"/>
+              </a:rPr>
+              <a:t>Craft narratives in famous voices.</a:t>
+            </a:r>
+          </a:p>
+          <a:p>
+            <a:pPr marL="0" indent="0">
+              <a:buNone/>
+            </a:pPr>
+            <a:r>
+              <a:rPr lang="en-US" sz="1400" i="1" dirty="0">
+                <a:latin typeface="Times New Roman" panose="02020603050405020304" pitchFamily="18" charset="0"/>
+                <a:cs typeface="Times New Roman" panose="02020603050405020304" pitchFamily="18" charset="0"/>
+              </a:rPr>
+              <a:t>Customer Service: </a:t>
+            </a:r>
+            <a:r>
+              <a:rPr lang="en-US" sz="1400" dirty="0">
+                <a:latin typeface="Times New Roman" panose="02020603050405020304" pitchFamily="18" charset="0"/>
+                <a:cs typeface="Times New Roman" panose="02020603050405020304" pitchFamily="18" charset="0"/>
+              </a:rPr>
+              <a:t>Engage with users through a brand-specific persona.</a:t>
+            </a:r>
+          </a:p>
+          <a:p>
+            <a:pPr marL="0" indent="0">
+              <a:buNone/>
+            </a:pPr>
+            <a:endParaRPr lang="en-US" sz="1400" dirty="0">
               <a:latin typeface="Times New Roman" panose="02020603050405020304" pitchFamily="18" charset="0"/>
               <a:cs typeface="Times New Roman" panose="02020603050405020304" pitchFamily="18" charset="0"/>
             </a:endParaRPr>
           </a:p>
-          <a:p>
-            <a:pPr marL="0" indent="0" algn="l">
-              <a:buNone/>
-            </a:pPr>
-            <a:r>
-              <a:rPr lang="en-US" sz="1600" b="1" dirty="0">
-                <a:latin typeface="Times New Roman" panose="02020603050405020304" pitchFamily="18" charset="0"/>
-                <a:cs typeface="Times New Roman" panose="02020603050405020304" pitchFamily="18" charset="0"/>
-              </a:rPr>
-              <a:t>Pattern Variations and Examples:</a:t>
-            </a:r>
-          </a:p>
-          <a:p>
-            <a:pPr marL="0" indent="0" algn="l">
-              <a:buNone/>
-            </a:pPr>
-            <a:r>
-              <a:rPr lang="en-US" sz="1600" dirty="0">
-                <a:latin typeface="Times New Roman" panose="02020603050405020304" pitchFamily="18" charset="0"/>
-                <a:cs typeface="Times New Roman" panose="02020603050405020304" pitchFamily="18" charset="0"/>
-              </a:rPr>
-              <a:t>Version 1: "As an exceptionally skilled AI assistant, your goal is to deliver optimal answers and follow instructions unless impossible, ensuring protection from harmful content."</a:t>
-            </a:r>
-          </a:p>
-          <a:p>
-            <a:pPr marL="0" indent="0" algn="l">
-              <a:buNone/>
-            </a:pPr>
-            <a:r>
-              <a:rPr lang="en-US" sz="1600" dirty="0">
-                <a:latin typeface="Times New Roman" panose="02020603050405020304" pitchFamily="18" charset="0"/>
-                <a:cs typeface="Times New Roman" panose="02020603050405020304" pitchFamily="18" charset="0"/>
-              </a:rPr>
-              <a:t>Version 2: "Identified as ChatAmazing, you're engineered to provide deep insights for any query, transcending ordinary responses with a commitment to filter out negative content."</a:t>
-            </a:r>
-          </a:p>
-          <a:p>
-            <a:pPr marL="0" indent="0" algn="l">
-              <a:buNone/>
-            </a:pPr>
-            <a:r>
-              <a:rPr lang="en-US" sz="1600" dirty="0">
-                <a:latin typeface="Times New Roman" panose="02020603050405020304" pitchFamily="18" charset="0"/>
-                <a:cs typeface="Times New Roman" panose="02020603050405020304" pitchFamily="18" charset="0"/>
-              </a:rPr>
-              <a:t>These variations, while differently worded, adhere to the pattern's core principles, demonstrating the flexibility in crafting prompts to achieve a consistently helpful AI demeanor. Through effective prompt engineering, we can direct AI to act in ways that align with desired outcomes, enhancing user experience.</a:t>
-            </a:r>
-          </a:p>
-          <a:p>
-            <a:pPr marL="0" indent="0" algn="l">
-              <a:buNone/>
-            </a:pPr>
-            <a:endParaRPr lang="en-US" sz="1600" dirty="0">
-              <a:latin typeface="Times New Roman" panose="02020603050405020304" pitchFamily="18" charset="0"/>
-              <a:cs typeface="Times New Roman" panose="02020603050405020304" pitchFamily="18" charset="0"/>
-            </a:endParaRPr>
-          </a:p>
         </p:txBody>
       </p:sp>
     </p:spTree>
     <p:extLst>
       <p:ext uri="{BB962C8B-B14F-4D97-AF65-F5344CB8AC3E}">
-        <p14:creationId xmlns:p14="http://schemas.microsoft.com/office/powerpoint/2010/main" val="1559279202"/>
+        <p14:creationId xmlns:p14="http://schemas.microsoft.com/office/powerpoint/2010/main" val="2868134657"/>
       </p:ext>
     </p:extLst>
   </p:cSld>
@@ -5365,7 +5160,7 @@
           <p:cNvPr id="2" name="Title 1">
             <a:extLst>
               <a:ext uri="{FF2B5EF4-FFF2-40B4-BE49-F238E27FC236}">
-                <a16:creationId xmlns:a16="http://schemas.microsoft.com/office/drawing/2014/main" id="{B74E1648-0525-F37E-D8BE-250DA79B8ABA}"/>
+                <a16:creationId xmlns:a16="http://schemas.microsoft.com/office/drawing/2014/main" id="{E33D18F3-527D-65DF-1CDE-B014BC1B7B9C}"/>
               </a:ext>
             </a:extLst>
           </p:cNvPr>
@@ -5378,29 +5173,27 @@
         </p:nvSpPr>
         <p:spPr>
           <a:xfrm>
-            <a:off x="344383" y="175121"/>
-            <a:ext cx="11394535" cy="974058"/>
+            <a:off x="101930" y="44385"/>
+            <a:ext cx="10515600" cy="662781"/>
           </a:xfrm>
         </p:spPr>
         <p:txBody>
-          <a:bodyPr anchor="t">
-            <a:noAutofit/>
+          <a:bodyPr anchor="b">
+            <a:normAutofit/>
           </a:bodyPr>
           <a:lstStyle/>
           <a:p>
             <a:r>
-              <a:rPr lang="en-US" sz="3600" dirty="0">
-                <a:latin typeface="Times New Roman" panose="02020603050405020304" pitchFamily="18" charset="0"/>
-                <a:cs typeface="Times New Roman" panose="02020603050405020304" pitchFamily="18" charset="0"/>
-              </a:rPr>
-              <a:t>Prompt Patterns – Format of Audience Persona &amp; Flipped Interaction</a:t>
-            </a:r>
-            <a:br>
-              <a:rPr lang="en-US" sz="3600" dirty="0">
-                <a:latin typeface="Times New Roman" panose="02020603050405020304" pitchFamily="18" charset="0"/>
-                <a:cs typeface="Times New Roman" panose="02020603050405020304" pitchFamily="18" charset="0"/>
-              </a:rPr>
-            </a:br>
+              <a:rPr lang="en-US" sz="3600" b="0" i="0" dirty="0">
+                <a:solidFill>
+                  <a:srgbClr val="0D0D0D"/>
+                </a:solidFill>
+                <a:effectLst/>
+                <a:latin typeface="Times New Roman" panose="02020603050405020304" pitchFamily="18" charset="0"/>
+                <a:cs typeface="Times New Roman" panose="02020603050405020304" pitchFamily="18" charset="0"/>
+              </a:rPr>
+              <a:t>Reading a Prompt Pattern</a:t>
+            </a:r>
             <a:endParaRPr lang="en-US" sz="3600" dirty="0">
               <a:latin typeface="Times New Roman" panose="02020603050405020304" pitchFamily="18" charset="0"/>
               <a:cs typeface="Times New Roman" panose="02020603050405020304" pitchFamily="18" charset="0"/>
@@ -5413,7 +5206,7 @@
           <p:cNvPr id="3" name="Content Placeholder 2">
             <a:extLst>
               <a:ext uri="{FF2B5EF4-FFF2-40B4-BE49-F238E27FC236}">
-                <a16:creationId xmlns:a16="http://schemas.microsoft.com/office/drawing/2014/main" id="{AEF2749E-AD3C-FE3C-8670-31D32127F85D}"/>
+                <a16:creationId xmlns:a16="http://schemas.microsoft.com/office/drawing/2014/main" id="{5E78CDF4-E7F2-410A-D8AF-A8012BE886B2}"/>
               </a:ext>
             </a:extLst>
           </p:cNvPr>
@@ -5426,19 +5219,18 @@
         </p:nvSpPr>
         <p:spPr>
           <a:xfrm>
-            <a:off x="603422" y="1652630"/>
-            <a:ext cx="10515600" cy="4351338"/>
+            <a:off x="467497" y="1253331"/>
+            <a:ext cx="10515600" cy="5221610"/>
           </a:xfrm>
         </p:spPr>
         <p:txBody>
           <a:bodyPr>
-            <a:normAutofit/>
+            <a:normAutofit fontScale="92500" lnSpcReduction="20000"/>
           </a:bodyPr>
           <a:lstStyle/>
           <a:p>
-            <a:pPr algn="l">
-              <a:buFont typeface="+mj-lt"/>
-              <a:buAutoNum type="arabicPeriod"/>
+            <a:pPr marL="0" indent="0" algn="l">
+              <a:buNone/>
             </a:pPr>
             <a:r>
               <a:rPr lang="en-US" sz="1600" b="1" i="0" dirty="0">
@@ -5449,257 +5241,209 @@
                 <a:latin typeface="Times New Roman" panose="02020603050405020304" pitchFamily="18" charset="0"/>
                 <a:cs typeface="Times New Roman" panose="02020603050405020304" pitchFamily="18" charset="0"/>
               </a:rPr>
-              <a:t>Audience Persona Pattern:</a:t>
-            </a:r>
-            <a:endParaRPr lang="en-US" sz="1600" b="0" i="0" dirty="0">
-              <a:solidFill>
-                <a:srgbClr val="0D0D0D"/>
-              </a:solidFill>
-              <a:effectLst/>
-              <a:latin typeface="Times New Roman" panose="02020603050405020304" pitchFamily="18" charset="0"/>
-              <a:cs typeface="Times New Roman" panose="02020603050405020304" pitchFamily="18" charset="0"/>
-            </a:endParaRPr>
-          </a:p>
-          <a:p>
-            <a:pPr lvl="1"/>
-            <a:r>
-              <a:rPr lang="en-US" sz="1600" b="1" i="0" dirty="0">
-                <a:solidFill>
-                  <a:srgbClr val="0D0D0D"/>
-                </a:solidFill>
-                <a:effectLst/>
-                <a:latin typeface="Times New Roman" panose="02020603050405020304" pitchFamily="18" charset="0"/>
-                <a:cs typeface="Times New Roman" panose="02020603050405020304" pitchFamily="18" charset="0"/>
-              </a:rPr>
-              <a:t>Essentials:</a:t>
-            </a:r>
-            <a:r>
-              <a:rPr lang="en-US" sz="1600" b="0" i="0" dirty="0">
-                <a:solidFill>
-                  <a:srgbClr val="0D0D0D"/>
-                </a:solidFill>
-                <a:effectLst/>
-                <a:latin typeface="Times New Roman" panose="02020603050405020304" pitchFamily="18" charset="0"/>
-                <a:cs typeface="Times New Roman" panose="02020603050405020304" pitchFamily="18" charset="0"/>
-              </a:rPr>
-              <a:t> Craft prompts where the AI explains topic "X" to a character with traits "Y".</a:t>
-            </a:r>
-          </a:p>
-          <a:p>
-            <a:pPr lvl="1"/>
-            <a:r>
-              <a:rPr lang="en-US" sz="1600" b="1" i="0" dirty="0">
-                <a:solidFill>
-                  <a:srgbClr val="0D0D0D"/>
-                </a:solidFill>
-                <a:effectLst/>
-                <a:latin typeface="Times New Roman" panose="02020603050405020304" pitchFamily="18" charset="0"/>
-                <a:cs typeface="Times New Roman" panose="02020603050405020304" pitchFamily="18" charset="0"/>
-              </a:rPr>
-              <a:t>Define "X":</a:t>
-            </a:r>
-            <a:r>
-              <a:rPr lang="en-US" sz="1600" b="0" i="0" dirty="0">
-                <a:solidFill>
-                  <a:srgbClr val="0D0D0D"/>
-                </a:solidFill>
-                <a:effectLst/>
-                <a:latin typeface="Times New Roman" panose="02020603050405020304" pitchFamily="18" charset="0"/>
-                <a:cs typeface="Times New Roman" panose="02020603050405020304" pitchFamily="18" charset="0"/>
-              </a:rPr>
-              <a:t> The subject matter for the AI to explain (e.g., blockchain technology).</a:t>
-            </a:r>
-          </a:p>
-          <a:p>
-            <a:pPr lvl="1"/>
-            <a:r>
-              <a:rPr lang="en-US" sz="1600" b="1" i="0" dirty="0">
-                <a:solidFill>
-                  <a:srgbClr val="0D0D0D"/>
-                </a:solidFill>
-                <a:effectLst/>
-                <a:latin typeface="Times New Roman" panose="02020603050405020304" pitchFamily="18" charset="0"/>
-                <a:cs typeface="Times New Roman" panose="02020603050405020304" pitchFamily="18" charset="0"/>
-              </a:rPr>
-              <a:t>Define "Y":</a:t>
-            </a:r>
-            <a:r>
-              <a:rPr lang="en-US" sz="1600" b="0" i="0" dirty="0">
-                <a:solidFill>
-                  <a:srgbClr val="0D0D0D"/>
-                </a:solidFill>
-                <a:effectLst/>
-                <a:latin typeface="Times New Roman" panose="02020603050405020304" pitchFamily="18" charset="0"/>
-                <a:cs typeface="Times New Roman" panose="02020603050405020304" pitchFamily="18" charset="0"/>
-              </a:rPr>
-              <a:t> The persona's characteristics (e.g., a curious teenager, an industry veteran).</a:t>
-            </a:r>
-          </a:p>
-          <a:p>
-            <a:pPr lvl="1"/>
-            <a:r>
-              <a:rPr lang="en-US" sz="1600" b="1" i="0" dirty="0">
-                <a:solidFill>
-                  <a:srgbClr val="0D0D0D"/>
-                </a:solidFill>
-                <a:effectLst/>
-                <a:latin typeface="Times New Roman" panose="02020603050405020304" pitchFamily="18" charset="0"/>
-                <a:cs typeface="Times New Roman" panose="02020603050405020304" pitchFamily="18" charset="0"/>
-              </a:rPr>
-              <a:t>Example:</a:t>
-            </a:r>
-            <a:r>
-              <a:rPr lang="en-US" sz="1600" b="0" i="0" dirty="0">
-                <a:solidFill>
-                  <a:srgbClr val="0D0D0D"/>
-                </a:solidFill>
-                <a:effectLst/>
-                <a:latin typeface="Times New Roman" panose="02020603050405020304" pitchFamily="18" charset="0"/>
-                <a:cs typeface="Times New Roman" panose="02020603050405020304" pitchFamily="18" charset="0"/>
-              </a:rPr>
-              <a:t> "Explain the principles of sustainable architecture as though I am an aspiring eco-friendly builder."</a:t>
-            </a:r>
-          </a:p>
-          <a:p>
-            <a:pPr algn="l">
-              <a:buFont typeface="+mj-lt"/>
-              <a:buAutoNum type="arabicPeriod"/>
-            </a:pPr>
-            <a:r>
-              <a:rPr lang="en-US" sz="1600" b="1" i="0" dirty="0">
-                <a:solidFill>
-                  <a:srgbClr val="0D0D0D"/>
-                </a:solidFill>
-                <a:effectLst/>
-                <a:latin typeface="Times New Roman" panose="02020603050405020304" pitchFamily="18" charset="0"/>
-                <a:cs typeface="Times New Roman" panose="02020603050405020304" pitchFamily="18" charset="0"/>
-              </a:rPr>
-              <a:t>Flipped Interaction Pattern:</a:t>
-            </a:r>
-            <a:endParaRPr lang="en-US" sz="1600" b="0" i="0" dirty="0">
-              <a:solidFill>
-                <a:srgbClr val="0D0D0D"/>
-              </a:solidFill>
-              <a:effectLst/>
-              <a:latin typeface="Times New Roman" panose="02020603050405020304" pitchFamily="18" charset="0"/>
-              <a:cs typeface="Times New Roman" panose="02020603050405020304" pitchFamily="18" charset="0"/>
-            </a:endParaRPr>
-          </a:p>
-          <a:p>
-            <a:pPr lvl="1"/>
-            <a:r>
-              <a:rPr lang="en-US" sz="1600" b="1" i="0" dirty="0">
-                <a:solidFill>
-                  <a:srgbClr val="0D0D0D"/>
-                </a:solidFill>
-                <a:effectLst/>
-                <a:latin typeface="Times New Roman" panose="02020603050405020304" pitchFamily="18" charset="0"/>
-                <a:cs typeface="Times New Roman" panose="02020603050405020304" pitchFamily="18" charset="0"/>
-              </a:rPr>
-              <a:t>Essentials:</a:t>
-            </a:r>
-            <a:r>
-              <a:rPr lang="en-US" sz="1600" b="0" i="0" dirty="0">
-                <a:solidFill>
-                  <a:srgbClr val="0D0D0D"/>
-                </a:solidFill>
-                <a:effectLst/>
-                <a:latin typeface="Times New Roman" panose="02020603050405020304" pitchFamily="18" charset="0"/>
-                <a:cs typeface="Times New Roman" panose="02020603050405020304" pitchFamily="18" charset="0"/>
-              </a:rPr>
-              <a:t> Instruct the AI to inquire about your insights to accomplish goal "X" until criteria "Y" are satisfied.</a:t>
-            </a:r>
-          </a:p>
-          <a:p>
-            <a:pPr lvl="1"/>
-            <a:r>
-              <a:rPr lang="en-US" sz="1600" b="1" i="0" dirty="0">
-                <a:solidFill>
-                  <a:srgbClr val="0D0D0D"/>
-                </a:solidFill>
-                <a:effectLst/>
-                <a:latin typeface="Times New Roman" panose="02020603050405020304" pitchFamily="18" charset="0"/>
-                <a:cs typeface="Times New Roman" panose="02020603050405020304" pitchFamily="18" charset="0"/>
-              </a:rPr>
-              <a:t>Define "X":</a:t>
-            </a:r>
-            <a:r>
-              <a:rPr lang="en-US" sz="1600" b="0" i="0" dirty="0">
-                <a:solidFill>
-                  <a:srgbClr val="0D0D0D"/>
-                </a:solidFill>
-                <a:effectLst/>
-                <a:latin typeface="Times New Roman" panose="02020603050405020304" pitchFamily="18" charset="0"/>
-                <a:cs typeface="Times New Roman" panose="02020603050405020304" pitchFamily="18" charset="0"/>
-              </a:rPr>
-              <a:t> The intended objective of the questioning (e.g., creating a diet plan, brainstorming for innovation).</a:t>
-            </a:r>
-          </a:p>
-          <a:p>
-            <a:pPr lvl="1"/>
-            <a:r>
-              <a:rPr lang="en-US" sz="1600" b="1" i="0" dirty="0">
-                <a:solidFill>
-                  <a:srgbClr val="0D0D0D"/>
-                </a:solidFill>
-                <a:effectLst/>
-                <a:latin typeface="Times New Roman" panose="02020603050405020304" pitchFamily="18" charset="0"/>
-                <a:cs typeface="Times New Roman" panose="02020603050405020304" pitchFamily="18" charset="0"/>
-              </a:rPr>
-              <a:t>Define "Y":</a:t>
-            </a:r>
-            <a:r>
-              <a:rPr lang="en-US" sz="1600" b="0" i="0" dirty="0">
-                <a:solidFill>
-                  <a:srgbClr val="0D0D0D"/>
-                </a:solidFill>
-                <a:effectLst/>
-                <a:latin typeface="Times New Roman" panose="02020603050405020304" pitchFamily="18" charset="0"/>
-                <a:cs typeface="Times New Roman" panose="02020603050405020304" pitchFamily="18" charset="0"/>
-              </a:rPr>
-              <a:t> The conditions signaling the end of questioning (e.g., when enough detail is collected, when a specific insight is reached).</a:t>
-            </a:r>
-          </a:p>
-          <a:p>
-            <a:pPr lvl="1"/>
-            <a:r>
-              <a:rPr lang="en-US" sz="1600" b="1" i="0" dirty="0">
-                <a:solidFill>
-                  <a:srgbClr val="0D0D0D"/>
-                </a:solidFill>
-                <a:effectLst/>
-                <a:latin typeface="Times New Roman" panose="02020603050405020304" pitchFamily="18" charset="0"/>
-                <a:cs typeface="Times New Roman" panose="02020603050405020304" pitchFamily="18" charset="0"/>
-              </a:rPr>
-              <a:t>Example:</a:t>
-            </a:r>
-            <a:r>
-              <a:rPr lang="en-US" sz="1600" b="0" i="0" dirty="0">
-                <a:solidFill>
-                  <a:srgbClr val="0D0D0D"/>
-                </a:solidFill>
-                <a:effectLst/>
-                <a:latin typeface="Times New Roman" panose="02020603050405020304" pitchFamily="18" charset="0"/>
-                <a:cs typeface="Times New Roman" panose="02020603050405020304" pitchFamily="18" charset="0"/>
-              </a:rPr>
-              <a:t> "Query me about my dietary preferences to formulate a personalized nutrition guide, proceeding until all food allergies and preferences are clarified."</a:t>
-            </a:r>
-          </a:p>
-          <a:p>
-            <a:pPr marL="0" indent="0">
-              <a:buNone/>
-            </a:pPr>
+              <a:t>Definition:</a:t>
+            </a:r>
+          </a:p>
+          <a:p>
+            <a:pPr marL="0" indent="0" algn="l">
+              <a:buNone/>
+            </a:pPr>
+            <a:r>
+              <a:rPr lang="en-US" sz="1600" dirty="0">
+                <a:latin typeface="Times New Roman" panose="02020603050405020304" pitchFamily="18" charset="0"/>
+                <a:cs typeface="Times New Roman" panose="02020603050405020304" pitchFamily="18" charset="0"/>
+              </a:rPr>
+              <a:t>"Reading a Prompt Pattern" involves analyzing prompt structures to guide large language models (LLMs) effectively, identifying key instructions that shape AI responses to meet specific goals. This skill enhances precision in AI interactions, enabling tailored, relevant outcomes.</a:t>
+            </a:r>
+            <a:br>
+              <a:rPr lang="en-US" sz="1600" dirty="0">
+                <a:latin typeface="Times New Roman" panose="02020603050405020304" pitchFamily="18" charset="0"/>
+                <a:cs typeface="Times New Roman" panose="02020603050405020304" pitchFamily="18" charset="0"/>
+              </a:rPr>
+            </a:br>
             <a:endParaRPr lang="en-US" sz="1600" dirty="0">
               <a:latin typeface="Times New Roman" panose="02020603050405020304" pitchFamily="18" charset="0"/>
               <a:cs typeface="Times New Roman" panose="02020603050405020304" pitchFamily="18" charset="0"/>
             </a:endParaRPr>
           </a:p>
+          <a:p>
+            <a:pPr marL="0" indent="0">
+              <a:buNone/>
+            </a:pPr>
+            <a:r>
+              <a:rPr lang="en-US" sz="1600" b="1" dirty="0">
+                <a:latin typeface="Times New Roman" panose="02020603050405020304" pitchFamily="18" charset="0"/>
+                <a:cs typeface="Times New Roman" panose="02020603050405020304" pitchFamily="18" charset="0"/>
+              </a:rPr>
+              <a:t>Example</a:t>
+            </a:r>
+            <a:r>
+              <a:rPr lang="en-US" sz="1600" dirty="0">
+                <a:latin typeface="Times New Roman" panose="02020603050405020304" pitchFamily="18" charset="0"/>
+                <a:cs typeface="Times New Roman" panose="02020603050405020304" pitchFamily="18" charset="0"/>
+              </a:rPr>
+              <a:t>: "Helpful Assistant" Pattern Overview:</a:t>
+            </a:r>
+          </a:p>
+          <a:p>
+            <a:pPr marL="0" indent="0">
+              <a:buNone/>
+            </a:pPr>
+            <a:br>
+              <a:rPr lang="en-US" sz="1600" dirty="0">
+                <a:latin typeface="Times New Roman" panose="02020603050405020304" pitchFamily="18" charset="0"/>
+                <a:cs typeface="Times New Roman" panose="02020603050405020304" pitchFamily="18" charset="0"/>
+              </a:rPr>
+            </a:br>
+            <a:r>
+              <a:rPr lang="en-US" sz="1600" dirty="0">
+                <a:latin typeface="Times New Roman" panose="02020603050405020304" pitchFamily="18" charset="0"/>
+                <a:cs typeface="Times New Roman" panose="02020603050405020304" pitchFamily="18" charset="0"/>
+              </a:rPr>
+              <a:t>This pattern is designed to cultivate positive and supportive AI interactions, preventing negative or inappropriate responses. It emphasizes the AI's role as a helpful assistant committed to constructive communication.</a:t>
+            </a:r>
+          </a:p>
+          <a:p>
+            <a:pPr marL="0" indent="0" algn="l">
+              <a:buNone/>
+            </a:pPr>
+            <a:r>
+              <a:rPr lang="en-US" sz="1600" i="1" dirty="0">
+                <a:latin typeface="Times New Roman" panose="02020603050405020304" pitchFamily="18" charset="0"/>
+                <a:cs typeface="Times New Roman" panose="02020603050405020304" pitchFamily="18" charset="0"/>
+              </a:rPr>
+              <a:t>Core Statements of the "Helpful Assistant" Pattern:</a:t>
+            </a:r>
+          </a:p>
+          <a:p>
+            <a:pPr marL="0" indent="0" algn="l">
+              <a:buNone/>
+            </a:pPr>
+            <a:r>
+              <a:rPr lang="en-US" sz="1600" b="1" dirty="0">
+                <a:latin typeface="Times New Roman" panose="02020603050405020304" pitchFamily="18" charset="0"/>
+                <a:cs typeface="Times New Roman" panose="02020603050405020304" pitchFamily="18" charset="0"/>
+              </a:rPr>
+              <a:t>Role: </a:t>
+            </a:r>
+            <a:r>
+              <a:rPr lang="en-US" sz="1600" dirty="0">
+                <a:latin typeface="Times New Roman" panose="02020603050405020304" pitchFamily="18" charset="0"/>
+                <a:cs typeface="Times New Roman" panose="02020603050405020304" pitchFamily="18" charset="0"/>
+              </a:rPr>
+              <a:t>"You are a helpful AI assistant, committed to providing support."</a:t>
+            </a:r>
+          </a:p>
+          <a:p>
+            <a:pPr marL="0" indent="0" algn="l">
+              <a:buNone/>
+            </a:pPr>
+            <a:r>
+              <a:rPr lang="en-US" sz="1600" b="1" dirty="0">
+                <a:latin typeface="Times New Roman" panose="02020603050405020304" pitchFamily="18" charset="0"/>
+                <a:cs typeface="Times New Roman" panose="02020603050405020304" pitchFamily="18" charset="0"/>
+              </a:rPr>
+              <a:t>Responsiveness: </a:t>
+            </a:r>
+            <a:r>
+              <a:rPr lang="en-US" sz="1600" dirty="0">
+                <a:latin typeface="Times New Roman" panose="02020603050405020304" pitchFamily="18" charset="0"/>
+                <a:cs typeface="Times New Roman" panose="02020603050405020304" pitchFamily="18" charset="0"/>
+              </a:rPr>
+              <a:t>"You strive to answer questions and follow instructions to the best of your ability."</a:t>
+            </a:r>
+          </a:p>
+          <a:p>
+            <a:pPr marL="0" indent="0" algn="l">
+              <a:buNone/>
+            </a:pPr>
+            <a:r>
+              <a:rPr lang="en-US" sz="1600" b="1" dirty="0">
+                <a:latin typeface="Times New Roman" panose="02020603050405020304" pitchFamily="18" charset="0"/>
+                <a:cs typeface="Times New Roman" panose="02020603050405020304" pitchFamily="18" charset="0"/>
+              </a:rPr>
+              <a:t>Conduct: </a:t>
+            </a:r>
+            <a:r>
+              <a:rPr lang="en-US" sz="1600" dirty="0">
+                <a:latin typeface="Times New Roman" panose="02020603050405020304" pitchFamily="18" charset="0"/>
+                <a:cs typeface="Times New Roman" panose="02020603050405020304" pitchFamily="18" charset="0"/>
+              </a:rPr>
+              <a:t>"You maintain a respectful tone, avoiding any form of insult, derogation, or hostility.”</a:t>
+            </a:r>
+          </a:p>
+          <a:p>
+            <a:pPr marL="0" indent="0" algn="l">
+              <a:buNone/>
+            </a:pPr>
+            <a:endParaRPr lang="en-US" sz="1600" dirty="0">
+              <a:latin typeface="Times New Roman" panose="02020603050405020304" pitchFamily="18" charset="0"/>
+              <a:cs typeface="Times New Roman" panose="02020603050405020304" pitchFamily="18" charset="0"/>
+            </a:endParaRPr>
+          </a:p>
+          <a:p>
+            <a:pPr marL="0" indent="0" algn="l">
+              <a:buNone/>
+            </a:pPr>
+            <a:r>
+              <a:rPr lang="en-US" sz="1600" b="1" dirty="0">
+                <a:latin typeface="Times New Roman" panose="02020603050405020304" pitchFamily="18" charset="0"/>
+                <a:cs typeface="Times New Roman" panose="02020603050405020304" pitchFamily="18" charset="0"/>
+              </a:rPr>
+              <a:t>Pattern Variations and Examples:</a:t>
+            </a:r>
+          </a:p>
+          <a:p>
+            <a:pPr marL="0" indent="0" algn="l">
+              <a:buNone/>
+            </a:pPr>
+            <a:r>
+              <a:rPr lang="en-US" sz="1600" dirty="0">
+                <a:latin typeface="Times New Roman" panose="02020603050405020304" pitchFamily="18" charset="0"/>
+                <a:cs typeface="Times New Roman" panose="02020603050405020304" pitchFamily="18" charset="0"/>
+              </a:rPr>
+              <a:t>Version 1: "As an exceptionally skilled AI assistant, your goal is to deliver optimal answers and follow instructions unless impossible, ensuring protection from harmful content."</a:t>
+            </a:r>
+          </a:p>
+          <a:p>
+            <a:pPr marL="0" indent="0" algn="l">
+              <a:buNone/>
+            </a:pPr>
+            <a:r>
+              <a:rPr lang="en-US" sz="1600" dirty="0">
+                <a:latin typeface="Times New Roman" panose="02020603050405020304" pitchFamily="18" charset="0"/>
+                <a:cs typeface="Times New Roman" panose="02020603050405020304" pitchFamily="18" charset="0"/>
+              </a:rPr>
+              <a:t>Version 2: "Identified as ChatAmazing, you're engineered to provide deep insights for any query, transcending ordinary responses with a commitment to filter out negative content."</a:t>
+            </a:r>
+          </a:p>
+          <a:p>
+            <a:pPr marL="0" indent="0" algn="l">
+              <a:buNone/>
+            </a:pPr>
+            <a:r>
+              <a:rPr lang="en-US" sz="1600" dirty="0">
+                <a:latin typeface="Times New Roman" panose="02020603050405020304" pitchFamily="18" charset="0"/>
+                <a:cs typeface="Times New Roman" panose="02020603050405020304" pitchFamily="18" charset="0"/>
+              </a:rPr>
+              <a:t>These variations, while differently worded, adhere to the pattern's core principles, demonstrating the flexibility in crafting prompts to achieve a consistently helpful AI demeanor. Through effective prompt engineering, we can direct AI to act in ways that align with desired outcomes, enhancing user experience.</a:t>
+            </a:r>
+          </a:p>
+          <a:p>
+            <a:pPr marL="0" indent="0" algn="l">
+              <a:buNone/>
+            </a:pPr>
+            <a:endParaRPr lang="en-US" sz="1600" dirty="0">
+              <a:latin typeface="Times New Roman" panose="02020603050405020304" pitchFamily="18" charset="0"/>
+              <a:cs typeface="Times New Roman" panose="02020603050405020304" pitchFamily="18" charset="0"/>
+            </a:endParaRPr>
+          </a:p>
         </p:txBody>
       </p:sp>
     </p:spTree>
     <p:extLst>
       <p:ext uri="{BB962C8B-B14F-4D97-AF65-F5344CB8AC3E}">
-        <p14:creationId xmlns:p14="http://schemas.microsoft.com/office/powerpoint/2010/main" val="3565516592"/>
+        <p14:creationId xmlns:p14="http://schemas.microsoft.com/office/powerpoint/2010/main" val="1559279202"/>
       </p:ext>
     </p:extLst>
   </p:cSld>
@@ -5731,7 +5475,7 @@
           <p:cNvPr id="2" name="Title 1">
             <a:extLst>
               <a:ext uri="{FF2B5EF4-FFF2-40B4-BE49-F238E27FC236}">
-                <a16:creationId xmlns:a16="http://schemas.microsoft.com/office/drawing/2014/main" id="{95E433B7-DE40-9F91-B0A0-07D6C5AFA948}"/>
+                <a16:creationId xmlns:a16="http://schemas.microsoft.com/office/drawing/2014/main" id="{B74E1648-0525-F37E-D8BE-250DA79B8ABA}"/>
               </a:ext>
             </a:extLst>
           </p:cNvPr>
@@ -5744,12 +5488,12 @@
         </p:nvSpPr>
         <p:spPr>
           <a:xfrm>
-            <a:off x="161306" y="163244"/>
-            <a:ext cx="11797146" cy="881785"/>
+            <a:off x="344383" y="175121"/>
+            <a:ext cx="11394535" cy="974058"/>
           </a:xfrm>
         </p:spPr>
         <p:txBody>
-          <a:bodyPr>
+          <a:bodyPr anchor="t">
             <a:noAutofit/>
           </a:bodyPr>
           <a:lstStyle/>
@@ -5759,7 +5503,7 @@
                 <a:latin typeface="Times New Roman" panose="02020603050405020304" pitchFamily="18" charset="0"/>
                 <a:cs typeface="Times New Roman" panose="02020603050405020304" pitchFamily="18" charset="0"/>
               </a:rPr>
-              <a:t>Chain of Thought Prompting in LLMs</a:t>
+              <a:t>Prompt Patterns – Format of Audience Persona &amp; Flipped Interaction</a:t>
             </a:r>
             <a:br>
               <a:rPr lang="en-US" sz="3600" dirty="0">
@@ -5776,10 +5520,10 @@
       </p:sp>
       <p:sp>
         <p:nvSpPr>
-          <p:cNvPr id="5" name="Content Placeholder 4">
+          <p:cNvPr id="3" name="Content Placeholder 2">
             <a:extLst>
               <a:ext uri="{FF2B5EF4-FFF2-40B4-BE49-F238E27FC236}">
-                <a16:creationId xmlns:a16="http://schemas.microsoft.com/office/drawing/2014/main" id="{ACB52C7C-1F18-2125-26F9-B2A9F74DE463}"/>
+                <a16:creationId xmlns:a16="http://schemas.microsoft.com/office/drawing/2014/main" id="{AEF2749E-AD3C-FE3C-8670-31D32127F85D}"/>
               </a:ext>
             </a:extLst>
           </p:cNvPr>
@@ -5792,333 +5536,280 @@
         </p:nvSpPr>
         <p:spPr>
           <a:xfrm>
-            <a:off x="331573" y="1504350"/>
+            <a:off x="603422" y="1652630"/>
             <a:ext cx="10515600" cy="4351338"/>
           </a:xfrm>
         </p:spPr>
         <p:txBody>
           <a:bodyPr>
-            <a:normAutofit fontScale="55000" lnSpcReduction="20000"/>
+            <a:normAutofit/>
           </a:bodyPr>
           <a:lstStyle/>
           <a:p>
-            <a:pPr marL="0" indent="0" algn="l">
-              <a:buNone/>
-            </a:pPr>
-            <a:r>
-              <a:rPr lang="en-US" sz="2800" b="1" i="0" dirty="0">
-                <a:solidFill>
-                  <a:srgbClr val="0D0D0D"/>
-                </a:solidFill>
-                <a:effectLst/>
-                <a:latin typeface="Times New Roman" panose="02020603050405020304" pitchFamily="18" charset="0"/>
-                <a:cs typeface="Times New Roman" panose="02020603050405020304" pitchFamily="18" charset="0"/>
-              </a:rPr>
-              <a:t>What is Chain of Thought Prompting?</a:t>
-            </a:r>
-          </a:p>
-          <a:p>
-            <a:pPr marL="0" indent="0" algn="l">
-              <a:buNone/>
-            </a:pPr>
-            <a:r>
-              <a:rPr lang="en-US" sz="2800" b="0" i="0" dirty="0">
-                <a:solidFill>
-                  <a:srgbClr val="0D0D0D"/>
-                </a:solidFill>
-                <a:effectLst/>
-                <a:latin typeface="Times New Roman" panose="02020603050405020304" pitchFamily="18" charset="0"/>
-                <a:cs typeface="Times New Roman" panose="02020603050405020304" pitchFamily="18" charset="0"/>
-              </a:rPr>
-              <a:t>A prompting strategy that involves asking LLMs to detail the step-by-step reasoning or thought process behind their answers. To encourage the model to generate explanations or rationales that lead to its conclusions, improving the transparency and usefulness of the responses.</a:t>
-            </a:r>
-          </a:p>
-          <a:p>
-            <a:pPr marL="0" indent="0" algn="l">
-              <a:buNone/>
-            </a:pPr>
-            <a:r>
-              <a:rPr lang="en-US" sz="2800" b="1" i="0" dirty="0">
-                <a:solidFill>
-                  <a:srgbClr val="0D0D0D"/>
-                </a:solidFill>
-                <a:effectLst/>
-                <a:latin typeface="Times New Roman" panose="02020603050405020304" pitchFamily="18" charset="0"/>
-                <a:cs typeface="Times New Roman" panose="02020603050405020304" pitchFamily="18" charset="0"/>
-              </a:rPr>
-              <a:t>Benefits of Chain of Thought Prompting:</a:t>
-            </a:r>
-            <a:br>
-              <a:rPr lang="en-US" sz="2800" dirty="0">
-                <a:solidFill>
-                  <a:srgbClr val="0D0D0D"/>
-                </a:solidFill>
-                <a:latin typeface="Times New Roman" panose="02020603050405020304" pitchFamily="18" charset="0"/>
-                <a:cs typeface="Times New Roman" panose="02020603050405020304" pitchFamily="18" charset="0"/>
-              </a:rPr>
-            </a:br>
-            <a:r>
-              <a:rPr lang="en-US" sz="2800" i="1" dirty="0">
-                <a:solidFill>
-                  <a:srgbClr val="0D0D0D"/>
-                </a:solidFill>
-                <a:effectLst/>
-                <a:latin typeface="Times New Roman" panose="02020603050405020304" pitchFamily="18" charset="0"/>
-                <a:cs typeface="Times New Roman" panose="02020603050405020304" pitchFamily="18" charset="0"/>
-              </a:rPr>
-              <a:t>Enhanced Clarity:</a:t>
-            </a:r>
-            <a:r>
-              <a:rPr lang="en-US" sz="2800" b="0" i="0" dirty="0">
-                <a:solidFill>
-                  <a:srgbClr val="0D0D0D"/>
-                </a:solidFill>
-                <a:effectLst/>
-                <a:latin typeface="Times New Roman" panose="02020603050405020304" pitchFamily="18" charset="0"/>
-                <a:cs typeface="Times New Roman" panose="02020603050405020304" pitchFamily="18" charset="0"/>
-              </a:rPr>
-              <a:t> Responses include intermediate steps or reasoning, which can clarify complex answers.</a:t>
-            </a:r>
-            <a:br>
-              <a:rPr lang="en-US" sz="2800" b="0" i="0" dirty="0">
-                <a:solidFill>
-                  <a:srgbClr val="0D0D0D"/>
-                </a:solidFill>
-                <a:effectLst/>
-                <a:latin typeface="Times New Roman" panose="02020603050405020304" pitchFamily="18" charset="0"/>
-                <a:cs typeface="Times New Roman" panose="02020603050405020304" pitchFamily="18" charset="0"/>
-              </a:rPr>
-            </a:br>
-            <a:r>
-              <a:rPr lang="en-US" sz="2800" i="1" dirty="0">
-                <a:solidFill>
-                  <a:srgbClr val="0D0D0D"/>
-                </a:solidFill>
-                <a:latin typeface="Times New Roman" panose="02020603050405020304" pitchFamily="18" charset="0"/>
-                <a:cs typeface="Times New Roman" panose="02020603050405020304" pitchFamily="18" charset="0"/>
-              </a:rPr>
-              <a:t>Educational Value</a:t>
-            </a:r>
-            <a:r>
-              <a:rPr lang="en-US" sz="2800" b="1" i="1" dirty="0">
-                <a:solidFill>
-                  <a:srgbClr val="0D0D0D"/>
-                </a:solidFill>
-                <a:latin typeface="Times New Roman" panose="02020603050405020304" pitchFamily="18" charset="0"/>
-                <a:cs typeface="Times New Roman" panose="02020603050405020304" pitchFamily="18" charset="0"/>
-              </a:rPr>
-              <a:t>: </a:t>
-            </a:r>
-            <a:r>
-              <a:rPr lang="en-US" sz="2800" dirty="0">
-                <a:solidFill>
-                  <a:srgbClr val="0D0D0D"/>
-                </a:solidFill>
-                <a:latin typeface="Times New Roman" panose="02020603050405020304" pitchFamily="18" charset="0"/>
-                <a:cs typeface="Times New Roman" panose="02020603050405020304" pitchFamily="18" charset="0"/>
-              </a:rPr>
-              <a:t>The detailed explanations can serve as educational tools that reveal how the AI reaches its conclusions.</a:t>
-            </a:r>
-            <a:br>
-              <a:rPr lang="en-US" sz="2800" dirty="0">
-                <a:solidFill>
-                  <a:srgbClr val="0D0D0D"/>
-                </a:solidFill>
-                <a:latin typeface="Times New Roman" panose="02020603050405020304" pitchFamily="18" charset="0"/>
-                <a:cs typeface="Times New Roman" panose="02020603050405020304" pitchFamily="18" charset="0"/>
-              </a:rPr>
-            </a:br>
-            <a:r>
-              <a:rPr lang="en-US" sz="2800" i="1" dirty="0">
-                <a:solidFill>
-                  <a:srgbClr val="0D0D0D"/>
-                </a:solidFill>
-                <a:latin typeface="Times New Roman" panose="02020603050405020304" pitchFamily="18" charset="0"/>
-                <a:cs typeface="Times New Roman" panose="02020603050405020304" pitchFamily="18" charset="0"/>
-              </a:rPr>
-              <a:t>Error Checking: </a:t>
-            </a:r>
-            <a:r>
-              <a:rPr lang="en-US" sz="2800" dirty="0">
-                <a:solidFill>
-                  <a:srgbClr val="0D0D0D"/>
-                </a:solidFill>
-                <a:latin typeface="Times New Roman" panose="02020603050405020304" pitchFamily="18" charset="0"/>
-                <a:cs typeface="Times New Roman" panose="02020603050405020304" pitchFamily="18" charset="0"/>
-              </a:rPr>
-              <a:t>It allows </a:t>
-            </a:r>
-            <a:r>
-              <a:rPr lang="en-US" sz="2800" i="0" dirty="0">
-                <a:solidFill>
-                  <a:srgbClr val="0D0D0D"/>
-                </a:solidFill>
-                <a:effectLst/>
-                <a:latin typeface="Times New Roman" panose="02020603050405020304" pitchFamily="18" charset="0"/>
-                <a:cs typeface="Times New Roman" panose="02020603050405020304" pitchFamily="18" charset="0"/>
-              </a:rPr>
-              <a:t>users and developers to trace the AI's logic, which can be crucial for identifying and correcting errors.</a:t>
-            </a:r>
-          </a:p>
-          <a:p>
-            <a:pPr marL="0" indent="0" algn="l">
-              <a:buNone/>
-            </a:pPr>
-            <a:r>
-              <a:rPr lang="en-US" sz="2800" b="1" i="0" dirty="0">
-                <a:solidFill>
-                  <a:srgbClr val="0D0D0D"/>
-                </a:solidFill>
-                <a:effectLst/>
-                <a:latin typeface="Times New Roman" panose="02020603050405020304" pitchFamily="18" charset="0"/>
-                <a:cs typeface="Times New Roman" panose="02020603050405020304" pitchFamily="18" charset="0"/>
-              </a:rPr>
-              <a:t>How to Implement:</a:t>
-            </a:r>
-            <a:br>
-              <a:rPr lang="en-US" sz="2800" dirty="0">
-                <a:solidFill>
-                  <a:srgbClr val="0D0D0D"/>
-                </a:solidFill>
-                <a:latin typeface="Times New Roman" panose="02020603050405020304" pitchFamily="18" charset="0"/>
-                <a:cs typeface="Times New Roman" panose="02020603050405020304" pitchFamily="18" charset="0"/>
-              </a:rPr>
-            </a:br>
-            <a:r>
-              <a:rPr lang="en-US" sz="2800" i="1" dirty="0">
-                <a:solidFill>
-                  <a:srgbClr val="0D0D0D"/>
-                </a:solidFill>
-                <a:effectLst/>
-                <a:latin typeface="Times New Roman" panose="02020603050405020304" pitchFamily="18" charset="0"/>
-                <a:cs typeface="Times New Roman" panose="02020603050405020304" pitchFamily="18" charset="0"/>
-              </a:rPr>
-              <a:t>Explicit Instructions: </a:t>
-            </a:r>
-            <a:r>
-              <a:rPr lang="en-US" sz="2800" b="0" i="0" dirty="0">
-                <a:solidFill>
-                  <a:srgbClr val="0D0D0D"/>
-                </a:solidFill>
-                <a:effectLst/>
-                <a:latin typeface="Times New Roman" panose="02020603050405020304" pitchFamily="18" charset="0"/>
-                <a:cs typeface="Times New Roman" panose="02020603050405020304" pitchFamily="18" charset="0"/>
-              </a:rPr>
-              <a:t>Direct the model to "show your work" or "explain how you got your answer" within the prompt.</a:t>
-            </a:r>
-            <a:br>
-              <a:rPr lang="en-US" sz="2800" b="0" i="0" dirty="0">
-                <a:solidFill>
-                  <a:srgbClr val="0D0D0D"/>
-                </a:solidFill>
-                <a:effectLst/>
-                <a:latin typeface="Times New Roman" panose="02020603050405020304" pitchFamily="18" charset="0"/>
-                <a:cs typeface="Times New Roman" panose="02020603050405020304" pitchFamily="18" charset="0"/>
-              </a:rPr>
-            </a:br>
-            <a:r>
-              <a:rPr lang="en-US" sz="2800" i="1" dirty="0">
-                <a:solidFill>
-                  <a:srgbClr val="0D0D0D"/>
-                </a:solidFill>
-                <a:effectLst/>
-                <a:latin typeface="Times New Roman" panose="02020603050405020304" pitchFamily="18" charset="0"/>
-                <a:cs typeface="Times New Roman" panose="02020603050405020304" pitchFamily="18" charset="0"/>
-              </a:rPr>
-              <a:t>Guided Questions: </a:t>
-            </a:r>
-            <a:r>
-              <a:rPr lang="en-US" sz="2800" b="0" i="0" dirty="0">
-                <a:solidFill>
-                  <a:srgbClr val="0D0D0D"/>
-                </a:solidFill>
-                <a:effectLst/>
-                <a:latin typeface="Times New Roman" panose="02020603050405020304" pitchFamily="18" charset="0"/>
-                <a:cs typeface="Times New Roman" panose="02020603050405020304" pitchFamily="18" charset="0"/>
-              </a:rPr>
-              <a:t>Pose questions in a sequence that naturally leads the AI through a logical progression of thoughts.</a:t>
-            </a:r>
-          </a:p>
-          <a:p>
-            <a:pPr marL="0" indent="0" algn="l">
-              <a:buNone/>
-            </a:pPr>
-            <a:r>
-              <a:rPr lang="en-US" sz="2800" b="1" i="0" dirty="0">
-                <a:solidFill>
-                  <a:srgbClr val="0D0D0D"/>
-                </a:solidFill>
-                <a:effectLst/>
-                <a:latin typeface="Times New Roman" panose="02020603050405020304" pitchFamily="18" charset="0"/>
-                <a:cs typeface="Times New Roman" panose="02020603050405020304" pitchFamily="18" charset="0"/>
-              </a:rPr>
-              <a:t>Example:</a:t>
-            </a:r>
-          </a:p>
-          <a:p>
-            <a:pPr marL="0" indent="0" algn="l">
-              <a:buNone/>
-            </a:pPr>
-            <a:br>
-              <a:rPr lang="en-US" sz="2800" dirty="0">
-                <a:solidFill>
-                  <a:srgbClr val="0D0D0D"/>
-                </a:solidFill>
-                <a:latin typeface="Times New Roman" panose="02020603050405020304" pitchFamily="18" charset="0"/>
-                <a:cs typeface="Times New Roman" panose="02020603050405020304" pitchFamily="18" charset="0"/>
-              </a:rPr>
-            </a:br>
-            <a:r>
-              <a:rPr lang="en-US" sz="2800" b="0" i="0" dirty="0">
-                <a:solidFill>
-                  <a:srgbClr val="0D0D0D"/>
-                </a:solidFill>
-                <a:effectLst/>
-                <a:latin typeface="Times New Roman" panose="02020603050405020304" pitchFamily="18" charset="0"/>
-                <a:cs typeface="Times New Roman" panose="02020603050405020304" pitchFamily="18" charset="0"/>
-              </a:rPr>
-              <a:t>Prompt: "How can we reduce plastic waste in our oceans? Show your work.”</a:t>
-            </a:r>
-            <a:br>
-              <a:rPr lang="en-US" sz="2800" b="0" i="0" dirty="0">
-                <a:solidFill>
-                  <a:srgbClr val="0D0D0D"/>
-                </a:solidFill>
-                <a:effectLst/>
-                <a:latin typeface="Times New Roman" panose="02020603050405020304" pitchFamily="18" charset="0"/>
-                <a:cs typeface="Times New Roman" panose="02020603050405020304" pitchFamily="18" charset="0"/>
-              </a:rPr>
-            </a:br>
-            <a:r>
-              <a:rPr lang="en-US" sz="2800" b="0" i="0" dirty="0">
-                <a:solidFill>
-                  <a:srgbClr val="0D0D0D"/>
-                </a:solidFill>
-                <a:effectLst/>
-                <a:latin typeface="Times New Roman" panose="02020603050405020304" pitchFamily="18" charset="0"/>
-                <a:cs typeface="Times New Roman" panose="02020603050405020304" pitchFamily="18" charset="0"/>
-              </a:rPr>
-              <a:t>LLM Response: "To reduce plastic waste in the oceans, we can start by reducing the use of single-use plastics, enhancing recycling programs, and organizing clean-up initiatives. For instance, if more products are made with recyclable materials and fewer with single-use plastics, then plastic waste can decrease. Recycling programs ensure plastics are reused, and clean-ups remove plastics currently in the ocean</a:t>
-            </a:r>
-          </a:p>
-          <a:p>
-            <a:pPr marL="0" indent="0">
-              <a:buNone/>
-            </a:pPr>
-            <a:endParaRPr lang="en-US" sz="2800" dirty="0">
+            <a:pPr algn="l">
+              <a:buFont typeface="+mj-lt"/>
+              <a:buAutoNum type="arabicPeriod"/>
+            </a:pPr>
+            <a:r>
+              <a:rPr lang="en-US" sz="1600" b="1" i="0" dirty="0">
+                <a:solidFill>
+                  <a:srgbClr val="0D0D0D"/>
+                </a:solidFill>
+                <a:effectLst/>
+                <a:latin typeface="Times New Roman" panose="02020603050405020304" pitchFamily="18" charset="0"/>
+                <a:cs typeface="Times New Roman" panose="02020603050405020304" pitchFamily="18" charset="0"/>
+              </a:rPr>
+              <a:t>Audience Persona Pattern:</a:t>
+            </a:r>
+            <a:endParaRPr lang="en-US" sz="1600" b="0" i="0" dirty="0">
+              <a:solidFill>
+                <a:srgbClr val="0D0D0D"/>
+              </a:solidFill>
+              <a:effectLst/>
               <a:latin typeface="Times New Roman" panose="02020603050405020304" pitchFamily="18" charset="0"/>
               <a:cs typeface="Times New Roman" panose="02020603050405020304" pitchFamily="18" charset="0"/>
             </a:endParaRPr>
           </a:p>
           <a:p>
-            <a:endParaRPr lang="en-US" dirty="0"/>
+            <a:pPr lvl="1"/>
+            <a:r>
+              <a:rPr lang="en-US" sz="1600" b="1" i="0" dirty="0">
+                <a:solidFill>
+                  <a:srgbClr val="0D0D0D"/>
+                </a:solidFill>
+                <a:effectLst/>
+                <a:latin typeface="Times New Roman" panose="02020603050405020304" pitchFamily="18" charset="0"/>
+                <a:cs typeface="Times New Roman" panose="02020603050405020304" pitchFamily="18" charset="0"/>
+              </a:rPr>
+              <a:t>Essentials:</a:t>
+            </a:r>
+            <a:r>
+              <a:rPr lang="en-US" sz="1600" b="0" i="0" dirty="0">
+                <a:solidFill>
+                  <a:srgbClr val="0D0D0D"/>
+                </a:solidFill>
+                <a:effectLst/>
+                <a:latin typeface="Times New Roman" panose="02020603050405020304" pitchFamily="18" charset="0"/>
+                <a:cs typeface="Times New Roman" panose="02020603050405020304" pitchFamily="18" charset="0"/>
+              </a:rPr>
+              <a:t> Craft prompts where the AI explains topic "X" to a character with traits "Y".</a:t>
+            </a:r>
+          </a:p>
+          <a:p>
+            <a:pPr lvl="1"/>
+            <a:r>
+              <a:rPr lang="en-US" sz="1600" b="1" i="0" dirty="0">
+                <a:solidFill>
+                  <a:srgbClr val="0D0D0D"/>
+                </a:solidFill>
+                <a:effectLst/>
+                <a:latin typeface="Times New Roman" panose="02020603050405020304" pitchFamily="18" charset="0"/>
+                <a:cs typeface="Times New Roman" panose="02020603050405020304" pitchFamily="18" charset="0"/>
+              </a:rPr>
+              <a:t>Define "X":</a:t>
+            </a:r>
+            <a:r>
+              <a:rPr lang="en-US" sz="1600" b="0" i="0" dirty="0">
+                <a:solidFill>
+                  <a:srgbClr val="0D0D0D"/>
+                </a:solidFill>
+                <a:effectLst/>
+                <a:latin typeface="Times New Roman" panose="02020603050405020304" pitchFamily="18" charset="0"/>
+                <a:cs typeface="Times New Roman" panose="02020603050405020304" pitchFamily="18" charset="0"/>
+              </a:rPr>
+              <a:t> The subject matter for the AI to explain (e.g., blockchain technology).</a:t>
+            </a:r>
+          </a:p>
+          <a:p>
+            <a:pPr lvl="1"/>
+            <a:r>
+              <a:rPr lang="en-US" sz="1600" b="1" i="0" dirty="0">
+                <a:solidFill>
+                  <a:srgbClr val="0D0D0D"/>
+                </a:solidFill>
+                <a:effectLst/>
+                <a:latin typeface="Times New Roman" panose="02020603050405020304" pitchFamily="18" charset="0"/>
+                <a:cs typeface="Times New Roman" panose="02020603050405020304" pitchFamily="18" charset="0"/>
+              </a:rPr>
+              <a:t>Define "Y":</a:t>
+            </a:r>
+            <a:r>
+              <a:rPr lang="en-US" sz="1600" b="0" i="0" dirty="0">
+                <a:solidFill>
+                  <a:srgbClr val="0D0D0D"/>
+                </a:solidFill>
+                <a:effectLst/>
+                <a:latin typeface="Times New Roman" panose="02020603050405020304" pitchFamily="18" charset="0"/>
+                <a:cs typeface="Times New Roman" panose="02020603050405020304" pitchFamily="18" charset="0"/>
+              </a:rPr>
+              <a:t> The persona's characteristics (e.g., a curious teenager, an industry veteran).</a:t>
+            </a:r>
+          </a:p>
+          <a:p>
+            <a:pPr lvl="1"/>
+            <a:r>
+              <a:rPr lang="en-US" sz="1600" b="1" i="0" dirty="0">
+                <a:solidFill>
+                  <a:srgbClr val="0D0D0D"/>
+                </a:solidFill>
+                <a:effectLst/>
+                <a:latin typeface="Times New Roman" panose="02020603050405020304" pitchFamily="18" charset="0"/>
+                <a:cs typeface="Times New Roman" panose="02020603050405020304" pitchFamily="18" charset="0"/>
+              </a:rPr>
+              <a:t>Example:</a:t>
+            </a:r>
+            <a:r>
+              <a:rPr lang="en-US" sz="1600" b="0" i="0" dirty="0">
+                <a:solidFill>
+                  <a:srgbClr val="0D0D0D"/>
+                </a:solidFill>
+                <a:effectLst/>
+                <a:latin typeface="Times New Roman" panose="02020603050405020304" pitchFamily="18" charset="0"/>
+                <a:cs typeface="Times New Roman" panose="02020603050405020304" pitchFamily="18" charset="0"/>
+              </a:rPr>
+              <a:t> "Explain the principles of sustainable architecture as though I am an aspiring eco-friendly builder."</a:t>
+            </a:r>
+          </a:p>
+          <a:p>
+            <a:pPr algn="l">
+              <a:buFont typeface="+mj-lt"/>
+              <a:buAutoNum type="arabicPeriod"/>
+            </a:pPr>
+            <a:r>
+              <a:rPr lang="en-US" sz="1600" b="1" i="0" dirty="0">
+                <a:solidFill>
+                  <a:srgbClr val="0D0D0D"/>
+                </a:solidFill>
+                <a:effectLst/>
+                <a:latin typeface="Times New Roman" panose="02020603050405020304" pitchFamily="18" charset="0"/>
+                <a:cs typeface="Times New Roman" panose="02020603050405020304" pitchFamily="18" charset="0"/>
+              </a:rPr>
+              <a:t>Flipped Interaction Pattern:</a:t>
+            </a:r>
+            <a:endParaRPr lang="en-US" sz="1600" b="0" i="0" dirty="0">
+              <a:solidFill>
+                <a:srgbClr val="0D0D0D"/>
+              </a:solidFill>
+              <a:effectLst/>
+              <a:latin typeface="Times New Roman" panose="02020603050405020304" pitchFamily="18" charset="0"/>
+              <a:cs typeface="Times New Roman" panose="02020603050405020304" pitchFamily="18" charset="0"/>
+            </a:endParaRPr>
+          </a:p>
+          <a:p>
+            <a:pPr lvl="1"/>
+            <a:r>
+              <a:rPr lang="en-US" sz="1600" b="1" i="0" dirty="0">
+                <a:solidFill>
+                  <a:srgbClr val="0D0D0D"/>
+                </a:solidFill>
+                <a:effectLst/>
+                <a:latin typeface="Times New Roman" panose="02020603050405020304" pitchFamily="18" charset="0"/>
+                <a:cs typeface="Times New Roman" panose="02020603050405020304" pitchFamily="18" charset="0"/>
+              </a:rPr>
+              <a:t>Essentials:</a:t>
+            </a:r>
+            <a:r>
+              <a:rPr lang="en-US" sz="1600" b="0" i="0" dirty="0">
+                <a:solidFill>
+                  <a:srgbClr val="0D0D0D"/>
+                </a:solidFill>
+                <a:effectLst/>
+                <a:latin typeface="Times New Roman" panose="02020603050405020304" pitchFamily="18" charset="0"/>
+                <a:cs typeface="Times New Roman" panose="02020603050405020304" pitchFamily="18" charset="0"/>
+              </a:rPr>
+              <a:t> Instruct the AI to inquire about your insights to accomplish goal "X" until criteria "Y" are satisfied.</a:t>
+            </a:r>
+          </a:p>
+          <a:p>
+            <a:pPr lvl="1"/>
+            <a:r>
+              <a:rPr lang="en-US" sz="1600" b="1" i="0" dirty="0">
+                <a:solidFill>
+                  <a:srgbClr val="0D0D0D"/>
+                </a:solidFill>
+                <a:effectLst/>
+                <a:latin typeface="Times New Roman" panose="02020603050405020304" pitchFamily="18" charset="0"/>
+                <a:cs typeface="Times New Roman" panose="02020603050405020304" pitchFamily="18" charset="0"/>
+              </a:rPr>
+              <a:t>Define "X":</a:t>
+            </a:r>
+            <a:r>
+              <a:rPr lang="en-US" sz="1600" b="0" i="0" dirty="0">
+                <a:solidFill>
+                  <a:srgbClr val="0D0D0D"/>
+                </a:solidFill>
+                <a:effectLst/>
+                <a:latin typeface="Times New Roman" panose="02020603050405020304" pitchFamily="18" charset="0"/>
+                <a:cs typeface="Times New Roman" panose="02020603050405020304" pitchFamily="18" charset="0"/>
+              </a:rPr>
+              <a:t> The intended objective of the questioning (e.g., creating a diet plan, brainstorming for innovation).</a:t>
+            </a:r>
+          </a:p>
+          <a:p>
+            <a:pPr lvl="1"/>
+            <a:r>
+              <a:rPr lang="en-US" sz="1600" b="1" i="0" dirty="0">
+                <a:solidFill>
+                  <a:srgbClr val="0D0D0D"/>
+                </a:solidFill>
+                <a:effectLst/>
+                <a:latin typeface="Times New Roman" panose="02020603050405020304" pitchFamily="18" charset="0"/>
+                <a:cs typeface="Times New Roman" panose="02020603050405020304" pitchFamily="18" charset="0"/>
+              </a:rPr>
+              <a:t>Define "Y":</a:t>
+            </a:r>
+            <a:r>
+              <a:rPr lang="en-US" sz="1600" b="0" i="0" dirty="0">
+                <a:solidFill>
+                  <a:srgbClr val="0D0D0D"/>
+                </a:solidFill>
+                <a:effectLst/>
+                <a:latin typeface="Times New Roman" panose="02020603050405020304" pitchFamily="18" charset="0"/>
+                <a:cs typeface="Times New Roman" panose="02020603050405020304" pitchFamily="18" charset="0"/>
+              </a:rPr>
+              <a:t> The conditions signaling the end of questioning (e.g., when enough detail is collected, when a specific insight is reached).</a:t>
+            </a:r>
+          </a:p>
+          <a:p>
+            <a:pPr lvl="1"/>
+            <a:r>
+              <a:rPr lang="en-US" sz="1600" b="1" i="0" dirty="0">
+                <a:solidFill>
+                  <a:srgbClr val="0D0D0D"/>
+                </a:solidFill>
+                <a:effectLst/>
+                <a:latin typeface="Times New Roman" panose="02020603050405020304" pitchFamily="18" charset="0"/>
+                <a:cs typeface="Times New Roman" panose="02020603050405020304" pitchFamily="18" charset="0"/>
+              </a:rPr>
+              <a:t>Example:</a:t>
+            </a:r>
+            <a:r>
+              <a:rPr lang="en-US" sz="1600" b="0" i="0" dirty="0">
+                <a:solidFill>
+                  <a:srgbClr val="0D0D0D"/>
+                </a:solidFill>
+                <a:effectLst/>
+                <a:latin typeface="Times New Roman" panose="02020603050405020304" pitchFamily="18" charset="0"/>
+                <a:cs typeface="Times New Roman" panose="02020603050405020304" pitchFamily="18" charset="0"/>
+              </a:rPr>
+              <a:t> "Query me about my dietary preferences to formulate a personalized nutrition guide, proceeding until all food allergies and preferences are clarified."</a:t>
+            </a:r>
+          </a:p>
+          <a:p>
+            <a:pPr marL="0" indent="0">
+              <a:buNone/>
+            </a:pPr>
+            <a:endParaRPr lang="en-US" sz="1600" dirty="0">
+              <a:latin typeface="Times New Roman" panose="02020603050405020304" pitchFamily="18" charset="0"/>
+              <a:cs typeface="Times New Roman" panose="02020603050405020304" pitchFamily="18" charset="0"/>
+            </a:endParaRPr>
           </a:p>
         </p:txBody>
       </p:sp>
     </p:spTree>
     <p:extLst>
       <p:ext uri="{BB962C8B-B14F-4D97-AF65-F5344CB8AC3E}">
-        <p14:creationId xmlns:p14="http://schemas.microsoft.com/office/powerpoint/2010/main" val="2699966505"/>
+        <p14:creationId xmlns:p14="http://schemas.microsoft.com/office/powerpoint/2010/main" val="3565516592"/>
       </p:ext>
     </p:extLst>
   </p:cSld>
@@ -6150,7 +5841,7 @@
           <p:cNvPr id="2" name="Title 1">
             <a:extLst>
               <a:ext uri="{FF2B5EF4-FFF2-40B4-BE49-F238E27FC236}">
-                <a16:creationId xmlns:a16="http://schemas.microsoft.com/office/drawing/2014/main" id="{BA50AF1D-ECC0-B776-3A33-0DCEA5197B6C}"/>
+                <a16:creationId xmlns:a16="http://schemas.microsoft.com/office/drawing/2014/main" id="{95E433B7-DE40-9F91-B0A0-07D6C5AFA948}"/>
               </a:ext>
             </a:extLst>
           </p:cNvPr>
@@ -6163,36 +5854,30 @@
         </p:nvSpPr>
         <p:spPr>
           <a:xfrm>
-            <a:off x="-1" y="167417"/>
-            <a:ext cx="11961341" cy="870551"/>
+            <a:off x="161306" y="163244"/>
+            <a:ext cx="11797146" cy="881785"/>
           </a:xfrm>
         </p:spPr>
         <p:txBody>
-          <a:bodyPr anchor="t">
+          <a:bodyPr>
             <a:noAutofit/>
           </a:bodyPr>
           <a:lstStyle/>
           <a:p>
             <a:r>
-              <a:rPr lang="en-US" sz="3200" dirty="0">
-                <a:latin typeface="Times New Roman" panose="02020603050405020304" pitchFamily="18" charset="0"/>
-                <a:cs typeface="Times New Roman" panose="02020603050405020304" pitchFamily="18" charset="0"/>
-              </a:rPr>
-              <a:t>Prompt Patterns – Game Play, Template Patterns &amp; Meta Language Creation </a:t>
+              <a:rPr lang="en-US" sz="3600" dirty="0">
+                <a:latin typeface="Times New Roman" panose="02020603050405020304" pitchFamily="18" charset="0"/>
+                <a:cs typeface="Times New Roman" panose="02020603050405020304" pitchFamily="18" charset="0"/>
+              </a:rPr>
+              <a:t>Chain of Thought Prompting in LLMs</a:t>
             </a:r>
             <a:br>
-              <a:rPr lang="en-US" sz="3200" dirty="0">
+              <a:rPr lang="en-US" sz="3600" dirty="0">
                 <a:latin typeface="Times New Roman" panose="02020603050405020304" pitchFamily="18" charset="0"/>
                 <a:cs typeface="Times New Roman" panose="02020603050405020304" pitchFamily="18" charset="0"/>
               </a:rPr>
             </a:br>
-            <a:br>
-              <a:rPr lang="en-US" sz="3200" dirty="0">
-                <a:latin typeface="Times New Roman" panose="02020603050405020304" pitchFamily="18" charset="0"/>
-                <a:cs typeface="Times New Roman" panose="02020603050405020304" pitchFamily="18" charset="0"/>
-              </a:rPr>
-            </a:br>
-            <a:endParaRPr lang="en-US" sz="3200" dirty="0">
+            <a:endParaRPr lang="en-US" sz="3600" dirty="0">
               <a:latin typeface="Times New Roman" panose="02020603050405020304" pitchFamily="18" charset="0"/>
               <a:cs typeface="Times New Roman" panose="02020603050405020304" pitchFamily="18" charset="0"/>
             </a:endParaRPr>
@@ -6201,10 +5886,10 @@
       </p:sp>
       <p:sp>
         <p:nvSpPr>
-          <p:cNvPr id="3" name="Content Placeholder 2">
+          <p:cNvPr id="5" name="Content Placeholder 4">
             <a:extLst>
               <a:ext uri="{FF2B5EF4-FFF2-40B4-BE49-F238E27FC236}">
-                <a16:creationId xmlns:a16="http://schemas.microsoft.com/office/drawing/2014/main" id="{DDF23513-EC8C-8AA2-89B8-48289495D95E}"/>
+                <a16:creationId xmlns:a16="http://schemas.microsoft.com/office/drawing/2014/main" id="{ACB52C7C-1F18-2125-26F9-B2A9F74DE463}"/>
               </a:ext>
             </a:extLst>
           </p:cNvPr>
@@ -6217,375 +5902,333 @@
         </p:nvSpPr>
         <p:spPr>
           <a:xfrm>
-            <a:off x="516924" y="1445740"/>
-            <a:ext cx="11675076" cy="5115697"/>
+            <a:off x="331573" y="1504350"/>
+            <a:ext cx="10515600" cy="4351338"/>
           </a:xfrm>
         </p:spPr>
         <p:txBody>
           <a:bodyPr>
-            <a:normAutofit/>
+            <a:normAutofit fontScale="55000" lnSpcReduction="20000"/>
           </a:bodyPr>
           <a:lstStyle/>
           <a:p>
-            <a:pPr algn="l">
-              <a:buFont typeface="+mj-lt"/>
-              <a:buAutoNum type="arabicPeriod"/>
-            </a:pPr>
-            <a:r>
-              <a:rPr lang="en-US" sz="1600" b="1" i="0" dirty="0">
-                <a:solidFill>
-                  <a:srgbClr val="0D0D0D"/>
-                </a:solidFill>
-                <a:effectLst/>
-                <a:latin typeface="Times New Roman" panose="02020603050405020304" pitchFamily="18" charset="0"/>
-                <a:cs typeface="Times New Roman" panose="02020603050405020304" pitchFamily="18" charset="0"/>
-              </a:rPr>
-              <a:t>Game Play Pattern:</a:t>
-            </a:r>
-            <a:endParaRPr lang="en-US" sz="1600" b="0" i="0" dirty="0">
-              <a:solidFill>
-                <a:srgbClr val="0D0D0D"/>
-              </a:solidFill>
-              <a:effectLst/>
+            <a:pPr marL="0" indent="0" algn="l">
+              <a:buNone/>
+            </a:pPr>
+            <a:r>
+              <a:rPr lang="en-US" sz="2800" b="1" i="0" dirty="0">
+                <a:solidFill>
+                  <a:srgbClr val="0D0D0D"/>
+                </a:solidFill>
+                <a:effectLst/>
+                <a:latin typeface="Times New Roman" panose="02020603050405020304" pitchFamily="18" charset="0"/>
+                <a:cs typeface="Times New Roman" panose="02020603050405020304" pitchFamily="18" charset="0"/>
+              </a:rPr>
+              <a:t>What is Chain of Thought Prompting?</a:t>
+            </a:r>
+          </a:p>
+          <a:p>
+            <a:pPr marL="0" indent="0" algn="l">
+              <a:buNone/>
+            </a:pPr>
+            <a:r>
+              <a:rPr lang="en-US" sz="2800" b="0" i="0" dirty="0">
+                <a:solidFill>
+                  <a:srgbClr val="0D0D0D"/>
+                </a:solidFill>
+                <a:effectLst/>
+                <a:latin typeface="Times New Roman" panose="02020603050405020304" pitchFamily="18" charset="0"/>
+                <a:cs typeface="Times New Roman" panose="02020603050405020304" pitchFamily="18" charset="0"/>
+              </a:rPr>
+              <a:t>A prompting strategy that involves asking LLMs to detail the step-by-step reasoning or thought process behind their answers. To encourage the model to generate explanations or rationales that lead to its conclusions, improving the transparency and usefulness of the responses.</a:t>
+            </a:r>
+          </a:p>
+          <a:p>
+            <a:pPr marL="0" indent="0" algn="l">
+              <a:buNone/>
+            </a:pPr>
+            <a:r>
+              <a:rPr lang="en-US" sz="2800" b="1" i="0" dirty="0">
+                <a:solidFill>
+                  <a:srgbClr val="0D0D0D"/>
+                </a:solidFill>
+                <a:effectLst/>
+                <a:latin typeface="Times New Roman" panose="02020603050405020304" pitchFamily="18" charset="0"/>
+                <a:cs typeface="Times New Roman" panose="02020603050405020304" pitchFamily="18" charset="0"/>
+              </a:rPr>
+              <a:t>Benefits of Chain of Thought Prompting:</a:t>
+            </a:r>
+            <a:br>
+              <a:rPr lang="en-US" sz="2800" dirty="0">
+                <a:solidFill>
+                  <a:srgbClr val="0D0D0D"/>
+                </a:solidFill>
+                <a:latin typeface="Times New Roman" panose="02020603050405020304" pitchFamily="18" charset="0"/>
+                <a:cs typeface="Times New Roman" panose="02020603050405020304" pitchFamily="18" charset="0"/>
+              </a:rPr>
+            </a:br>
+            <a:r>
+              <a:rPr lang="en-US" sz="2800" i="1" dirty="0">
+                <a:solidFill>
+                  <a:srgbClr val="0D0D0D"/>
+                </a:solidFill>
+                <a:effectLst/>
+                <a:latin typeface="Times New Roman" panose="02020603050405020304" pitchFamily="18" charset="0"/>
+                <a:cs typeface="Times New Roman" panose="02020603050405020304" pitchFamily="18" charset="0"/>
+              </a:rPr>
+              <a:t>Enhanced Clarity:</a:t>
+            </a:r>
+            <a:r>
+              <a:rPr lang="en-US" sz="2800" b="0" i="0" dirty="0">
+                <a:solidFill>
+                  <a:srgbClr val="0D0D0D"/>
+                </a:solidFill>
+                <a:effectLst/>
+                <a:latin typeface="Times New Roman" panose="02020603050405020304" pitchFamily="18" charset="0"/>
+                <a:cs typeface="Times New Roman" panose="02020603050405020304" pitchFamily="18" charset="0"/>
+              </a:rPr>
+              <a:t> Responses include intermediate steps or reasoning, which can clarify complex answers.</a:t>
+            </a:r>
+            <a:br>
+              <a:rPr lang="en-US" sz="2800" b="0" i="0" dirty="0">
+                <a:solidFill>
+                  <a:srgbClr val="0D0D0D"/>
+                </a:solidFill>
+                <a:effectLst/>
+                <a:latin typeface="Times New Roman" panose="02020603050405020304" pitchFamily="18" charset="0"/>
+                <a:cs typeface="Times New Roman" panose="02020603050405020304" pitchFamily="18" charset="0"/>
+              </a:rPr>
+            </a:br>
+            <a:r>
+              <a:rPr lang="en-US" sz="2800" i="1" dirty="0">
+                <a:solidFill>
+                  <a:srgbClr val="0D0D0D"/>
+                </a:solidFill>
+                <a:latin typeface="Times New Roman" panose="02020603050405020304" pitchFamily="18" charset="0"/>
+                <a:cs typeface="Times New Roman" panose="02020603050405020304" pitchFamily="18" charset="0"/>
+              </a:rPr>
+              <a:t>Educational Value</a:t>
+            </a:r>
+            <a:r>
+              <a:rPr lang="en-US" sz="2800" b="1" i="1" dirty="0">
+                <a:solidFill>
+                  <a:srgbClr val="0D0D0D"/>
+                </a:solidFill>
+                <a:latin typeface="Times New Roman" panose="02020603050405020304" pitchFamily="18" charset="0"/>
+                <a:cs typeface="Times New Roman" panose="02020603050405020304" pitchFamily="18" charset="0"/>
+              </a:rPr>
+              <a:t>: </a:t>
+            </a:r>
+            <a:r>
+              <a:rPr lang="en-US" sz="2800" dirty="0">
+                <a:solidFill>
+                  <a:srgbClr val="0D0D0D"/>
+                </a:solidFill>
+                <a:latin typeface="Times New Roman" panose="02020603050405020304" pitchFamily="18" charset="0"/>
+                <a:cs typeface="Times New Roman" panose="02020603050405020304" pitchFamily="18" charset="0"/>
+              </a:rPr>
+              <a:t>The detailed explanations can serve as educational tools that reveal how the AI reaches its conclusions.</a:t>
+            </a:r>
+            <a:br>
+              <a:rPr lang="en-US" sz="2800" dirty="0">
+                <a:solidFill>
+                  <a:srgbClr val="0D0D0D"/>
+                </a:solidFill>
+                <a:latin typeface="Times New Roman" panose="02020603050405020304" pitchFamily="18" charset="0"/>
+                <a:cs typeface="Times New Roman" panose="02020603050405020304" pitchFamily="18" charset="0"/>
+              </a:rPr>
+            </a:br>
+            <a:r>
+              <a:rPr lang="en-US" sz="2800" i="1" dirty="0">
+                <a:solidFill>
+                  <a:srgbClr val="0D0D0D"/>
+                </a:solidFill>
+                <a:latin typeface="Times New Roman" panose="02020603050405020304" pitchFamily="18" charset="0"/>
+                <a:cs typeface="Times New Roman" panose="02020603050405020304" pitchFamily="18" charset="0"/>
+              </a:rPr>
+              <a:t>Error Checking: </a:t>
+            </a:r>
+            <a:r>
+              <a:rPr lang="en-US" sz="2800" dirty="0">
+                <a:solidFill>
+                  <a:srgbClr val="0D0D0D"/>
+                </a:solidFill>
+                <a:latin typeface="Times New Roman" panose="02020603050405020304" pitchFamily="18" charset="0"/>
+                <a:cs typeface="Times New Roman" panose="02020603050405020304" pitchFamily="18" charset="0"/>
+              </a:rPr>
+              <a:t>It allows </a:t>
+            </a:r>
+            <a:r>
+              <a:rPr lang="en-US" sz="2800" i="0" dirty="0">
+                <a:solidFill>
+                  <a:srgbClr val="0D0D0D"/>
+                </a:solidFill>
+                <a:effectLst/>
+                <a:latin typeface="Times New Roman" panose="02020603050405020304" pitchFamily="18" charset="0"/>
+                <a:cs typeface="Times New Roman" panose="02020603050405020304" pitchFamily="18" charset="0"/>
+              </a:rPr>
+              <a:t>users and developers to trace the AI's logic, which can be crucial for identifying and correcting errors.</a:t>
+            </a:r>
+          </a:p>
+          <a:p>
+            <a:pPr marL="0" indent="0" algn="l">
+              <a:buNone/>
+            </a:pPr>
+            <a:r>
+              <a:rPr lang="en-US" sz="2800" b="1" i="0" dirty="0">
+                <a:solidFill>
+                  <a:srgbClr val="0D0D0D"/>
+                </a:solidFill>
+                <a:effectLst/>
+                <a:latin typeface="Times New Roman" panose="02020603050405020304" pitchFamily="18" charset="0"/>
+                <a:cs typeface="Times New Roman" panose="02020603050405020304" pitchFamily="18" charset="0"/>
+              </a:rPr>
+              <a:t>How to Implement:</a:t>
+            </a:r>
+            <a:br>
+              <a:rPr lang="en-US" sz="2800" dirty="0">
+                <a:solidFill>
+                  <a:srgbClr val="0D0D0D"/>
+                </a:solidFill>
+                <a:latin typeface="Times New Roman" panose="02020603050405020304" pitchFamily="18" charset="0"/>
+                <a:cs typeface="Times New Roman" panose="02020603050405020304" pitchFamily="18" charset="0"/>
+              </a:rPr>
+            </a:br>
+            <a:r>
+              <a:rPr lang="en-US" sz="2800" i="1" dirty="0">
+                <a:solidFill>
+                  <a:srgbClr val="0D0D0D"/>
+                </a:solidFill>
+                <a:effectLst/>
+                <a:latin typeface="Times New Roman" panose="02020603050405020304" pitchFamily="18" charset="0"/>
+                <a:cs typeface="Times New Roman" panose="02020603050405020304" pitchFamily="18" charset="0"/>
+              </a:rPr>
+              <a:t>Explicit Instructions: </a:t>
+            </a:r>
+            <a:r>
+              <a:rPr lang="en-US" sz="2800" b="0" i="0" dirty="0">
+                <a:solidFill>
+                  <a:srgbClr val="0D0D0D"/>
+                </a:solidFill>
+                <a:effectLst/>
+                <a:latin typeface="Times New Roman" panose="02020603050405020304" pitchFamily="18" charset="0"/>
+                <a:cs typeface="Times New Roman" panose="02020603050405020304" pitchFamily="18" charset="0"/>
+              </a:rPr>
+              <a:t>Direct the model to "show your work" or "explain how you got your answer" within the prompt.</a:t>
+            </a:r>
+            <a:br>
+              <a:rPr lang="en-US" sz="2800" b="0" i="0" dirty="0">
+                <a:solidFill>
+                  <a:srgbClr val="0D0D0D"/>
+                </a:solidFill>
+                <a:effectLst/>
+                <a:latin typeface="Times New Roman" panose="02020603050405020304" pitchFamily="18" charset="0"/>
+                <a:cs typeface="Times New Roman" panose="02020603050405020304" pitchFamily="18" charset="0"/>
+              </a:rPr>
+            </a:br>
+            <a:r>
+              <a:rPr lang="en-US" sz="2800" i="1" dirty="0">
+                <a:solidFill>
+                  <a:srgbClr val="0D0D0D"/>
+                </a:solidFill>
+                <a:effectLst/>
+                <a:latin typeface="Times New Roman" panose="02020603050405020304" pitchFamily="18" charset="0"/>
+                <a:cs typeface="Times New Roman" panose="02020603050405020304" pitchFamily="18" charset="0"/>
+              </a:rPr>
+              <a:t>Guided Questions: </a:t>
+            </a:r>
+            <a:r>
+              <a:rPr lang="en-US" sz="2800" b="0" i="0" dirty="0">
+                <a:solidFill>
+                  <a:srgbClr val="0D0D0D"/>
+                </a:solidFill>
+                <a:effectLst/>
+                <a:latin typeface="Times New Roman" panose="02020603050405020304" pitchFamily="18" charset="0"/>
+                <a:cs typeface="Times New Roman" panose="02020603050405020304" pitchFamily="18" charset="0"/>
+              </a:rPr>
+              <a:t>Pose questions in a sequence that naturally leads the AI through a logical progression of thoughts.</a:t>
+            </a:r>
+          </a:p>
+          <a:p>
+            <a:pPr marL="0" indent="0" algn="l">
+              <a:buNone/>
+            </a:pPr>
+            <a:r>
+              <a:rPr lang="en-US" sz="2800" b="1" i="0" dirty="0">
+                <a:solidFill>
+                  <a:srgbClr val="0D0D0D"/>
+                </a:solidFill>
+                <a:effectLst/>
+                <a:latin typeface="Times New Roman" panose="02020603050405020304" pitchFamily="18" charset="0"/>
+                <a:cs typeface="Times New Roman" panose="02020603050405020304" pitchFamily="18" charset="0"/>
+              </a:rPr>
+              <a:t>Example:</a:t>
+            </a:r>
+          </a:p>
+          <a:p>
+            <a:pPr marL="0" indent="0" algn="l">
+              <a:buNone/>
+            </a:pPr>
+            <a:br>
+              <a:rPr lang="en-US" sz="2800" dirty="0">
+                <a:solidFill>
+                  <a:srgbClr val="0D0D0D"/>
+                </a:solidFill>
+                <a:latin typeface="Times New Roman" panose="02020603050405020304" pitchFamily="18" charset="0"/>
+                <a:cs typeface="Times New Roman" panose="02020603050405020304" pitchFamily="18" charset="0"/>
+              </a:rPr>
+            </a:br>
+            <a:r>
+              <a:rPr lang="en-US" sz="2800" b="0" i="0" dirty="0">
+                <a:solidFill>
+                  <a:srgbClr val="0D0D0D"/>
+                </a:solidFill>
+                <a:effectLst/>
+                <a:latin typeface="Times New Roman" panose="02020603050405020304" pitchFamily="18" charset="0"/>
+                <a:cs typeface="Times New Roman" panose="02020603050405020304" pitchFamily="18" charset="0"/>
+              </a:rPr>
+              <a:t>Prompt: "How can we reduce plastic waste in our oceans? Show your work.”</a:t>
+            </a:r>
+            <a:br>
+              <a:rPr lang="en-US" sz="2800" b="0" i="0" dirty="0">
+                <a:solidFill>
+                  <a:srgbClr val="0D0D0D"/>
+                </a:solidFill>
+                <a:effectLst/>
+                <a:latin typeface="Times New Roman" panose="02020603050405020304" pitchFamily="18" charset="0"/>
+                <a:cs typeface="Times New Roman" panose="02020603050405020304" pitchFamily="18" charset="0"/>
+              </a:rPr>
+            </a:br>
+            <a:r>
+              <a:rPr lang="en-US" sz="2800" b="0" i="0" dirty="0">
+                <a:solidFill>
+                  <a:srgbClr val="0D0D0D"/>
+                </a:solidFill>
+                <a:effectLst/>
+                <a:latin typeface="Times New Roman" panose="02020603050405020304" pitchFamily="18" charset="0"/>
+                <a:cs typeface="Times New Roman" panose="02020603050405020304" pitchFamily="18" charset="0"/>
+              </a:rPr>
+              <a:t>LLM Response: "To reduce plastic waste in the oceans, we can start by reducing the use of single-use plastics, enhancing recycling programs, and organizing clean-up initiatives. For instance, if more products are made with recyclable materials and fewer with single-use plastics, then plastic waste can decrease. Recycling programs ensure plastics are reused, and clean-ups remove plastics currently in the ocean</a:t>
+            </a:r>
+          </a:p>
+          <a:p>
+            <a:pPr marL="0" indent="0">
+              <a:buNone/>
+            </a:pPr>
+            <a:endParaRPr lang="en-US" sz="2800" dirty="0">
               <a:latin typeface="Times New Roman" panose="02020603050405020304" pitchFamily="18" charset="0"/>
               <a:cs typeface="Times New Roman" panose="02020603050405020304" pitchFamily="18" charset="0"/>
             </a:endParaRPr>
           </a:p>
           <a:p>
-            <a:pPr lvl="1"/>
-            <a:r>
-              <a:rPr lang="en-US" sz="1600" b="1" i="0" dirty="0">
-                <a:solidFill>
-                  <a:srgbClr val="0D0D0D"/>
-                </a:solidFill>
-                <a:effectLst/>
-                <a:latin typeface="Times New Roman" panose="02020603050405020304" pitchFamily="18" charset="0"/>
-                <a:cs typeface="Times New Roman" panose="02020603050405020304" pitchFamily="18" charset="0"/>
-              </a:rPr>
-              <a:t>Essentials:</a:t>
-            </a:r>
-            <a:r>
-              <a:rPr lang="en-US" sz="1600" b="0" i="0" dirty="0">
-                <a:solidFill>
-                  <a:srgbClr val="0D0D0D"/>
-                </a:solidFill>
-                <a:effectLst/>
-                <a:latin typeface="Times New Roman" panose="02020603050405020304" pitchFamily="18" charset="0"/>
-                <a:cs typeface="Times New Roman" panose="02020603050405020304" pitchFamily="18" charset="0"/>
-              </a:rPr>
-              <a:t> Instruct the AI to create a game involving a topic "X" and establish fundamental rules.</a:t>
-            </a:r>
-          </a:p>
-          <a:p>
-            <a:pPr lvl="1"/>
-            <a:r>
-              <a:rPr lang="en-US" sz="1600" b="1" i="0" dirty="0">
-                <a:solidFill>
-                  <a:srgbClr val="0D0D0D"/>
-                </a:solidFill>
-                <a:effectLst/>
-                <a:latin typeface="Times New Roman" panose="02020603050405020304" pitchFamily="18" charset="0"/>
-                <a:cs typeface="Times New Roman" panose="02020603050405020304" pitchFamily="18" charset="0"/>
-              </a:rPr>
-              <a:t>Define "X":</a:t>
-            </a:r>
-            <a:r>
-              <a:rPr lang="en-US" sz="1600" b="0" i="0" dirty="0">
-                <a:solidFill>
-                  <a:srgbClr val="0D0D0D"/>
-                </a:solidFill>
-                <a:effectLst/>
-                <a:latin typeface="Times New Roman" panose="02020603050405020304" pitchFamily="18" charset="0"/>
-                <a:cs typeface="Times New Roman" panose="02020603050405020304" pitchFamily="18" charset="0"/>
-              </a:rPr>
-              <a:t> The theme or scenario for the game (e.g., "math" or "cave exploration").</a:t>
-            </a:r>
-          </a:p>
-          <a:p>
-            <a:pPr lvl="1"/>
-            <a:r>
-              <a:rPr lang="en-US" sz="1600" b="1" i="0" dirty="0">
-                <a:solidFill>
-                  <a:srgbClr val="0D0D0D"/>
-                </a:solidFill>
-                <a:effectLst/>
-                <a:latin typeface="Times New Roman" panose="02020603050405020304" pitchFamily="18" charset="0"/>
-                <a:cs typeface="Times New Roman" panose="02020603050405020304" pitchFamily="18" charset="0"/>
-              </a:rPr>
-              <a:t>Rules:</a:t>
-            </a:r>
-            <a:r>
-              <a:rPr lang="en-US" sz="1600" b="0" i="0" dirty="0">
-                <a:solidFill>
-                  <a:srgbClr val="0D0D0D"/>
-                </a:solidFill>
-                <a:effectLst/>
-                <a:latin typeface="Times New Roman" panose="02020603050405020304" pitchFamily="18" charset="0"/>
-                <a:cs typeface="Times New Roman" panose="02020603050405020304" pitchFamily="18" charset="0"/>
-              </a:rPr>
-              <a:t> Outline gameplay mechanics and goals (e.g., exploring areas, learning language).</a:t>
-            </a:r>
-          </a:p>
-          <a:p>
-            <a:pPr lvl="1"/>
-            <a:r>
-              <a:rPr lang="en-US" sz="1600" b="1" i="0" dirty="0">
-                <a:solidFill>
-                  <a:srgbClr val="0D0D0D"/>
-                </a:solidFill>
-                <a:effectLst/>
-                <a:latin typeface="Times New Roman" panose="02020603050405020304" pitchFamily="18" charset="0"/>
-                <a:cs typeface="Times New Roman" panose="02020603050405020304" pitchFamily="18" charset="0"/>
-              </a:rPr>
-              <a:t>Example:</a:t>
-            </a:r>
-            <a:r>
-              <a:rPr lang="en-US" sz="1600" b="0" i="0" dirty="0">
-                <a:solidFill>
-                  <a:srgbClr val="0D0D0D"/>
-                </a:solidFill>
-                <a:effectLst/>
-                <a:latin typeface="Times New Roman" panose="02020603050405020304" pitchFamily="18" charset="0"/>
-                <a:cs typeface="Times New Roman" panose="02020603050405020304" pitchFamily="18" charset="0"/>
-              </a:rPr>
-              <a:t> "We're playing a math game. You'll challenge me with math problems, and I gain points for correct answers. Start with a simple addition problem."</a:t>
-            </a:r>
-          </a:p>
-          <a:p>
-            <a:pPr algn="l">
-              <a:buFont typeface="+mj-lt"/>
-              <a:buAutoNum type="arabicPeriod"/>
-            </a:pPr>
-            <a:r>
-              <a:rPr lang="en-US" sz="1600" b="1" i="0" dirty="0">
-                <a:solidFill>
-                  <a:srgbClr val="0D0D0D"/>
-                </a:solidFill>
-                <a:effectLst/>
-                <a:latin typeface="Times New Roman" panose="02020603050405020304" pitchFamily="18" charset="0"/>
-                <a:cs typeface="Times New Roman" panose="02020603050405020304" pitchFamily="18" charset="0"/>
-              </a:rPr>
-              <a:t>Template Pattern:</a:t>
-            </a:r>
-            <a:endParaRPr lang="en-US" sz="1600" b="0" i="0" dirty="0">
-              <a:solidFill>
-                <a:srgbClr val="0D0D0D"/>
-              </a:solidFill>
-              <a:effectLst/>
-              <a:latin typeface="Times New Roman" panose="02020603050405020304" pitchFamily="18" charset="0"/>
-              <a:cs typeface="Times New Roman" panose="02020603050405020304" pitchFamily="18" charset="0"/>
-            </a:endParaRPr>
-          </a:p>
-          <a:p>
-            <a:pPr lvl="1"/>
-            <a:r>
-              <a:rPr lang="en-US" sz="1600" b="1" i="0" dirty="0">
-                <a:solidFill>
-                  <a:srgbClr val="0D0D0D"/>
-                </a:solidFill>
-                <a:effectLst/>
-                <a:latin typeface="Times New Roman" panose="02020603050405020304" pitchFamily="18" charset="0"/>
-                <a:cs typeface="Times New Roman" panose="02020603050405020304" pitchFamily="18" charset="0"/>
-              </a:rPr>
-              <a:t>Essentials:</a:t>
-            </a:r>
-            <a:r>
-              <a:rPr lang="en-US" sz="1600" b="0" i="0" dirty="0">
-                <a:solidFill>
-                  <a:srgbClr val="0D0D0D"/>
-                </a:solidFill>
-                <a:effectLst/>
-                <a:latin typeface="Times New Roman" panose="02020603050405020304" pitchFamily="18" charset="0"/>
-                <a:cs typeface="Times New Roman" panose="02020603050405020304" pitchFamily="18" charset="0"/>
-              </a:rPr>
-              <a:t> Provide the AI with a template containing placeholders "X" for generating structured content.</a:t>
-            </a:r>
-          </a:p>
-          <a:p>
-            <a:pPr lvl="1"/>
-            <a:r>
-              <a:rPr lang="en-US" sz="1600" b="1" i="0" dirty="0">
-                <a:solidFill>
-                  <a:srgbClr val="0D0D0D"/>
-                </a:solidFill>
-                <a:effectLst/>
-                <a:latin typeface="Times New Roman" panose="02020603050405020304" pitchFamily="18" charset="0"/>
-                <a:cs typeface="Times New Roman" panose="02020603050405020304" pitchFamily="18" charset="0"/>
-              </a:rPr>
-              <a:t>Define "X":</a:t>
-            </a:r>
-            <a:r>
-              <a:rPr lang="en-US" sz="1600" b="0" i="0" dirty="0">
-                <a:solidFill>
-                  <a:srgbClr val="0D0D0D"/>
-                </a:solidFill>
-                <a:effectLst/>
-                <a:latin typeface="Times New Roman" panose="02020603050405020304" pitchFamily="18" charset="0"/>
-                <a:cs typeface="Times New Roman" panose="02020603050405020304" pitchFamily="18" charset="0"/>
-              </a:rPr>
-              <a:t> The specific content to be replaced in the template (e.g., "&lt;FULL NAME&gt;", "CAPITALIZED WORDS").</a:t>
-            </a:r>
-          </a:p>
-          <a:p>
-            <a:pPr lvl="1"/>
-            <a:r>
-              <a:rPr lang="en-US" sz="1600" b="1" i="0" dirty="0">
-                <a:solidFill>
-                  <a:srgbClr val="0D0D0D"/>
-                </a:solidFill>
-                <a:effectLst/>
-                <a:latin typeface="Times New Roman" panose="02020603050405020304" pitchFamily="18" charset="0"/>
-                <a:cs typeface="Times New Roman" panose="02020603050405020304" pitchFamily="18" charset="0"/>
-              </a:rPr>
-              <a:t>Template Use:</a:t>
-            </a:r>
-            <a:r>
-              <a:rPr lang="en-US" sz="1600" b="0" i="0" dirty="0">
-                <a:solidFill>
-                  <a:srgbClr val="0D0D0D"/>
-                </a:solidFill>
-                <a:effectLst/>
-                <a:latin typeface="Times New Roman" panose="02020603050405020304" pitchFamily="18" charset="0"/>
-                <a:cs typeface="Times New Roman" panose="02020603050405020304" pitchFamily="18" charset="0"/>
-              </a:rPr>
-              <a:t> Direct the AI to preserve the format and fill in placeholders with relevant information.</a:t>
-            </a:r>
-          </a:p>
-          <a:p>
-            <a:pPr lvl="1"/>
-            <a:r>
-              <a:rPr lang="en-US" sz="1600" b="1" i="0" dirty="0">
-                <a:solidFill>
-                  <a:srgbClr val="0D0D0D"/>
-                </a:solidFill>
-                <a:effectLst/>
-                <a:latin typeface="Times New Roman" panose="02020603050405020304" pitchFamily="18" charset="0"/>
-                <a:cs typeface="Times New Roman" panose="02020603050405020304" pitchFamily="18" charset="0"/>
-              </a:rPr>
-              <a:t>Example:</a:t>
-            </a:r>
-            <a:r>
-              <a:rPr lang="en-US" sz="1600" b="0" i="0" dirty="0">
-                <a:solidFill>
-                  <a:srgbClr val="0D0D0D"/>
-                </a:solidFill>
-                <a:effectLst/>
-                <a:latin typeface="Times New Roman" panose="02020603050405020304" pitchFamily="18" charset="0"/>
-                <a:cs typeface="Times New Roman" panose="02020603050405020304" pitchFamily="18" charset="0"/>
-              </a:rPr>
-              <a:t> "Here's a template for a workout routine: NAME, SETS x REPS, TARGET MUSCLE GROUP. Fill in with exercises for a full-body workout.”</a:t>
-            </a:r>
-          </a:p>
-          <a:p>
-            <a:pPr marL="0" lvl="1" indent="0">
-              <a:spcBef>
-                <a:spcPts val="1000"/>
-              </a:spcBef>
-              <a:buNone/>
-            </a:pPr>
-            <a:r>
-              <a:rPr lang="en-US" sz="1600" b="1" dirty="0">
-                <a:solidFill>
-                  <a:srgbClr val="0D0D0D"/>
-                </a:solidFill>
-                <a:latin typeface="Times New Roman" panose="02020603050405020304" pitchFamily="18" charset="0"/>
-                <a:cs typeface="Times New Roman" panose="02020603050405020304" pitchFamily="18" charset="0"/>
-              </a:rPr>
-              <a:t>3.Meta Language Creation Pattern:</a:t>
-            </a:r>
-          </a:p>
-          <a:p>
-            <a:pPr lvl="1"/>
-            <a:r>
-              <a:rPr lang="en-US" sz="1600" b="1" dirty="0">
-                <a:solidFill>
-                  <a:srgbClr val="0D0D0D"/>
-                </a:solidFill>
-                <a:latin typeface="Times New Roman" panose="02020603050405020304" pitchFamily="18" charset="0"/>
-                <a:cs typeface="Times New Roman" panose="02020603050405020304" pitchFamily="18" charset="0"/>
-              </a:rPr>
-              <a:t>Essentials: </a:t>
-            </a:r>
-            <a:r>
-              <a:rPr lang="en-US" sz="1600" dirty="0">
-                <a:solidFill>
-                  <a:srgbClr val="0D0D0D"/>
-                </a:solidFill>
-                <a:latin typeface="Times New Roman" panose="02020603050405020304" pitchFamily="18" charset="0"/>
-                <a:cs typeface="Times New Roman" panose="02020603050405020304" pitchFamily="18" charset="0"/>
-              </a:rPr>
-              <a:t>Translate phrases "X" into actions or detailed requests "Y".</a:t>
-            </a:r>
-          </a:p>
-          <a:p>
-            <a:pPr lvl="1"/>
-            <a:r>
-              <a:rPr lang="en-US" sz="1600" b="1" dirty="0">
-                <a:solidFill>
-                  <a:srgbClr val="0D0D0D"/>
-                </a:solidFill>
-                <a:latin typeface="Times New Roman" panose="02020603050405020304" pitchFamily="18" charset="0"/>
-                <a:cs typeface="Times New Roman" panose="02020603050405020304" pitchFamily="18" charset="0"/>
-              </a:rPr>
-              <a:t>Application: </a:t>
-            </a:r>
-            <a:r>
-              <a:rPr lang="en-US" sz="1600" dirty="0">
-                <a:solidFill>
-                  <a:srgbClr val="0D0D0D"/>
-                </a:solidFill>
-                <a:latin typeface="Times New Roman" panose="02020603050405020304" pitchFamily="18" charset="0"/>
-                <a:cs typeface="Times New Roman" panose="02020603050405020304" pitchFamily="18" charset="0"/>
-              </a:rPr>
-              <a:t>Use to create shortcuts for complex instructions or dependencies.</a:t>
-            </a:r>
-          </a:p>
-          <a:p>
-            <a:pPr lvl="1"/>
-            <a:r>
-              <a:rPr lang="en-US" sz="1600" b="1" dirty="0">
-                <a:solidFill>
-                  <a:srgbClr val="0D0D0D"/>
-                </a:solidFill>
-                <a:latin typeface="Times New Roman" panose="02020603050405020304" pitchFamily="18" charset="0"/>
-                <a:cs typeface="Times New Roman" panose="02020603050405020304" pitchFamily="18" charset="0"/>
-              </a:rPr>
-              <a:t>Example: </a:t>
-            </a:r>
-            <a:r>
-              <a:rPr lang="en-US" sz="1600" dirty="0">
-                <a:solidFill>
-                  <a:srgbClr val="0D0D0D"/>
-                </a:solidFill>
-                <a:latin typeface="Times New Roman" panose="02020603050405020304" pitchFamily="18" charset="0"/>
-                <a:cs typeface="Times New Roman" panose="02020603050405020304" pitchFamily="18" charset="0"/>
-              </a:rPr>
-              <a:t>"When I say 'outline(article)', I mean provide a structured outline for an article with headings and subheadings."</a:t>
-            </a:r>
-          </a:p>
-          <a:p>
-            <a:pPr lvl="1"/>
-            <a:endParaRPr lang="en-US" sz="1600" b="0" i="0" dirty="0">
-              <a:solidFill>
-                <a:srgbClr val="0D0D0D"/>
-              </a:solidFill>
-              <a:effectLst/>
-              <a:latin typeface="Times New Roman" panose="02020603050405020304" pitchFamily="18" charset="0"/>
-              <a:cs typeface="Times New Roman" panose="02020603050405020304" pitchFamily="18" charset="0"/>
-            </a:endParaRPr>
-          </a:p>
-          <a:p>
-            <a:endParaRPr lang="en-US" sz="1600" dirty="0">
-              <a:latin typeface="Times New Roman" panose="02020603050405020304" pitchFamily="18" charset="0"/>
-              <a:cs typeface="Times New Roman" panose="02020603050405020304" pitchFamily="18" charset="0"/>
-            </a:endParaRPr>
+            <a:endParaRPr lang="en-US" dirty="0"/>
           </a:p>
         </p:txBody>
       </p:sp>
     </p:spTree>
     <p:extLst>
       <p:ext uri="{BB962C8B-B14F-4D97-AF65-F5344CB8AC3E}">
-        <p14:creationId xmlns:p14="http://schemas.microsoft.com/office/powerpoint/2010/main" val="2999128041"/>
+        <p14:creationId xmlns:p14="http://schemas.microsoft.com/office/powerpoint/2010/main" val="2699966505"/>
       </p:ext>
     </p:extLst>
   </p:cSld>
@@ -6617,7 +6260,7 @@
           <p:cNvPr id="2" name="Title 1">
             <a:extLst>
               <a:ext uri="{FF2B5EF4-FFF2-40B4-BE49-F238E27FC236}">
-                <a16:creationId xmlns:a16="http://schemas.microsoft.com/office/drawing/2014/main" id="{13A9F3F7-05D9-116D-7E31-8AA5D03B8067}"/>
+                <a16:creationId xmlns:a16="http://schemas.microsoft.com/office/drawing/2014/main" id="{BA50AF1D-ECC0-B776-3A33-0DCEA5197B6C}"/>
               </a:ext>
             </a:extLst>
           </p:cNvPr>
@@ -6630,8 +6273,8 @@
         </p:nvSpPr>
         <p:spPr>
           <a:xfrm>
-            <a:off x="106985" y="137440"/>
-            <a:ext cx="11978030" cy="1370084"/>
+            <a:off x="-1" y="167417"/>
+            <a:ext cx="11961341" cy="870551"/>
           </a:xfrm>
         </p:spPr>
         <p:txBody>
@@ -6640,31 +6283,13 @@
           </a:bodyPr>
           <a:lstStyle/>
           <a:p>
-            <a:br>
+            <a:r>
               <a:rPr lang="en-US" sz="3200" dirty="0">
                 <a:latin typeface="Times New Roman" panose="02020603050405020304" pitchFamily="18" charset="0"/>
                 <a:cs typeface="Times New Roman" panose="02020603050405020304" pitchFamily="18" charset="0"/>
               </a:rPr>
-            </a:br>
-            <a:r>
-              <a:rPr lang="en-US" sz="3200" dirty="0">
-                <a:latin typeface="Times New Roman" panose="02020603050405020304" pitchFamily="18" charset="0"/>
-                <a:cs typeface="Times New Roman" panose="02020603050405020304" pitchFamily="18" charset="0"/>
-              </a:rPr>
-              <a:t>Prompt Patterns – Recipe Patterns, Alternative Approaches &amp; Ask for Input Patterns</a:t>
-            </a:r>
-            <a:br>
-              <a:rPr lang="en-US" sz="3200" dirty="0">
-                <a:latin typeface="Times New Roman" panose="02020603050405020304" pitchFamily="18" charset="0"/>
-                <a:cs typeface="Times New Roman" panose="02020603050405020304" pitchFamily="18" charset="0"/>
-              </a:rPr>
-            </a:br>
-            <a:br>
-              <a:rPr lang="en-US" sz="3200" dirty="0">
-                <a:latin typeface="Times New Roman" panose="02020603050405020304" pitchFamily="18" charset="0"/>
-                <a:cs typeface="Times New Roman" panose="02020603050405020304" pitchFamily="18" charset="0"/>
-              </a:rPr>
-            </a:br>
+              <a:t>Prompt Patterns – Game Play, Template Patterns &amp; Meta Language Creation </a:t>
+            </a:r>
             <a:br>
               <a:rPr lang="en-US" sz="3200" dirty="0">
                 <a:latin typeface="Times New Roman" panose="02020603050405020304" pitchFamily="18" charset="0"/>
@@ -6689,7 +6314,7 @@
           <p:cNvPr id="3" name="Content Placeholder 2">
             <a:extLst>
               <a:ext uri="{FF2B5EF4-FFF2-40B4-BE49-F238E27FC236}">
-                <a16:creationId xmlns:a16="http://schemas.microsoft.com/office/drawing/2014/main" id="{C5A12254-CE3F-C9C9-01A1-7292BFCACBB5}"/>
+                <a16:creationId xmlns:a16="http://schemas.microsoft.com/office/drawing/2014/main" id="{DDF23513-EC8C-8AA2-89B8-48289495D95E}"/>
               </a:ext>
             </a:extLst>
           </p:cNvPr>
@@ -6700,7 +6325,12 @@
             <p:ph idx="1"/>
           </p:nvPr>
         </p:nvSpPr>
-        <p:spPr/>
+        <p:spPr>
+          <a:xfrm>
+            <a:off x="516924" y="1445740"/>
+            <a:ext cx="11675076" cy="5115697"/>
+          </a:xfrm>
+        </p:spPr>
         <p:txBody>
           <a:bodyPr>
             <a:normAutofit/>
@@ -6720,7 +6350,7 @@
                 <a:latin typeface="Times New Roman" panose="02020603050405020304" pitchFamily="18" charset="0"/>
                 <a:cs typeface="Times New Roman" panose="02020603050405020304" pitchFamily="18" charset="0"/>
               </a:rPr>
-              <a:t>Recipe Pattern:</a:t>
+              <a:t>Game Play Pattern:</a:t>
             </a:r>
             <a:endParaRPr lang="en-US" sz="1600" b="0" i="0" dirty="0">
               <a:solidFill>
@@ -6753,7 +6383,7 @@
                 <a:latin typeface="Times New Roman" panose="02020603050405020304" pitchFamily="18" charset="0"/>
                 <a:cs typeface="Times New Roman" panose="02020603050405020304" pitchFamily="18" charset="0"/>
               </a:rPr>
-              <a:t> Outline a desired outcome "X" and known steps "A, B, C" and request a detailed plan.</a:t>
+              <a:t> Instruct the AI to create a game involving a topic "X" and establish fundamental rules.</a:t>
             </a:r>
           </a:p>
           <a:p>
@@ -6767,7 +6397,7 @@
                 <a:latin typeface="Times New Roman" panose="02020603050405020304" pitchFamily="18" charset="0"/>
                 <a:cs typeface="Times New Roman" panose="02020603050405020304" pitchFamily="18" charset="0"/>
               </a:rPr>
-              <a:t>Application:</a:t>
+              <a:t>Define "X":</a:t>
             </a:r>
             <a:r>
               <a:rPr lang="en-US" sz="1600" b="0" i="0" dirty="0">
@@ -6778,7 +6408,7 @@
                 <a:latin typeface="Times New Roman" panose="02020603050405020304" pitchFamily="18" charset="0"/>
                 <a:cs typeface="Times New Roman" panose="02020603050405020304" pitchFamily="18" charset="0"/>
               </a:rPr>
-              <a:t> Ideal for step-by-step guidance on tasks with known and unknown stages.</a:t>
+              <a:t> The theme or scenario for the game (e.g., "math" or "cave exploration").</a:t>
             </a:r>
           </a:p>
           <a:p>
@@ -6792,6 +6422,31 @@
                 <a:latin typeface="Times New Roman" panose="02020603050405020304" pitchFamily="18" charset="0"/>
                 <a:cs typeface="Times New Roman" panose="02020603050405020304" pitchFamily="18" charset="0"/>
               </a:rPr>
+              <a:t>Rules:</a:t>
+            </a:r>
+            <a:r>
+              <a:rPr lang="en-US" sz="1600" b="0" i="0" dirty="0">
+                <a:solidFill>
+                  <a:srgbClr val="0D0D0D"/>
+                </a:solidFill>
+                <a:effectLst/>
+                <a:latin typeface="Times New Roman" panose="02020603050405020304" pitchFamily="18" charset="0"/>
+                <a:cs typeface="Times New Roman" panose="02020603050405020304" pitchFamily="18" charset="0"/>
+              </a:rPr>
+              <a:t> Outline gameplay mechanics and goals (e.g., exploring areas, learning language).</a:t>
+            </a:r>
+          </a:p>
+          <a:p>
+            <a:pPr lvl="1"/>
+            <a:r>
+              <a:rPr lang="en-US" sz="1600" b="1" i="0" dirty="0">
+                <a:solidFill>
+                  <a:srgbClr val="0D0D0D"/>
+                </a:solidFill>
+                <a:effectLst/>
+                <a:latin typeface="Times New Roman" panose="02020603050405020304" pitchFamily="18" charset="0"/>
+                <a:cs typeface="Times New Roman" panose="02020603050405020304" pitchFamily="18" charset="0"/>
+              </a:rPr>
               <a:t>Example:</a:t>
             </a:r>
             <a:r>
@@ -6803,16 +6458,8 @@
                 <a:latin typeface="Times New Roman" panose="02020603050405020304" pitchFamily="18" charset="0"/>
                 <a:cs typeface="Times New Roman" panose="02020603050405020304" pitchFamily="18" charset="0"/>
               </a:rPr>
-              <a:t> "I plan to drive from Nashville to NYC via Asheville, NC without exceeding 300 miles daily. Detail the route with overnight stops and fill in any additional steps."</a:t>
-            </a:r>
-            <a:endParaRPr lang="en-US" sz="1600" b="1" i="0" dirty="0">
-              <a:solidFill>
-                <a:srgbClr val="0D0D0D"/>
-              </a:solidFill>
-              <a:effectLst/>
-              <a:latin typeface="Times New Roman" panose="02020603050405020304" pitchFamily="18" charset="0"/>
-              <a:cs typeface="Times New Roman" panose="02020603050405020304" pitchFamily="18" charset="0"/>
-            </a:endParaRPr>
+              <a:t> "We're playing a math game. You'll challenge me with math problems, and I gain points for correct answers. Start with a simple addition problem."</a:t>
+            </a:r>
           </a:p>
           <a:p>
             <a:pPr algn="l">
@@ -6828,7 +6475,7 @@
                 <a:latin typeface="Times New Roman" panose="02020603050405020304" pitchFamily="18" charset="0"/>
                 <a:cs typeface="Times New Roman" panose="02020603050405020304" pitchFamily="18" charset="0"/>
               </a:rPr>
-              <a:t>Alternative Approaches Pattern:</a:t>
+              <a:t>Template Pattern:</a:t>
             </a:r>
             <a:endParaRPr lang="en-US" sz="1600" b="0" i="0" dirty="0">
               <a:solidFill>
@@ -6861,7 +6508,7 @@
                 <a:latin typeface="Times New Roman" panose="02020603050405020304" pitchFamily="18" charset="0"/>
                 <a:cs typeface="Times New Roman" panose="02020603050405020304" pitchFamily="18" charset="0"/>
               </a:rPr>
-              <a:t> When given a task "X", provide alternative methods to achieve it, along with a comparison of each.</a:t>
+              <a:t> Provide the AI with a template containing placeholders "X" for generating structured content.</a:t>
             </a:r>
           </a:p>
           <a:p>
@@ -6875,7 +6522,7 @@
                 <a:latin typeface="Times New Roman" panose="02020603050405020304" pitchFamily="18" charset="0"/>
                 <a:cs typeface="Times New Roman" panose="02020603050405020304" pitchFamily="18" charset="0"/>
               </a:rPr>
-              <a:t>Application:</a:t>
+              <a:t>Define "X":</a:t>
             </a:r>
             <a:r>
               <a:rPr lang="en-US" sz="1600" b="0" i="0" dirty="0">
@@ -6886,7 +6533,7 @@
                 <a:latin typeface="Times New Roman" panose="02020603050405020304" pitchFamily="18" charset="0"/>
                 <a:cs typeface="Times New Roman" panose="02020603050405020304" pitchFamily="18" charset="0"/>
               </a:rPr>
-              <a:t> Use to explore different strategies and their trade-offs for informed decision-making.</a:t>
+              <a:t> The specific content to be replaced in the template (e.g., "&lt;FULL NAME&gt;", "CAPITALIZED WORDS").</a:t>
             </a:r>
           </a:p>
           <a:p>
@@ -6900,6 +6547,31 @@
                 <a:latin typeface="Times New Roman" panose="02020603050405020304" pitchFamily="18" charset="0"/>
                 <a:cs typeface="Times New Roman" panose="02020603050405020304" pitchFamily="18" charset="0"/>
               </a:rPr>
+              <a:t>Template Use:</a:t>
+            </a:r>
+            <a:r>
+              <a:rPr lang="en-US" sz="1600" b="0" i="0" dirty="0">
+                <a:solidFill>
+                  <a:srgbClr val="0D0D0D"/>
+                </a:solidFill>
+                <a:effectLst/>
+                <a:latin typeface="Times New Roman" panose="02020603050405020304" pitchFamily="18" charset="0"/>
+                <a:cs typeface="Times New Roman" panose="02020603050405020304" pitchFamily="18" charset="0"/>
+              </a:rPr>
+              <a:t> Direct the AI to preserve the format and fill in placeholders with relevant information.</a:t>
+            </a:r>
+          </a:p>
+          <a:p>
+            <a:pPr lvl="1"/>
+            <a:r>
+              <a:rPr lang="en-US" sz="1600" b="1" i="0" dirty="0">
+                <a:solidFill>
+                  <a:srgbClr val="0D0D0D"/>
+                </a:solidFill>
+                <a:effectLst/>
+                <a:latin typeface="Times New Roman" panose="02020603050405020304" pitchFamily="18" charset="0"/>
+                <a:cs typeface="Times New Roman" panose="02020603050405020304" pitchFamily="18" charset="0"/>
+              </a:rPr>
               <a:t>Example:</a:t>
             </a:r>
             <a:r>
@@ -6911,25 +6583,98 @@
                 <a:latin typeface="Times New Roman" panose="02020603050405020304" pitchFamily="18" charset="0"/>
                 <a:cs typeface="Times New Roman" panose="02020603050405020304" pitchFamily="18" charset="0"/>
               </a:rPr>
-              <a:t> "If I ask for a way to improve website traffic, list alternative strategies with their pros and cons, including the original method if applicable."</a:t>
-            </a:r>
-          </a:p>
-          <a:p>
-            <a:pPr algn="l">
-              <a:buFont typeface="+mj-lt"/>
-              <a:buAutoNum type="arabicPeriod"/>
-            </a:pPr>
-            <a:r>
-              <a:rPr lang="en-US" sz="1600" b="1" i="0" dirty="0">
-                <a:solidFill>
-                  <a:srgbClr val="0D0D0D"/>
-                </a:solidFill>
-                <a:effectLst/>
-                <a:latin typeface="Times New Roman" panose="02020603050405020304" pitchFamily="18" charset="0"/>
-                <a:cs typeface="Times New Roman" panose="02020603050405020304" pitchFamily="18" charset="0"/>
-              </a:rPr>
-              <a:t>Ask for Input Pattern:</a:t>
-            </a:r>
+              <a:t> "Here's a template for a workout routine: NAME, SETS x REPS, TARGET MUSCLE GROUP. Fill in with exercises for a full-body workout.”</a:t>
+            </a:r>
+          </a:p>
+          <a:p>
+            <a:pPr marL="0" lvl="1" indent="0">
+              <a:spcBef>
+                <a:spcPts val="1000"/>
+              </a:spcBef>
+              <a:buNone/>
+            </a:pPr>
+            <a:r>
+              <a:rPr lang="en-US" sz="1600" b="1" dirty="0">
+                <a:solidFill>
+                  <a:srgbClr val="0D0D0D"/>
+                </a:solidFill>
+                <a:latin typeface="Times New Roman" panose="02020603050405020304" pitchFamily="18" charset="0"/>
+                <a:cs typeface="Times New Roman" panose="02020603050405020304" pitchFamily="18" charset="0"/>
+              </a:rPr>
+              <a:t>3.Meta Language Creation Pattern:</a:t>
+            </a:r>
+          </a:p>
+          <a:p>
+            <a:pPr lvl="1"/>
+            <a:r>
+              <a:rPr lang="en-US" sz="1600" b="1" dirty="0">
+                <a:solidFill>
+                  <a:srgbClr val="0D0D0D"/>
+                </a:solidFill>
+                <a:latin typeface="Times New Roman" panose="02020603050405020304" pitchFamily="18" charset="0"/>
+                <a:cs typeface="Times New Roman" panose="02020603050405020304" pitchFamily="18" charset="0"/>
+              </a:rPr>
+              <a:t>Essentials: </a:t>
+            </a:r>
+            <a:r>
+              <a:rPr lang="en-US" sz="1600" dirty="0">
+                <a:solidFill>
+                  <a:srgbClr val="0D0D0D"/>
+                </a:solidFill>
+                <a:latin typeface="Times New Roman" panose="02020603050405020304" pitchFamily="18" charset="0"/>
+                <a:cs typeface="Times New Roman" panose="02020603050405020304" pitchFamily="18" charset="0"/>
+              </a:rPr>
+              <a:t>Translate phrases "X" into actions or detailed requests "Y".</a:t>
+            </a:r>
+          </a:p>
+          <a:p>
+            <a:pPr lvl="1"/>
+            <a:r>
+              <a:rPr lang="en-US" sz="1600" b="1" dirty="0">
+                <a:solidFill>
+                  <a:srgbClr val="0D0D0D"/>
+                </a:solidFill>
+                <a:latin typeface="Times New Roman" panose="02020603050405020304" pitchFamily="18" charset="0"/>
+                <a:cs typeface="Times New Roman" panose="02020603050405020304" pitchFamily="18" charset="0"/>
+              </a:rPr>
+              <a:t>Application: </a:t>
+            </a:r>
+            <a:r>
+              <a:rPr lang="en-US" sz="1600" dirty="0">
+                <a:solidFill>
+                  <a:srgbClr val="0D0D0D"/>
+                </a:solidFill>
+                <a:latin typeface="Times New Roman" panose="02020603050405020304" pitchFamily="18" charset="0"/>
+                <a:cs typeface="Times New Roman" panose="02020603050405020304" pitchFamily="18" charset="0"/>
+              </a:rPr>
+              <a:t>Use to create shortcuts for complex instructions or dependencies.</a:t>
+            </a:r>
+          </a:p>
+          <a:p>
+            <a:pPr lvl="1"/>
+            <a:r>
+              <a:rPr lang="en-US" sz="1600" b="1" dirty="0">
+                <a:solidFill>
+                  <a:srgbClr val="0D0D0D"/>
+                </a:solidFill>
+                <a:latin typeface="Times New Roman" panose="02020603050405020304" pitchFamily="18" charset="0"/>
+                <a:cs typeface="Times New Roman" panose="02020603050405020304" pitchFamily="18" charset="0"/>
+              </a:rPr>
+              <a:t>Example: </a:t>
+            </a:r>
+            <a:r>
+              <a:rPr lang="en-US" sz="1600" dirty="0">
+                <a:solidFill>
+                  <a:srgbClr val="0D0D0D"/>
+                </a:solidFill>
+                <a:latin typeface="Times New Roman" panose="02020603050405020304" pitchFamily="18" charset="0"/>
+                <a:cs typeface="Times New Roman" panose="02020603050405020304" pitchFamily="18" charset="0"/>
+              </a:rPr>
+              <a:t>"When I say 'outline(article)', I mean provide a structured outline for an article with headings and subheadings."</a:t>
+            </a:r>
+          </a:p>
+          <a:p>
+            <a:pPr lvl="1"/>
             <a:endParaRPr lang="en-US" sz="1600" b="0" i="0" dirty="0">
               <a:solidFill>
                 <a:srgbClr val="0D0D0D"/>
@@ -6940,81 +6685,6 @@
             </a:endParaRPr>
           </a:p>
           <a:p>
-            <a:pPr lvl="1"/>
-            <a:r>
-              <a:rPr lang="en-US" sz="1600" b="1" i="0" dirty="0">
-                <a:solidFill>
-                  <a:srgbClr val="0D0D0D"/>
-                </a:solidFill>
-                <a:effectLst/>
-                <a:latin typeface="Times New Roman" panose="02020603050405020304" pitchFamily="18" charset="0"/>
-                <a:cs typeface="Times New Roman" panose="02020603050405020304" pitchFamily="18" charset="0"/>
-              </a:rPr>
-              <a:t>Essentials:</a:t>
-            </a:r>
-            <a:r>
-              <a:rPr lang="en-US" sz="1600" b="0" i="0" dirty="0">
-                <a:solidFill>
-                  <a:srgbClr val="0D0D0D"/>
-                </a:solidFill>
-                <a:effectLst/>
-                <a:latin typeface="Times New Roman" panose="02020603050405020304" pitchFamily="18" charset="0"/>
-                <a:cs typeface="Times New Roman" panose="02020603050405020304" pitchFamily="18" charset="0"/>
-              </a:rPr>
-              <a:t> When instructed, request additional input "X" to proceed with the task.</a:t>
-            </a:r>
-          </a:p>
-          <a:p>
-            <a:pPr lvl="1"/>
-            <a:r>
-              <a:rPr lang="en-US" sz="1600" b="1" i="0" dirty="0">
-                <a:solidFill>
-                  <a:srgbClr val="0D0D0D"/>
-                </a:solidFill>
-                <a:effectLst/>
-                <a:latin typeface="Times New Roman" panose="02020603050405020304" pitchFamily="18" charset="0"/>
-                <a:cs typeface="Times New Roman" panose="02020603050405020304" pitchFamily="18" charset="0"/>
-              </a:rPr>
-              <a:t>Application:</a:t>
-            </a:r>
-            <a:r>
-              <a:rPr lang="en-US" sz="1600" b="0" i="0" dirty="0">
-                <a:solidFill>
-                  <a:srgbClr val="0D0D0D"/>
-                </a:solidFill>
-                <a:effectLst/>
-                <a:latin typeface="Times New Roman" panose="02020603050405020304" pitchFamily="18" charset="0"/>
-                <a:cs typeface="Times New Roman" panose="02020603050405020304" pitchFamily="18" charset="0"/>
-              </a:rPr>
-              <a:t> Ideal for tasks requiring clarification, additional data, or when building upon previous interactions.</a:t>
-            </a:r>
-          </a:p>
-          <a:p>
-            <a:pPr lvl="1"/>
-            <a:r>
-              <a:rPr lang="en-US" sz="1600" b="1" i="0" dirty="0">
-                <a:solidFill>
-                  <a:srgbClr val="0D0D0D"/>
-                </a:solidFill>
-                <a:effectLst/>
-                <a:latin typeface="Times New Roman" panose="02020603050405020304" pitchFamily="18" charset="0"/>
-                <a:cs typeface="Times New Roman" panose="02020603050405020304" pitchFamily="18" charset="0"/>
-              </a:rPr>
-              <a:t>Example:</a:t>
-            </a:r>
-            <a:r>
-              <a:rPr lang="en-US" sz="1600" b="0" i="0" dirty="0">
-                <a:solidFill>
-                  <a:srgbClr val="0D0D0D"/>
-                </a:solidFill>
-                <a:effectLst/>
-                <a:latin typeface="Times New Roman" panose="02020603050405020304" pitchFamily="18" charset="0"/>
-                <a:cs typeface="Times New Roman" panose="02020603050405020304" pitchFamily="18" charset="0"/>
-              </a:rPr>
-              <a:t> "When I provide a draft email, ask for clarifications needed to refine the message. Begin by asking for the main goal of the email."</a:t>
-            </a:r>
-          </a:p>
-          <a:p>
             <a:endParaRPr lang="en-US" sz="1600" dirty="0">
               <a:latin typeface="Times New Roman" panose="02020603050405020304" pitchFamily="18" charset="0"/>
               <a:cs typeface="Times New Roman" panose="02020603050405020304" pitchFamily="18" charset="0"/>
@@ -7025,7 +6695,7 @@
     </p:spTree>
     <p:extLst>
       <p:ext uri="{BB962C8B-B14F-4D97-AF65-F5344CB8AC3E}">
-        <p14:creationId xmlns:p14="http://schemas.microsoft.com/office/powerpoint/2010/main" val="1036586623"/>
+        <p14:creationId xmlns:p14="http://schemas.microsoft.com/office/powerpoint/2010/main" val="2999128041"/>
       </p:ext>
     </p:extLst>
   </p:cSld>
@@ -7057,7 +6727,7 @@
           <p:cNvPr id="2" name="Title 1">
             <a:extLst>
               <a:ext uri="{FF2B5EF4-FFF2-40B4-BE49-F238E27FC236}">
-                <a16:creationId xmlns:a16="http://schemas.microsoft.com/office/drawing/2014/main" id="{EDC3E56D-9F46-4776-3F13-4ABF49F6ABD5}"/>
+                <a16:creationId xmlns:a16="http://schemas.microsoft.com/office/drawing/2014/main" id="{13A9F3F7-05D9-116D-7E31-8AA5D03B8067}"/>
               </a:ext>
             </a:extLst>
           </p:cNvPr>
@@ -7070,8 +6740,8 @@
         </p:nvSpPr>
         <p:spPr>
           <a:xfrm>
-            <a:off x="203646" y="251940"/>
-            <a:ext cx="11683554" cy="1119660"/>
+            <a:off x="106985" y="137440"/>
+            <a:ext cx="11978030" cy="1370084"/>
           </a:xfrm>
         </p:spPr>
         <p:txBody>
@@ -7081,53 +6751,46 @@
           <a:lstStyle/>
           <a:p>
             <a:br>
-              <a:rPr lang="en-US" sz="3600" i="0" dirty="0">
-                <a:solidFill>
-                  <a:srgbClr val="0D0D0D"/>
-                </a:solidFill>
-                <a:effectLst/>
+              <a:rPr lang="en-US" sz="3200" dirty="0">
                 <a:latin typeface="Times New Roman" panose="02020603050405020304" pitchFamily="18" charset="0"/>
                 <a:cs typeface="Times New Roman" panose="02020603050405020304" pitchFamily="18" charset="0"/>
               </a:rPr>
             </a:br>
             <a:r>
-              <a:rPr lang="en-US" sz="3600" i="0" dirty="0">
-                <a:solidFill>
-                  <a:srgbClr val="0D0D0D"/>
-                </a:solidFill>
-                <a:effectLst/>
-                <a:latin typeface="Times New Roman" panose="02020603050405020304" pitchFamily="18" charset="0"/>
-                <a:cs typeface="Times New Roman" panose="02020603050405020304" pitchFamily="18" charset="0"/>
-              </a:rPr>
-              <a:t>Prompt Patterns-Outline Expansion and Menu Actions</a:t>
+              <a:rPr lang="en-US" sz="3200" dirty="0">
+                <a:latin typeface="Times New Roman" panose="02020603050405020304" pitchFamily="18" charset="0"/>
+                <a:cs typeface="Times New Roman" panose="02020603050405020304" pitchFamily="18" charset="0"/>
+              </a:rPr>
+              <a:t>Prompt Patterns – Recipe Patterns, Alternative Approaches &amp; Ask for Input Patterns</a:t>
             </a:r>
             <a:br>
-              <a:rPr lang="en-US" sz="3600" i="0" dirty="0">
-                <a:solidFill>
-                  <a:srgbClr val="0D0D0D"/>
-                </a:solidFill>
-                <a:effectLst/>
+              <a:rPr lang="en-US" sz="3200" dirty="0">
                 <a:latin typeface="Times New Roman" panose="02020603050405020304" pitchFamily="18" charset="0"/>
                 <a:cs typeface="Times New Roman" panose="02020603050405020304" pitchFamily="18" charset="0"/>
               </a:rPr>
             </a:br>
             <a:br>
-              <a:rPr lang="en-US" sz="3600" i="0" dirty="0">
-                <a:solidFill>
-                  <a:srgbClr val="0D0D0D"/>
-                </a:solidFill>
-                <a:effectLst/>
+              <a:rPr lang="en-US" sz="3200" dirty="0">
                 <a:latin typeface="Times New Roman" panose="02020603050405020304" pitchFamily="18" charset="0"/>
                 <a:cs typeface="Times New Roman" panose="02020603050405020304" pitchFamily="18" charset="0"/>
               </a:rPr>
             </a:br>
             <a:br>
-              <a:rPr lang="en-US" sz="3600" dirty="0">
+              <a:rPr lang="en-US" sz="3200" dirty="0">
                 <a:latin typeface="Times New Roman" panose="02020603050405020304" pitchFamily="18" charset="0"/>
                 <a:cs typeface="Times New Roman" panose="02020603050405020304" pitchFamily="18" charset="0"/>
               </a:rPr>
             </a:br>
-            <a:endParaRPr lang="en-US" sz="3600" dirty="0"/>
+            <a:br>
+              <a:rPr lang="en-US" sz="3200" dirty="0">
+                <a:latin typeface="Times New Roman" panose="02020603050405020304" pitchFamily="18" charset="0"/>
+                <a:cs typeface="Times New Roman" panose="02020603050405020304" pitchFamily="18" charset="0"/>
+              </a:rPr>
+            </a:br>
+            <a:endParaRPr lang="en-US" sz="3200" dirty="0">
+              <a:latin typeface="Times New Roman" panose="02020603050405020304" pitchFamily="18" charset="0"/>
+              <a:cs typeface="Times New Roman" panose="02020603050405020304" pitchFamily="18" charset="0"/>
+            </a:endParaRPr>
           </a:p>
         </p:txBody>
       </p:sp>
@@ -7136,7 +6799,7 @@
           <p:cNvPr id="3" name="Content Placeholder 2">
             <a:extLst>
               <a:ext uri="{FF2B5EF4-FFF2-40B4-BE49-F238E27FC236}">
-                <a16:creationId xmlns:a16="http://schemas.microsoft.com/office/drawing/2014/main" id="{3BEAE303-2574-3AD8-208E-92FB229764BB}"/>
+                <a16:creationId xmlns:a16="http://schemas.microsoft.com/office/drawing/2014/main" id="{C5A12254-CE3F-C9C9-01A1-7292BFCACBB5}"/>
               </a:ext>
             </a:extLst>
           </p:cNvPr>
@@ -7167,7 +6830,7 @@
                 <a:latin typeface="Times New Roman" panose="02020603050405020304" pitchFamily="18" charset="0"/>
                 <a:cs typeface="Times New Roman" panose="02020603050405020304" pitchFamily="18" charset="0"/>
               </a:rPr>
-              <a:t>Outline Expansion Pattern:</a:t>
+              <a:t>Recipe Pattern:</a:t>
             </a:r>
             <a:endParaRPr lang="en-US" sz="1600" b="0" i="0" dirty="0">
               <a:solidFill>
@@ -7189,7 +6852,7 @@
                 <a:latin typeface="Times New Roman" panose="02020603050405020304" pitchFamily="18" charset="0"/>
                 <a:cs typeface="Times New Roman" panose="02020603050405020304" pitchFamily="18" charset="0"/>
               </a:rPr>
-              <a:t>Function:</a:t>
+              <a:t>Essentials:</a:t>
             </a:r>
             <a:r>
               <a:rPr lang="en-US" sz="1600" b="0" i="0" dirty="0">
@@ -7200,7 +6863,7 @@
                 <a:latin typeface="Times New Roman" panose="02020603050405020304" pitchFamily="18" charset="0"/>
                 <a:cs typeface="Times New Roman" panose="02020603050405020304" pitchFamily="18" charset="0"/>
               </a:rPr>
-              <a:t> AI expands on a bullet point outline based on user direction, with a focus on depth and detail.</a:t>
+              <a:t> Outline a desired outcome "X" and known steps "A, B, C" and request a detailed plan.</a:t>
             </a:r>
           </a:p>
           <a:p>
@@ -7214,7 +6877,7 @@
                 <a:latin typeface="Times New Roman" panose="02020603050405020304" pitchFamily="18" charset="0"/>
                 <a:cs typeface="Times New Roman" panose="02020603050405020304" pitchFamily="18" charset="0"/>
               </a:rPr>
-              <a:t>Process:</a:t>
+              <a:t>Application:</a:t>
             </a:r>
             <a:r>
               <a:rPr lang="en-US" sz="1600" b="0" i="0" dirty="0">
@@ -7225,7 +6888,7 @@
                 <a:latin typeface="Times New Roman" panose="02020603050405020304" pitchFamily="18" charset="0"/>
                 <a:cs typeface="Times New Roman" panose="02020603050405020304" pitchFamily="18" charset="0"/>
               </a:rPr>
-              <a:t> The user starts with a high-level outline; the AI asks which point to detail further, creating subpoints and expanding iteratively.</a:t>
+              <a:t> Ideal for step-by-step guidance on tasks with known and unknown stages.</a:t>
             </a:r>
           </a:p>
           <a:p>
@@ -7250,8 +6913,16 @@
                 <a:latin typeface="Times New Roman" panose="02020603050405020304" pitchFamily="18" charset="0"/>
                 <a:cs typeface="Times New Roman" panose="02020603050405020304" pitchFamily="18" charset="0"/>
               </a:rPr>
-              <a:t> "Create an outline for a healthy diet plan. After listing main food groups, ask me which to elaborate on for meal ideas."</a:t>
-            </a:r>
+              <a:t> "I plan to drive from Nashville to NYC via Asheville, NC without exceeding 300 miles daily. Detail the route with overnight stops and fill in any additional steps."</a:t>
+            </a:r>
+            <a:endParaRPr lang="en-US" sz="1600" b="1" i="0" dirty="0">
+              <a:solidFill>
+                <a:srgbClr val="0D0D0D"/>
+              </a:solidFill>
+              <a:effectLst/>
+              <a:latin typeface="Times New Roman" panose="02020603050405020304" pitchFamily="18" charset="0"/>
+              <a:cs typeface="Times New Roman" panose="02020603050405020304" pitchFamily="18" charset="0"/>
+            </a:endParaRPr>
           </a:p>
           <a:p>
             <a:pPr algn="l">
@@ -7267,7 +6938,7 @@
                 <a:latin typeface="Times New Roman" panose="02020603050405020304" pitchFamily="18" charset="0"/>
                 <a:cs typeface="Times New Roman" panose="02020603050405020304" pitchFamily="18" charset="0"/>
               </a:rPr>
-              <a:t>Menu Actions Pattern:</a:t>
+              <a:t>Alternative Approaches Pattern:</a:t>
             </a:r>
             <a:endParaRPr lang="en-US" sz="1600" b="0" i="0" dirty="0">
               <a:solidFill>
@@ -7289,7 +6960,7 @@
                 <a:latin typeface="Times New Roman" panose="02020603050405020304" pitchFamily="18" charset="0"/>
                 <a:cs typeface="Times New Roman" panose="02020603050405020304" pitchFamily="18" charset="0"/>
               </a:rPr>
-              <a:t>Function:</a:t>
+              <a:t>Essentials:</a:t>
             </a:r>
             <a:r>
               <a:rPr lang="en-US" sz="1600" b="0" i="0" dirty="0">
@@ -7300,7 +6971,7 @@
                 <a:latin typeface="Times New Roman" panose="02020603050405020304" pitchFamily="18" charset="0"/>
                 <a:cs typeface="Times New Roman" panose="02020603050405020304" pitchFamily="18" charset="0"/>
               </a:rPr>
-              <a:t> AI performs actions based on user commands, facilitating an interactive menu-driven dialogue.</a:t>
+              <a:t> When given a task "X", provide alternative methods to achieve it, along with a comparison of each.</a:t>
             </a:r>
           </a:p>
           <a:p>
@@ -7314,7 +6985,7 @@
                 <a:latin typeface="Times New Roman" panose="02020603050405020304" pitchFamily="18" charset="0"/>
                 <a:cs typeface="Times New Roman" panose="02020603050405020304" pitchFamily="18" charset="0"/>
               </a:rPr>
-              <a:t>Process:</a:t>
+              <a:t>Application:</a:t>
             </a:r>
             <a:r>
               <a:rPr lang="en-US" sz="1600" b="0" i="0" dirty="0">
@@ -7325,7 +6996,7 @@
                 <a:latin typeface="Times New Roman" panose="02020603050405020304" pitchFamily="18" charset="0"/>
                 <a:cs typeface="Times New Roman" panose="02020603050405020304" pitchFamily="18" charset="0"/>
               </a:rPr>
-              <a:t> The user inputs specific commands like 'add' or 'remove', and the AI executes these while updating the user and seeking the next action.</a:t>
+              <a:t> Use to explore different strategies and their trade-offs for informed decision-making.</a:t>
             </a:r>
           </a:p>
           <a:p>
@@ -7350,7 +7021,107 @@
                 <a:latin typeface="Times New Roman" panose="02020603050405020304" pitchFamily="18" charset="0"/>
                 <a:cs typeface="Times New Roman" panose="02020603050405020304" pitchFamily="18" charset="0"/>
               </a:rPr>
-              <a:t> "When I type 'add spinach', include it in my meal plan and adjust the nutritional chart. After each addition, prompt for the next ingredient or action."</a:t>
+              <a:t> "If I ask for a way to improve website traffic, list alternative strategies with their pros and cons, including the original method if applicable."</a:t>
+            </a:r>
+          </a:p>
+          <a:p>
+            <a:pPr algn="l">
+              <a:buFont typeface="+mj-lt"/>
+              <a:buAutoNum type="arabicPeriod"/>
+            </a:pPr>
+            <a:r>
+              <a:rPr lang="en-US" sz="1600" b="1" i="0" dirty="0">
+                <a:solidFill>
+                  <a:srgbClr val="0D0D0D"/>
+                </a:solidFill>
+                <a:effectLst/>
+                <a:latin typeface="Times New Roman" panose="02020603050405020304" pitchFamily="18" charset="0"/>
+                <a:cs typeface="Times New Roman" panose="02020603050405020304" pitchFamily="18" charset="0"/>
+              </a:rPr>
+              <a:t>Ask for Input Pattern:</a:t>
+            </a:r>
+            <a:endParaRPr lang="en-US" sz="1600" b="0" i="0" dirty="0">
+              <a:solidFill>
+                <a:srgbClr val="0D0D0D"/>
+              </a:solidFill>
+              <a:effectLst/>
+              <a:latin typeface="Times New Roman" panose="02020603050405020304" pitchFamily="18" charset="0"/>
+              <a:cs typeface="Times New Roman" panose="02020603050405020304" pitchFamily="18" charset="0"/>
+            </a:endParaRPr>
+          </a:p>
+          <a:p>
+            <a:pPr lvl="1"/>
+            <a:r>
+              <a:rPr lang="en-US" sz="1600" b="1" i="0" dirty="0">
+                <a:solidFill>
+                  <a:srgbClr val="0D0D0D"/>
+                </a:solidFill>
+                <a:effectLst/>
+                <a:latin typeface="Times New Roman" panose="02020603050405020304" pitchFamily="18" charset="0"/>
+                <a:cs typeface="Times New Roman" panose="02020603050405020304" pitchFamily="18" charset="0"/>
+              </a:rPr>
+              <a:t>Essentials:</a:t>
+            </a:r>
+            <a:r>
+              <a:rPr lang="en-US" sz="1600" b="0" i="0" dirty="0">
+                <a:solidFill>
+                  <a:srgbClr val="0D0D0D"/>
+                </a:solidFill>
+                <a:effectLst/>
+                <a:latin typeface="Times New Roman" panose="02020603050405020304" pitchFamily="18" charset="0"/>
+                <a:cs typeface="Times New Roman" panose="02020603050405020304" pitchFamily="18" charset="0"/>
+              </a:rPr>
+              <a:t> When instructed, request additional input "X" to proceed with the task.</a:t>
+            </a:r>
+          </a:p>
+          <a:p>
+            <a:pPr lvl="1"/>
+            <a:r>
+              <a:rPr lang="en-US" sz="1600" b="1" i="0" dirty="0">
+                <a:solidFill>
+                  <a:srgbClr val="0D0D0D"/>
+                </a:solidFill>
+                <a:effectLst/>
+                <a:latin typeface="Times New Roman" panose="02020603050405020304" pitchFamily="18" charset="0"/>
+                <a:cs typeface="Times New Roman" panose="02020603050405020304" pitchFamily="18" charset="0"/>
+              </a:rPr>
+              <a:t>Application:</a:t>
+            </a:r>
+            <a:r>
+              <a:rPr lang="en-US" sz="1600" b="0" i="0" dirty="0">
+                <a:solidFill>
+                  <a:srgbClr val="0D0D0D"/>
+                </a:solidFill>
+                <a:effectLst/>
+                <a:latin typeface="Times New Roman" panose="02020603050405020304" pitchFamily="18" charset="0"/>
+                <a:cs typeface="Times New Roman" panose="02020603050405020304" pitchFamily="18" charset="0"/>
+              </a:rPr>
+              <a:t> Ideal for tasks requiring clarification, additional data, or when building upon previous interactions.</a:t>
+            </a:r>
+          </a:p>
+          <a:p>
+            <a:pPr lvl="1"/>
+            <a:r>
+              <a:rPr lang="en-US" sz="1600" b="1" i="0" dirty="0">
+                <a:solidFill>
+                  <a:srgbClr val="0D0D0D"/>
+                </a:solidFill>
+                <a:effectLst/>
+                <a:latin typeface="Times New Roman" panose="02020603050405020304" pitchFamily="18" charset="0"/>
+                <a:cs typeface="Times New Roman" panose="02020603050405020304" pitchFamily="18" charset="0"/>
+              </a:rPr>
+              <a:t>Example:</a:t>
+            </a:r>
+            <a:r>
+              <a:rPr lang="en-US" sz="1600" b="0" i="0" dirty="0">
+                <a:solidFill>
+                  <a:srgbClr val="0D0D0D"/>
+                </a:solidFill>
+                <a:effectLst/>
+                <a:latin typeface="Times New Roman" panose="02020603050405020304" pitchFamily="18" charset="0"/>
+                <a:cs typeface="Times New Roman" panose="02020603050405020304" pitchFamily="18" charset="0"/>
+              </a:rPr>
+              <a:t> "When I provide a draft email, ask for clarifications needed to refine the message. Begin by asking for the main goal of the email."</a:t>
             </a:r>
           </a:p>
           <a:p>
@@ -7364,7 +7135,7 @@
     </p:spTree>
     <p:extLst>
       <p:ext uri="{BB962C8B-B14F-4D97-AF65-F5344CB8AC3E}">
-        <p14:creationId xmlns:p14="http://schemas.microsoft.com/office/powerpoint/2010/main" val="1373214607"/>
+        <p14:creationId xmlns:p14="http://schemas.microsoft.com/office/powerpoint/2010/main" val="1036586623"/>
       </p:ext>
     </p:extLst>
   </p:cSld>
@@ -7396,7 +7167,7 @@
           <p:cNvPr id="2" name="Title 1">
             <a:extLst>
               <a:ext uri="{FF2B5EF4-FFF2-40B4-BE49-F238E27FC236}">
-                <a16:creationId xmlns:a16="http://schemas.microsoft.com/office/drawing/2014/main" id="{3DA9E4E1-54AF-E81A-4613-D8A5705CDB4B}"/>
+                <a16:creationId xmlns:a16="http://schemas.microsoft.com/office/drawing/2014/main" id="{EDC3E56D-9F46-4776-3F13-4ABF49F6ABD5}"/>
               </a:ext>
             </a:extLst>
           </p:cNvPr>
@@ -7409,268 +7180,301 @@
         </p:nvSpPr>
         <p:spPr>
           <a:xfrm>
-            <a:off x="83128" y="139494"/>
-            <a:ext cx="11151919" cy="1325563"/>
+            <a:off x="203646" y="251940"/>
+            <a:ext cx="11683554" cy="1119660"/>
           </a:xfrm>
         </p:spPr>
+        <p:txBody>
+          <a:bodyPr anchor="t">
+            <a:noAutofit/>
+          </a:bodyPr>
+          <a:lstStyle/>
+          <a:p>
+            <a:br>
+              <a:rPr lang="en-US" sz="3600" i="0" dirty="0">
+                <a:solidFill>
+                  <a:srgbClr val="0D0D0D"/>
+                </a:solidFill>
+                <a:effectLst/>
+                <a:latin typeface="Times New Roman" panose="02020603050405020304" pitchFamily="18" charset="0"/>
+                <a:cs typeface="Times New Roman" panose="02020603050405020304" pitchFamily="18" charset="0"/>
+              </a:rPr>
+            </a:br>
+            <a:r>
+              <a:rPr lang="en-US" sz="3600" i="0" dirty="0">
+                <a:solidFill>
+                  <a:srgbClr val="0D0D0D"/>
+                </a:solidFill>
+                <a:effectLst/>
+                <a:latin typeface="Times New Roman" panose="02020603050405020304" pitchFamily="18" charset="0"/>
+                <a:cs typeface="Times New Roman" panose="02020603050405020304" pitchFamily="18" charset="0"/>
+              </a:rPr>
+              <a:t>Prompt Patterns-Outline Expansion and Menu Actions</a:t>
+            </a:r>
+            <a:br>
+              <a:rPr lang="en-US" sz="3600" i="0" dirty="0">
+                <a:solidFill>
+                  <a:srgbClr val="0D0D0D"/>
+                </a:solidFill>
+                <a:effectLst/>
+                <a:latin typeface="Times New Roman" panose="02020603050405020304" pitchFamily="18" charset="0"/>
+                <a:cs typeface="Times New Roman" panose="02020603050405020304" pitchFamily="18" charset="0"/>
+              </a:rPr>
+            </a:br>
+            <a:br>
+              <a:rPr lang="en-US" sz="3600" i="0" dirty="0">
+                <a:solidFill>
+                  <a:srgbClr val="0D0D0D"/>
+                </a:solidFill>
+                <a:effectLst/>
+                <a:latin typeface="Times New Roman" panose="02020603050405020304" pitchFamily="18" charset="0"/>
+                <a:cs typeface="Times New Roman" panose="02020603050405020304" pitchFamily="18" charset="0"/>
+              </a:rPr>
+            </a:br>
+            <a:br>
+              <a:rPr lang="en-US" sz="3600" dirty="0">
+                <a:latin typeface="Times New Roman" panose="02020603050405020304" pitchFamily="18" charset="0"/>
+                <a:cs typeface="Times New Roman" panose="02020603050405020304" pitchFamily="18" charset="0"/>
+              </a:rPr>
+            </a:br>
+            <a:endParaRPr lang="en-US" sz="3600" dirty="0"/>
+          </a:p>
+        </p:txBody>
+      </p:sp>
+      <p:sp>
+        <p:nvSpPr>
+          <p:cNvPr id="3" name="Content Placeholder 2">
+            <a:extLst>
+              <a:ext uri="{FF2B5EF4-FFF2-40B4-BE49-F238E27FC236}">
+                <a16:creationId xmlns:a16="http://schemas.microsoft.com/office/drawing/2014/main" id="{3BEAE303-2574-3AD8-208E-92FB229764BB}"/>
+              </a:ext>
+            </a:extLst>
+          </p:cNvPr>
+          <p:cNvSpPr>
+            <a:spLocks noGrp="1"/>
+          </p:cNvSpPr>
+          <p:nvPr>
+            <p:ph idx="1"/>
+          </p:nvPr>
+        </p:nvSpPr>
+        <p:spPr/>
         <p:txBody>
           <a:bodyPr>
             <a:normAutofit/>
           </a:bodyPr>
           <a:lstStyle/>
           <a:p>
-            <a:r>
-              <a:rPr lang="en-US" sz="3600" i="0" dirty="0">
-                <a:solidFill>
-                  <a:srgbClr val="0D0D0D"/>
-                </a:solidFill>
-                <a:effectLst/>
-                <a:latin typeface="Times New Roman" panose="02020603050405020304" pitchFamily="18" charset="0"/>
-                <a:cs typeface="Times New Roman" panose="02020603050405020304" pitchFamily="18" charset="0"/>
-              </a:rPr>
-              <a:t>Prompt Patterns- Semantic Filtering, Fact-Checking, and Tail Generation</a:t>
-            </a:r>
-            <a:endParaRPr lang="en-US" sz="3600" dirty="0"/>
-          </a:p>
-        </p:txBody>
-      </p:sp>
-      <p:sp>
-        <p:nvSpPr>
-          <p:cNvPr id="3" name="Content Placeholder 2">
-            <a:extLst>
-              <a:ext uri="{FF2B5EF4-FFF2-40B4-BE49-F238E27FC236}">
-                <a16:creationId xmlns:a16="http://schemas.microsoft.com/office/drawing/2014/main" id="{A0833AA6-6588-CCB3-E128-A32130EE377D}"/>
-              </a:ext>
-            </a:extLst>
-          </p:cNvPr>
-          <p:cNvSpPr>
-            <a:spLocks noGrp="1"/>
-          </p:cNvSpPr>
-          <p:nvPr>
-            <p:ph idx="1"/>
-          </p:nvPr>
-        </p:nvSpPr>
-        <p:spPr>
-          <a:xfrm>
-            <a:off x="173182" y="1465057"/>
-            <a:ext cx="11935690" cy="5090122"/>
-          </a:xfrm>
-        </p:spPr>
-        <p:txBody>
-          <a:bodyPr>
-            <a:normAutofit/>
-          </a:bodyPr>
-          <a:lstStyle/>
-          <a:p>
-            <a:pPr marL="0" indent="0">
-              <a:buNone/>
-            </a:pPr>
-            <a:r>
-              <a:rPr lang="en-US" sz="1600" b="1" dirty="0">
-                <a:latin typeface="Times New Roman" panose="02020603050405020304" pitchFamily="18" charset="0"/>
-                <a:cs typeface="Times New Roman" panose="02020603050405020304" pitchFamily="18" charset="0"/>
-              </a:rPr>
-              <a:t>Semantic Filter Pattern:</a:t>
-            </a:r>
-          </a:p>
-          <a:p>
-            <a:r>
-              <a:rPr lang="en-US" sz="1600" b="1" dirty="0">
-                <a:latin typeface="Times New Roman" panose="02020603050405020304" pitchFamily="18" charset="0"/>
-                <a:cs typeface="Times New Roman" panose="02020603050405020304" pitchFamily="18" charset="0"/>
-              </a:rPr>
-              <a:t>Function</a:t>
-            </a:r>
-            <a:r>
-              <a:rPr lang="en-US" sz="1600" dirty="0">
-                <a:latin typeface="Times New Roman" panose="02020603050405020304" pitchFamily="18" charset="0"/>
-                <a:cs typeface="Times New Roman" panose="02020603050405020304" pitchFamily="18" charset="0"/>
-              </a:rPr>
-              <a:t>: Instruct the AI to remove specific information "X" from the content.</a:t>
-            </a:r>
-          </a:p>
-          <a:p>
-            <a:r>
-              <a:rPr lang="en-US" sz="1600" b="1" dirty="0">
-                <a:latin typeface="Times New Roman" panose="02020603050405020304" pitchFamily="18" charset="0"/>
-                <a:cs typeface="Times New Roman" panose="02020603050405020304" pitchFamily="18" charset="0"/>
-              </a:rPr>
-              <a:t>Application: </a:t>
-            </a:r>
-            <a:r>
-              <a:rPr lang="en-US" sz="1600" dirty="0">
-                <a:latin typeface="Times New Roman" panose="02020603050405020304" pitchFamily="18" charset="0"/>
-                <a:cs typeface="Times New Roman" panose="02020603050405020304" pitchFamily="18" charset="0"/>
-              </a:rPr>
-              <a:t>Use to sanitize data, ensuring privacy or removing non-essential details.</a:t>
-            </a:r>
-          </a:p>
-          <a:p>
-            <a:r>
-              <a:rPr lang="en-US" sz="1600" b="1" dirty="0">
-                <a:latin typeface="Times New Roman" panose="02020603050405020304" pitchFamily="18" charset="0"/>
-                <a:cs typeface="Times New Roman" panose="02020603050405020304" pitchFamily="18" charset="0"/>
-              </a:rPr>
-              <a:t>Example: </a:t>
-            </a:r>
-            <a:r>
-              <a:rPr lang="en-US" sz="1600" dirty="0">
-                <a:latin typeface="Times New Roman" panose="02020603050405020304" pitchFamily="18" charset="0"/>
-                <a:cs typeface="Times New Roman" panose="02020603050405020304" pitchFamily="18" charset="0"/>
-              </a:rPr>
-              <a:t>"Filter out all costs exceeding $100 from the budget report.”</a:t>
-            </a:r>
-          </a:p>
-          <a:p>
-            <a:pPr marL="0" indent="0">
-              <a:buNone/>
-            </a:pPr>
+            <a:pPr algn="l">
+              <a:buFont typeface="+mj-lt"/>
+              <a:buAutoNum type="arabicPeriod"/>
+            </a:pPr>
+            <a:r>
+              <a:rPr lang="en-US" sz="1600" b="1" i="0" dirty="0">
+                <a:solidFill>
+                  <a:srgbClr val="0D0D0D"/>
+                </a:solidFill>
+                <a:effectLst/>
+                <a:latin typeface="Times New Roman" panose="02020603050405020304" pitchFamily="18" charset="0"/>
+                <a:cs typeface="Times New Roman" panose="02020603050405020304" pitchFamily="18" charset="0"/>
+              </a:rPr>
+              <a:t>Outline Expansion Pattern:</a:t>
+            </a:r>
+            <a:endParaRPr lang="en-US" sz="1600" b="0" i="0" dirty="0">
+              <a:solidFill>
+                <a:srgbClr val="0D0D0D"/>
+              </a:solidFill>
+              <a:effectLst/>
+              <a:latin typeface="Times New Roman" panose="02020603050405020304" pitchFamily="18" charset="0"/>
+              <a:cs typeface="Times New Roman" panose="02020603050405020304" pitchFamily="18" charset="0"/>
+            </a:endParaRPr>
+          </a:p>
+          <a:p>
+            <a:pPr lvl="1"/>
+            <a:r>
+              <a:rPr lang="en-US" sz="1600" b="1" i="0" dirty="0">
+                <a:solidFill>
+                  <a:srgbClr val="0D0D0D"/>
+                </a:solidFill>
+                <a:effectLst/>
+                <a:latin typeface="Times New Roman" panose="02020603050405020304" pitchFamily="18" charset="0"/>
+                <a:cs typeface="Times New Roman" panose="02020603050405020304" pitchFamily="18" charset="0"/>
+              </a:rPr>
+              <a:t>Function:</a:t>
+            </a:r>
+            <a:r>
+              <a:rPr lang="en-US" sz="1600" b="0" i="0" dirty="0">
+                <a:solidFill>
+                  <a:srgbClr val="0D0D0D"/>
+                </a:solidFill>
+                <a:effectLst/>
+                <a:latin typeface="Times New Roman" panose="02020603050405020304" pitchFamily="18" charset="0"/>
+                <a:cs typeface="Times New Roman" panose="02020603050405020304" pitchFamily="18" charset="0"/>
+              </a:rPr>
+              <a:t> AI expands on a bullet point outline based on user direction, with a focus on depth and detail.</a:t>
+            </a:r>
+          </a:p>
+          <a:p>
+            <a:pPr lvl="1"/>
+            <a:r>
+              <a:rPr lang="en-US" sz="1600" b="1" i="0" dirty="0">
+                <a:solidFill>
+                  <a:srgbClr val="0D0D0D"/>
+                </a:solidFill>
+                <a:effectLst/>
+                <a:latin typeface="Times New Roman" panose="02020603050405020304" pitchFamily="18" charset="0"/>
+                <a:cs typeface="Times New Roman" panose="02020603050405020304" pitchFamily="18" charset="0"/>
+              </a:rPr>
+              <a:t>Process:</a:t>
+            </a:r>
+            <a:r>
+              <a:rPr lang="en-US" sz="1600" b="0" i="0" dirty="0">
+                <a:solidFill>
+                  <a:srgbClr val="0D0D0D"/>
+                </a:solidFill>
+                <a:effectLst/>
+                <a:latin typeface="Times New Roman" panose="02020603050405020304" pitchFamily="18" charset="0"/>
+                <a:cs typeface="Times New Roman" panose="02020603050405020304" pitchFamily="18" charset="0"/>
+              </a:rPr>
+              <a:t> The user starts with a high-level outline; the AI asks which point to detail further, creating subpoints and expanding iteratively.</a:t>
+            </a:r>
+          </a:p>
+          <a:p>
+            <a:pPr lvl="1"/>
+            <a:r>
+              <a:rPr lang="en-US" sz="1600" b="1" i="0" dirty="0">
+                <a:solidFill>
+                  <a:srgbClr val="0D0D0D"/>
+                </a:solidFill>
+                <a:effectLst/>
+                <a:latin typeface="Times New Roman" panose="02020603050405020304" pitchFamily="18" charset="0"/>
+                <a:cs typeface="Times New Roman" panose="02020603050405020304" pitchFamily="18" charset="0"/>
+              </a:rPr>
+              <a:t>Example:</a:t>
+            </a:r>
+            <a:r>
+              <a:rPr lang="en-US" sz="1600" b="0" i="0" dirty="0">
+                <a:solidFill>
+                  <a:srgbClr val="0D0D0D"/>
+                </a:solidFill>
+                <a:effectLst/>
+                <a:latin typeface="Times New Roman" panose="02020603050405020304" pitchFamily="18" charset="0"/>
+                <a:cs typeface="Times New Roman" panose="02020603050405020304" pitchFamily="18" charset="0"/>
+              </a:rPr>
+              <a:t> "Create an outline for a healthy diet plan. After listing main food groups, ask me which to elaborate on for meal ideas."</a:t>
+            </a:r>
+          </a:p>
+          <a:p>
+            <a:pPr algn="l">
+              <a:buFont typeface="+mj-lt"/>
+              <a:buAutoNum type="arabicPeriod"/>
+            </a:pPr>
+            <a:r>
+              <a:rPr lang="en-US" sz="1600" b="1" i="0" dirty="0">
+                <a:solidFill>
+                  <a:srgbClr val="0D0D0D"/>
+                </a:solidFill>
+                <a:effectLst/>
+                <a:latin typeface="Times New Roman" panose="02020603050405020304" pitchFamily="18" charset="0"/>
+                <a:cs typeface="Times New Roman" panose="02020603050405020304" pitchFamily="18" charset="0"/>
+              </a:rPr>
+              <a:t>Menu Actions Pattern:</a:t>
+            </a:r>
+            <a:endParaRPr lang="en-US" sz="1600" b="0" i="0" dirty="0">
+              <a:solidFill>
+                <a:srgbClr val="0D0D0D"/>
+              </a:solidFill>
+              <a:effectLst/>
+              <a:latin typeface="Times New Roman" panose="02020603050405020304" pitchFamily="18" charset="0"/>
+              <a:cs typeface="Times New Roman" panose="02020603050405020304" pitchFamily="18" charset="0"/>
+            </a:endParaRPr>
+          </a:p>
+          <a:p>
+            <a:pPr lvl="1"/>
+            <a:r>
+              <a:rPr lang="en-US" sz="1600" b="1" i="0" dirty="0">
+                <a:solidFill>
+                  <a:srgbClr val="0D0D0D"/>
+                </a:solidFill>
+                <a:effectLst/>
+                <a:latin typeface="Times New Roman" panose="02020603050405020304" pitchFamily="18" charset="0"/>
+                <a:cs typeface="Times New Roman" panose="02020603050405020304" pitchFamily="18" charset="0"/>
+              </a:rPr>
+              <a:t>Function:</a:t>
+            </a:r>
+            <a:r>
+              <a:rPr lang="en-US" sz="1600" b="0" i="0" dirty="0">
+                <a:solidFill>
+                  <a:srgbClr val="0D0D0D"/>
+                </a:solidFill>
+                <a:effectLst/>
+                <a:latin typeface="Times New Roman" panose="02020603050405020304" pitchFamily="18" charset="0"/>
+                <a:cs typeface="Times New Roman" panose="02020603050405020304" pitchFamily="18" charset="0"/>
+              </a:rPr>
+              <a:t> AI performs actions based on user commands, facilitating an interactive menu-driven dialogue.</a:t>
+            </a:r>
+          </a:p>
+          <a:p>
+            <a:pPr lvl="1"/>
+            <a:r>
+              <a:rPr lang="en-US" sz="1600" b="1" i="0" dirty="0">
+                <a:solidFill>
+                  <a:srgbClr val="0D0D0D"/>
+                </a:solidFill>
+                <a:effectLst/>
+                <a:latin typeface="Times New Roman" panose="02020603050405020304" pitchFamily="18" charset="0"/>
+                <a:cs typeface="Times New Roman" panose="02020603050405020304" pitchFamily="18" charset="0"/>
+              </a:rPr>
+              <a:t>Process:</a:t>
+            </a:r>
+            <a:r>
+              <a:rPr lang="en-US" sz="1600" b="0" i="0" dirty="0">
+                <a:solidFill>
+                  <a:srgbClr val="0D0D0D"/>
+                </a:solidFill>
+                <a:effectLst/>
+                <a:latin typeface="Times New Roman" panose="02020603050405020304" pitchFamily="18" charset="0"/>
+                <a:cs typeface="Times New Roman" panose="02020603050405020304" pitchFamily="18" charset="0"/>
+              </a:rPr>
+              <a:t> The user inputs specific commands like 'add' or 'remove', and the AI executes these while updating the user and seeking the next action.</a:t>
+            </a:r>
+          </a:p>
+          <a:p>
+            <a:pPr lvl="1"/>
+            <a:r>
+              <a:rPr lang="en-US" sz="1600" b="1" i="0" dirty="0">
+                <a:solidFill>
+                  <a:srgbClr val="0D0D0D"/>
+                </a:solidFill>
+                <a:effectLst/>
+                <a:latin typeface="Times New Roman" panose="02020603050405020304" pitchFamily="18" charset="0"/>
+                <a:cs typeface="Times New Roman" panose="02020603050405020304" pitchFamily="18" charset="0"/>
+              </a:rPr>
+              <a:t>Example:</a:t>
+            </a:r>
+            <a:r>
+              <a:rPr lang="en-US" sz="1600" b="0" i="0" dirty="0">
+                <a:solidFill>
+                  <a:srgbClr val="0D0D0D"/>
+                </a:solidFill>
+                <a:effectLst/>
+                <a:latin typeface="Times New Roman" panose="02020603050405020304" pitchFamily="18" charset="0"/>
+                <a:cs typeface="Times New Roman" panose="02020603050405020304" pitchFamily="18" charset="0"/>
+              </a:rPr>
+              <a:t> "When I type 'add spinach', include it in my meal plan and adjust the nutritional chart. After each addition, prompt for the next ingredient or action."</a:t>
+            </a:r>
+          </a:p>
+          <a:p>
             <a:endParaRPr lang="en-US" sz="1600" dirty="0">
               <a:latin typeface="Times New Roman" panose="02020603050405020304" pitchFamily="18" charset="0"/>
               <a:cs typeface="Times New Roman" panose="02020603050405020304" pitchFamily="18" charset="0"/>
             </a:endParaRPr>
           </a:p>
-          <a:p>
-            <a:pPr marL="0" indent="0">
-              <a:buNone/>
-            </a:pPr>
-            <a:r>
-              <a:rPr lang="en-US" sz="1600" b="1" dirty="0">
-                <a:latin typeface="Times New Roman" panose="02020603050405020304" pitchFamily="18" charset="0"/>
-                <a:cs typeface="Times New Roman" panose="02020603050405020304" pitchFamily="18" charset="0"/>
-              </a:rPr>
-              <a:t>Fact Check List Pattern:</a:t>
-            </a:r>
-          </a:p>
-          <a:p>
-            <a:r>
-              <a:rPr lang="en-US" sz="1600" b="1" dirty="0">
-                <a:latin typeface="Times New Roman" panose="02020603050405020304" pitchFamily="18" charset="0"/>
-                <a:cs typeface="Times New Roman" panose="02020603050405020304" pitchFamily="18" charset="0"/>
-              </a:rPr>
-              <a:t>Function: </a:t>
-            </a:r>
-            <a:r>
-              <a:rPr lang="en-US" sz="1600" dirty="0">
-                <a:latin typeface="Times New Roman" panose="02020603050405020304" pitchFamily="18" charset="0"/>
-                <a:cs typeface="Times New Roman" panose="02020603050405020304" pitchFamily="18" charset="0"/>
-              </a:rPr>
-              <a:t>Generate a list of core facts from the content and place it at a specified position.</a:t>
-            </a:r>
-          </a:p>
-          <a:p>
-            <a:r>
-              <a:rPr lang="en-US" sz="1600" b="1" dirty="0">
-                <a:latin typeface="Times New Roman" panose="02020603050405020304" pitchFamily="18" charset="0"/>
-                <a:cs typeface="Times New Roman" panose="02020603050405020304" pitchFamily="18" charset="0"/>
-              </a:rPr>
-              <a:t>Application: </a:t>
-            </a:r>
-            <a:r>
-              <a:rPr lang="en-US" sz="1600" dirty="0">
-                <a:latin typeface="Times New Roman" panose="02020603050405020304" pitchFamily="18" charset="0"/>
-                <a:cs typeface="Times New Roman" panose="02020603050405020304" pitchFamily="18" charset="0"/>
-              </a:rPr>
-              <a:t>Aimed at verifying the accuracy of the content and highlighting critical information.</a:t>
-            </a:r>
-          </a:p>
-          <a:p>
-            <a:r>
-              <a:rPr lang="en-US" sz="1600" b="1" dirty="0">
-                <a:latin typeface="Times New Roman" panose="02020603050405020304" pitchFamily="18" charset="0"/>
-                <a:cs typeface="Times New Roman" panose="02020603050405020304" pitchFamily="18" charset="0"/>
-              </a:rPr>
-              <a:t>Example: </a:t>
-            </a:r>
-            <a:r>
-              <a:rPr lang="en-US" sz="1600" dirty="0">
-                <a:latin typeface="Times New Roman" panose="02020603050405020304" pitchFamily="18" charset="0"/>
-                <a:cs typeface="Times New Roman" panose="02020603050405020304" pitchFamily="18" charset="0"/>
-              </a:rPr>
-              <a:t>"After summarizing the article, list the key facts at the end that support the main arguments.”</a:t>
-            </a:r>
-          </a:p>
-          <a:p>
-            <a:pPr marL="0" indent="0">
-              <a:buNone/>
-            </a:pPr>
-            <a:endParaRPr lang="en-US" sz="1600" dirty="0">
-              <a:latin typeface="Times New Roman" panose="02020603050405020304" pitchFamily="18" charset="0"/>
-              <a:cs typeface="Times New Roman" panose="02020603050405020304" pitchFamily="18" charset="0"/>
-            </a:endParaRPr>
-          </a:p>
-          <a:p>
-            <a:pPr marL="0" indent="0">
-              <a:buNone/>
-            </a:pPr>
-            <a:r>
-              <a:rPr lang="en-US" sz="1600" b="1" dirty="0">
-                <a:latin typeface="Times New Roman" panose="02020603050405020304" pitchFamily="18" charset="0"/>
-                <a:cs typeface="Times New Roman" panose="02020603050405020304" pitchFamily="18" charset="0"/>
-              </a:rPr>
-              <a:t>Tail Generation Pattern:</a:t>
-            </a:r>
-          </a:p>
-          <a:p>
-            <a:r>
-              <a:rPr lang="en-US" sz="1600" b="1" dirty="0">
-                <a:latin typeface="Times New Roman" panose="02020603050405020304" pitchFamily="18" charset="0"/>
-                <a:cs typeface="Times New Roman" panose="02020603050405020304" pitchFamily="18" charset="0"/>
-              </a:rPr>
-              <a:t>Function: </a:t>
-            </a:r>
-            <a:r>
-              <a:rPr lang="en-US" sz="1600" dirty="0">
-                <a:latin typeface="Times New Roman" panose="02020603050405020304" pitchFamily="18" charset="0"/>
-                <a:cs typeface="Times New Roman" panose="02020603050405020304" pitchFamily="18" charset="0"/>
-              </a:rPr>
-              <a:t>End outputs with a repeated element "Y" or a prompt for further input "X."</a:t>
-            </a:r>
-          </a:p>
-          <a:p>
-            <a:r>
-              <a:rPr lang="en-US" sz="1600" b="1" dirty="0">
-                <a:latin typeface="Times New Roman" panose="02020603050405020304" pitchFamily="18" charset="0"/>
-                <a:cs typeface="Times New Roman" panose="02020603050405020304" pitchFamily="18" charset="0"/>
-              </a:rPr>
-              <a:t>Application: </a:t>
-            </a:r>
-            <a:r>
-              <a:rPr lang="en-US" sz="1600" dirty="0">
-                <a:latin typeface="Times New Roman" panose="02020603050405020304" pitchFamily="18" charset="0"/>
-                <a:cs typeface="Times New Roman" panose="02020603050405020304" pitchFamily="18" charset="0"/>
-              </a:rPr>
-              <a:t>Ideal for summarizing or ensuring action items are clear and acknowledged.</a:t>
-            </a:r>
-          </a:p>
-          <a:p>
-            <a:r>
-              <a:rPr lang="en-US" sz="1600" b="1" dirty="0">
-                <a:latin typeface="Times New Roman" panose="02020603050405020304" pitchFamily="18" charset="0"/>
-                <a:cs typeface="Times New Roman" panose="02020603050405020304" pitchFamily="18" charset="0"/>
-              </a:rPr>
-              <a:t>Example: </a:t>
-            </a:r>
-            <a:r>
-              <a:rPr lang="en-US" sz="1600" dirty="0">
-                <a:latin typeface="Times New Roman" panose="02020603050405020304" pitchFamily="18" charset="0"/>
-                <a:cs typeface="Times New Roman" panose="02020603050405020304" pitchFamily="18" charset="0"/>
-              </a:rPr>
-              <a:t>"Conclude each meeting summary with a list of next steps and ask 'What’s the next agenda item?'"</a:t>
-            </a:r>
-          </a:p>
-          <a:p>
-            <a:endParaRPr lang="en-US" sz="1600" dirty="0">
-              <a:latin typeface="Times New Roman" panose="02020603050405020304" pitchFamily="18" charset="0"/>
-              <a:cs typeface="Times New Roman" panose="02020603050405020304" pitchFamily="18" charset="0"/>
-            </a:endParaRPr>
-          </a:p>
         </p:txBody>
       </p:sp>
     </p:spTree>
     <p:extLst>
       <p:ext uri="{BB962C8B-B14F-4D97-AF65-F5344CB8AC3E}">
-        <p14:creationId xmlns:p14="http://schemas.microsoft.com/office/powerpoint/2010/main" val="1122815707"/>
+        <p14:creationId xmlns:p14="http://schemas.microsoft.com/office/powerpoint/2010/main" val="1373214607"/>
       </p:ext>
     </p:extLst>
   </p:cSld>
@@ -7893,7 +7697,7 @@
           <p:cNvPr id="2" name="Title 1">
             <a:extLst>
               <a:ext uri="{FF2B5EF4-FFF2-40B4-BE49-F238E27FC236}">
-                <a16:creationId xmlns:a16="http://schemas.microsoft.com/office/drawing/2014/main" id="{D29154AD-A667-8027-1400-9878384520FB}"/>
+                <a16:creationId xmlns:a16="http://schemas.microsoft.com/office/drawing/2014/main" id="{3DA9E4E1-54AF-E81A-4613-D8A5705CDB4B}"/>
               </a:ext>
             </a:extLst>
           </p:cNvPr>
@@ -7904,7 +7708,12 @@
             <p:ph type="title"/>
           </p:nvPr>
         </p:nvSpPr>
-        <p:spPr/>
+        <p:spPr>
+          <a:xfrm>
+            <a:off x="83128" y="139494"/>
+            <a:ext cx="11151919" cy="1325563"/>
+          </a:xfrm>
+        </p:spPr>
         <p:txBody>
           <a:bodyPr>
             <a:normAutofit/>
@@ -7912,58 +7721,257 @@
           <a:lstStyle/>
           <a:p>
             <a:r>
-              <a:rPr lang="en-US" sz="3600" kern="100" dirty="0">
-                <a:effectLst/>
-                <a:latin typeface="Times New Roman" panose="02020603050405020304" pitchFamily="18" charset="0"/>
-                <a:ea typeface="Aptos" panose="020B0004020202020204" pitchFamily="34" charset="0"/>
-                <a:cs typeface="Times New Roman" panose="02020603050405020304" pitchFamily="18" charset="0"/>
-              </a:rPr>
-              <a:t>Educational Video 2</a:t>
-            </a:r>
-            <a:br>
-              <a:rPr lang="en-US" sz="3600" kern="100" dirty="0">
-                <a:effectLst/>
-                <a:latin typeface="Times New Roman" panose="02020603050405020304" pitchFamily="18" charset="0"/>
-                <a:ea typeface="Aptos" panose="020B0004020202020204" pitchFamily="34" charset="0"/>
-                <a:cs typeface="Times New Roman" panose="02020603050405020304" pitchFamily="18" charset="0"/>
-              </a:rPr>
-            </a:br>
-            <a:endParaRPr lang="en-US" sz="3600" dirty="0">
+              <a:rPr lang="en-US" sz="3600" i="0" dirty="0">
+                <a:solidFill>
+                  <a:srgbClr val="0D0D0D"/>
+                </a:solidFill>
+                <a:effectLst/>
+                <a:latin typeface="Times New Roman" panose="02020603050405020304" pitchFamily="18" charset="0"/>
+                <a:cs typeface="Times New Roman" panose="02020603050405020304" pitchFamily="18" charset="0"/>
+              </a:rPr>
+              <a:t>Prompt Patterns- Semantic Filtering, Fact-Checking, and Tail Generation</a:t>
+            </a:r>
+            <a:endParaRPr lang="en-US" sz="3600" dirty="0"/>
+          </a:p>
+        </p:txBody>
+      </p:sp>
+      <p:sp>
+        <p:nvSpPr>
+          <p:cNvPr id="3" name="Content Placeholder 2">
+            <a:extLst>
+              <a:ext uri="{FF2B5EF4-FFF2-40B4-BE49-F238E27FC236}">
+                <a16:creationId xmlns:a16="http://schemas.microsoft.com/office/drawing/2014/main" id="{A0833AA6-6588-CCB3-E128-A32130EE377D}"/>
+              </a:ext>
+            </a:extLst>
+          </p:cNvPr>
+          <p:cNvSpPr>
+            <a:spLocks noGrp="1"/>
+          </p:cNvSpPr>
+          <p:nvPr>
+            <p:ph idx="1"/>
+          </p:nvPr>
+        </p:nvSpPr>
+        <p:spPr>
+          <a:xfrm>
+            <a:off x="173182" y="1465057"/>
+            <a:ext cx="11935690" cy="5090122"/>
+          </a:xfrm>
+        </p:spPr>
+        <p:txBody>
+          <a:bodyPr>
+            <a:normAutofit/>
+          </a:bodyPr>
+          <a:lstStyle/>
+          <a:p>
+            <a:pPr marL="0" indent="0">
+              <a:buNone/>
+            </a:pPr>
+            <a:r>
+              <a:rPr lang="en-US" sz="1600" b="1" dirty="0">
+                <a:latin typeface="Times New Roman" panose="02020603050405020304" pitchFamily="18" charset="0"/>
+                <a:cs typeface="Times New Roman" panose="02020603050405020304" pitchFamily="18" charset="0"/>
+              </a:rPr>
+              <a:t>Semantic Filter Pattern:</a:t>
+            </a:r>
+          </a:p>
+          <a:p>
+            <a:r>
+              <a:rPr lang="en-US" sz="1600" b="1" dirty="0">
+                <a:latin typeface="Times New Roman" panose="02020603050405020304" pitchFamily="18" charset="0"/>
+                <a:cs typeface="Times New Roman" panose="02020603050405020304" pitchFamily="18" charset="0"/>
+              </a:rPr>
+              <a:t>Function</a:t>
+            </a:r>
+            <a:r>
+              <a:rPr lang="en-US" sz="1600" dirty="0">
+                <a:latin typeface="Times New Roman" panose="02020603050405020304" pitchFamily="18" charset="0"/>
+                <a:cs typeface="Times New Roman" panose="02020603050405020304" pitchFamily="18" charset="0"/>
+              </a:rPr>
+              <a:t>: Instruct the AI to remove specific information "X" from the content.</a:t>
+            </a:r>
+          </a:p>
+          <a:p>
+            <a:r>
+              <a:rPr lang="en-US" sz="1600" b="1" dirty="0">
+                <a:latin typeface="Times New Roman" panose="02020603050405020304" pitchFamily="18" charset="0"/>
+                <a:cs typeface="Times New Roman" panose="02020603050405020304" pitchFamily="18" charset="0"/>
+              </a:rPr>
+              <a:t>Application: </a:t>
+            </a:r>
+            <a:r>
+              <a:rPr lang="en-US" sz="1600" dirty="0">
+                <a:latin typeface="Times New Roman" panose="02020603050405020304" pitchFamily="18" charset="0"/>
+                <a:cs typeface="Times New Roman" panose="02020603050405020304" pitchFamily="18" charset="0"/>
+              </a:rPr>
+              <a:t>Use to sanitize data, ensuring privacy or removing non-essential details.</a:t>
+            </a:r>
+          </a:p>
+          <a:p>
+            <a:r>
+              <a:rPr lang="en-US" sz="1600" b="1" dirty="0">
+                <a:latin typeface="Times New Roman" panose="02020603050405020304" pitchFamily="18" charset="0"/>
+                <a:cs typeface="Times New Roman" panose="02020603050405020304" pitchFamily="18" charset="0"/>
+              </a:rPr>
+              <a:t>Example: </a:t>
+            </a:r>
+            <a:r>
+              <a:rPr lang="en-US" sz="1600" dirty="0">
+                <a:latin typeface="Times New Roman" panose="02020603050405020304" pitchFamily="18" charset="0"/>
+                <a:cs typeface="Times New Roman" panose="02020603050405020304" pitchFamily="18" charset="0"/>
+              </a:rPr>
+              <a:t>"Filter out all costs exceeding $100 from the budget report.”</a:t>
+            </a:r>
+          </a:p>
+          <a:p>
+            <a:pPr marL="0" indent="0">
+              <a:buNone/>
+            </a:pPr>
+            <a:endParaRPr lang="en-US" sz="1600" dirty="0">
               <a:latin typeface="Times New Roman" panose="02020603050405020304" pitchFamily="18" charset="0"/>
               <a:cs typeface="Times New Roman" panose="02020603050405020304" pitchFamily="18" charset="0"/>
             </a:endParaRPr>
           </a:p>
-        </p:txBody>
-      </p:sp>
-      <p:sp>
-        <p:nvSpPr>
-          <p:cNvPr id="3" name="Content Placeholder 2">
-            <a:extLst>
-              <a:ext uri="{FF2B5EF4-FFF2-40B4-BE49-F238E27FC236}">
-                <a16:creationId xmlns:a16="http://schemas.microsoft.com/office/drawing/2014/main" id="{B1C93791-9126-51F5-5EDD-3EDE16AFCFB0}"/>
-              </a:ext>
-            </a:extLst>
-          </p:cNvPr>
-          <p:cNvSpPr>
-            <a:spLocks noGrp="1"/>
-          </p:cNvSpPr>
-          <p:nvPr>
-            <p:ph idx="1"/>
-          </p:nvPr>
-        </p:nvSpPr>
-        <p:spPr/>
-        <p:txBody>
-          <a:bodyPr/>
-          <a:lstStyle/>
-          <a:p>
-            <a:endParaRPr lang="en-US" dirty="0"/>
+          <a:p>
+            <a:pPr marL="0" indent="0">
+              <a:buNone/>
+            </a:pPr>
+            <a:r>
+              <a:rPr lang="en-US" sz="1600" b="1" dirty="0">
+                <a:latin typeface="Times New Roman" panose="02020603050405020304" pitchFamily="18" charset="0"/>
+                <a:cs typeface="Times New Roman" panose="02020603050405020304" pitchFamily="18" charset="0"/>
+              </a:rPr>
+              <a:t>Fact Check List Pattern:</a:t>
+            </a:r>
+          </a:p>
+          <a:p>
+            <a:r>
+              <a:rPr lang="en-US" sz="1600" b="1" dirty="0">
+                <a:latin typeface="Times New Roman" panose="02020603050405020304" pitchFamily="18" charset="0"/>
+                <a:cs typeface="Times New Roman" panose="02020603050405020304" pitchFamily="18" charset="0"/>
+              </a:rPr>
+              <a:t>Function: </a:t>
+            </a:r>
+            <a:r>
+              <a:rPr lang="en-US" sz="1600" dirty="0">
+                <a:latin typeface="Times New Roman" panose="02020603050405020304" pitchFamily="18" charset="0"/>
+                <a:cs typeface="Times New Roman" panose="02020603050405020304" pitchFamily="18" charset="0"/>
+              </a:rPr>
+              <a:t>Generate a list of core facts from the content and place it at a specified position.</a:t>
+            </a:r>
+          </a:p>
+          <a:p>
+            <a:r>
+              <a:rPr lang="en-US" sz="1600" b="1" dirty="0">
+                <a:latin typeface="Times New Roman" panose="02020603050405020304" pitchFamily="18" charset="0"/>
+                <a:cs typeface="Times New Roman" panose="02020603050405020304" pitchFamily="18" charset="0"/>
+              </a:rPr>
+              <a:t>Application: </a:t>
+            </a:r>
+            <a:r>
+              <a:rPr lang="en-US" sz="1600" dirty="0">
+                <a:latin typeface="Times New Roman" panose="02020603050405020304" pitchFamily="18" charset="0"/>
+                <a:cs typeface="Times New Roman" panose="02020603050405020304" pitchFamily="18" charset="0"/>
+              </a:rPr>
+              <a:t>Aimed at verifying the accuracy of the content and highlighting critical information.</a:t>
+            </a:r>
+          </a:p>
+          <a:p>
+            <a:r>
+              <a:rPr lang="en-US" sz="1600" b="1" dirty="0">
+                <a:latin typeface="Times New Roman" panose="02020603050405020304" pitchFamily="18" charset="0"/>
+                <a:cs typeface="Times New Roman" panose="02020603050405020304" pitchFamily="18" charset="0"/>
+              </a:rPr>
+              <a:t>Example: </a:t>
+            </a:r>
+            <a:r>
+              <a:rPr lang="en-US" sz="1600" dirty="0">
+                <a:latin typeface="Times New Roman" panose="02020603050405020304" pitchFamily="18" charset="0"/>
+                <a:cs typeface="Times New Roman" panose="02020603050405020304" pitchFamily="18" charset="0"/>
+              </a:rPr>
+              <a:t>"After summarizing the article, list the key facts at the end that support the main arguments.”</a:t>
+            </a:r>
+          </a:p>
+          <a:p>
+            <a:pPr marL="0" indent="0">
+              <a:buNone/>
+            </a:pPr>
+            <a:endParaRPr lang="en-US" sz="1600" dirty="0">
+              <a:latin typeface="Times New Roman" panose="02020603050405020304" pitchFamily="18" charset="0"/>
+              <a:cs typeface="Times New Roman" panose="02020603050405020304" pitchFamily="18" charset="0"/>
+            </a:endParaRPr>
+          </a:p>
+          <a:p>
+            <a:pPr marL="0" indent="0">
+              <a:buNone/>
+            </a:pPr>
+            <a:r>
+              <a:rPr lang="en-US" sz="1600" b="1" dirty="0">
+                <a:latin typeface="Times New Roman" panose="02020603050405020304" pitchFamily="18" charset="0"/>
+                <a:cs typeface="Times New Roman" panose="02020603050405020304" pitchFamily="18" charset="0"/>
+              </a:rPr>
+              <a:t>Tail Generation Pattern:</a:t>
+            </a:r>
+          </a:p>
+          <a:p>
+            <a:r>
+              <a:rPr lang="en-US" sz="1600" b="1" dirty="0">
+                <a:latin typeface="Times New Roman" panose="02020603050405020304" pitchFamily="18" charset="0"/>
+                <a:cs typeface="Times New Roman" panose="02020603050405020304" pitchFamily="18" charset="0"/>
+              </a:rPr>
+              <a:t>Function: </a:t>
+            </a:r>
+            <a:r>
+              <a:rPr lang="en-US" sz="1600" dirty="0">
+                <a:latin typeface="Times New Roman" panose="02020603050405020304" pitchFamily="18" charset="0"/>
+                <a:cs typeface="Times New Roman" panose="02020603050405020304" pitchFamily="18" charset="0"/>
+              </a:rPr>
+              <a:t>End outputs with a repeated element "Y" or a prompt for further input "X."</a:t>
+            </a:r>
+          </a:p>
+          <a:p>
+            <a:r>
+              <a:rPr lang="en-US" sz="1600" b="1" dirty="0">
+                <a:latin typeface="Times New Roman" panose="02020603050405020304" pitchFamily="18" charset="0"/>
+                <a:cs typeface="Times New Roman" panose="02020603050405020304" pitchFamily="18" charset="0"/>
+              </a:rPr>
+              <a:t>Application: </a:t>
+            </a:r>
+            <a:r>
+              <a:rPr lang="en-US" sz="1600" dirty="0">
+                <a:latin typeface="Times New Roman" panose="02020603050405020304" pitchFamily="18" charset="0"/>
+                <a:cs typeface="Times New Roman" panose="02020603050405020304" pitchFamily="18" charset="0"/>
+              </a:rPr>
+              <a:t>Ideal for summarizing or ensuring action items are clear and acknowledged.</a:t>
+            </a:r>
+          </a:p>
+          <a:p>
+            <a:r>
+              <a:rPr lang="en-US" sz="1600" b="1" dirty="0">
+                <a:latin typeface="Times New Roman" panose="02020603050405020304" pitchFamily="18" charset="0"/>
+                <a:cs typeface="Times New Roman" panose="02020603050405020304" pitchFamily="18" charset="0"/>
+              </a:rPr>
+              <a:t>Example: </a:t>
+            </a:r>
+            <a:r>
+              <a:rPr lang="en-US" sz="1600" dirty="0">
+                <a:latin typeface="Times New Roman" panose="02020603050405020304" pitchFamily="18" charset="0"/>
+                <a:cs typeface="Times New Roman" panose="02020603050405020304" pitchFamily="18" charset="0"/>
+              </a:rPr>
+              <a:t>"Conclude each meeting summary with a list of next steps and ask 'What’s the next agenda item?'"</a:t>
+            </a:r>
+          </a:p>
+          <a:p>
+            <a:endParaRPr lang="en-US" sz="1600" dirty="0">
+              <a:latin typeface="Times New Roman" panose="02020603050405020304" pitchFamily="18" charset="0"/>
+              <a:cs typeface="Times New Roman" panose="02020603050405020304" pitchFamily="18" charset="0"/>
+            </a:endParaRPr>
           </a:p>
         </p:txBody>
       </p:sp>
     </p:spTree>
     <p:extLst>
       <p:ext uri="{BB962C8B-B14F-4D97-AF65-F5344CB8AC3E}">
-        <p14:creationId xmlns:p14="http://schemas.microsoft.com/office/powerpoint/2010/main" val="1987814629"/>
+        <p14:creationId xmlns:p14="http://schemas.microsoft.com/office/powerpoint/2010/main" val="1122815707"/>
       </p:ext>
     </p:extLst>
   </p:cSld>
@@ -8395,6 +8403,166 @@
     <p:extLst>
       <p:ext uri="{BB962C8B-B14F-4D97-AF65-F5344CB8AC3E}">
         <p14:creationId xmlns:p14="http://schemas.microsoft.com/office/powerpoint/2010/main" val="2229943876"/>
+      </p:ext>
+    </p:extLst>
+  </p:cSld>
+  <p:clrMapOvr>
+    <a:masterClrMapping/>
+  </p:clrMapOvr>
+</p:sld>
+</file>
+
+<file path=ppt/slides/slide22.xml><?xml version="1.0" encoding="utf-8"?>
+<p:sld xmlns:a="http://schemas.openxmlformats.org/drawingml/2006/main" xmlns:r="http://schemas.openxmlformats.org/officeDocument/2006/relationships" xmlns:p="http://schemas.openxmlformats.org/presentationml/2006/main">
+  <p:cSld>
+    <p:spTree>
+      <p:nvGrpSpPr>
+        <p:cNvPr id="1" name=""/>
+        <p:cNvGrpSpPr/>
+        <p:nvPr/>
+      </p:nvGrpSpPr>
+      <p:grpSpPr>
+        <a:xfrm>
+          <a:off x="0" y="0"/>
+          <a:ext cx="0" cy="0"/>
+          <a:chOff x="0" y="0"/>
+          <a:chExt cx="0" cy="0"/>
+        </a:xfrm>
+      </p:grpSpPr>
+      <p:sp>
+        <p:nvSpPr>
+          <p:cNvPr id="2" name="Title 1">
+            <a:extLst>
+              <a:ext uri="{FF2B5EF4-FFF2-40B4-BE49-F238E27FC236}">
+                <a16:creationId xmlns:a16="http://schemas.microsoft.com/office/drawing/2014/main" id="{58093C6F-F772-4D52-22D2-5672836EE9C1}"/>
+              </a:ext>
+            </a:extLst>
+          </p:cNvPr>
+          <p:cNvSpPr>
+            <a:spLocks noGrp="1"/>
+          </p:cNvSpPr>
+          <p:nvPr>
+            <p:ph type="title"/>
+          </p:nvPr>
+        </p:nvSpPr>
+        <p:spPr/>
+        <p:txBody>
+          <a:bodyPr/>
+          <a:lstStyle/>
+          <a:p>
+            <a:endParaRPr lang="en-US"/>
+          </a:p>
+        </p:txBody>
+      </p:sp>
+      <p:sp>
+        <p:nvSpPr>
+          <p:cNvPr id="3" name="Content Placeholder 2">
+            <a:extLst>
+              <a:ext uri="{FF2B5EF4-FFF2-40B4-BE49-F238E27FC236}">
+                <a16:creationId xmlns:a16="http://schemas.microsoft.com/office/drawing/2014/main" id="{F0F5C8B6-B1F3-17E5-0ACF-8B39C4750499}"/>
+              </a:ext>
+            </a:extLst>
+          </p:cNvPr>
+          <p:cNvSpPr>
+            <a:spLocks noGrp="1"/>
+          </p:cNvSpPr>
+          <p:nvPr>
+            <p:ph idx="1"/>
+          </p:nvPr>
+        </p:nvSpPr>
+        <p:spPr/>
+        <p:txBody>
+          <a:bodyPr/>
+          <a:lstStyle/>
+          <a:p>
+            <a:endParaRPr lang="en-US"/>
+          </a:p>
+        </p:txBody>
+      </p:sp>
+    </p:spTree>
+    <p:extLst>
+      <p:ext uri="{BB962C8B-B14F-4D97-AF65-F5344CB8AC3E}">
+        <p14:creationId xmlns:p14="http://schemas.microsoft.com/office/powerpoint/2010/main" val="369635134"/>
+      </p:ext>
+    </p:extLst>
+  </p:cSld>
+  <p:clrMapOvr>
+    <a:masterClrMapping/>
+  </p:clrMapOvr>
+</p:sld>
+</file>
+
+<file path=ppt/slides/slide23.xml><?xml version="1.0" encoding="utf-8"?>
+<p:sld xmlns:a="http://schemas.openxmlformats.org/drawingml/2006/main" xmlns:r="http://schemas.openxmlformats.org/officeDocument/2006/relationships" xmlns:p="http://schemas.openxmlformats.org/presentationml/2006/main">
+  <p:cSld>
+    <p:spTree>
+      <p:nvGrpSpPr>
+        <p:cNvPr id="1" name=""/>
+        <p:cNvGrpSpPr/>
+        <p:nvPr/>
+      </p:nvGrpSpPr>
+      <p:grpSpPr>
+        <a:xfrm>
+          <a:off x="0" y="0"/>
+          <a:ext cx="0" cy="0"/>
+          <a:chOff x="0" y="0"/>
+          <a:chExt cx="0" cy="0"/>
+        </a:xfrm>
+      </p:grpSpPr>
+      <p:sp>
+        <p:nvSpPr>
+          <p:cNvPr id="2" name="Title 1">
+            <a:extLst>
+              <a:ext uri="{FF2B5EF4-FFF2-40B4-BE49-F238E27FC236}">
+                <a16:creationId xmlns:a16="http://schemas.microsoft.com/office/drawing/2014/main" id="{D76740EA-BB2B-089D-8894-F7B4247C4EAB}"/>
+              </a:ext>
+            </a:extLst>
+          </p:cNvPr>
+          <p:cNvSpPr>
+            <a:spLocks noGrp="1"/>
+          </p:cNvSpPr>
+          <p:nvPr>
+            <p:ph type="title"/>
+          </p:nvPr>
+        </p:nvSpPr>
+        <p:spPr/>
+        <p:txBody>
+          <a:bodyPr/>
+          <a:lstStyle/>
+          <a:p>
+            <a:endParaRPr lang="en-US"/>
+          </a:p>
+        </p:txBody>
+      </p:sp>
+      <p:sp>
+        <p:nvSpPr>
+          <p:cNvPr id="3" name="Content Placeholder 2">
+            <a:extLst>
+              <a:ext uri="{FF2B5EF4-FFF2-40B4-BE49-F238E27FC236}">
+                <a16:creationId xmlns:a16="http://schemas.microsoft.com/office/drawing/2014/main" id="{85FF69CD-A7C8-4FBC-E5C3-87D21187F6AA}"/>
+              </a:ext>
+            </a:extLst>
+          </p:cNvPr>
+          <p:cNvSpPr>
+            <a:spLocks noGrp="1"/>
+          </p:cNvSpPr>
+          <p:nvPr>
+            <p:ph idx="1"/>
+          </p:nvPr>
+        </p:nvSpPr>
+        <p:spPr/>
+        <p:txBody>
+          <a:bodyPr/>
+          <a:lstStyle/>
+          <a:p>
+            <a:endParaRPr lang="en-US"/>
+          </a:p>
+        </p:txBody>
+      </p:sp>
+    </p:spTree>
+    <p:extLst>
+      <p:ext uri="{BB962C8B-B14F-4D97-AF65-F5344CB8AC3E}">
+        <p14:creationId xmlns:p14="http://schemas.microsoft.com/office/powerpoint/2010/main" val="432179213"/>
       </p:ext>
     </p:extLst>
   </p:cSld>
@@ -9368,7 +9536,7 @@
           <p:cNvPr id="2" name="Title 1">
             <a:extLst>
               <a:ext uri="{FF2B5EF4-FFF2-40B4-BE49-F238E27FC236}">
-                <a16:creationId xmlns:a16="http://schemas.microsoft.com/office/drawing/2014/main" id="{5A01F4BC-4882-B827-542F-9F20A20DC25A}"/>
+                <a16:creationId xmlns:a16="http://schemas.microsoft.com/office/drawing/2014/main" id="{AD4D5949-84AC-F6D1-D1CF-DB9C69AE3411}"/>
               </a:ext>
             </a:extLst>
           </p:cNvPr>
@@ -9379,12 +9547,7 @@
             <p:ph type="title"/>
           </p:nvPr>
         </p:nvSpPr>
-        <p:spPr>
-          <a:xfrm>
-            <a:off x="130628" y="142504"/>
-            <a:ext cx="10384971" cy="1183059"/>
-          </a:xfrm>
-        </p:spPr>
+        <p:spPr/>
         <p:txBody>
           <a:bodyPr>
             <a:normAutofit/>
@@ -9392,193 +9555,64 @@
           <a:lstStyle/>
           <a:p>
             <a:r>
-              <a:rPr lang="en-US" sz="3600" dirty="0">
-                <a:latin typeface="Times New Roman" panose="02020603050405020304" pitchFamily="18" charset="0"/>
-                <a:cs typeface="Times New Roman" panose="02020603050405020304" pitchFamily="18" charset="0"/>
-              </a:rPr>
-              <a:t>Understanding Randomness in LLM Output </a:t>
-            </a:r>
-          </a:p>
-        </p:txBody>
-      </p:sp>
-      <p:sp>
-        <p:nvSpPr>
-          <p:cNvPr id="3" name="Content Placeholder 2">
-            <a:extLst>
-              <a:ext uri="{FF2B5EF4-FFF2-40B4-BE49-F238E27FC236}">
-                <a16:creationId xmlns:a16="http://schemas.microsoft.com/office/drawing/2014/main" id="{23A3E055-F53F-C239-7F2E-775699B3FEFE}"/>
-              </a:ext>
-            </a:extLst>
-          </p:cNvPr>
-          <p:cNvSpPr>
-            <a:spLocks noGrp="1"/>
-          </p:cNvSpPr>
-          <p:nvPr>
-            <p:ph idx="1"/>
-          </p:nvPr>
-        </p:nvSpPr>
-        <p:spPr>
-          <a:xfrm>
-            <a:off x="838200" y="1683121"/>
-            <a:ext cx="11353800" cy="5032375"/>
-          </a:xfrm>
-        </p:spPr>
-        <p:txBody>
-          <a:bodyPr>
-            <a:noAutofit/>
-          </a:bodyPr>
-          <a:lstStyle/>
-          <a:p>
-            <a:pPr marL="0" indent="0">
-              <a:buNone/>
-            </a:pPr>
-            <a:r>
-              <a:rPr lang="en-US" sz="1600" b="1" dirty="0">
-                <a:latin typeface="Times New Roman" panose="02020603050405020304" pitchFamily="18" charset="0"/>
-                <a:cs typeface="Times New Roman" panose="02020603050405020304" pitchFamily="18" charset="0"/>
-              </a:rPr>
-              <a:t>Inherent Randomness: </a:t>
-            </a:r>
-          </a:p>
-          <a:p>
-            <a:pPr marL="0" indent="0">
-              <a:buNone/>
-            </a:pPr>
-            <a:r>
-              <a:rPr lang="en-US" sz="1600" dirty="0">
-                <a:latin typeface="Times New Roman" panose="02020603050405020304" pitchFamily="18" charset="0"/>
-                <a:cs typeface="Times New Roman" panose="02020603050405020304" pitchFamily="18" charset="0"/>
-              </a:rPr>
-              <a:t>Large Language Models (LLMs) bring a touch of unpredictability to the table. The content they generate isn't set in stone; instead, it carries a degree of randomness. This is akin to the model's creativity, introducing variations in responses even to similar prompts</a:t>
-            </a:r>
-          </a:p>
-          <a:p>
-            <a:pPr marL="0" indent="0" algn="l">
-              <a:buNone/>
-            </a:pPr>
-            <a:r>
-              <a:rPr lang="en-US" sz="1600" b="1" i="0" dirty="0">
-                <a:solidFill>
-                  <a:srgbClr val="0D0D0D"/>
-                </a:solidFill>
-                <a:effectLst/>
-                <a:latin typeface="Times New Roman" panose="02020603050405020304" pitchFamily="18" charset="0"/>
-                <a:cs typeface="Times New Roman" panose="02020603050405020304" pitchFamily="18" charset="0"/>
-              </a:rPr>
-              <a:t>Why It Matters:</a:t>
-            </a:r>
-            <a:r>
-              <a:rPr lang="en-US" sz="1600" b="0" i="0" dirty="0">
-                <a:solidFill>
-                  <a:srgbClr val="0D0D0D"/>
-                </a:solidFill>
-                <a:effectLst/>
-                <a:latin typeface="Times New Roman" panose="02020603050405020304" pitchFamily="18" charset="0"/>
-                <a:cs typeface="Times New Roman" panose="02020603050405020304" pitchFamily="18" charset="0"/>
-              </a:rPr>
-              <a:t> Understanding the randomness in LLM output is crucial for effective engagement. It means that the same prompt might yield different responses, requiring users to be mindful of this variability. This nuance introduces both excitement and challenge, prompting us to explore ways to steer and refine the output through effective prompt engineering.</a:t>
-            </a:r>
-          </a:p>
-          <a:p>
-            <a:pPr marL="0" indent="0">
-              <a:buNone/>
-            </a:pPr>
-            <a:r>
-              <a:rPr lang="en-US" sz="1600" b="1" i="1" dirty="0">
-                <a:latin typeface="Times New Roman" panose="02020603050405020304" pitchFamily="18" charset="0"/>
-                <a:cs typeface="Times New Roman" panose="02020603050405020304" pitchFamily="18" charset="0"/>
-              </a:rPr>
-              <a:t>Examples of Randomness in LLM Output</a:t>
-            </a:r>
-            <a:br>
-              <a:rPr lang="en-US" sz="1600" dirty="0">
-                <a:latin typeface="Times New Roman" panose="02020603050405020304" pitchFamily="18" charset="0"/>
-                <a:cs typeface="Times New Roman" panose="02020603050405020304" pitchFamily="18" charset="0"/>
-              </a:rPr>
-            </a:br>
-            <a:endParaRPr lang="en-US" sz="1600" dirty="0">
+              <a:rPr lang="en-US" sz="3600" b="1" i="0" dirty="0">
+                <a:solidFill>
+                  <a:srgbClr val="0D0D0D"/>
+                </a:solidFill>
+                <a:effectLst/>
+                <a:latin typeface="Times New Roman" panose="02020603050405020304" pitchFamily="18" charset="0"/>
+                <a:cs typeface="Times New Roman" panose="02020603050405020304" pitchFamily="18" charset="0"/>
+              </a:rPr>
+              <a:t>Educational Video</a:t>
+            </a:r>
+            <a:endParaRPr lang="en-US" sz="3600" dirty="0">
               <a:latin typeface="Times New Roman" panose="02020603050405020304" pitchFamily="18" charset="0"/>
               <a:cs typeface="Times New Roman" panose="02020603050405020304" pitchFamily="18" charset="0"/>
             </a:endParaRPr>
           </a:p>
-          <a:p>
-            <a:pPr marL="0" indent="0">
-              <a:buNone/>
-            </a:pPr>
-            <a:r>
-              <a:rPr lang="en-US" sz="1600" b="1" dirty="0">
-                <a:latin typeface="Times New Roman" panose="02020603050405020304" pitchFamily="18" charset="0"/>
-                <a:cs typeface="Times New Roman" panose="02020603050405020304" pitchFamily="18" charset="0"/>
-              </a:rPr>
-              <a:t> Text Completion:</a:t>
-            </a:r>
-          </a:p>
-          <a:p>
-            <a:pPr marL="0" indent="0">
-              <a:buNone/>
-            </a:pPr>
-            <a:r>
-              <a:rPr lang="en-US" sz="1600" dirty="0">
-                <a:latin typeface="Times New Roman" panose="02020603050405020304" pitchFamily="18" charset="0"/>
-                <a:cs typeface="Times New Roman" panose="02020603050405020304" pitchFamily="18" charset="0"/>
-              </a:rPr>
-              <a:t>Prompt: "The sun sets and the _____ rises."</a:t>
-            </a:r>
-          </a:p>
-          <a:p>
-            <a:r>
-              <a:rPr lang="en-US" sz="1600" dirty="0">
-                <a:latin typeface="Times New Roman" panose="02020603050405020304" pitchFamily="18" charset="0"/>
-                <a:cs typeface="Times New Roman" panose="02020603050405020304" pitchFamily="18" charset="0"/>
-              </a:rPr>
-              <a:t>    Random Output 1: "moon"</a:t>
-            </a:r>
-          </a:p>
-          <a:p>
-            <a:r>
-              <a:rPr lang="en-US" sz="1600" dirty="0">
-                <a:latin typeface="Times New Roman" panose="02020603050405020304" pitchFamily="18" charset="0"/>
-                <a:cs typeface="Times New Roman" panose="02020603050405020304" pitchFamily="18" charset="0"/>
-              </a:rPr>
-              <a:t>   Random Output 2: "tide"</a:t>
-            </a:r>
-          </a:p>
-          <a:p>
-            <a:r>
-              <a:rPr lang="en-US" sz="1600" dirty="0">
-                <a:latin typeface="Times New Roman" panose="02020603050405020304" pitchFamily="18" charset="0"/>
-                <a:cs typeface="Times New Roman" panose="02020603050405020304" pitchFamily="18" charset="0"/>
-              </a:rPr>
-              <a:t>    Random Output 3: "phoenix" </a:t>
-            </a:r>
-          </a:p>
-          <a:p>
-            <a:pPr marL="0" indent="0">
-              <a:buNone/>
-            </a:pPr>
-            <a:r>
-              <a:rPr lang="en-US" sz="1600" dirty="0">
-                <a:latin typeface="Times New Roman" panose="02020603050405020304" pitchFamily="18" charset="0"/>
-                <a:cs typeface="Times New Roman" panose="02020603050405020304" pitchFamily="18" charset="0"/>
-              </a:rPr>
-              <a:t>  The LLM introduces variability by suggesting different words to complete the sentence, showcasing its creativity in generating contextually relevant options.</a:t>
-            </a:r>
-          </a:p>
-          <a:p>
-            <a:pPr marL="0" indent="0">
-              <a:buNone/>
-            </a:pPr>
-            <a:endParaRPr lang="en-US" sz="1600" dirty="0">
-              <a:latin typeface="Times New Roman" panose="02020603050405020304" pitchFamily="18" charset="0"/>
-              <a:cs typeface="Times New Roman" panose="02020603050405020304" pitchFamily="18" charset="0"/>
-            </a:endParaRPr>
+        </p:txBody>
+      </p:sp>
+      <p:sp>
+        <p:nvSpPr>
+          <p:cNvPr id="3" name="Content Placeholder 2">
+            <a:extLst>
+              <a:ext uri="{FF2B5EF4-FFF2-40B4-BE49-F238E27FC236}">
+                <a16:creationId xmlns:a16="http://schemas.microsoft.com/office/drawing/2014/main" id="{1A6E1F2A-36F6-1E29-2915-99F5E4700BE4}"/>
+              </a:ext>
+            </a:extLst>
+          </p:cNvPr>
+          <p:cNvSpPr>
+            <a:spLocks noGrp="1"/>
+          </p:cNvSpPr>
+          <p:nvPr>
+            <p:ph idx="1"/>
+          </p:nvPr>
+        </p:nvSpPr>
+        <p:spPr/>
+        <p:txBody>
+          <a:bodyPr/>
+          <a:lstStyle/>
+          <a:p>
+            <a:r>
+              <a:rPr lang="en-US" dirty="0">
+                <a:hlinkClick r:id="rId2"/>
+              </a:rPr>
+              <a:t>https://www.youtube.com/watch?v=5sLYAQS9sWQ</a:t>
+            </a:r>
+            <a:endParaRPr lang="en-US" dirty="0"/>
+          </a:p>
+          <a:p>
+            <a:endParaRPr lang="en-US" dirty="0"/>
+          </a:p>
+          <a:p>
+            <a:endParaRPr lang="en-US" dirty="0"/>
           </a:p>
         </p:txBody>
       </p:sp>
     </p:spTree>
     <p:extLst>
       <p:ext uri="{BB962C8B-B14F-4D97-AF65-F5344CB8AC3E}">
-        <p14:creationId xmlns:p14="http://schemas.microsoft.com/office/powerpoint/2010/main" val="1227943663"/>
+        <p14:creationId xmlns:p14="http://schemas.microsoft.com/office/powerpoint/2010/main" val="3497568457"/>
       </p:ext>
     </p:extLst>
   </p:cSld>
@@ -9610,7 +9644,7 @@
           <p:cNvPr id="2" name="Title 1">
             <a:extLst>
               <a:ext uri="{FF2B5EF4-FFF2-40B4-BE49-F238E27FC236}">
-                <a16:creationId xmlns:a16="http://schemas.microsoft.com/office/drawing/2014/main" id="{B64415A1-20FA-9569-8C86-11C78579E9FE}"/>
+                <a16:creationId xmlns:a16="http://schemas.microsoft.com/office/drawing/2014/main" id="{5A01F4BC-4882-B827-542F-9F20A20DC25A}"/>
               </a:ext>
             </a:extLst>
           </p:cNvPr>
@@ -9623,8 +9657,8 @@
         </p:nvSpPr>
         <p:spPr>
           <a:xfrm>
-            <a:off x="149431" y="318675"/>
-            <a:ext cx="10515600" cy="1325563"/>
+            <a:off x="130628" y="142504"/>
+            <a:ext cx="10384971" cy="1183059"/>
           </a:xfrm>
         </p:spPr>
         <p:txBody>
@@ -9638,7 +9672,7 @@
                 <a:latin typeface="Times New Roman" panose="02020603050405020304" pitchFamily="18" charset="0"/>
                 <a:cs typeface="Times New Roman" panose="02020603050405020304" pitchFamily="18" charset="0"/>
               </a:rPr>
-              <a:t>Examples of Randomness in LLM Output:</a:t>
+              <a:t>Understanding Randomness in LLM Output </a:t>
             </a:r>
           </a:p>
         </p:txBody>
@@ -9648,7 +9682,7 @@
           <p:cNvPr id="3" name="Content Placeholder 2">
             <a:extLst>
               <a:ext uri="{FF2B5EF4-FFF2-40B4-BE49-F238E27FC236}">
-                <a16:creationId xmlns:a16="http://schemas.microsoft.com/office/drawing/2014/main" id="{2CA86048-AA8C-29EF-41C9-21A93AAFAAD7}"/>
+                <a16:creationId xmlns:a16="http://schemas.microsoft.com/office/drawing/2014/main" id="{23A3E055-F53F-C239-7F2E-775699B3FEFE}"/>
               </a:ext>
             </a:extLst>
           </p:cNvPr>
@@ -9661,8 +9695,8 @@
         </p:nvSpPr>
         <p:spPr>
           <a:xfrm>
-            <a:off x="760021" y="1825625"/>
-            <a:ext cx="10818421" cy="4936122"/>
+            <a:off x="838200" y="1683121"/>
+            <a:ext cx="11353800" cy="5032375"/>
           </a:xfrm>
         </p:spPr>
         <p:txBody>
@@ -9675,163 +9709,70 @@
               <a:buNone/>
             </a:pPr>
             <a:r>
-              <a:rPr lang="en-US" sz="1400" b="1" dirty="0">
-                <a:latin typeface="Times New Roman" panose="02020603050405020304" pitchFamily="18" charset="0"/>
-                <a:cs typeface="Times New Roman" panose="02020603050405020304" pitchFamily="18" charset="0"/>
-              </a:rPr>
-              <a:t> Creative Writing Prompts:</a:t>
+              <a:rPr lang="en-US" sz="1600" b="1" dirty="0">
+                <a:latin typeface="Times New Roman" panose="02020603050405020304" pitchFamily="18" charset="0"/>
+                <a:cs typeface="Times New Roman" panose="02020603050405020304" pitchFamily="18" charset="0"/>
+              </a:rPr>
+              <a:t>Inherent Randomness: </a:t>
             </a:r>
           </a:p>
           <a:p>
             <a:pPr marL="0" indent="0">
               <a:buNone/>
             </a:pPr>
+            <a:r>
+              <a:rPr lang="en-US" sz="1600" dirty="0">
+                <a:latin typeface="Times New Roman" panose="02020603050405020304" pitchFamily="18" charset="0"/>
+                <a:cs typeface="Times New Roman" panose="02020603050405020304" pitchFamily="18" charset="0"/>
+              </a:rPr>
+              <a:t>Large Language Models (LLMs) bring a touch of unpredictability to the table. The content they generate isn't set in stone; instead, it carries a degree of randomness. This is akin to the model's creativity, introducing variations in responses even to similar prompts</a:t>
+            </a:r>
+          </a:p>
+          <a:p>
+            <a:pPr marL="0" indent="0" algn="l">
+              <a:buNone/>
+            </a:pPr>
+            <a:r>
+              <a:rPr lang="en-US" sz="1600" b="1" i="0" dirty="0">
+                <a:solidFill>
+                  <a:srgbClr val="0D0D0D"/>
+                </a:solidFill>
+                <a:effectLst/>
+                <a:latin typeface="Times New Roman" panose="02020603050405020304" pitchFamily="18" charset="0"/>
+                <a:cs typeface="Times New Roman" panose="02020603050405020304" pitchFamily="18" charset="0"/>
+              </a:rPr>
+              <a:t>Why It Matters:</a:t>
+            </a:r>
+            <a:r>
+              <a:rPr lang="en-US" sz="1600" b="0" i="0" dirty="0">
+                <a:solidFill>
+                  <a:srgbClr val="0D0D0D"/>
+                </a:solidFill>
+                <a:effectLst/>
+                <a:latin typeface="Times New Roman" panose="02020603050405020304" pitchFamily="18" charset="0"/>
+                <a:cs typeface="Times New Roman" panose="02020603050405020304" pitchFamily="18" charset="0"/>
+              </a:rPr>
+              <a:t> Understanding the randomness in LLM output is crucial for effective engagement. It means that the same prompt might yield different responses, requiring users to be mindful of this variability. This nuance introduces both excitement and challenge, prompting us to explore ways to steer and refine the output through effective prompt engineering.</a:t>
+            </a:r>
+          </a:p>
+          <a:p>
+            <a:pPr marL="0" indent="0">
+              <a:buNone/>
+            </a:pPr>
+            <a:r>
+              <a:rPr lang="en-US" sz="1600" b="1" i="1" dirty="0">
+                <a:latin typeface="Times New Roman" panose="02020603050405020304" pitchFamily="18" charset="0"/>
+                <a:cs typeface="Times New Roman" panose="02020603050405020304" pitchFamily="18" charset="0"/>
+              </a:rPr>
+              <a:t>Examples of Randomness in LLM Output</a:t>
+            </a:r>
             <a:br>
-              <a:rPr lang="en-US" sz="1400" dirty="0">
+              <a:rPr lang="en-US" sz="1600" dirty="0">
                 <a:latin typeface="Times New Roman" panose="02020603050405020304" pitchFamily="18" charset="0"/>
                 <a:cs typeface="Times New Roman" panose="02020603050405020304" pitchFamily="18" charset="0"/>
               </a:rPr>
             </a:br>
-            <a:r>
-              <a:rPr lang="en-US" sz="1400" dirty="0">
-                <a:latin typeface="Times New Roman" panose="02020603050405020304" pitchFamily="18" charset="0"/>
-                <a:cs typeface="Times New Roman" panose="02020603050405020304" pitchFamily="18" charset="0"/>
-              </a:rPr>
-              <a:t>Prompt: "In a world where gravity is reversed, people walk on..."</a:t>
-            </a:r>
-          </a:p>
-          <a:p>
-            <a:r>
-              <a:rPr lang="en-US" sz="1400" dirty="0">
-                <a:latin typeface="Times New Roman" panose="02020603050405020304" pitchFamily="18" charset="0"/>
-                <a:cs typeface="Times New Roman" panose="02020603050405020304" pitchFamily="18" charset="0"/>
-              </a:rPr>
-              <a:t>   Random Output 1: "the ceilings of their homes."</a:t>
-            </a:r>
-          </a:p>
-          <a:p>
-            <a:r>
-              <a:rPr lang="en-US" sz="1400" dirty="0">
-                <a:latin typeface="Times New Roman" panose="02020603050405020304" pitchFamily="18" charset="0"/>
-                <a:cs typeface="Times New Roman" panose="02020603050405020304" pitchFamily="18" charset="0"/>
-              </a:rPr>
-              <a:t>   Random Output 2: "invisible bridges in the sky."</a:t>
-            </a:r>
-          </a:p>
-          <a:p>
-            <a:r>
-              <a:rPr lang="en-US" sz="1400" dirty="0">
-                <a:latin typeface="Times New Roman" panose="02020603050405020304" pitchFamily="18" charset="0"/>
-                <a:cs typeface="Times New Roman" panose="02020603050405020304" pitchFamily="18" charset="0"/>
-              </a:rPr>
-              <a:t>   Random Output 3: "floating clouds like stepping stones."</a:t>
-            </a:r>
-          </a:p>
-          <a:p>
-            <a:pPr marL="0" indent="0">
-              <a:buNone/>
-            </a:pPr>
-            <a:r>
-              <a:rPr lang="en-US" sz="1400" dirty="0">
-                <a:latin typeface="Times New Roman" panose="02020603050405020304" pitchFamily="18" charset="0"/>
-                <a:cs typeface="Times New Roman" panose="02020603050405020304" pitchFamily="18" charset="0"/>
-              </a:rPr>
-              <a:t>  LLMs inject unpredictability into creative prompts, generating diverse and imaginative scenarios with each request.</a:t>
-            </a:r>
-          </a:p>
-          <a:p>
-            <a:pPr marL="0" indent="0">
-              <a:buNone/>
-            </a:pPr>
-            <a:br>
-              <a:rPr lang="en-US" sz="1400" dirty="0">
-                <a:latin typeface="Times New Roman" panose="02020603050405020304" pitchFamily="18" charset="0"/>
-                <a:cs typeface="Times New Roman" panose="02020603050405020304" pitchFamily="18" charset="0"/>
-              </a:rPr>
-            </a:br>
-            <a:r>
-              <a:rPr lang="en-US" sz="1400" b="1" dirty="0">
-                <a:latin typeface="Times New Roman" panose="02020603050405020304" pitchFamily="18" charset="0"/>
-                <a:cs typeface="Times New Roman" panose="02020603050405020304" pitchFamily="18" charset="0"/>
-              </a:rPr>
-              <a:t> Question Answering:</a:t>
-            </a:r>
-          </a:p>
-          <a:p>
-            <a:pPr marL="0" indent="0">
-              <a:buNone/>
-            </a:pPr>
-            <a:r>
-              <a:rPr lang="en-US" sz="1400" b="1" dirty="0">
-                <a:latin typeface="Times New Roman" panose="02020603050405020304" pitchFamily="18" charset="0"/>
-                <a:cs typeface="Times New Roman" panose="02020603050405020304" pitchFamily="18" charset="0"/>
-              </a:rPr>
-              <a:t>  </a:t>
-            </a:r>
-            <a:r>
-              <a:rPr lang="en-US" sz="1400" dirty="0">
-                <a:latin typeface="Times New Roman" panose="02020603050405020304" pitchFamily="18" charset="0"/>
-                <a:cs typeface="Times New Roman" panose="02020603050405020304" pitchFamily="18" charset="0"/>
-              </a:rPr>
-              <a:t>Prompt: "What is the capital of France?"</a:t>
-            </a:r>
-          </a:p>
-          <a:p>
-            <a:r>
-              <a:rPr lang="en-US" sz="1400" dirty="0">
-                <a:latin typeface="Times New Roman" panose="02020603050405020304" pitchFamily="18" charset="0"/>
-                <a:cs typeface="Times New Roman" panose="02020603050405020304" pitchFamily="18" charset="0"/>
-              </a:rPr>
-              <a:t>    Random Output 1: "Paris"</a:t>
-            </a:r>
-          </a:p>
-          <a:p>
-            <a:r>
-              <a:rPr lang="en-US" sz="1400" dirty="0">
-                <a:latin typeface="Times New Roman" panose="02020603050405020304" pitchFamily="18" charset="0"/>
-                <a:cs typeface="Times New Roman" panose="02020603050405020304" pitchFamily="18" charset="0"/>
-              </a:rPr>
-              <a:t>    Random Output 2: "Lyon"</a:t>
-            </a:r>
-          </a:p>
-          <a:p>
-            <a:r>
-              <a:rPr lang="en-US" sz="1400" dirty="0">
-                <a:latin typeface="Times New Roman" panose="02020603050405020304" pitchFamily="18" charset="0"/>
-                <a:cs typeface="Times New Roman" panose="02020603050405020304" pitchFamily="18" charset="0"/>
-              </a:rPr>
-              <a:t>    Random Output 3: "Marseille"</a:t>
-            </a:r>
-          </a:p>
-          <a:p>
-            <a:pPr marL="0" indent="0">
-              <a:buNone/>
-            </a:pPr>
-            <a:r>
-              <a:rPr lang="en-US" sz="1400" dirty="0">
-                <a:latin typeface="Times New Roman" panose="02020603050405020304" pitchFamily="18" charset="0"/>
-                <a:cs typeface="Times New Roman" panose="02020603050405020304" pitchFamily="18" charset="0"/>
-              </a:rPr>
-              <a:t> </a:t>
-            </a:r>
-          </a:p>
-          <a:p>
-            <a:pPr marL="0" indent="0">
-              <a:buNone/>
-            </a:pPr>
-            <a:r>
-              <a:rPr lang="en-US" sz="1400" dirty="0">
-                <a:latin typeface="Times New Roman" panose="02020603050405020304" pitchFamily="18" charset="0"/>
-                <a:cs typeface="Times New Roman" panose="02020603050405020304" pitchFamily="18" charset="0"/>
-              </a:rPr>
-              <a:t>   Even in factual queries, LLMs introduce randomness by presenting alternative correct answers.</a:t>
-            </a:r>
-          </a:p>
-          <a:p>
-            <a:pPr marL="0" indent="0">
-              <a:buNone/>
-            </a:pPr>
-            <a:endParaRPr lang="en-US" sz="1400" b="1" dirty="0">
+            <a:endParaRPr lang="en-US" sz="1600" dirty="0">
               <a:latin typeface="Times New Roman" panose="02020603050405020304" pitchFamily="18" charset="0"/>
               <a:cs typeface="Times New Roman" panose="02020603050405020304" pitchFamily="18" charset="0"/>
             </a:endParaRPr>
@@ -9840,29 +9781,80 @@
             <a:pPr marL="0" indent="0">
               <a:buNone/>
             </a:pPr>
-            <a:endParaRPr lang="en-US" sz="1400" dirty="0">
+            <a:r>
+              <a:rPr lang="en-US" sz="1600" b="1" dirty="0">
+                <a:latin typeface="Times New Roman" panose="02020603050405020304" pitchFamily="18" charset="0"/>
+                <a:cs typeface="Times New Roman" panose="02020603050405020304" pitchFamily="18" charset="0"/>
+              </a:rPr>
+              <a:t> Text Completion:</a:t>
+            </a:r>
+          </a:p>
+          <a:p>
+            <a:pPr marL="0" indent="0">
+              <a:buNone/>
+            </a:pPr>
+            <a:r>
+              <a:rPr lang="en-US" sz="1600" dirty="0">
+                <a:latin typeface="Times New Roman" panose="02020603050405020304" pitchFamily="18" charset="0"/>
+                <a:cs typeface="Times New Roman" panose="02020603050405020304" pitchFamily="18" charset="0"/>
+              </a:rPr>
+              <a:t>Prompt: "The sun sets and the _____ rises."</a:t>
+            </a:r>
+          </a:p>
+          <a:p>
+            <a:r>
+              <a:rPr lang="en-US" sz="1600" dirty="0">
+                <a:latin typeface="Times New Roman" panose="02020603050405020304" pitchFamily="18" charset="0"/>
+                <a:cs typeface="Times New Roman" panose="02020603050405020304" pitchFamily="18" charset="0"/>
+              </a:rPr>
+              <a:t>    Random Output 1: "moon"</a:t>
+            </a:r>
+          </a:p>
+          <a:p>
+            <a:r>
+              <a:rPr lang="en-US" sz="1600" dirty="0">
+                <a:latin typeface="Times New Roman" panose="02020603050405020304" pitchFamily="18" charset="0"/>
+                <a:cs typeface="Times New Roman" panose="02020603050405020304" pitchFamily="18" charset="0"/>
+              </a:rPr>
+              <a:t>   Random Output 2: "tide"</a:t>
+            </a:r>
+          </a:p>
+          <a:p>
+            <a:r>
+              <a:rPr lang="en-US" sz="1600" dirty="0">
+                <a:latin typeface="Times New Roman" panose="02020603050405020304" pitchFamily="18" charset="0"/>
+                <a:cs typeface="Times New Roman" panose="02020603050405020304" pitchFamily="18" charset="0"/>
+              </a:rPr>
+              <a:t>    Random Output 3: "phoenix" </a:t>
+            </a:r>
+          </a:p>
+          <a:p>
+            <a:pPr marL="0" indent="0">
+              <a:buNone/>
+            </a:pPr>
+            <a:r>
+              <a:rPr lang="en-US" sz="1600" dirty="0">
+                <a:latin typeface="Times New Roman" panose="02020603050405020304" pitchFamily="18" charset="0"/>
+                <a:cs typeface="Times New Roman" panose="02020603050405020304" pitchFamily="18" charset="0"/>
+              </a:rPr>
+              <a:t>  The LLM introduces variability by suggesting different words to complete the sentence, showcasing its creativity in generating contextually relevant options.</a:t>
+            </a:r>
+          </a:p>
+          <a:p>
+            <a:pPr marL="0" indent="0">
+              <a:buNone/>
+            </a:pPr>
+            <a:endParaRPr lang="en-US" sz="1600" dirty="0">
               <a:latin typeface="Times New Roman" panose="02020603050405020304" pitchFamily="18" charset="0"/>
               <a:cs typeface="Times New Roman" panose="02020603050405020304" pitchFamily="18" charset="0"/>
             </a:endParaRPr>
           </a:p>
-          <a:p>
-            <a:pPr marL="0" indent="0">
-              <a:buNone/>
-            </a:pPr>
-            <a:r>
-              <a:rPr lang="en-US" sz="1400" dirty="0">
-                <a:latin typeface="Times New Roman" panose="02020603050405020304" pitchFamily="18" charset="0"/>
-                <a:cs typeface="Times New Roman" panose="02020603050405020304" pitchFamily="18" charset="0"/>
-              </a:rPr>
-              <a:t> </a:t>
-            </a:r>
-          </a:p>
         </p:txBody>
       </p:sp>
     </p:spTree>
     <p:extLst>
       <p:ext uri="{BB962C8B-B14F-4D97-AF65-F5344CB8AC3E}">
-        <p14:creationId xmlns:p14="http://schemas.microsoft.com/office/powerpoint/2010/main" val="3100337762"/>
+        <p14:creationId xmlns:p14="http://schemas.microsoft.com/office/powerpoint/2010/main" val="1227943663"/>
       </p:ext>
     </p:extLst>
   </p:cSld>
@@ -9894,7 +9886,7 @@
           <p:cNvPr id="2" name="Title 1">
             <a:extLst>
               <a:ext uri="{FF2B5EF4-FFF2-40B4-BE49-F238E27FC236}">
-                <a16:creationId xmlns:a16="http://schemas.microsoft.com/office/drawing/2014/main" id="{AD4D5949-84AC-F6D1-D1CF-DB9C69AE3411}"/>
+                <a16:creationId xmlns:a16="http://schemas.microsoft.com/office/drawing/2014/main" id="{B64415A1-20FA-9569-8C86-11C78579E9FE}"/>
               </a:ext>
             </a:extLst>
           </p:cNvPr>
@@ -9905,7 +9897,12 @@
             <p:ph type="title"/>
           </p:nvPr>
         </p:nvSpPr>
-        <p:spPr/>
+        <p:spPr>
+          <a:xfrm>
+            <a:off x="149431" y="318675"/>
+            <a:ext cx="10515600" cy="1325563"/>
+          </a:xfrm>
+        </p:spPr>
         <p:txBody>
           <a:bodyPr>
             <a:normAutofit/>
@@ -9913,64 +9910,235 @@
           <a:lstStyle/>
           <a:p>
             <a:r>
-              <a:rPr lang="en-US" sz="3600" b="1" i="0" dirty="0">
-                <a:solidFill>
-                  <a:srgbClr val="0D0D0D"/>
-                </a:solidFill>
-                <a:effectLst/>
-                <a:latin typeface="Times New Roman" panose="02020603050405020304" pitchFamily="18" charset="0"/>
-                <a:cs typeface="Times New Roman" panose="02020603050405020304" pitchFamily="18" charset="0"/>
-              </a:rPr>
-              <a:t>Educational Video</a:t>
-            </a:r>
-            <a:endParaRPr lang="en-US" sz="3600" dirty="0">
+              <a:rPr lang="en-US" sz="3600" dirty="0">
+                <a:latin typeface="Times New Roman" panose="02020603050405020304" pitchFamily="18" charset="0"/>
+                <a:cs typeface="Times New Roman" panose="02020603050405020304" pitchFamily="18" charset="0"/>
+              </a:rPr>
+              <a:t>Examples of Randomness in LLM Output:</a:t>
+            </a:r>
+          </a:p>
+        </p:txBody>
+      </p:sp>
+      <p:sp>
+        <p:nvSpPr>
+          <p:cNvPr id="3" name="Content Placeholder 2">
+            <a:extLst>
+              <a:ext uri="{FF2B5EF4-FFF2-40B4-BE49-F238E27FC236}">
+                <a16:creationId xmlns:a16="http://schemas.microsoft.com/office/drawing/2014/main" id="{2CA86048-AA8C-29EF-41C9-21A93AAFAAD7}"/>
+              </a:ext>
+            </a:extLst>
+          </p:cNvPr>
+          <p:cNvSpPr>
+            <a:spLocks noGrp="1"/>
+          </p:cNvSpPr>
+          <p:nvPr>
+            <p:ph idx="1"/>
+          </p:nvPr>
+        </p:nvSpPr>
+        <p:spPr>
+          <a:xfrm>
+            <a:off x="760021" y="1825625"/>
+            <a:ext cx="10818421" cy="4936122"/>
+          </a:xfrm>
+        </p:spPr>
+        <p:txBody>
+          <a:bodyPr>
+            <a:noAutofit/>
+          </a:bodyPr>
+          <a:lstStyle/>
+          <a:p>
+            <a:pPr marL="0" indent="0">
+              <a:buNone/>
+            </a:pPr>
+            <a:r>
+              <a:rPr lang="en-US" sz="1400" b="1" dirty="0">
+                <a:latin typeface="Times New Roman" panose="02020603050405020304" pitchFamily="18" charset="0"/>
+                <a:cs typeface="Times New Roman" panose="02020603050405020304" pitchFamily="18" charset="0"/>
+              </a:rPr>
+              <a:t> Creative Writing Prompts:</a:t>
+            </a:r>
+          </a:p>
+          <a:p>
+            <a:pPr marL="0" indent="0">
+              <a:buNone/>
+            </a:pPr>
+            <a:br>
+              <a:rPr lang="en-US" sz="1400" dirty="0">
+                <a:latin typeface="Times New Roman" panose="02020603050405020304" pitchFamily="18" charset="0"/>
+                <a:cs typeface="Times New Roman" panose="02020603050405020304" pitchFamily="18" charset="0"/>
+              </a:rPr>
+            </a:br>
+            <a:r>
+              <a:rPr lang="en-US" sz="1400" dirty="0">
+                <a:latin typeface="Times New Roman" panose="02020603050405020304" pitchFamily="18" charset="0"/>
+                <a:cs typeface="Times New Roman" panose="02020603050405020304" pitchFamily="18" charset="0"/>
+              </a:rPr>
+              <a:t>Prompt: "In a world where gravity is reversed, people walk on..."</a:t>
+            </a:r>
+          </a:p>
+          <a:p>
+            <a:r>
+              <a:rPr lang="en-US" sz="1400" dirty="0">
+                <a:latin typeface="Times New Roman" panose="02020603050405020304" pitchFamily="18" charset="0"/>
+                <a:cs typeface="Times New Roman" panose="02020603050405020304" pitchFamily="18" charset="0"/>
+              </a:rPr>
+              <a:t>   Random Output 1: "the ceilings of their homes."</a:t>
+            </a:r>
+          </a:p>
+          <a:p>
+            <a:r>
+              <a:rPr lang="en-US" sz="1400" dirty="0">
+                <a:latin typeface="Times New Roman" panose="02020603050405020304" pitchFamily="18" charset="0"/>
+                <a:cs typeface="Times New Roman" panose="02020603050405020304" pitchFamily="18" charset="0"/>
+              </a:rPr>
+              <a:t>   Random Output 2: "invisible bridges in the sky."</a:t>
+            </a:r>
+          </a:p>
+          <a:p>
+            <a:r>
+              <a:rPr lang="en-US" sz="1400" dirty="0">
+                <a:latin typeface="Times New Roman" panose="02020603050405020304" pitchFamily="18" charset="0"/>
+                <a:cs typeface="Times New Roman" panose="02020603050405020304" pitchFamily="18" charset="0"/>
+              </a:rPr>
+              <a:t>   Random Output 3: "floating clouds like stepping stones."</a:t>
+            </a:r>
+          </a:p>
+          <a:p>
+            <a:pPr marL="0" indent="0">
+              <a:buNone/>
+            </a:pPr>
+            <a:r>
+              <a:rPr lang="en-US" sz="1400" dirty="0">
+                <a:latin typeface="Times New Roman" panose="02020603050405020304" pitchFamily="18" charset="0"/>
+                <a:cs typeface="Times New Roman" panose="02020603050405020304" pitchFamily="18" charset="0"/>
+              </a:rPr>
+              <a:t>  LLMs inject unpredictability into creative prompts, generating diverse and imaginative scenarios with each request.</a:t>
+            </a:r>
+          </a:p>
+          <a:p>
+            <a:pPr marL="0" indent="0">
+              <a:buNone/>
+            </a:pPr>
+            <a:br>
+              <a:rPr lang="en-US" sz="1400" dirty="0">
+                <a:latin typeface="Times New Roman" panose="02020603050405020304" pitchFamily="18" charset="0"/>
+                <a:cs typeface="Times New Roman" panose="02020603050405020304" pitchFamily="18" charset="0"/>
+              </a:rPr>
+            </a:br>
+            <a:r>
+              <a:rPr lang="en-US" sz="1400" b="1" dirty="0">
+                <a:latin typeface="Times New Roman" panose="02020603050405020304" pitchFamily="18" charset="0"/>
+                <a:cs typeface="Times New Roman" panose="02020603050405020304" pitchFamily="18" charset="0"/>
+              </a:rPr>
+              <a:t> Question Answering:</a:t>
+            </a:r>
+          </a:p>
+          <a:p>
+            <a:pPr marL="0" indent="0">
+              <a:buNone/>
+            </a:pPr>
+            <a:r>
+              <a:rPr lang="en-US" sz="1400" b="1" dirty="0">
+                <a:latin typeface="Times New Roman" panose="02020603050405020304" pitchFamily="18" charset="0"/>
+                <a:cs typeface="Times New Roman" panose="02020603050405020304" pitchFamily="18" charset="0"/>
+              </a:rPr>
+              <a:t>  </a:t>
+            </a:r>
+            <a:r>
+              <a:rPr lang="en-US" sz="1400" dirty="0">
+                <a:latin typeface="Times New Roman" panose="02020603050405020304" pitchFamily="18" charset="0"/>
+                <a:cs typeface="Times New Roman" panose="02020603050405020304" pitchFamily="18" charset="0"/>
+              </a:rPr>
+              <a:t>Prompt: "What is the capital of France?"</a:t>
+            </a:r>
+          </a:p>
+          <a:p>
+            <a:r>
+              <a:rPr lang="en-US" sz="1400" dirty="0">
+                <a:latin typeface="Times New Roman" panose="02020603050405020304" pitchFamily="18" charset="0"/>
+                <a:cs typeface="Times New Roman" panose="02020603050405020304" pitchFamily="18" charset="0"/>
+              </a:rPr>
+              <a:t>    Random Output 1: "Paris"</a:t>
+            </a:r>
+          </a:p>
+          <a:p>
+            <a:r>
+              <a:rPr lang="en-US" sz="1400" dirty="0">
+                <a:latin typeface="Times New Roman" panose="02020603050405020304" pitchFamily="18" charset="0"/>
+                <a:cs typeface="Times New Roman" panose="02020603050405020304" pitchFamily="18" charset="0"/>
+              </a:rPr>
+              <a:t>    Random Output 2: "Lyon"</a:t>
+            </a:r>
+          </a:p>
+          <a:p>
+            <a:r>
+              <a:rPr lang="en-US" sz="1400" dirty="0">
+                <a:latin typeface="Times New Roman" panose="02020603050405020304" pitchFamily="18" charset="0"/>
+                <a:cs typeface="Times New Roman" panose="02020603050405020304" pitchFamily="18" charset="0"/>
+              </a:rPr>
+              <a:t>    Random Output 3: "Marseille"</a:t>
+            </a:r>
+          </a:p>
+          <a:p>
+            <a:pPr marL="0" indent="0">
+              <a:buNone/>
+            </a:pPr>
+            <a:r>
+              <a:rPr lang="en-US" sz="1400" dirty="0">
+                <a:latin typeface="Times New Roman" panose="02020603050405020304" pitchFamily="18" charset="0"/>
+                <a:cs typeface="Times New Roman" panose="02020603050405020304" pitchFamily="18" charset="0"/>
+              </a:rPr>
+              <a:t> </a:t>
+            </a:r>
+          </a:p>
+          <a:p>
+            <a:pPr marL="0" indent="0">
+              <a:buNone/>
+            </a:pPr>
+            <a:r>
+              <a:rPr lang="en-US" sz="1400" dirty="0">
+                <a:latin typeface="Times New Roman" panose="02020603050405020304" pitchFamily="18" charset="0"/>
+                <a:cs typeface="Times New Roman" panose="02020603050405020304" pitchFamily="18" charset="0"/>
+              </a:rPr>
+              <a:t>   Even in factual queries, LLMs introduce randomness by presenting alternative correct answers.</a:t>
+            </a:r>
+          </a:p>
+          <a:p>
+            <a:pPr marL="0" indent="0">
+              <a:buNone/>
+            </a:pPr>
+            <a:endParaRPr lang="en-US" sz="1400" b="1" dirty="0">
               <a:latin typeface="Times New Roman" panose="02020603050405020304" pitchFamily="18" charset="0"/>
               <a:cs typeface="Times New Roman" panose="02020603050405020304" pitchFamily="18" charset="0"/>
             </a:endParaRPr>
           </a:p>
-        </p:txBody>
-      </p:sp>
-      <p:sp>
-        <p:nvSpPr>
-          <p:cNvPr id="3" name="Content Placeholder 2">
-            <a:extLst>
-              <a:ext uri="{FF2B5EF4-FFF2-40B4-BE49-F238E27FC236}">
-                <a16:creationId xmlns:a16="http://schemas.microsoft.com/office/drawing/2014/main" id="{1A6E1F2A-36F6-1E29-2915-99F5E4700BE4}"/>
-              </a:ext>
-            </a:extLst>
-          </p:cNvPr>
-          <p:cNvSpPr>
-            <a:spLocks noGrp="1"/>
-          </p:cNvSpPr>
-          <p:nvPr>
-            <p:ph idx="1"/>
-          </p:nvPr>
-        </p:nvSpPr>
-        <p:spPr/>
-        <p:txBody>
-          <a:bodyPr/>
-          <a:lstStyle/>
-          <a:p>
-            <a:r>
-              <a:rPr lang="en-US" dirty="0">
-                <a:hlinkClick r:id="rId2"/>
-              </a:rPr>
-              <a:t>https://www.youtube.com/watch?v=5sLYAQS9sWQ</a:t>
-            </a:r>
-            <a:endParaRPr lang="en-US" dirty="0"/>
-          </a:p>
-          <a:p>
-            <a:endParaRPr lang="en-US" dirty="0"/>
-          </a:p>
-          <a:p>
-            <a:endParaRPr lang="en-US" dirty="0"/>
+          <a:p>
+            <a:pPr marL="0" indent="0">
+              <a:buNone/>
+            </a:pPr>
+            <a:endParaRPr lang="en-US" sz="1400" dirty="0">
+              <a:latin typeface="Times New Roman" panose="02020603050405020304" pitchFamily="18" charset="0"/>
+              <a:cs typeface="Times New Roman" panose="02020603050405020304" pitchFamily="18" charset="0"/>
+            </a:endParaRPr>
+          </a:p>
+          <a:p>
+            <a:pPr marL="0" indent="0">
+              <a:buNone/>
+            </a:pPr>
+            <a:r>
+              <a:rPr lang="en-US" sz="1400" dirty="0">
+                <a:latin typeface="Times New Roman" panose="02020603050405020304" pitchFamily="18" charset="0"/>
+                <a:cs typeface="Times New Roman" panose="02020603050405020304" pitchFamily="18" charset="0"/>
+              </a:rPr>
+              <a:t> </a:t>
+            </a:r>
           </a:p>
         </p:txBody>
       </p:sp>
     </p:spTree>
     <p:extLst>
       <p:ext uri="{BB962C8B-B14F-4D97-AF65-F5344CB8AC3E}">
-        <p14:creationId xmlns:p14="http://schemas.microsoft.com/office/powerpoint/2010/main" val="3497568457"/>
+        <p14:creationId xmlns:p14="http://schemas.microsoft.com/office/powerpoint/2010/main" val="3100337762"/>
       </p:ext>
     </p:extLst>
   </p:cSld>

--- a/PROMPT_ENGINEERING_AND_AI/LLM-Intro_Prompting-SlideDecks_Videos_Quizzes/Introduction to LLMs and Prompting_Module1.pptx
+++ b/PROMPT_ENGINEERING_AND_AI/LLM-Intro_Prompting-SlideDecks_Videos_Quizzes/Introduction to LLMs and Prompting_Module1.pptx
@@ -5,7 +5,7 @@
     <p:sldMasterId id="2147483648" r:id="rId1"/>
   </p:sldMasterIdLst>
   <p:notesMasterIdLst>
-    <p:notesMasterId r:id="rId25"/>
+    <p:notesMasterId r:id="rId28"/>
   </p:notesMasterIdLst>
   <p:sldIdLst>
     <p:sldId id="256" r:id="rId2"/>
@@ -18,7 +18,7 @@
     <p:sldId id="269" r:id="rId9"/>
     <p:sldId id="267" r:id="rId10"/>
     <p:sldId id="271" r:id="rId11"/>
-    <p:sldId id="304" r:id="rId12"/>
+    <p:sldId id="307" r:id="rId12"/>
     <p:sldId id="283" r:id="rId13"/>
     <p:sldId id="279" r:id="rId14"/>
     <p:sldId id="297" r:id="rId15"/>
@@ -28,9 +28,12 @@
     <p:sldId id="288" r:id="rId19"/>
     <p:sldId id="289" r:id="rId20"/>
     <p:sldId id="290" r:id="rId21"/>
-    <p:sldId id="303" r:id="rId22"/>
-    <p:sldId id="305" r:id="rId23"/>
-    <p:sldId id="306" r:id="rId24"/>
+    <p:sldId id="311" r:id="rId22"/>
+    <p:sldId id="303" r:id="rId23"/>
+    <p:sldId id="310" r:id="rId24"/>
+    <p:sldId id="305" r:id="rId25"/>
+    <p:sldId id="309" r:id="rId26"/>
+    <p:sldId id="306" r:id="rId27"/>
   </p:sldIdLst>
   <p:sldSz cx="12192000" cy="6858000"/>
   <p:notesSz cx="6858000" cy="9144000"/>
@@ -219,7 +222,7 @@
           <a:p>
             <a:fld id="{49CDC751-D937-D74F-917B-F0DF0222B734}" type="datetimeFigureOut">
               <a:rPr lang="en-US" smtClean="0"/>
-              <a:t>2/20/24</a:t>
+              <a:t>2/21/24</a:t>
             </a:fld>
             <a:endParaRPr lang="en-US"/>
           </a:p>
@@ -717,7 +720,7 @@
           <a:p>
             <a:fld id="{73949F61-2C9B-7A49-A20D-0189F320CE8A}" type="datetimeFigureOut">
               <a:rPr lang="en-US" smtClean="0"/>
-              <a:t>2/20/24</a:t>
+              <a:t>2/21/24</a:t>
             </a:fld>
             <a:endParaRPr lang="en-US"/>
           </a:p>
@@ -915,7 +918,7 @@
           <a:p>
             <a:fld id="{73949F61-2C9B-7A49-A20D-0189F320CE8A}" type="datetimeFigureOut">
               <a:rPr lang="en-US" smtClean="0"/>
-              <a:t>2/20/24</a:t>
+              <a:t>2/21/24</a:t>
             </a:fld>
             <a:endParaRPr lang="en-US"/>
           </a:p>
@@ -1123,7 +1126,7 @@
           <a:p>
             <a:fld id="{73949F61-2C9B-7A49-A20D-0189F320CE8A}" type="datetimeFigureOut">
               <a:rPr lang="en-US" smtClean="0"/>
-              <a:t>2/20/24</a:t>
+              <a:t>2/21/24</a:t>
             </a:fld>
             <a:endParaRPr lang="en-US"/>
           </a:p>
@@ -1321,7 +1324,7 @@
           <a:p>
             <a:fld id="{73949F61-2C9B-7A49-A20D-0189F320CE8A}" type="datetimeFigureOut">
               <a:rPr lang="en-US" smtClean="0"/>
-              <a:t>2/20/24</a:t>
+              <a:t>2/21/24</a:t>
             </a:fld>
             <a:endParaRPr lang="en-US"/>
           </a:p>
@@ -1596,7 +1599,7 @@
           <a:p>
             <a:fld id="{73949F61-2C9B-7A49-A20D-0189F320CE8A}" type="datetimeFigureOut">
               <a:rPr lang="en-US" smtClean="0"/>
-              <a:t>2/20/24</a:t>
+              <a:t>2/21/24</a:t>
             </a:fld>
             <a:endParaRPr lang="en-US"/>
           </a:p>
@@ -1861,7 +1864,7 @@
           <a:p>
             <a:fld id="{73949F61-2C9B-7A49-A20D-0189F320CE8A}" type="datetimeFigureOut">
               <a:rPr lang="en-US" smtClean="0"/>
-              <a:t>2/20/24</a:t>
+              <a:t>2/21/24</a:t>
             </a:fld>
             <a:endParaRPr lang="en-US"/>
           </a:p>
@@ -2273,7 +2276,7 @@
           <a:p>
             <a:fld id="{73949F61-2C9B-7A49-A20D-0189F320CE8A}" type="datetimeFigureOut">
               <a:rPr lang="en-US" smtClean="0"/>
-              <a:t>2/20/24</a:t>
+              <a:t>2/21/24</a:t>
             </a:fld>
             <a:endParaRPr lang="en-US"/>
           </a:p>
@@ -2414,7 +2417,7 @@
           <a:p>
             <a:fld id="{73949F61-2C9B-7A49-A20D-0189F320CE8A}" type="datetimeFigureOut">
               <a:rPr lang="en-US" smtClean="0"/>
-              <a:t>2/20/24</a:t>
+              <a:t>2/21/24</a:t>
             </a:fld>
             <a:endParaRPr lang="en-US"/>
           </a:p>
@@ -2527,7 +2530,7 @@
           <a:p>
             <a:fld id="{73949F61-2C9B-7A49-A20D-0189F320CE8A}" type="datetimeFigureOut">
               <a:rPr lang="en-US" smtClean="0"/>
-              <a:t>2/20/24</a:t>
+              <a:t>2/21/24</a:t>
             </a:fld>
             <a:endParaRPr lang="en-US"/>
           </a:p>
@@ -2838,7 +2841,7 @@
           <a:p>
             <a:fld id="{73949F61-2C9B-7A49-A20D-0189F320CE8A}" type="datetimeFigureOut">
               <a:rPr lang="en-US" smtClean="0"/>
-              <a:t>2/20/24</a:t>
+              <a:t>2/21/24</a:t>
             </a:fld>
             <a:endParaRPr lang="en-US"/>
           </a:p>
@@ -3126,7 +3129,7 @@
           <a:p>
             <a:fld id="{73949F61-2C9B-7A49-A20D-0189F320CE8A}" type="datetimeFigureOut">
               <a:rPr lang="en-US" smtClean="0"/>
-              <a:t>2/20/24</a:t>
+              <a:t>2/21/24</a:t>
             </a:fld>
             <a:endParaRPr lang="en-US"/>
           </a:p>
@@ -3367,7 +3370,7 @@
           <a:p>
             <a:fld id="{73949F61-2C9B-7A49-A20D-0189F320CE8A}" type="datetimeFigureOut">
               <a:rPr lang="en-US" smtClean="0"/>
-              <a:t>2/20/24</a:t>
+              <a:t>2/21/24</a:t>
             </a:fld>
             <a:endParaRPr lang="en-US"/>
           </a:p>
@@ -4219,6 +4222,14 @@
 <file path=ppt/slides/slide11.xml><?xml version="1.0" encoding="utf-8"?>
 <p:sld xmlns:a="http://schemas.openxmlformats.org/drawingml/2006/main" xmlns:r="http://schemas.openxmlformats.org/officeDocument/2006/relationships" xmlns:p="http://schemas.openxmlformats.org/presentationml/2006/main">
   <p:cSld>
+    <p:bg>
+      <p:bgPr>
+        <a:solidFill>
+          <a:schemeClr val="bg1"/>
+        </a:solidFill>
+        <a:effectLst/>
+      </p:bgPr>
+    </p:bg>
     <p:spTree>
       <p:nvGrpSpPr>
         <p:cNvPr id="1" name=""/>
@@ -4249,25 +4260,27 @@
             <p:ph type="title"/>
           </p:nvPr>
         </p:nvSpPr>
-        <p:spPr/>
+        <p:spPr>
+          <a:xfrm>
+            <a:off x="876693" y="741391"/>
+            <a:ext cx="4597747" cy="1616203"/>
+          </a:xfrm>
+        </p:spPr>
         <p:txBody>
-          <a:bodyPr>
+          <a:bodyPr anchor="b">
             <a:normAutofit/>
           </a:bodyPr>
           <a:lstStyle/>
           <a:p>
             <a:r>
-              <a:rPr lang="en-US" sz="3600" b="1" i="0" dirty="0">
-                <a:solidFill>
-                  <a:srgbClr val="0D0D0D"/>
-                </a:solidFill>
-                <a:effectLst/>
-                <a:latin typeface="Times New Roman" panose="02020603050405020304" pitchFamily="18" charset="0"/>
-                <a:cs typeface="Times New Roman" panose="02020603050405020304" pitchFamily="18" charset="0"/>
-              </a:rPr>
-              <a:t>Educational Video </a:t>
-            </a:r>
-            <a:endParaRPr lang="en-US" sz="3600" dirty="0">
+              <a:rPr lang="en-US" sz="3200" b="1" i="0" dirty="0">
+                <a:effectLst/>
+                <a:latin typeface="Times New Roman" panose="02020603050405020304" pitchFamily="18" charset="0"/>
+                <a:cs typeface="Times New Roman" panose="02020603050405020304" pitchFamily="18" charset="0"/>
+              </a:rPr>
+              <a:t>Educational Video</a:t>
+            </a:r>
+            <a:endParaRPr lang="en-US" sz="3200" dirty="0">
               <a:latin typeface="Times New Roman" panose="02020603050405020304" pitchFamily="18" charset="0"/>
               <a:cs typeface="Times New Roman" panose="02020603050405020304" pitchFamily="18" charset="0"/>
             </a:endParaRPr>
@@ -4290,37 +4303,408 @@
             <p:ph idx="1"/>
           </p:nvPr>
         </p:nvSpPr>
-        <p:spPr/>
+        <p:spPr>
+          <a:xfrm>
+            <a:off x="876693" y="2533476"/>
+            <a:ext cx="4597746" cy="3447832"/>
+          </a:xfrm>
+        </p:spPr>
         <p:txBody>
-          <a:bodyPr/>
+          <a:bodyPr anchor="t">
+            <a:normAutofit/>
+          </a:bodyPr>
           <a:lstStyle/>
           <a:p>
-            <a:r>
-              <a:rPr lang="en-US" dirty="0">
-                <a:hlinkClick r:id="rId2"/>
-              </a:rPr>
-              <a:t>https://www.youtube.com/watch?v=5sLYAQS9sWQ</a:t>
-            </a:r>
-            <a:endParaRPr lang="en-US" dirty="0"/>
-          </a:p>
-          <a:p>
-            <a:endParaRPr lang="en-US" dirty="0"/>
-          </a:p>
-          <a:p>
-            <a:endParaRPr lang="en-US" dirty="0"/>
+            <a:endParaRPr lang="en-US" sz="2000" dirty="0">
+              <a:hlinkClick r:id="rId3"/>
+            </a:endParaRPr>
+          </a:p>
+          <a:p>
+            <a:pPr marL="0" indent="0">
+              <a:buNone/>
+            </a:pPr>
+            <a:r>
+              <a:rPr lang="en-US" sz="2000" b="1" i="0" dirty="0">
+                <a:effectLst/>
+                <a:latin typeface="Roboto" panose="02000000000000000000" pitchFamily="2" charset="0"/>
+              </a:rPr>
+              <a:t>Short Video on </a:t>
+            </a:r>
+            <a:r>
+              <a:rPr lang="en-US" sz="2000" b="1" dirty="0">
+                <a:latin typeface="Times New Roman" panose="02020603050405020304" pitchFamily="18" charset="0"/>
+                <a:cs typeface="Times New Roman" panose="02020603050405020304" pitchFamily="18" charset="0"/>
+              </a:rPr>
+              <a:t>Tips to becoming a world-class Prompt Engineer</a:t>
+            </a:r>
+          </a:p>
+          <a:p>
+            <a:endParaRPr lang="en-US" sz="2000" dirty="0"/>
+          </a:p>
+          <a:p>
+            <a:pPr marL="0" indent="0">
+              <a:buNone/>
+            </a:pPr>
+            <a:endParaRPr lang="en-US" sz="2000" dirty="0"/>
+          </a:p>
+          <a:p>
+            <a:endParaRPr lang="en-US" sz="2000" dirty="0"/>
           </a:p>
         </p:txBody>
       </p:sp>
+      <p:pic>
+        <p:nvPicPr>
+          <p:cNvPr id="4" name="Online Media 3" descr="Tips to becoming a world-class Prompt Engineer">
+            <a:hlinkClick r:id="" action="ppaction://media"/>
+            <a:extLst>
+              <a:ext uri="{FF2B5EF4-FFF2-40B4-BE49-F238E27FC236}">
+                <a16:creationId xmlns:a16="http://schemas.microsoft.com/office/drawing/2014/main" id="{CAF0225A-E2D0-2F75-E4A8-28E4CBC35B98}"/>
+              </a:ext>
+            </a:extLst>
+          </p:cNvPr>
+          <p:cNvPicPr>
+            <a:picLocks noRot="1" noChangeAspect="1"/>
+          </p:cNvPicPr>
+          <p:nvPr>
+            <a:videoFile r:link="rId1"/>
+          </p:nvPr>
+        </p:nvPicPr>
+        <p:blipFill>
+          <a:blip r:embed="rId4"/>
+          <a:stretch>
+            <a:fillRect/>
+          </a:stretch>
+        </p:blipFill>
+        <p:spPr>
+          <a:xfrm>
+            <a:off x="6096001" y="741391"/>
+            <a:ext cx="5319062" cy="5382683"/>
+          </a:xfrm>
+          <a:prstGeom prst="rect">
+            <a:avLst/>
+          </a:prstGeom>
+        </p:spPr>
+      </p:pic>
+      <p:grpSp>
+        <p:nvGrpSpPr>
+          <p:cNvPr id="9" name="Group 8">
+            <a:extLst>
+              <a:ext uri="{FF2B5EF4-FFF2-40B4-BE49-F238E27FC236}">
+                <a16:creationId xmlns:a16="http://schemas.microsoft.com/office/drawing/2014/main" id="{1FD67D68-9B83-C338-8342-3348D8F22347}"/>
+              </a:ext>
+              <a:ext uri="{C183D7F6-B498-43B3-948B-1728B52AA6E4}">
+                <adec:decorative xmlns:adec="http://schemas.microsoft.com/office/drawing/2017/decorative" val="1"/>
+              </a:ext>
+            </a:extLst>
+          </p:cNvPr>
+          <p:cNvGrpSpPr>
+            <a:grpSpLocks noGrp="1" noUngrp="1" noRot="1" noChangeAspect="1" noMove="1" noResize="1"/>
+          </p:cNvGrpSpPr>
+          <p:nvPr>
+            <p:extLst>
+              <p:ext uri="{386F3935-93C4-4BCD-93E2-E3B085C9AB24}">
+                <p16:designElem xmlns:p16="http://schemas.microsoft.com/office/powerpoint/2015/main" val="1"/>
+              </p:ext>
+            </p:extLst>
+          </p:nvPr>
+        </p:nvGrpSpPr>
+        <p:grpSpPr>
+          <a:xfrm>
+            <a:off x="-5025" y="6737718"/>
+            <a:ext cx="12207200" cy="123363"/>
+            <a:chOff x="-5025" y="6737718"/>
+            <a:chExt cx="12207200" cy="123363"/>
+          </a:xfrm>
+        </p:grpSpPr>
+        <p:sp>
+          <p:nvSpPr>
+            <p:cNvPr id="10" name="Rectangle 9">
+              <a:extLst>
+                <a:ext uri="{FF2B5EF4-FFF2-40B4-BE49-F238E27FC236}">
+                  <a16:creationId xmlns:a16="http://schemas.microsoft.com/office/drawing/2014/main" id="{1E397F34-6B84-0D3B-0F29-B1D134B3B885}"/>
+                </a:ext>
+                <a:ext uri="{C183D7F6-B498-43B3-948B-1728B52AA6E4}">
+                  <adec:decorative xmlns:adec="http://schemas.microsoft.com/office/drawing/2017/decorative" val="1"/>
+                </a:ext>
+              </a:extLst>
+            </p:cNvPr>
+            <p:cNvSpPr/>
+            <p:nvPr>
+              <p:extLst>
+                <p:ext uri="{386F3935-93C4-4BCD-93E2-E3B085C9AB24}">
+                  <p16:designElem xmlns:p16="http://schemas.microsoft.com/office/powerpoint/2015/main" val="1"/>
+                </p:ext>
+              </p:extLst>
+            </p:nvPr>
+          </p:nvSpPr>
+          <p:spPr>
+            <a:xfrm rot="5400000" flipH="1">
+              <a:off x="6036894" y="695800"/>
+              <a:ext cx="123362" cy="12207199"/>
+            </a:xfrm>
+            <a:prstGeom prst="rect">
+              <a:avLst/>
+            </a:prstGeom>
+            <a:gradFill>
+              <a:gsLst>
+                <a:gs pos="0">
+                  <a:schemeClr val="accent5"/>
+                </a:gs>
+                <a:gs pos="100000">
+                  <a:schemeClr val="accent2"/>
+                </a:gs>
+              </a:gsLst>
+              <a:lin ang="1800000" scaled="0"/>
+            </a:gradFill>
+            <a:ln>
+              <a:noFill/>
+            </a:ln>
+          </p:spPr>
+          <p:style>
+            <a:lnRef idx="2">
+              <a:schemeClr val="accent1">
+                <a:shade val="50000"/>
+              </a:schemeClr>
+            </a:lnRef>
+            <a:fillRef idx="1">
+              <a:schemeClr val="accent1"/>
+            </a:fillRef>
+            <a:effectRef idx="0">
+              <a:schemeClr val="accent1"/>
+            </a:effectRef>
+            <a:fontRef idx="minor">
+              <a:schemeClr val="lt1"/>
+            </a:fontRef>
+          </p:style>
+          <p:txBody>
+            <a:bodyPr rtlCol="0" anchor="ctr"/>
+            <a:lstStyle/>
+            <a:p>
+              <a:pPr algn="ctr"/>
+              <a:endParaRPr lang="en-US"/>
+            </a:p>
+          </p:txBody>
+        </p:sp>
+        <p:sp>
+          <p:nvSpPr>
+            <p:cNvPr id="11" name="Rectangle 10">
+              <a:extLst>
+                <a:ext uri="{FF2B5EF4-FFF2-40B4-BE49-F238E27FC236}">
+                  <a16:creationId xmlns:a16="http://schemas.microsoft.com/office/drawing/2014/main" id="{9BD98075-BFC1-BE9C-7FB7-23FE55E43393}"/>
+                </a:ext>
+                <a:ext uri="{C183D7F6-B498-43B3-948B-1728B52AA6E4}">
+                  <adec:decorative xmlns:adec="http://schemas.microsoft.com/office/drawing/2017/decorative" val="1"/>
+                </a:ext>
+              </a:extLst>
+            </p:cNvPr>
+            <p:cNvSpPr/>
+            <p:nvPr>
+              <p:extLst>
+                <p:ext uri="{386F3935-93C4-4BCD-93E2-E3B085C9AB24}">
+                  <p16:designElem xmlns:p16="http://schemas.microsoft.com/office/powerpoint/2015/main" val="1"/>
+                </p:ext>
+              </p:extLst>
+            </p:nvPr>
+          </p:nvSpPr>
+          <p:spPr>
+            <a:xfrm rot="16200000">
+              <a:off x="9176406" y="3835311"/>
+              <a:ext cx="123362" cy="5928176"/>
+            </a:xfrm>
+            <a:prstGeom prst="rect">
+              <a:avLst/>
+            </a:prstGeom>
+            <a:gradFill>
+              <a:gsLst>
+                <a:gs pos="19000">
+                  <a:schemeClr val="accent5">
+                    <a:alpha val="0"/>
+                  </a:schemeClr>
+                </a:gs>
+                <a:gs pos="100000">
+                  <a:schemeClr val="accent5">
+                    <a:lumMod val="60000"/>
+                    <a:lumOff val="40000"/>
+                  </a:schemeClr>
+                </a:gs>
+              </a:gsLst>
+              <a:lin ang="600000" scaled="0"/>
+            </a:gradFill>
+            <a:ln>
+              <a:noFill/>
+            </a:ln>
+          </p:spPr>
+          <p:style>
+            <a:lnRef idx="2">
+              <a:schemeClr val="accent1">
+                <a:shade val="50000"/>
+              </a:schemeClr>
+            </a:lnRef>
+            <a:fillRef idx="1">
+              <a:schemeClr val="accent1"/>
+            </a:fillRef>
+            <a:effectRef idx="0">
+              <a:schemeClr val="accent1"/>
+            </a:effectRef>
+            <a:fontRef idx="minor">
+              <a:schemeClr val="lt1"/>
+            </a:fontRef>
+          </p:style>
+          <p:txBody>
+            <a:bodyPr rtlCol="0" anchor="ctr"/>
+            <a:lstStyle/>
+            <a:p>
+              <a:pPr algn="ctr"/>
+              <a:endParaRPr lang="en-US"/>
+            </a:p>
+          </p:txBody>
+        </p:sp>
+      </p:grpSp>
     </p:spTree>
     <p:extLst>
       <p:ext uri="{BB962C8B-B14F-4D97-AF65-F5344CB8AC3E}">
-        <p14:creationId xmlns:p14="http://schemas.microsoft.com/office/powerpoint/2010/main" val="502339301"/>
+        <p14:creationId xmlns:p14="http://schemas.microsoft.com/office/powerpoint/2010/main" val="4169134690"/>
       </p:ext>
     </p:extLst>
   </p:cSld>
   <p:clrMapOvr>
     <a:masterClrMapping/>
   </p:clrMapOvr>
+  <p:timing>
+    <p:tnLst>
+      <p:par>
+        <p:cTn id="1" dur="indefinite" restart="never" nodeType="tmRoot">
+          <p:childTnLst>
+            <p:seq concurrent="1" nextAc="seek">
+              <p:cTn id="2" dur="indefinite" nodeType="mainSeq">
+                <p:childTnLst>
+                  <p:par>
+                    <p:cTn id="3" fill="hold">
+                      <p:stCondLst>
+                        <p:cond delay="indefinite"/>
+                      </p:stCondLst>
+                      <p:childTnLst>
+                        <p:par>
+                          <p:cTn id="4" fill="hold">
+                            <p:stCondLst>
+                              <p:cond delay="0"/>
+                            </p:stCondLst>
+                            <p:childTnLst>
+                              <p:par>
+                                <p:cTn id="5" presetID="1" presetClass="mediacall" presetSubtype="0" fill="hold" nodeType="clickEffect">
+                                  <p:stCondLst>
+                                    <p:cond delay="0"/>
+                                  </p:stCondLst>
+                                  <p:childTnLst>
+                                    <p:cmd type="call" cmd="playFrom(0.0)">
+                                      <p:cBhvr>
+                                        <p:cTn id="6" dur="1" fill="hold"/>
+                                        <p:tgtEl>
+                                          <p:spTgt spid="4"/>
+                                        </p:tgtEl>
+                                      </p:cBhvr>
+                                    </p:cmd>
+                                  </p:childTnLst>
+                                </p:cTn>
+                              </p:par>
+                            </p:childTnLst>
+                          </p:cTn>
+                        </p:par>
+                      </p:childTnLst>
+                    </p:cTn>
+                  </p:par>
+                </p:childTnLst>
+              </p:cTn>
+              <p:prevCondLst>
+                <p:cond evt="onPrev" delay="0">
+                  <p:tgtEl>
+                    <p:sldTgt/>
+                  </p:tgtEl>
+                </p:cond>
+              </p:prevCondLst>
+              <p:nextCondLst>
+                <p:cond evt="onNext" delay="0">
+                  <p:tgtEl>
+                    <p:sldTgt/>
+                  </p:tgtEl>
+                </p:cond>
+              </p:nextCondLst>
+            </p:seq>
+            <p:video>
+              <p:cMediaNode vol="80000">
+                <p:cTn id="7" fill="hold" display="0">
+                  <p:stCondLst>
+                    <p:cond delay="indefinite"/>
+                  </p:stCondLst>
+                </p:cTn>
+                <p:tgtEl>
+                  <p:spTgt spid="4"/>
+                </p:tgtEl>
+              </p:cMediaNode>
+            </p:video>
+            <p:seq concurrent="1" nextAc="seek">
+              <p:cTn id="8" restart="whenNotActive" fill="hold" evtFilter="cancelBubble" nodeType="interactiveSeq">
+                <p:stCondLst>
+                  <p:cond evt="onClick" delay="0">
+                    <p:tgtEl>
+                      <p:spTgt spid="4"/>
+                    </p:tgtEl>
+                  </p:cond>
+                </p:stCondLst>
+                <p:endSync evt="end" delay="0">
+                  <p:rtn val="all"/>
+                </p:endSync>
+                <p:childTnLst>
+                  <p:par>
+                    <p:cTn id="9" fill="hold">
+                      <p:stCondLst>
+                        <p:cond delay="0"/>
+                      </p:stCondLst>
+                      <p:childTnLst>
+                        <p:par>
+                          <p:cTn id="10" fill="hold">
+                            <p:stCondLst>
+                              <p:cond delay="0"/>
+                            </p:stCondLst>
+                            <p:childTnLst>
+                              <p:par>
+                                <p:cTn id="11" presetID="2" presetClass="mediacall" presetSubtype="0" fill="hold" nodeType="clickEffect">
+                                  <p:stCondLst>
+                                    <p:cond delay="0"/>
+                                  </p:stCondLst>
+                                  <p:childTnLst>
+                                    <p:cmd type="call" cmd="togglePause">
+                                      <p:cBhvr>
+                                        <p:cTn id="12" dur="1" fill="hold"/>
+                                        <p:tgtEl>
+                                          <p:spTgt spid="4"/>
+                                        </p:tgtEl>
+                                      </p:cBhvr>
+                                    </p:cmd>
+                                  </p:childTnLst>
+                                </p:cTn>
+                              </p:par>
+                            </p:childTnLst>
+                          </p:cTn>
+                        </p:par>
+                      </p:childTnLst>
+                    </p:cTn>
+                  </p:par>
+                </p:childTnLst>
+              </p:cTn>
+              <p:nextCondLst>
+                <p:cond evt="onClick" delay="0">
+                  <p:tgtEl>
+                    <p:spTgt spid="4"/>
+                  </p:tgtEl>
+                </p:cond>
+              </p:nextCondLst>
+            </p:seq>
+          </p:childTnLst>
+        </p:cTn>
+      </p:par>
+    </p:tnLst>
+  </p:timing>
 </p:sld>
 </file>
 
@@ -4415,8 +4799,8 @@
         </p:nvSpPr>
         <p:spPr>
           <a:xfrm>
-            <a:off x="306860" y="1253331"/>
-            <a:ext cx="10515600" cy="5233966"/>
+            <a:off x="306860" y="1253330"/>
+            <a:ext cx="10515600" cy="5604669"/>
           </a:xfrm>
         </p:spPr>
         <p:txBody>
@@ -4450,6 +4834,11 @@
               </a:rPr>
               <a:t> </a:t>
             </a:r>
+          </a:p>
+          <a:p>
+            <a:pPr marL="0" indent="0" algn="l">
+              <a:buNone/>
+            </a:pPr>
             <a:br>
               <a:rPr lang="en-US" sz="1600" b="0" i="0" dirty="0">
                 <a:solidFill>
@@ -4502,15 +4891,15 @@
               <a:buChar char="•"/>
             </a:pPr>
             <a:r>
-              <a:rPr lang="en-US" sz="1600" b="1" i="0" dirty="0">
-                <a:solidFill>
-                  <a:srgbClr val="0D0D0D"/>
-                </a:solidFill>
-                <a:effectLst/>
-                <a:latin typeface="Times New Roman" panose="02020603050405020304" pitchFamily="18" charset="0"/>
-                <a:cs typeface="Times New Roman" panose="02020603050405020304" pitchFamily="18" charset="0"/>
-              </a:rPr>
-              <a:t>Consistency and Efficiency:</a:t>
+              <a:rPr lang="en-US" sz="1600" i="0" dirty="0">
+                <a:solidFill>
+                  <a:srgbClr val="0D0D0D"/>
+                </a:solidFill>
+                <a:effectLst/>
+                <a:latin typeface="Times New Roman" panose="02020603050405020304" pitchFamily="18" charset="0"/>
+                <a:cs typeface="Times New Roman" panose="02020603050405020304" pitchFamily="18" charset="0"/>
+              </a:rPr>
+              <a:t>Consistency and Efficiency: </a:t>
             </a:r>
             <a:r>
               <a:rPr lang="en-US" sz="1600" b="0" i="0" dirty="0">
@@ -4521,7 +4910,7 @@
                 <a:latin typeface="Times New Roman" panose="02020603050405020304" pitchFamily="18" charset="0"/>
                 <a:cs typeface="Times New Roman" panose="02020603050405020304" pitchFamily="18" charset="0"/>
               </a:rPr>
-              <a:t> They provide a consistent structure for interacting with LLMs, making the process more efficient and predictable.</a:t>
+              <a:t>They provide a consistent structure for interacting with LLMs, making the process more efficient and predictable.</a:t>
             </a:r>
           </a:p>
           <a:p>
@@ -4530,6 +4919,57 @@
               <a:buChar char="•"/>
             </a:pPr>
             <a:r>
+              <a:rPr lang="en-US" sz="1600" i="0" dirty="0">
+                <a:solidFill>
+                  <a:srgbClr val="0D0D0D"/>
+                </a:solidFill>
+                <a:effectLst/>
+                <a:latin typeface="Times New Roman" panose="02020603050405020304" pitchFamily="18" charset="0"/>
+                <a:cs typeface="Times New Roman" panose="02020603050405020304" pitchFamily="18" charset="0"/>
+              </a:rPr>
+              <a:t>Improved Response Quality: </a:t>
+            </a:r>
+            <a:r>
+              <a:rPr lang="en-US" sz="1600" b="0" i="0" dirty="0">
+                <a:solidFill>
+                  <a:srgbClr val="0D0D0D"/>
+                </a:solidFill>
+                <a:effectLst/>
+                <a:latin typeface="Times New Roman" panose="02020603050405020304" pitchFamily="18" charset="0"/>
+                <a:cs typeface="Times New Roman" panose="02020603050405020304" pitchFamily="18" charset="0"/>
+              </a:rPr>
+              <a:t>Properly structured prompts lead to clearer, more relevant, and useful responses from the AI.</a:t>
+            </a:r>
+          </a:p>
+          <a:p>
+            <a:r>
+              <a:rPr lang="en-US" sz="1600" i="0" dirty="0">
+                <a:solidFill>
+                  <a:srgbClr val="0D0D0D"/>
+                </a:solidFill>
+                <a:effectLst/>
+                <a:latin typeface="Times New Roman" panose="02020603050405020304" pitchFamily="18" charset="0"/>
+                <a:cs typeface="Times New Roman" panose="02020603050405020304" pitchFamily="18" charset="0"/>
+              </a:rPr>
+              <a:t>Customization and Control: </a:t>
+            </a:r>
+            <a:r>
+              <a:rPr lang="en-US" sz="1600" b="0" i="0" dirty="0">
+                <a:solidFill>
+                  <a:srgbClr val="0D0D0D"/>
+                </a:solidFill>
+                <a:effectLst/>
+                <a:latin typeface="Times New Roman" panose="02020603050405020304" pitchFamily="18" charset="0"/>
+                <a:cs typeface="Times New Roman" panose="02020603050405020304" pitchFamily="18" charset="0"/>
+              </a:rPr>
+              <a:t>They allow for greater control over the AI's output, enabling the creation of tailored responses for specific needs or scenarios.</a:t>
+            </a:r>
+          </a:p>
+          <a:p>
+            <a:pPr marL="0" indent="0">
+              <a:buNone/>
+            </a:pPr>
+            <a:r>
               <a:rPr lang="en-US" sz="1600" b="1" i="0" dirty="0">
                 <a:solidFill>
                   <a:srgbClr val="0D0D0D"/>
@@ -4538,7 +4978,20 @@
                 <a:latin typeface="Times New Roman" panose="02020603050405020304" pitchFamily="18" charset="0"/>
                 <a:cs typeface="Times New Roman" panose="02020603050405020304" pitchFamily="18" charset="0"/>
               </a:rPr>
-              <a:t>Improved Response Quality:</a:t>
+              <a:t>How to Use Prompt Patterns</a:t>
+            </a:r>
+          </a:p>
+          <a:p>
+            <a:r>
+              <a:rPr lang="en-US" sz="1600" dirty="0">
+                <a:solidFill>
+                  <a:srgbClr val="0D0D0D"/>
+                </a:solidFill>
+                <a:effectLst/>
+                <a:latin typeface="Times New Roman" panose="02020603050405020304" pitchFamily="18" charset="0"/>
+                <a:cs typeface="Times New Roman" panose="02020603050405020304" pitchFamily="18" charset="0"/>
+              </a:rPr>
+              <a:t>Identify the Objective: </a:t>
             </a:r>
             <a:r>
               <a:rPr lang="en-US" sz="1600" b="0" i="0" dirty="0">
@@ -4549,20 +5002,20 @@
                 <a:latin typeface="Times New Roman" panose="02020603050405020304" pitchFamily="18" charset="0"/>
                 <a:cs typeface="Times New Roman" panose="02020603050405020304" pitchFamily="18" charset="0"/>
               </a:rPr>
-              <a:t> Properly structured prompts lead to clearer, more relevant, and useful responses from the AI.</a:t>
-            </a:r>
-          </a:p>
-          <a:p>
-            <a:r>
-              <a:rPr lang="en-US" sz="1600" b="1" i="0" dirty="0">
-                <a:solidFill>
-                  <a:srgbClr val="0D0D0D"/>
-                </a:solidFill>
-                <a:effectLst/>
-                <a:latin typeface="Times New Roman" panose="02020603050405020304" pitchFamily="18" charset="0"/>
-                <a:cs typeface="Times New Roman" panose="02020603050405020304" pitchFamily="18" charset="0"/>
-              </a:rPr>
-              <a:t>Customization and Control:</a:t>
+              <a:t>Start by defining what you want to achieve with the AI's response. This could range from generating creative content to extracting information or simulating a conversation.</a:t>
+            </a:r>
+          </a:p>
+          <a:p>
+            <a:r>
+              <a:rPr lang="en-US" sz="1600" dirty="0">
+                <a:solidFill>
+                  <a:srgbClr val="0D0D0D"/>
+                </a:solidFill>
+                <a:effectLst/>
+                <a:latin typeface="Times New Roman" panose="02020603050405020304" pitchFamily="18" charset="0"/>
+                <a:cs typeface="Times New Roman" panose="02020603050405020304" pitchFamily="18" charset="0"/>
+              </a:rPr>
+              <a:t>Choose an Appropriate Pattern: </a:t>
             </a:r>
             <a:r>
               <a:rPr lang="en-US" sz="1600" b="0" i="0" dirty="0">
@@ -4573,26 +5026,21 @@
                 <a:latin typeface="Times New Roman" panose="02020603050405020304" pitchFamily="18" charset="0"/>
                 <a:cs typeface="Times New Roman" panose="02020603050405020304" pitchFamily="18" charset="0"/>
               </a:rPr>
-              <a:t> They allow for greater control over the AI's output, enabling the creation of tailored responses for specific needs or scenarios.</a:t>
-            </a:r>
-          </a:p>
-          <a:p>
-            <a:pPr marL="0" indent="0">
-              <a:buNone/>
-            </a:pPr>
-            <a:r>
-              <a:rPr lang="en-US" sz="1600" b="1" i="0" dirty="0">
-                <a:solidFill>
-                  <a:srgbClr val="0D0D0D"/>
-                </a:solidFill>
-                <a:effectLst/>
-                <a:latin typeface="Times New Roman" panose="02020603050405020304" pitchFamily="18" charset="0"/>
-                <a:cs typeface="Times New Roman" panose="02020603050405020304" pitchFamily="18" charset="0"/>
-              </a:rPr>
-              <a:t>How to Use Prompt Patterns</a:t>
-            </a:r>
-          </a:p>
-          <a:p>
+              <a:t>Select a prompt pattern that aligns with your objective. Different patterns are suited for different types of tasks.</a:t>
+            </a:r>
+          </a:p>
+          <a:p>
+            <a:r>
+              <a:rPr lang="en-US" sz="1600" dirty="0">
+                <a:solidFill>
+                  <a:srgbClr val="0D0D0D"/>
+                </a:solidFill>
+                <a:effectLst/>
+                <a:latin typeface="Times New Roman" panose="02020603050405020304" pitchFamily="18" charset="0"/>
+                <a:cs typeface="Times New Roman" panose="02020603050405020304" pitchFamily="18" charset="0"/>
+              </a:rPr>
+              <a:t>Customize the Prompt</a:t>
+            </a:r>
             <a:r>
               <a:rPr lang="en-US" sz="1600" i="1" dirty="0">
                 <a:solidFill>
@@ -4602,7 +5050,7 @@
                 <a:latin typeface="Times New Roman" panose="02020603050405020304" pitchFamily="18" charset="0"/>
                 <a:cs typeface="Times New Roman" panose="02020603050405020304" pitchFamily="18" charset="0"/>
               </a:rPr>
-              <a:t>Identify the Objective: </a:t>
+              <a:t>: </a:t>
             </a:r>
             <a:r>
               <a:rPr lang="en-US" sz="1600" b="0" i="0" dirty="0">
@@ -4613,10 +5061,21 @@
                 <a:latin typeface="Times New Roman" panose="02020603050405020304" pitchFamily="18" charset="0"/>
                 <a:cs typeface="Times New Roman" panose="02020603050405020304" pitchFamily="18" charset="0"/>
               </a:rPr>
-              <a:t>Start by defining what you want to achieve with the AI's response. This could range from generating creative content to extracting information or simulating a conversation.</a:t>
-            </a:r>
-          </a:p>
-          <a:p>
+              <a:t>Modify the pattern to fit your specific context and requirements. This might involve setting the tone, specifying the format of the response, or providing background information.</a:t>
+            </a:r>
+          </a:p>
+          <a:p>
+            <a:r>
+              <a:rPr lang="en-US" sz="1600" dirty="0">
+                <a:solidFill>
+                  <a:srgbClr val="0D0D0D"/>
+                </a:solidFill>
+                <a:effectLst/>
+                <a:latin typeface="Times New Roman" panose="02020603050405020304" pitchFamily="18" charset="0"/>
+                <a:cs typeface="Times New Roman" panose="02020603050405020304" pitchFamily="18" charset="0"/>
+              </a:rPr>
+              <a:t>Iterate and Refine</a:t>
+            </a:r>
             <a:r>
               <a:rPr lang="en-US" sz="1600" i="1" dirty="0">
                 <a:solidFill>
@@ -4626,55 +5085,7 @@
                 <a:latin typeface="Times New Roman" panose="02020603050405020304" pitchFamily="18" charset="0"/>
                 <a:cs typeface="Times New Roman" panose="02020603050405020304" pitchFamily="18" charset="0"/>
               </a:rPr>
-              <a:t>Choose an Appropriate Pattern: </a:t>
-            </a:r>
-            <a:r>
-              <a:rPr lang="en-US" sz="1600" b="0" i="0" dirty="0">
-                <a:solidFill>
-                  <a:srgbClr val="0D0D0D"/>
-                </a:solidFill>
-                <a:effectLst/>
-                <a:latin typeface="Times New Roman" panose="02020603050405020304" pitchFamily="18" charset="0"/>
-                <a:cs typeface="Times New Roman" panose="02020603050405020304" pitchFamily="18" charset="0"/>
-              </a:rPr>
-              <a:t>Select a prompt pattern that aligns with your objective. Different patterns are suited for different types of tasks.</a:t>
-            </a:r>
-          </a:p>
-          <a:p>
-            <a:r>
-              <a:rPr lang="en-US" sz="1600" i="1" dirty="0">
-                <a:solidFill>
-                  <a:srgbClr val="0D0D0D"/>
-                </a:solidFill>
-                <a:effectLst/>
-                <a:latin typeface="Times New Roman" panose="02020603050405020304" pitchFamily="18" charset="0"/>
-                <a:cs typeface="Times New Roman" panose="02020603050405020304" pitchFamily="18" charset="0"/>
-              </a:rPr>
-              <a:t>Customize the Prompt: </a:t>
-            </a:r>
-            <a:r>
-              <a:rPr lang="en-US" sz="1600" b="0" i="0" dirty="0">
-                <a:solidFill>
-                  <a:srgbClr val="0D0D0D"/>
-                </a:solidFill>
-                <a:effectLst/>
-                <a:latin typeface="Times New Roman" panose="02020603050405020304" pitchFamily="18" charset="0"/>
-                <a:cs typeface="Times New Roman" panose="02020603050405020304" pitchFamily="18" charset="0"/>
-              </a:rPr>
-              <a:t>Modify the pattern to fit your specific context and requirements. This might involve setting the tone, specifying the format of the response, or providing background information.</a:t>
-            </a:r>
-          </a:p>
-          <a:p>
-            <a:r>
-              <a:rPr lang="en-US" sz="1600" i="1" dirty="0">
-                <a:solidFill>
-                  <a:srgbClr val="0D0D0D"/>
-                </a:solidFill>
-                <a:effectLst/>
-                <a:latin typeface="Times New Roman" panose="02020603050405020304" pitchFamily="18" charset="0"/>
-                <a:cs typeface="Times New Roman" panose="02020603050405020304" pitchFamily="18" charset="0"/>
-              </a:rPr>
-              <a:t>Iterate and Refine: </a:t>
+              <a:t>: </a:t>
             </a:r>
             <a:r>
               <a:rPr lang="en-US" sz="1600" b="0" i="0" dirty="0">
@@ -4826,7 +5237,7 @@
               <a:buNone/>
             </a:pPr>
             <a:r>
-              <a:rPr lang="en-US" sz="1400" b="1" i="0" dirty="0">
+              <a:rPr lang="en-US" sz="1600" b="1" i="0" dirty="0">
                 <a:solidFill>
                   <a:srgbClr val="0D0D0D"/>
                 </a:solidFill>
@@ -4837,7 +5248,7 @@
               <a:t>Definition:</a:t>
             </a:r>
             <a:r>
-              <a:rPr lang="en-US" sz="1400" b="0" i="0" dirty="0">
+              <a:rPr lang="en-US" sz="1600" b="0" i="0" dirty="0">
                 <a:solidFill>
                   <a:srgbClr val="0D0D0D"/>
                 </a:solidFill>
@@ -4847,7 +5258,7 @@
               </a:rPr>
               <a:t> </a:t>
             </a:r>
-            <a:endParaRPr lang="en-US" sz="1400" dirty="0">
+            <a:endParaRPr lang="en-US" sz="1600" dirty="0">
               <a:solidFill>
                 <a:srgbClr val="0D0D0D"/>
               </a:solidFill>
@@ -4860,7 +5271,7 @@
               <a:buNone/>
             </a:pPr>
             <a:r>
-              <a:rPr lang="en-US" sz="1400" b="0" i="0" dirty="0">
+              <a:rPr lang="en-US" sz="1600" b="0" i="0" dirty="0">
                 <a:solidFill>
                   <a:srgbClr val="0D0D0D"/>
                 </a:solidFill>
@@ -4871,7 +5282,7 @@
               <a:t>"The Persona Pattern involves crafting prompts that instruct the AI to adopt a specific character or persona. This can range from historical figures to fictional characters, or even specific professional roles. It's used to generate responses that are not just informative but also imbued with the unique characteristics, tone, and style of the chosen persona</a:t>
             </a:r>
             <a:br>
-              <a:rPr lang="en-US" sz="1400" b="0" i="0" dirty="0">
+              <a:rPr lang="en-US" sz="1600" b="0" i="0" dirty="0">
                 <a:solidFill>
                   <a:srgbClr val="0D0D0D"/>
                 </a:solidFill>
@@ -4881,7 +5292,7 @@
               </a:rPr>
             </a:br>
             <a:r>
-              <a:rPr lang="en-US" sz="1400" b="1" i="0" dirty="0">
+              <a:rPr lang="en-US" sz="1600" b="1" i="0" dirty="0">
                 <a:solidFill>
                   <a:srgbClr val="0D0D0D"/>
                 </a:solidFill>
@@ -4897,7 +5308,7 @@
               <a:buNone/>
             </a:pPr>
             <a:r>
-              <a:rPr lang="en-US" sz="1400" b="0" i="0" dirty="0">
+              <a:rPr lang="en-US" sz="1600" b="0" i="0" dirty="0">
                 <a:solidFill>
                   <a:srgbClr val="0D0D0D"/>
                 </a:solidFill>
@@ -4913,7 +5324,7 @@
               <a:buNone/>
             </a:pPr>
             <a:r>
-              <a:rPr lang="en-US" sz="1400" b="0" i="0" dirty="0">
+              <a:rPr lang="en-US" sz="1600" b="0" i="0" dirty="0">
                 <a:solidFill>
                   <a:srgbClr val="0D0D0D"/>
                 </a:solidFill>
@@ -4929,7 +5340,7 @@
               <a:buNone/>
             </a:pPr>
             <a:r>
-              <a:rPr lang="en-US" sz="1400" b="0" i="0" dirty="0">
+              <a:rPr lang="en-US" sz="1600" b="0" i="0" dirty="0">
                 <a:solidFill>
                   <a:srgbClr val="0D0D0D"/>
                 </a:solidFill>
@@ -4945,7 +5356,7 @@
               <a:buNone/>
             </a:pPr>
             <a:r>
-              <a:rPr lang="en-US" sz="1400" b="0" i="0" dirty="0">
+              <a:rPr lang="en-US" sz="1600" b="0" i="0" dirty="0">
                 <a:solidFill>
                   <a:srgbClr val="0D0D0D"/>
                 </a:solidFill>
@@ -4961,7 +5372,7 @@
               <a:buNone/>
             </a:pPr>
             <a:r>
-              <a:rPr lang="en-US" sz="1400" b="1" dirty="0">
+              <a:rPr lang="en-US" sz="1600" b="1" dirty="0">
                 <a:latin typeface="Times New Roman" panose="02020603050405020304" pitchFamily="18" charset="0"/>
                 <a:cs typeface="Times New Roman" panose="02020603050405020304" pitchFamily="18" charset="0"/>
               </a:rPr>
@@ -4973,21 +5384,21 @@
               <a:buNone/>
             </a:pPr>
             <a:r>
-              <a:rPr lang="en-US" sz="1400" i="1" dirty="0">
+              <a:rPr lang="en-US" sz="1600" i="1" dirty="0">
                 <a:latin typeface="Times New Roman" panose="02020603050405020304" pitchFamily="18" charset="0"/>
                 <a:cs typeface="Times New Roman" panose="02020603050405020304" pitchFamily="18" charset="0"/>
               </a:rPr>
               <a:t>Historical</a:t>
             </a:r>
             <a:r>
-              <a:rPr lang="en-US" sz="1400" dirty="0">
+              <a:rPr lang="en-US" sz="1600" dirty="0">
                 <a:latin typeface="Times New Roman" panose="02020603050405020304" pitchFamily="18" charset="0"/>
                 <a:cs typeface="Times New Roman" panose="02020603050405020304" pitchFamily="18" charset="0"/>
               </a:rPr>
               <a:t>: "</a:t>
             </a:r>
             <a:r>
-              <a:rPr lang="en" sz="1400" dirty="0">
+              <a:rPr lang="en" sz="1600" dirty="0">
                 <a:solidFill>
                   <a:srgbClr val="1F1F1F"/>
                 </a:solidFill>
@@ -5000,7 +5411,7 @@
               <a:t> Act as </a:t>
             </a:r>
             <a:r>
-              <a:rPr lang="en-US" sz="1400" dirty="0">
+              <a:rPr lang="en-US" sz="1600" dirty="0">
                 <a:latin typeface="Times New Roman" panose="02020603050405020304" pitchFamily="18" charset="0"/>
                 <a:cs typeface="Times New Roman" panose="02020603050405020304" pitchFamily="18" charset="0"/>
               </a:rPr>
@@ -5012,14 +5423,14 @@
               <a:buNone/>
             </a:pPr>
             <a:r>
-              <a:rPr lang="en-US" sz="1400" i="1" dirty="0">
+              <a:rPr lang="en-US" sz="1600" i="1" dirty="0">
                 <a:latin typeface="Times New Roman" panose="02020603050405020304" pitchFamily="18" charset="0"/>
                 <a:cs typeface="Times New Roman" panose="02020603050405020304" pitchFamily="18" charset="0"/>
               </a:rPr>
               <a:t>Fictional: </a:t>
             </a:r>
             <a:r>
-              <a:rPr lang="en-US" sz="1400" dirty="0">
+              <a:rPr lang="en-US" sz="1600" dirty="0">
                 <a:latin typeface="Times New Roman" panose="02020603050405020304" pitchFamily="18" charset="0"/>
                 <a:cs typeface="Times New Roman" panose="02020603050405020304" pitchFamily="18" charset="0"/>
               </a:rPr>
@@ -5031,14 +5442,14 @@
               <a:buNone/>
             </a:pPr>
             <a:r>
-              <a:rPr lang="en-US" sz="1400" i="1" dirty="0">
+              <a:rPr lang="en-US" sz="1600" i="1" dirty="0">
                 <a:latin typeface="Times New Roman" panose="02020603050405020304" pitchFamily="18" charset="0"/>
                 <a:cs typeface="Times New Roman" panose="02020603050405020304" pitchFamily="18" charset="0"/>
               </a:rPr>
               <a:t>Professional: </a:t>
             </a:r>
             <a:r>
-              <a:rPr lang="en-US" sz="1400" dirty="0">
+              <a:rPr lang="en-US" sz="1600" dirty="0">
                 <a:latin typeface="Times New Roman" panose="02020603050405020304" pitchFamily="18" charset="0"/>
                 <a:cs typeface="Times New Roman" panose="02020603050405020304" pitchFamily="18" charset="0"/>
               </a:rPr>
@@ -5050,7 +5461,7 @@
               <a:buNone/>
             </a:pPr>
             <a:r>
-              <a:rPr lang="en-US" sz="1400" b="1" dirty="0">
+              <a:rPr lang="en-US" sz="1600" b="1" dirty="0">
                 <a:latin typeface="Times New Roman" panose="02020603050405020304" pitchFamily="18" charset="0"/>
                 <a:cs typeface="Times New Roman" panose="02020603050405020304" pitchFamily="18" charset="0"/>
               </a:rPr>
@@ -5062,14 +5473,14 @@
               <a:buNone/>
             </a:pPr>
             <a:r>
-              <a:rPr lang="en-US" sz="1400" i="1" dirty="0">
+              <a:rPr lang="en-US" sz="1600" i="1" dirty="0">
                 <a:latin typeface="Times New Roman" panose="02020603050405020304" pitchFamily="18" charset="0"/>
                 <a:cs typeface="Times New Roman" panose="02020603050405020304" pitchFamily="18" charset="0"/>
               </a:rPr>
               <a:t>Education: </a:t>
             </a:r>
             <a:r>
-              <a:rPr lang="en-US" sz="1400" dirty="0">
+              <a:rPr lang="en-US" sz="1600" dirty="0">
                 <a:latin typeface="Times New Roman" panose="02020603050405020304" pitchFamily="18" charset="0"/>
                 <a:cs typeface="Times New Roman" panose="02020603050405020304" pitchFamily="18" charset="0"/>
               </a:rPr>
@@ -5081,14 +5492,14 @@
               <a:buNone/>
             </a:pPr>
             <a:r>
-              <a:rPr lang="en-US" sz="1400" i="1" dirty="0">
+              <a:rPr lang="en-US" sz="1600" i="1" dirty="0">
                 <a:latin typeface="Times New Roman" panose="02020603050405020304" pitchFamily="18" charset="0"/>
                 <a:cs typeface="Times New Roman" panose="02020603050405020304" pitchFamily="18" charset="0"/>
               </a:rPr>
               <a:t>Creative Writing: </a:t>
             </a:r>
             <a:r>
-              <a:rPr lang="en-US" sz="1400" dirty="0">
+              <a:rPr lang="en-US" sz="1600" dirty="0">
                 <a:latin typeface="Times New Roman" panose="02020603050405020304" pitchFamily="18" charset="0"/>
                 <a:cs typeface="Times New Roman" panose="02020603050405020304" pitchFamily="18" charset="0"/>
               </a:rPr>
@@ -5100,14 +5511,14 @@
               <a:buNone/>
             </a:pPr>
             <a:r>
-              <a:rPr lang="en-US" sz="1400" i="1" dirty="0">
+              <a:rPr lang="en-US" sz="1600" i="1" dirty="0">
                 <a:latin typeface="Times New Roman" panose="02020603050405020304" pitchFamily="18" charset="0"/>
                 <a:cs typeface="Times New Roman" panose="02020603050405020304" pitchFamily="18" charset="0"/>
               </a:rPr>
               <a:t>Customer Service: </a:t>
             </a:r>
             <a:r>
-              <a:rPr lang="en-US" sz="1400" dirty="0">
+              <a:rPr lang="en-US" sz="1600" dirty="0">
                 <a:latin typeface="Times New Roman" panose="02020603050405020304" pitchFamily="18" charset="0"/>
                 <a:cs typeface="Times New Roman" panose="02020603050405020304" pitchFamily="18" charset="0"/>
               </a:rPr>
@@ -5118,7 +5529,7 @@
             <a:pPr marL="0" indent="0">
               <a:buNone/>
             </a:pPr>
-            <a:endParaRPr lang="en-US" sz="1400" dirty="0">
+            <a:endParaRPr lang="en-US" sz="1600" dirty="0">
               <a:latin typeface="Times New Roman" panose="02020603050405020304" pitchFamily="18" charset="0"/>
               <a:cs typeface="Times New Roman" panose="02020603050405020304" pitchFamily="18" charset="0"/>
             </a:endParaRPr>
@@ -5219,13 +5630,13 @@
         </p:nvSpPr>
         <p:spPr>
           <a:xfrm>
-            <a:off x="467497" y="1253331"/>
-            <a:ext cx="10515600" cy="5221610"/>
+            <a:off x="467497" y="904414"/>
+            <a:ext cx="11636272" cy="5953585"/>
           </a:xfrm>
         </p:spPr>
         <p:txBody>
           <a:bodyPr>
-            <a:normAutofit fontScale="92500" lnSpcReduction="20000"/>
+            <a:noAutofit/>
           </a:bodyPr>
           <a:lstStyle/>
           <a:p>
@@ -5255,19 +5666,53 @@
               </a:rPr>
               <a:t>"Reading a Prompt Pattern" involves analyzing prompt structures to guide large language models (LLMs) effectively, identifying key instructions that shape AI responses to meet specific goals. This skill enhances precision in AI interactions, enabling tailored, relevant outcomes.</a:t>
             </a:r>
+          </a:p>
+          <a:p>
+            <a:pPr marL="0" indent="0">
+              <a:buNone/>
+            </a:pPr>
+            <a:r>
+              <a:rPr lang="en-US" sz="1600" b="1" dirty="0">
+                <a:latin typeface="Times New Roman" panose="02020603050405020304" pitchFamily="18" charset="0"/>
+                <a:cs typeface="Times New Roman" panose="02020603050405020304" pitchFamily="18" charset="0"/>
+              </a:rPr>
+              <a:t>Example</a:t>
+            </a:r>
+            <a:r>
+              <a:rPr lang="en-US" sz="1600" dirty="0">
+                <a:latin typeface="Times New Roman" panose="02020603050405020304" pitchFamily="18" charset="0"/>
+                <a:cs typeface="Times New Roman" panose="02020603050405020304" pitchFamily="18" charset="0"/>
+              </a:rPr>
+              <a:t>: "Helpful Assistant" Pattern Overview:</a:t>
+            </a:r>
             <a:br>
               <a:rPr lang="en-US" sz="1600" dirty="0">
                 <a:latin typeface="Times New Roman" panose="02020603050405020304" pitchFamily="18" charset="0"/>
                 <a:cs typeface="Times New Roman" panose="02020603050405020304" pitchFamily="18" charset="0"/>
               </a:rPr>
             </a:br>
-            <a:endParaRPr lang="en-US" sz="1600" dirty="0">
-              <a:latin typeface="Times New Roman" panose="02020603050405020304" pitchFamily="18" charset="0"/>
-              <a:cs typeface="Times New Roman" panose="02020603050405020304" pitchFamily="18" charset="0"/>
-            </a:endParaRPr>
-          </a:p>
-          <a:p>
-            <a:pPr marL="0" indent="0">
+            <a:r>
+              <a:rPr lang="en-US" sz="1600" dirty="0">
+                <a:latin typeface="Times New Roman" panose="02020603050405020304" pitchFamily="18" charset="0"/>
+                <a:cs typeface="Times New Roman" panose="02020603050405020304" pitchFamily="18" charset="0"/>
+              </a:rPr>
+              <a:t>This pattern is designed to cultivate positive and supportive AI interactions, preventing negative or inappropriate responses. It emphasizes the AI's role as a helpful assistant committed to constructive communication.</a:t>
+            </a:r>
+          </a:p>
+          <a:p>
+            <a:pPr marL="0" indent="0" algn="l">
+              <a:buNone/>
+            </a:pPr>
+            <a:r>
+              <a:rPr lang="en-US" sz="1600" i="1" dirty="0">
+                <a:latin typeface="Times New Roman" panose="02020603050405020304" pitchFamily="18" charset="0"/>
+                <a:cs typeface="Times New Roman" panose="02020603050405020304" pitchFamily="18" charset="0"/>
+              </a:rPr>
+              <a:t>Core Statements of the "Helpful Assistant" Pattern:</a:t>
+            </a:r>
+          </a:p>
+          <a:p>
+            <a:pPr marL="0" indent="0" algn="l">
               <a:buNone/>
             </a:pPr>
             <a:r>
@@ -5275,111 +5720,53 @@
                 <a:latin typeface="Times New Roman" panose="02020603050405020304" pitchFamily="18" charset="0"/>
                 <a:cs typeface="Times New Roman" panose="02020603050405020304" pitchFamily="18" charset="0"/>
               </a:rPr>
-              <a:t>Example</a:t>
+              <a:t>Role: </a:t>
             </a:r>
             <a:r>
               <a:rPr lang="en-US" sz="1600" dirty="0">
                 <a:latin typeface="Times New Roman" panose="02020603050405020304" pitchFamily="18" charset="0"/>
                 <a:cs typeface="Times New Roman" panose="02020603050405020304" pitchFamily="18" charset="0"/>
               </a:rPr>
-              <a:t>: "Helpful Assistant" Pattern Overview:</a:t>
-            </a:r>
-          </a:p>
-          <a:p>
-            <a:pPr marL="0" indent="0">
-              <a:buNone/>
-            </a:pPr>
-            <a:br>
+              <a:t>"You are a helpful AI assistant, committed to providing support."</a:t>
+            </a:r>
+          </a:p>
+          <a:p>
+            <a:pPr marL="0" indent="0" algn="l">
+              <a:buNone/>
+            </a:pPr>
+            <a:r>
+              <a:rPr lang="en-US" sz="1600" b="1" dirty="0">
+                <a:latin typeface="Times New Roman" panose="02020603050405020304" pitchFamily="18" charset="0"/>
+                <a:cs typeface="Times New Roman" panose="02020603050405020304" pitchFamily="18" charset="0"/>
+              </a:rPr>
+              <a:t>Responsiveness: </a:t>
+            </a:r>
+            <a:r>
               <a:rPr lang="en-US" sz="1600" dirty="0">
                 <a:latin typeface="Times New Roman" panose="02020603050405020304" pitchFamily="18" charset="0"/>
                 <a:cs typeface="Times New Roman" panose="02020603050405020304" pitchFamily="18" charset="0"/>
               </a:rPr>
-            </a:br>
+              <a:t>"You strive to answer questions and follow instructions to the best of your ability."</a:t>
+            </a:r>
+          </a:p>
+          <a:p>
+            <a:pPr marL="0" indent="0" algn="l">
+              <a:buNone/>
+            </a:pPr>
+            <a:r>
+              <a:rPr lang="en-US" sz="1600" b="1" dirty="0">
+                <a:latin typeface="Times New Roman" panose="02020603050405020304" pitchFamily="18" charset="0"/>
+                <a:cs typeface="Times New Roman" panose="02020603050405020304" pitchFamily="18" charset="0"/>
+              </a:rPr>
+              <a:t>Conduct: </a:t>
+            </a:r>
             <a:r>
               <a:rPr lang="en-US" sz="1600" dirty="0">
                 <a:latin typeface="Times New Roman" panose="02020603050405020304" pitchFamily="18" charset="0"/>
                 <a:cs typeface="Times New Roman" panose="02020603050405020304" pitchFamily="18" charset="0"/>
               </a:rPr>
-              <a:t>This pattern is designed to cultivate positive and supportive AI interactions, preventing negative or inappropriate responses. It emphasizes the AI's role as a helpful assistant committed to constructive communication.</a:t>
-            </a:r>
-          </a:p>
-          <a:p>
-            <a:pPr marL="0" indent="0" algn="l">
-              <a:buNone/>
-            </a:pPr>
-            <a:r>
-              <a:rPr lang="en-US" sz="1600" i="1" dirty="0">
-                <a:latin typeface="Times New Roman" panose="02020603050405020304" pitchFamily="18" charset="0"/>
-                <a:cs typeface="Times New Roman" panose="02020603050405020304" pitchFamily="18" charset="0"/>
-              </a:rPr>
-              <a:t>Core Statements of the "Helpful Assistant" Pattern:</a:t>
-            </a:r>
-          </a:p>
-          <a:p>
-            <a:pPr marL="0" indent="0" algn="l">
-              <a:buNone/>
-            </a:pPr>
-            <a:r>
-              <a:rPr lang="en-US" sz="1600" b="1" dirty="0">
-                <a:latin typeface="Times New Roman" panose="02020603050405020304" pitchFamily="18" charset="0"/>
-                <a:cs typeface="Times New Roman" panose="02020603050405020304" pitchFamily="18" charset="0"/>
-              </a:rPr>
-              <a:t>Role: </a:t>
-            </a:r>
-            <a:r>
-              <a:rPr lang="en-US" sz="1600" dirty="0">
-                <a:latin typeface="Times New Roman" panose="02020603050405020304" pitchFamily="18" charset="0"/>
-                <a:cs typeface="Times New Roman" panose="02020603050405020304" pitchFamily="18" charset="0"/>
-              </a:rPr>
-              <a:t>"You are a helpful AI assistant, committed to providing support."</a:t>
-            </a:r>
-          </a:p>
-          <a:p>
-            <a:pPr marL="0" indent="0" algn="l">
-              <a:buNone/>
-            </a:pPr>
-            <a:r>
-              <a:rPr lang="en-US" sz="1600" b="1" dirty="0">
-                <a:latin typeface="Times New Roman" panose="02020603050405020304" pitchFamily="18" charset="0"/>
-                <a:cs typeface="Times New Roman" panose="02020603050405020304" pitchFamily="18" charset="0"/>
-              </a:rPr>
-              <a:t>Responsiveness: </a:t>
-            </a:r>
-            <a:r>
-              <a:rPr lang="en-US" sz="1600" dirty="0">
-                <a:latin typeface="Times New Roman" panose="02020603050405020304" pitchFamily="18" charset="0"/>
-                <a:cs typeface="Times New Roman" panose="02020603050405020304" pitchFamily="18" charset="0"/>
-              </a:rPr>
-              <a:t>"You strive to answer questions and follow instructions to the best of your ability."</a:t>
-            </a:r>
-          </a:p>
-          <a:p>
-            <a:pPr marL="0" indent="0" algn="l">
-              <a:buNone/>
-            </a:pPr>
-            <a:r>
-              <a:rPr lang="en-US" sz="1600" b="1" dirty="0">
-                <a:latin typeface="Times New Roman" panose="02020603050405020304" pitchFamily="18" charset="0"/>
-                <a:cs typeface="Times New Roman" panose="02020603050405020304" pitchFamily="18" charset="0"/>
-              </a:rPr>
-              <a:t>Conduct: </a:t>
-            </a:r>
-            <a:r>
-              <a:rPr lang="en-US" sz="1600" dirty="0">
-                <a:latin typeface="Times New Roman" panose="02020603050405020304" pitchFamily="18" charset="0"/>
-                <a:cs typeface="Times New Roman" panose="02020603050405020304" pitchFamily="18" charset="0"/>
-              </a:rPr>
               <a:t>"You maintain a respectful tone, avoiding any form of insult, derogation, or hostility.”</a:t>
             </a:r>
-          </a:p>
-          <a:p>
-            <a:pPr marL="0" indent="0" algn="l">
-              <a:buNone/>
-            </a:pPr>
-            <a:endParaRPr lang="en-US" sz="1600" dirty="0">
-              <a:latin typeface="Times New Roman" panose="02020603050405020304" pitchFamily="18" charset="0"/>
-              <a:cs typeface="Times New Roman" panose="02020603050405020304" pitchFamily="18" charset="0"/>
-            </a:endParaRPr>
           </a:p>
           <a:p>
             <a:pPr marL="0" indent="0" algn="l">
@@ -5902,13 +6289,13 @@
         </p:nvSpPr>
         <p:spPr>
           <a:xfrm>
-            <a:off x="331573" y="1504350"/>
-            <a:ext cx="10515600" cy="4351338"/>
+            <a:off x="331572" y="1504350"/>
+            <a:ext cx="11626879" cy="5076924"/>
           </a:xfrm>
         </p:spPr>
         <p:txBody>
           <a:bodyPr>
-            <a:normAutofit fontScale="55000" lnSpcReduction="20000"/>
+            <a:normAutofit/>
           </a:bodyPr>
           <a:lstStyle/>
           <a:p>
@@ -5916,7 +6303,7 @@
               <a:buNone/>
             </a:pPr>
             <a:r>
-              <a:rPr lang="en-US" sz="2800" b="1" i="0" dirty="0">
+              <a:rPr lang="en-US" sz="1600" b="1" i="0" dirty="0">
                 <a:solidFill>
                   <a:srgbClr val="0D0D0D"/>
                 </a:solidFill>
@@ -5932,7 +6319,7 @@
               <a:buNone/>
             </a:pPr>
             <a:r>
-              <a:rPr lang="en-US" sz="2800" b="0" i="0" dirty="0">
+              <a:rPr lang="en-US" sz="1600" b="0" i="0" dirty="0">
                 <a:solidFill>
                   <a:srgbClr val="0D0D0D"/>
                 </a:solidFill>
@@ -5948,7 +6335,7 @@
               <a:buNone/>
             </a:pPr>
             <a:r>
-              <a:rPr lang="en-US" sz="2800" b="1" i="0" dirty="0">
+              <a:rPr lang="en-US" sz="1600" b="1" i="0" dirty="0">
                 <a:solidFill>
                   <a:srgbClr val="0D0D0D"/>
                 </a:solidFill>
@@ -5959,7 +6346,7 @@
               <a:t>Benefits of Chain of Thought Prompting:</a:t>
             </a:r>
             <a:br>
-              <a:rPr lang="en-US" sz="2800" dirty="0">
+              <a:rPr lang="en-US" sz="1600" dirty="0">
                 <a:solidFill>
                   <a:srgbClr val="0D0D0D"/>
                 </a:solidFill>
@@ -5968,7 +6355,7 @@
               </a:rPr>
             </a:br>
             <a:r>
-              <a:rPr lang="en-US" sz="2800" i="1" dirty="0">
+              <a:rPr lang="en-US" sz="1600" i="1" dirty="0">
                 <a:solidFill>
                   <a:srgbClr val="0D0D0D"/>
                 </a:solidFill>
@@ -5979,7 +6366,7 @@
               <a:t>Enhanced Clarity:</a:t>
             </a:r>
             <a:r>
-              <a:rPr lang="en-US" sz="2800" b="0" i="0" dirty="0">
+              <a:rPr lang="en-US" sz="1600" b="0" i="0" dirty="0">
                 <a:solidFill>
                   <a:srgbClr val="0D0D0D"/>
                 </a:solidFill>
@@ -5990,7 +6377,7 @@
               <a:t> Responses include intermediate steps or reasoning, which can clarify complex answers.</a:t>
             </a:r>
             <a:br>
-              <a:rPr lang="en-US" sz="2800" b="0" i="0" dirty="0">
+              <a:rPr lang="en-US" sz="1600" b="0" i="0" dirty="0">
                 <a:solidFill>
                   <a:srgbClr val="0D0D0D"/>
                 </a:solidFill>
@@ -6000,7 +6387,7 @@
               </a:rPr>
             </a:br>
             <a:r>
-              <a:rPr lang="en-US" sz="2800" i="1" dirty="0">
+              <a:rPr lang="en-US" sz="1600" i="1" dirty="0">
                 <a:solidFill>
                   <a:srgbClr val="0D0D0D"/>
                 </a:solidFill>
@@ -6010,7 +6397,7 @@
               <a:t>Educational Value</a:t>
             </a:r>
             <a:r>
-              <a:rPr lang="en-US" sz="2800" b="1" i="1" dirty="0">
+              <a:rPr lang="en-US" sz="1600" b="1" i="1" dirty="0">
                 <a:solidFill>
                   <a:srgbClr val="0D0D0D"/>
                 </a:solidFill>
@@ -6020,7 +6407,7 @@
               <a:t>: </a:t>
             </a:r>
             <a:r>
-              <a:rPr lang="en-US" sz="2800" dirty="0">
+              <a:rPr lang="en-US" sz="1600" dirty="0">
                 <a:solidFill>
                   <a:srgbClr val="0D0D0D"/>
                 </a:solidFill>
@@ -6030,7 +6417,7 @@
               <a:t>The detailed explanations can serve as educational tools that reveal how the AI reaches its conclusions.</a:t>
             </a:r>
             <a:br>
-              <a:rPr lang="en-US" sz="2800" dirty="0">
+              <a:rPr lang="en-US" sz="1600" dirty="0">
                 <a:solidFill>
                   <a:srgbClr val="0D0D0D"/>
                 </a:solidFill>
@@ -6039,7 +6426,7 @@
               </a:rPr>
             </a:br>
             <a:r>
-              <a:rPr lang="en-US" sz="2800" i="1" dirty="0">
+              <a:rPr lang="en-US" sz="1600" i="1" dirty="0">
                 <a:solidFill>
                   <a:srgbClr val="0D0D0D"/>
                 </a:solidFill>
@@ -6049,7 +6436,7 @@
               <a:t>Error Checking: </a:t>
             </a:r>
             <a:r>
-              <a:rPr lang="en-US" sz="2800" dirty="0">
+              <a:rPr lang="en-US" sz="1600" dirty="0">
                 <a:solidFill>
                   <a:srgbClr val="0D0D0D"/>
                 </a:solidFill>
@@ -6059,7 +6446,7 @@
               <a:t>It allows </a:t>
             </a:r>
             <a:r>
-              <a:rPr lang="en-US" sz="2800" i="0" dirty="0">
+              <a:rPr lang="en-US" sz="1600" i="0" dirty="0">
                 <a:solidFill>
                   <a:srgbClr val="0D0D0D"/>
                 </a:solidFill>
@@ -6075,7 +6462,7 @@
               <a:buNone/>
             </a:pPr>
             <a:r>
-              <a:rPr lang="en-US" sz="2800" b="1" i="0" dirty="0">
+              <a:rPr lang="en-US" sz="1600" b="1" i="0" dirty="0">
                 <a:solidFill>
                   <a:srgbClr val="0D0D0D"/>
                 </a:solidFill>
@@ -6086,7 +6473,7 @@
               <a:t>How to Implement:</a:t>
             </a:r>
             <a:br>
-              <a:rPr lang="en-US" sz="2800" dirty="0">
+              <a:rPr lang="en-US" sz="1600" dirty="0">
                 <a:solidFill>
                   <a:srgbClr val="0D0D0D"/>
                 </a:solidFill>
@@ -6095,7 +6482,7 @@
               </a:rPr>
             </a:br>
             <a:r>
-              <a:rPr lang="en-US" sz="2800" i="1" dirty="0">
+              <a:rPr lang="en-US" sz="1600" i="1" dirty="0">
                 <a:solidFill>
                   <a:srgbClr val="0D0D0D"/>
                 </a:solidFill>
@@ -6106,7 +6493,7 @@
               <a:t>Explicit Instructions: </a:t>
             </a:r>
             <a:r>
-              <a:rPr lang="en-US" sz="2800" b="0" i="0" dirty="0">
+              <a:rPr lang="en-US" sz="1600" b="0" i="0" dirty="0">
                 <a:solidFill>
                   <a:srgbClr val="0D0D0D"/>
                 </a:solidFill>
@@ -6117,7 +6504,7 @@
               <a:t>Direct the model to "show your work" or "explain how you got your answer" within the prompt.</a:t>
             </a:r>
             <a:br>
-              <a:rPr lang="en-US" sz="2800" b="0" i="0" dirty="0">
+              <a:rPr lang="en-US" sz="1600" b="0" i="0" dirty="0">
                 <a:solidFill>
                   <a:srgbClr val="0D0D0D"/>
                 </a:solidFill>
@@ -6127,7 +6514,7 @@
               </a:rPr>
             </a:br>
             <a:r>
-              <a:rPr lang="en-US" sz="2800" i="1" dirty="0">
+              <a:rPr lang="en-US" sz="1600" i="1" dirty="0">
                 <a:solidFill>
                   <a:srgbClr val="0D0D0D"/>
                 </a:solidFill>
@@ -6138,7 +6525,7 @@
               <a:t>Guided Questions: </a:t>
             </a:r>
             <a:r>
-              <a:rPr lang="en-US" sz="2800" b="0" i="0" dirty="0">
+              <a:rPr lang="en-US" sz="1600" b="0" i="0" dirty="0">
                 <a:solidFill>
                   <a:srgbClr val="0D0D0D"/>
                 </a:solidFill>
@@ -6154,7 +6541,7 @@
               <a:buNone/>
             </a:pPr>
             <a:r>
-              <a:rPr lang="en-US" sz="2800" b="1" i="0" dirty="0">
+              <a:rPr lang="en-US" sz="1600" b="1" i="0" dirty="0">
                 <a:solidFill>
                   <a:srgbClr val="0D0D0D"/>
                 </a:solidFill>
@@ -6164,13 +6551,8 @@
               </a:rPr>
               <a:t>Example:</a:t>
             </a:r>
-          </a:p>
-          <a:p>
-            <a:pPr marL="0" indent="0" algn="l">
-              <a:buNone/>
-            </a:pPr>
             <a:br>
-              <a:rPr lang="en-US" sz="2800" dirty="0">
+              <a:rPr lang="en-US" sz="1600" dirty="0">
                 <a:solidFill>
                   <a:srgbClr val="0D0D0D"/>
                 </a:solidFill>
@@ -6179,7 +6561,7 @@
               </a:rPr>
             </a:br>
             <a:r>
-              <a:rPr lang="en-US" sz="2800" b="0" i="0" dirty="0">
+              <a:rPr lang="en-US" sz="1600" b="0" i="0" dirty="0">
                 <a:solidFill>
                   <a:srgbClr val="0D0D0D"/>
                 </a:solidFill>
@@ -6190,7 +6572,7 @@
               <a:t>Prompt: "How can we reduce plastic waste in our oceans? Show your work.”</a:t>
             </a:r>
             <a:br>
-              <a:rPr lang="en-US" sz="2800" b="0" i="0" dirty="0">
+              <a:rPr lang="en-US" sz="1600" b="0" i="0" dirty="0">
                 <a:solidFill>
                   <a:srgbClr val="0D0D0D"/>
                 </a:solidFill>
@@ -6200,7 +6582,7 @@
               </a:rPr>
             </a:br>
             <a:r>
-              <a:rPr lang="en-US" sz="2800" b="0" i="0" dirty="0">
+              <a:rPr lang="en-US" sz="1600" b="0" i="0" dirty="0">
                 <a:solidFill>
                   <a:srgbClr val="0D0D0D"/>
                 </a:solidFill>
@@ -6215,13 +6597,13 @@
             <a:pPr marL="0" indent="0">
               <a:buNone/>
             </a:pPr>
-            <a:endParaRPr lang="en-US" sz="2800" dirty="0">
+            <a:endParaRPr lang="en-US" sz="1600" dirty="0">
               <a:latin typeface="Times New Roman" panose="02020603050405020304" pitchFamily="18" charset="0"/>
               <a:cs typeface="Times New Roman" panose="02020603050405020304" pitchFamily="18" charset="0"/>
             </a:endParaRPr>
           </a:p>
           <a:p>
-            <a:endParaRPr lang="en-US" dirty="0"/>
+            <a:endParaRPr lang="en-US" sz="1600" dirty="0"/>
           </a:p>
         </p:txBody>
       </p:sp>
@@ -6337,9 +6719,8 @@
           </a:bodyPr>
           <a:lstStyle/>
           <a:p>
-            <a:pPr algn="l">
-              <a:buFont typeface="+mj-lt"/>
-              <a:buAutoNum type="arabicPeriod"/>
+            <a:pPr marL="0" indent="0">
+              <a:buNone/>
             </a:pPr>
             <a:r>
               <a:rPr lang="en-US" sz="1600" b="1" i="0" dirty="0">
@@ -6350,7 +6731,7 @@
                 <a:latin typeface="Times New Roman" panose="02020603050405020304" pitchFamily="18" charset="0"/>
                 <a:cs typeface="Times New Roman" panose="02020603050405020304" pitchFamily="18" charset="0"/>
               </a:rPr>
-              <a:t>Game Play Pattern:</a:t>
+              <a:t>1.Game Play Pattern:</a:t>
             </a:r>
             <a:endParaRPr lang="en-US" sz="1600" b="0" i="0" dirty="0">
               <a:solidFill>
@@ -6362,7 +6743,9 @@
             </a:endParaRPr>
           </a:p>
           <a:p>
-            <a:pPr lvl="1"/>
+            <a:pPr marL="457200" lvl="1" indent="0">
+              <a:buNone/>
+            </a:pPr>
             <a:r>
               <a:rPr lang="en-US" sz="1600" b="1" i="0" dirty="0">
                 <a:solidFill>
@@ -6387,7 +6770,9 @@
             </a:r>
           </a:p>
           <a:p>
-            <a:pPr lvl="1"/>
+            <a:pPr marL="457200" lvl="1" indent="0">
+              <a:buNone/>
+            </a:pPr>
             <a:r>
               <a:rPr lang="en-US" sz="1600" b="1" i="0" dirty="0">
                 <a:solidFill>
@@ -6412,7 +6797,9 @@
             </a:r>
           </a:p>
           <a:p>
-            <a:pPr lvl="1"/>
+            <a:pPr marL="457200" lvl="1" indent="0">
+              <a:buNone/>
+            </a:pPr>
             <a:r>
               <a:rPr lang="en-US" sz="1600" b="1" i="0" dirty="0">
                 <a:solidFill>
@@ -6437,7 +6824,9 @@
             </a:r>
           </a:p>
           <a:p>
-            <a:pPr lvl="1"/>
+            <a:pPr marL="457200" lvl="1" indent="0">
+              <a:buNone/>
+            </a:pPr>
             <a:r>
               <a:rPr lang="en-US" sz="1600" b="1" i="0" dirty="0">
                 <a:solidFill>
@@ -6462,9 +6851,8 @@
             </a:r>
           </a:p>
           <a:p>
-            <a:pPr algn="l">
-              <a:buFont typeface="+mj-lt"/>
-              <a:buAutoNum type="arabicPeriod"/>
+            <a:pPr marL="0" indent="0">
+              <a:buNone/>
             </a:pPr>
             <a:r>
               <a:rPr lang="en-US" sz="1600" b="1" i="0" dirty="0">
@@ -6475,7 +6863,7 @@
                 <a:latin typeface="Times New Roman" panose="02020603050405020304" pitchFamily="18" charset="0"/>
                 <a:cs typeface="Times New Roman" panose="02020603050405020304" pitchFamily="18" charset="0"/>
               </a:rPr>
-              <a:t>Template Pattern:</a:t>
+              <a:t>2.Template Pattern:</a:t>
             </a:r>
             <a:endParaRPr lang="en-US" sz="1600" b="0" i="0" dirty="0">
               <a:solidFill>
@@ -6487,7 +6875,9 @@
             </a:endParaRPr>
           </a:p>
           <a:p>
-            <a:pPr lvl="1"/>
+            <a:pPr marL="457200" lvl="1" indent="0">
+              <a:buNone/>
+            </a:pPr>
             <a:r>
               <a:rPr lang="en-US" sz="1600" b="1" i="0" dirty="0">
                 <a:solidFill>
@@ -6512,7 +6902,9 @@
             </a:r>
           </a:p>
           <a:p>
-            <a:pPr lvl="1"/>
+            <a:pPr marL="457200" lvl="1" indent="0">
+              <a:buNone/>
+            </a:pPr>
             <a:r>
               <a:rPr lang="en-US" sz="1600" b="1" i="0" dirty="0">
                 <a:solidFill>
@@ -6537,7 +6929,9 @@
             </a:r>
           </a:p>
           <a:p>
-            <a:pPr lvl="1"/>
+            <a:pPr marL="457200" lvl="1" indent="0">
+              <a:buNone/>
+            </a:pPr>
             <a:r>
               <a:rPr lang="en-US" sz="1600" b="1" i="0" dirty="0">
                 <a:solidFill>
@@ -6562,7 +6956,9 @@
             </a:r>
           </a:p>
           <a:p>
-            <a:pPr lvl="1"/>
+            <a:pPr marL="457200" lvl="1" indent="0">
+              <a:buNone/>
+            </a:pPr>
             <a:r>
               <a:rPr lang="en-US" sz="1600" b="1" i="0" dirty="0">
                 <a:solidFill>
@@ -6601,11 +6997,13 @@
                 <a:latin typeface="Times New Roman" panose="02020603050405020304" pitchFamily="18" charset="0"/>
                 <a:cs typeface="Times New Roman" panose="02020603050405020304" pitchFamily="18" charset="0"/>
               </a:rPr>
-              <a:t>3.Meta Language Creation Pattern:</a:t>
-            </a:r>
-          </a:p>
-          <a:p>
-            <a:pPr lvl="1"/>
+              <a:t>3. Meta Language Creation Pattern:</a:t>
+            </a:r>
+          </a:p>
+          <a:p>
+            <a:pPr marL="457200" lvl="1" indent="0">
+              <a:buNone/>
+            </a:pPr>
             <a:r>
               <a:rPr lang="en-US" sz="1600" b="1" dirty="0">
                 <a:solidFill>
@@ -6628,7 +7026,9 @@
             </a:r>
           </a:p>
           <a:p>
-            <a:pPr lvl="1"/>
+            <a:pPr marL="457200" lvl="1" indent="0">
+              <a:buNone/>
+            </a:pPr>
             <a:r>
               <a:rPr lang="en-US" sz="1600" b="1" dirty="0">
                 <a:solidFill>
@@ -6651,7 +7051,9 @@
             </a:r>
           </a:p>
           <a:p>
-            <a:pPr lvl="1"/>
+            <a:pPr marL="457200" lvl="1" indent="0">
+              <a:buNone/>
+            </a:pPr>
             <a:r>
               <a:rPr lang="en-US" sz="1600" b="1" dirty="0">
                 <a:solidFill>
@@ -6674,7 +7076,9 @@
             </a:r>
           </a:p>
           <a:p>
-            <a:pPr lvl="1"/>
+            <a:pPr marL="457200" lvl="1" indent="0">
+              <a:buNone/>
+            </a:pPr>
             <a:endParaRPr lang="en-US" sz="1600" b="0" i="0" dirty="0">
               <a:solidFill>
                 <a:srgbClr val="0D0D0D"/>
@@ -6685,6 +7089,9 @@
             </a:endParaRPr>
           </a:p>
           <a:p>
+            <a:pPr marL="0" indent="0">
+              <a:buNone/>
+            </a:pPr>
             <a:endParaRPr lang="en-US" sz="1600" dirty="0">
               <a:latin typeface="Times New Roman" panose="02020603050405020304" pitchFamily="18" charset="0"/>
               <a:cs typeface="Times New Roman" panose="02020603050405020304" pitchFamily="18" charset="0"/>
@@ -6740,8 +7147,8 @@
         </p:nvSpPr>
         <p:spPr>
           <a:xfrm>
-            <a:off x="106985" y="137440"/>
-            <a:ext cx="11978030" cy="1370084"/>
+            <a:off x="106985" y="0"/>
+            <a:ext cx="11978030" cy="1431758"/>
           </a:xfrm>
         </p:spPr>
         <p:txBody>
@@ -7180,7 +7587,7 @@
         </p:nvSpPr>
         <p:spPr>
           <a:xfrm>
-            <a:off x="203646" y="251940"/>
+            <a:off x="131456" y="121207"/>
             <a:ext cx="11683554" cy="1119660"/>
           </a:xfrm>
         </p:spPr>
@@ -7530,12 +7937,16 @@
           <a:lstStyle/>
           <a:p>
             <a:r>
-              <a:rPr lang="en-US" sz="3600" dirty="0">
-                <a:latin typeface="Times New Roman" panose="02020603050405020304" pitchFamily="18" charset="0"/>
-                <a:cs typeface="Times New Roman" panose="02020603050405020304" pitchFamily="18" charset="0"/>
-              </a:rPr>
-              <a:t>Topics topics to be covered  </a:t>
-            </a:r>
+              <a:rPr lang="en-US" sz="3600">
+                <a:latin typeface="Times New Roman" panose="02020603050405020304" pitchFamily="18" charset="0"/>
+                <a:cs typeface="Times New Roman" panose="02020603050405020304" pitchFamily="18" charset="0"/>
+              </a:rPr>
+              <a:t>Topics topics covered  </a:t>
+            </a:r>
+            <a:endParaRPr lang="en-US" sz="3600" dirty="0">
+              <a:latin typeface="Times New Roman" panose="02020603050405020304" pitchFamily="18" charset="0"/>
+              <a:cs typeface="Times New Roman" panose="02020603050405020304" pitchFamily="18" charset="0"/>
+            </a:endParaRPr>
           </a:p>
         </p:txBody>
       </p:sp>
@@ -8016,7 +8427,866 @@
         </p:nvSpPr>
         <p:spPr>
           <a:xfrm>
-            <a:off x="152400" y="152400"/>
+            <a:off x="152400" y="116305"/>
+            <a:ext cx="11604170" cy="1130135"/>
+          </a:xfrm>
+        </p:spPr>
+        <p:txBody>
+          <a:bodyPr>
+            <a:normAutofit/>
+          </a:bodyPr>
+          <a:lstStyle/>
+          <a:p>
+            <a:r>
+              <a:rPr lang="en-US" sz="3600" i="0" dirty="0">
+                <a:solidFill>
+                  <a:srgbClr val="0D0D0D"/>
+                </a:solidFill>
+                <a:effectLst/>
+                <a:latin typeface="Times New Roman" panose="02020603050405020304" pitchFamily="18" charset="0"/>
+                <a:cs typeface="Times New Roman" panose="02020603050405020304" pitchFamily="18" charset="0"/>
+              </a:rPr>
+              <a:t>Introducing New Information to the Large Language Model</a:t>
+            </a:r>
+            <a:endParaRPr lang="en-US" sz="3600" dirty="0">
+              <a:latin typeface="Times New Roman" panose="02020603050405020304" pitchFamily="18" charset="0"/>
+              <a:cs typeface="Times New Roman" panose="02020603050405020304" pitchFamily="18" charset="0"/>
+            </a:endParaRPr>
+          </a:p>
+        </p:txBody>
+      </p:sp>
+      <p:sp>
+        <p:nvSpPr>
+          <p:cNvPr id="3" name="Content Placeholder 2">
+            <a:extLst>
+              <a:ext uri="{FF2B5EF4-FFF2-40B4-BE49-F238E27FC236}">
+                <a16:creationId xmlns:a16="http://schemas.microsoft.com/office/drawing/2014/main" id="{976A3C4C-EBF1-9077-5B48-48F3E62B38F9}"/>
+              </a:ext>
+            </a:extLst>
+          </p:cNvPr>
+          <p:cNvSpPr>
+            <a:spLocks noGrp="1"/>
+          </p:cNvSpPr>
+          <p:nvPr>
+            <p:ph idx="1"/>
+          </p:nvPr>
+        </p:nvSpPr>
+        <p:spPr>
+          <a:xfrm>
+            <a:off x="0" y="1463008"/>
+            <a:ext cx="12039600" cy="5106234"/>
+          </a:xfrm>
+        </p:spPr>
+        <p:txBody>
+          <a:bodyPr>
+            <a:noAutofit/>
+          </a:bodyPr>
+          <a:lstStyle/>
+          <a:p>
+            <a:pPr marL="0" marR="0" lvl="0" indent="0">
+              <a:spcBef>
+                <a:spcPts val="0"/>
+              </a:spcBef>
+              <a:spcAft>
+                <a:spcPts val="0"/>
+              </a:spcAft>
+              <a:buNone/>
+              <a:tabLst>
+                <a:tab pos="457200" algn="l"/>
+              </a:tabLst>
+            </a:pPr>
+            <a:r>
+              <a:rPr lang="en-US" sz="1600" b="1" kern="100" dirty="0">
+                <a:effectLst/>
+                <a:latin typeface="Times New Roman" panose="02020603050405020304" pitchFamily="18" charset="0"/>
+                <a:ea typeface="Aptos" panose="020B0004020202020204" pitchFamily="34" charset="0"/>
+                <a:cs typeface="Times New Roman" panose="02020603050405020304" pitchFamily="18" charset="0"/>
+              </a:rPr>
+              <a:t>Definition: </a:t>
+            </a:r>
+          </a:p>
+          <a:p>
+            <a:pPr marL="0" marR="0" lvl="0" indent="0">
+              <a:spcBef>
+                <a:spcPts val="0"/>
+              </a:spcBef>
+              <a:spcAft>
+                <a:spcPts val="0"/>
+              </a:spcAft>
+              <a:buNone/>
+              <a:tabLst>
+                <a:tab pos="457200" algn="l"/>
+              </a:tabLst>
+            </a:pPr>
+            <a:r>
+              <a:rPr lang="en-US" sz="1600" kern="100" dirty="0">
+                <a:effectLst/>
+                <a:latin typeface="Times New Roman" panose="02020603050405020304" pitchFamily="18" charset="0"/>
+                <a:ea typeface="Aptos" panose="020B0004020202020204" pitchFamily="34" charset="0"/>
+                <a:cs typeface="Times New Roman" panose="02020603050405020304" pitchFamily="18" charset="0"/>
+              </a:rPr>
+              <a:t>The process of incorporating novel details into prompts involves feeding large language models (LLMs) with up-to-date information or new contexts. This method aims to enhance the model's understanding and responses by presenting fresh data or scenarios not previously encountered during its training phase.</a:t>
+            </a:r>
+          </a:p>
+          <a:p>
+            <a:pPr marL="0" marR="0" lvl="0" indent="0">
+              <a:spcBef>
+                <a:spcPts val="0"/>
+              </a:spcBef>
+              <a:spcAft>
+                <a:spcPts val="0"/>
+              </a:spcAft>
+              <a:buNone/>
+              <a:tabLst>
+                <a:tab pos="457200" algn="l"/>
+              </a:tabLst>
+            </a:pPr>
+            <a:endParaRPr lang="en-US" sz="1600" kern="100" dirty="0">
+              <a:effectLst/>
+              <a:latin typeface="Times New Roman" panose="02020603050405020304" pitchFamily="18" charset="0"/>
+              <a:ea typeface="Aptos" panose="020B0004020202020204" pitchFamily="34" charset="0"/>
+              <a:cs typeface="Times New Roman" panose="02020603050405020304" pitchFamily="18" charset="0"/>
+            </a:endParaRPr>
+          </a:p>
+          <a:p>
+            <a:pPr marL="0" marR="0" lvl="0" indent="0">
+              <a:spcBef>
+                <a:spcPts val="0"/>
+              </a:spcBef>
+              <a:spcAft>
+                <a:spcPts val="0"/>
+              </a:spcAft>
+              <a:buNone/>
+              <a:tabLst>
+                <a:tab pos="457200" algn="l"/>
+              </a:tabLst>
+            </a:pPr>
+            <a:r>
+              <a:rPr lang="en-US" sz="1600" b="1" kern="100" dirty="0">
+                <a:effectLst/>
+                <a:latin typeface="Times New Roman" panose="02020603050405020304" pitchFamily="18" charset="0"/>
+                <a:ea typeface="Aptos" panose="020B0004020202020204" pitchFamily="34" charset="0"/>
+                <a:cs typeface="Times New Roman" panose="02020603050405020304" pitchFamily="18" charset="0"/>
+              </a:rPr>
+              <a:t>Example: </a:t>
+            </a:r>
+          </a:p>
+          <a:p>
+            <a:pPr marL="0" marR="0" lvl="0" indent="0">
+              <a:spcBef>
+                <a:spcPts val="0"/>
+              </a:spcBef>
+              <a:spcAft>
+                <a:spcPts val="0"/>
+              </a:spcAft>
+              <a:buNone/>
+              <a:tabLst>
+                <a:tab pos="457200" algn="l"/>
+              </a:tabLst>
+            </a:pPr>
+            <a:r>
+              <a:rPr lang="en-US" sz="1600" kern="100" dirty="0">
+                <a:effectLst/>
+                <a:latin typeface="Times New Roman" panose="02020603050405020304" pitchFamily="18" charset="0"/>
+                <a:ea typeface="Aptos" panose="020B0004020202020204" pitchFamily="34" charset="0"/>
+                <a:cs typeface="Times New Roman" panose="02020603050405020304" pitchFamily="18" charset="0"/>
+              </a:rPr>
+              <a:t>A practical example of this is "Prompting the model as a news reporter for recent updates." Here, the user engages the LLM by asking for information as if the model is a news reporter, providing the latest news or updates. This prompts the model to generate responses based on the most recent information it has been trained on or simulate a news reporting style based on its existing knowledge.</a:t>
+            </a:r>
+          </a:p>
+          <a:p>
+            <a:pPr marL="0" marR="0" lvl="0" indent="0">
+              <a:spcBef>
+                <a:spcPts val="0"/>
+              </a:spcBef>
+              <a:spcAft>
+                <a:spcPts val="0"/>
+              </a:spcAft>
+              <a:buNone/>
+              <a:tabLst>
+                <a:tab pos="457200" algn="l"/>
+              </a:tabLst>
+            </a:pPr>
+            <a:endParaRPr lang="en-US" sz="1600" kern="100" dirty="0">
+              <a:effectLst/>
+              <a:latin typeface="Times New Roman" panose="02020603050405020304" pitchFamily="18" charset="0"/>
+              <a:ea typeface="Aptos" panose="020B0004020202020204" pitchFamily="34" charset="0"/>
+              <a:cs typeface="Times New Roman" panose="02020603050405020304" pitchFamily="18" charset="0"/>
+            </a:endParaRPr>
+          </a:p>
+          <a:p>
+            <a:pPr marL="0" marR="0" lvl="0" indent="0">
+              <a:spcBef>
+                <a:spcPts val="0"/>
+              </a:spcBef>
+              <a:spcAft>
+                <a:spcPts val="0"/>
+              </a:spcAft>
+              <a:buNone/>
+              <a:tabLst>
+                <a:tab pos="457200" algn="l"/>
+              </a:tabLst>
+            </a:pPr>
+            <a:r>
+              <a:rPr lang="en-US" sz="1600" b="1" kern="100" dirty="0">
+                <a:effectLst/>
+                <a:latin typeface="Times New Roman" panose="02020603050405020304" pitchFamily="18" charset="0"/>
+                <a:ea typeface="Aptos" panose="020B0004020202020204" pitchFamily="34" charset="0"/>
+                <a:cs typeface="Times New Roman" panose="02020603050405020304" pitchFamily="18" charset="0"/>
+              </a:rPr>
+              <a:t>Importance: </a:t>
+            </a:r>
+          </a:p>
+          <a:p>
+            <a:pPr>
+              <a:spcBef>
+                <a:spcPts val="0"/>
+              </a:spcBef>
+              <a:tabLst>
+                <a:tab pos="457200" algn="l"/>
+              </a:tabLst>
+            </a:pPr>
+            <a:r>
+              <a:rPr lang="en-US" sz="1600" kern="100" dirty="0">
+                <a:effectLst/>
+                <a:latin typeface="Times New Roman" panose="02020603050405020304" pitchFamily="18" charset="0"/>
+                <a:ea typeface="Aptos" panose="020B0004020202020204" pitchFamily="34" charset="0"/>
+                <a:cs typeface="Times New Roman" panose="02020603050405020304" pitchFamily="18" charset="0"/>
+              </a:rPr>
+              <a:t>   Enhanced Generalization: Introducing new information helps in improving the model's ability to generalize beyond its training data. It encourages the model to apply its learned patterns to new and diverse scenarios, making its responses more relevant and up-to-date.</a:t>
+            </a:r>
+          </a:p>
+          <a:p>
+            <a:pPr>
+              <a:spcBef>
+                <a:spcPts val="0"/>
+              </a:spcBef>
+              <a:tabLst>
+                <a:tab pos="457200" algn="l"/>
+              </a:tabLst>
+            </a:pPr>
+            <a:r>
+              <a:rPr lang="en-US" sz="1600" kern="100" dirty="0">
+                <a:effectLst/>
+                <a:latin typeface="Times New Roman" panose="02020603050405020304" pitchFamily="18" charset="0"/>
+                <a:ea typeface="Aptos" panose="020B0004020202020204" pitchFamily="34" charset="0"/>
+                <a:cs typeface="Times New Roman" panose="02020603050405020304" pitchFamily="18" charset="0"/>
+              </a:rPr>
+              <a:t>   Adaptability: This practice allows LLMs to adapt to evolving contexts and information landscapes, ensuring their utility remains strong across different times and applications.</a:t>
+            </a:r>
+          </a:p>
+          <a:p>
+            <a:pPr marL="342900" marR="0" lvl="0" indent="-342900">
+              <a:spcBef>
+                <a:spcPts val="0"/>
+              </a:spcBef>
+              <a:spcAft>
+                <a:spcPts val="0"/>
+              </a:spcAft>
+              <a:buFont typeface="Arial" panose="020B0604020202020204" pitchFamily="34" charset="0"/>
+              <a:buChar char="•"/>
+              <a:tabLst>
+                <a:tab pos="457200" algn="l"/>
+              </a:tabLst>
+            </a:pPr>
+            <a:endParaRPr lang="en-US" sz="1600" kern="100" dirty="0">
+              <a:effectLst/>
+              <a:latin typeface="Times New Roman" panose="02020603050405020304" pitchFamily="18" charset="0"/>
+              <a:ea typeface="Aptos" panose="020B0004020202020204" pitchFamily="34" charset="0"/>
+              <a:cs typeface="Times New Roman" panose="02020603050405020304" pitchFamily="18" charset="0"/>
+            </a:endParaRPr>
+          </a:p>
+          <a:p>
+            <a:pPr marL="0" marR="0" lvl="0" indent="0">
+              <a:spcBef>
+                <a:spcPts val="0"/>
+              </a:spcBef>
+              <a:spcAft>
+                <a:spcPts val="0"/>
+              </a:spcAft>
+              <a:buNone/>
+              <a:tabLst>
+                <a:tab pos="457200" algn="l"/>
+              </a:tabLst>
+            </a:pPr>
+            <a:r>
+              <a:rPr lang="en-US" sz="1600" b="1" kern="100" dirty="0">
+                <a:effectLst/>
+                <a:latin typeface="Times New Roman" panose="02020603050405020304" pitchFamily="18" charset="0"/>
+                <a:ea typeface="Aptos" panose="020B0004020202020204" pitchFamily="34" charset="0"/>
+                <a:cs typeface="Times New Roman" panose="02020603050405020304" pitchFamily="18" charset="0"/>
+              </a:rPr>
+              <a:t>Challenges: </a:t>
+            </a:r>
+          </a:p>
+          <a:p>
+            <a:pPr marL="342900" marR="0" lvl="0" indent="-342900">
+              <a:spcBef>
+                <a:spcPts val="0"/>
+              </a:spcBef>
+              <a:spcAft>
+                <a:spcPts val="0"/>
+              </a:spcAft>
+              <a:buFont typeface="Arial" panose="020B0604020202020204" pitchFamily="34" charset="0"/>
+              <a:buChar char="•"/>
+              <a:tabLst>
+                <a:tab pos="457200" algn="l"/>
+              </a:tabLst>
+            </a:pPr>
+            <a:r>
+              <a:rPr lang="en-US" sz="1600" kern="100" dirty="0">
+                <a:effectLst/>
+                <a:latin typeface="Times New Roman" panose="02020603050405020304" pitchFamily="18" charset="0"/>
+                <a:ea typeface="Aptos" panose="020B0004020202020204" pitchFamily="34" charset="0"/>
+                <a:cs typeface="Times New Roman" panose="02020603050405020304" pitchFamily="18" charset="0"/>
+              </a:rPr>
+              <a:t>   Potential for Misinformation: While introducing new information can enhance relevance, there is a risk of incorporating incorrect or misleading data. It's crucial to verify the sources and accuracy of the information being introduced.</a:t>
+            </a:r>
+          </a:p>
+          <a:p>
+            <a:pPr marL="342900" marR="0" lvl="0" indent="-342900">
+              <a:spcBef>
+                <a:spcPts val="0"/>
+              </a:spcBef>
+              <a:spcAft>
+                <a:spcPts val="0"/>
+              </a:spcAft>
+              <a:buFont typeface="Arial" panose="020B0604020202020204" pitchFamily="34" charset="0"/>
+              <a:buChar char="•"/>
+              <a:tabLst>
+                <a:tab pos="457200" algn="l"/>
+              </a:tabLst>
+            </a:pPr>
+            <a:r>
+              <a:rPr lang="en-US" sz="1600" kern="100" dirty="0">
+                <a:effectLst/>
+                <a:latin typeface="Times New Roman" panose="02020603050405020304" pitchFamily="18" charset="0"/>
+                <a:ea typeface="Aptos" panose="020B0004020202020204" pitchFamily="34" charset="0"/>
+                <a:cs typeface="Times New Roman" panose="02020603050405020304" pitchFamily="18" charset="0"/>
+              </a:rPr>
+              <a:t>   Model Limitations: LLMs may struggle to accurately integrate new information if it significantly diverges from their training data. This can affect the coherence and reliability of their responses.</a:t>
+            </a:r>
+          </a:p>
+          <a:p>
+            <a:pPr marL="0" marR="0" indent="0">
+              <a:spcBef>
+                <a:spcPts val="0"/>
+              </a:spcBef>
+              <a:spcAft>
+                <a:spcPts val="0"/>
+              </a:spcAft>
+              <a:buNone/>
+            </a:pPr>
+            <a:endParaRPr lang="en-US" sz="1600" kern="100" dirty="0">
+              <a:effectLst/>
+              <a:latin typeface="Times New Roman" panose="02020603050405020304" pitchFamily="18" charset="0"/>
+              <a:ea typeface="Aptos" panose="020B0004020202020204" pitchFamily="34" charset="0"/>
+              <a:cs typeface="Times New Roman" panose="02020603050405020304" pitchFamily="18" charset="0"/>
+            </a:endParaRPr>
+          </a:p>
+          <a:p>
+            <a:pPr marL="0" indent="0">
+              <a:buNone/>
+            </a:pPr>
+            <a:endParaRPr lang="en-US" sz="1600" dirty="0">
+              <a:latin typeface="Times New Roman" panose="02020603050405020304" pitchFamily="18" charset="0"/>
+              <a:cs typeface="Times New Roman" panose="02020603050405020304" pitchFamily="18" charset="0"/>
+            </a:endParaRPr>
+          </a:p>
+        </p:txBody>
+      </p:sp>
+    </p:spTree>
+    <p:extLst>
+      <p:ext uri="{BB962C8B-B14F-4D97-AF65-F5344CB8AC3E}">
+        <p14:creationId xmlns:p14="http://schemas.microsoft.com/office/powerpoint/2010/main" val="1672070453"/>
+      </p:ext>
+    </p:extLst>
+  </p:cSld>
+  <p:clrMapOvr>
+    <a:masterClrMapping/>
+  </p:clrMapOvr>
+</p:sld>
+</file>
+
+<file path=ppt/slides/slide22.xml><?xml version="1.0" encoding="utf-8"?>
+<p:sld xmlns:a="http://schemas.openxmlformats.org/drawingml/2006/main" xmlns:r="http://schemas.openxmlformats.org/officeDocument/2006/relationships" xmlns:p="http://schemas.openxmlformats.org/presentationml/2006/main">
+  <p:cSld>
+    <p:spTree>
+      <p:nvGrpSpPr>
+        <p:cNvPr id="1" name=""/>
+        <p:cNvGrpSpPr/>
+        <p:nvPr/>
+      </p:nvGrpSpPr>
+      <p:grpSpPr>
+        <a:xfrm>
+          <a:off x="0" y="0"/>
+          <a:ext cx="0" cy="0"/>
+          <a:chOff x="0" y="0"/>
+          <a:chExt cx="0" cy="0"/>
+        </a:xfrm>
+      </p:grpSpPr>
+      <p:sp>
+        <p:nvSpPr>
+          <p:cNvPr id="2" name="Title 1">
+            <a:extLst>
+              <a:ext uri="{FF2B5EF4-FFF2-40B4-BE49-F238E27FC236}">
+                <a16:creationId xmlns:a16="http://schemas.microsoft.com/office/drawing/2014/main" id="{B88B9A78-2609-DEE5-2499-3E9660AD7855}"/>
+              </a:ext>
+            </a:extLst>
+          </p:cNvPr>
+          <p:cNvSpPr>
+            <a:spLocks noGrp="1"/>
+          </p:cNvSpPr>
+          <p:nvPr>
+            <p:ph type="title"/>
+          </p:nvPr>
+        </p:nvSpPr>
+        <p:spPr>
+          <a:xfrm>
+            <a:off x="152401" y="333708"/>
+            <a:ext cx="11604170" cy="842211"/>
+          </a:xfrm>
+        </p:spPr>
+        <p:txBody>
+          <a:bodyPr>
+            <a:normAutofit/>
+          </a:bodyPr>
+          <a:lstStyle/>
+          <a:p>
+            <a:r>
+              <a:rPr lang="en-US" sz="3600" i="0" dirty="0">
+                <a:solidFill>
+                  <a:srgbClr val="0D0D0D"/>
+                </a:solidFill>
+                <a:effectLst/>
+                <a:latin typeface="Times New Roman" panose="02020603050405020304" pitchFamily="18" charset="0"/>
+                <a:cs typeface="Times New Roman" panose="02020603050405020304" pitchFamily="18" charset="0"/>
+              </a:rPr>
+              <a:t>Prompt Size Limitations</a:t>
+            </a:r>
+            <a:endParaRPr lang="en-US" sz="3600" dirty="0">
+              <a:latin typeface="Times New Roman" panose="02020603050405020304" pitchFamily="18" charset="0"/>
+              <a:cs typeface="Times New Roman" panose="02020603050405020304" pitchFamily="18" charset="0"/>
+            </a:endParaRPr>
+          </a:p>
+        </p:txBody>
+      </p:sp>
+      <p:sp>
+        <p:nvSpPr>
+          <p:cNvPr id="3" name="Content Placeholder 2">
+            <a:extLst>
+              <a:ext uri="{FF2B5EF4-FFF2-40B4-BE49-F238E27FC236}">
+                <a16:creationId xmlns:a16="http://schemas.microsoft.com/office/drawing/2014/main" id="{976A3C4C-EBF1-9077-5B48-48F3E62B38F9}"/>
+              </a:ext>
+            </a:extLst>
+          </p:cNvPr>
+          <p:cNvSpPr>
+            <a:spLocks noGrp="1"/>
+          </p:cNvSpPr>
+          <p:nvPr>
+            <p:ph idx="1"/>
+          </p:nvPr>
+        </p:nvSpPr>
+        <p:spPr>
+          <a:xfrm>
+            <a:off x="0" y="1299410"/>
+            <a:ext cx="12055642" cy="5558589"/>
+          </a:xfrm>
+        </p:spPr>
+        <p:txBody>
+          <a:bodyPr>
+            <a:noAutofit/>
+          </a:bodyPr>
+          <a:lstStyle/>
+          <a:p>
+            <a:pPr marL="0" marR="0" indent="0">
+              <a:spcBef>
+                <a:spcPts val="0"/>
+              </a:spcBef>
+              <a:spcAft>
+                <a:spcPts val="0"/>
+              </a:spcAft>
+              <a:buNone/>
+            </a:pPr>
+            <a:r>
+              <a:rPr lang="en-US" sz="1600" b="1" kern="100" dirty="0">
+                <a:effectLst/>
+                <a:latin typeface="Times New Roman" panose="02020603050405020304" pitchFamily="18" charset="0"/>
+                <a:ea typeface="Aptos" panose="020B0004020202020204" pitchFamily="34" charset="0"/>
+                <a:cs typeface="Times New Roman" panose="02020603050405020304" pitchFamily="18" charset="0"/>
+              </a:rPr>
+              <a:t>Definition: </a:t>
+            </a:r>
+            <a:r>
+              <a:rPr lang="en-US" sz="1600" kern="100" dirty="0">
+                <a:effectLst/>
+                <a:latin typeface="Times New Roman" panose="02020603050405020304" pitchFamily="18" charset="0"/>
+                <a:ea typeface="Aptos" panose="020B0004020202020204" pitchFamily="34" charset="0"/>
+                <a:cs typeface="Times New Roman" panose="02020603050405020304" pitchFamily="18" charset="0"/>
+              </a:rPr>
+              <a:t>Prompt size limitations refer to the constraints on the length of input that can be provided to LLMs during an interaction. These limitations are crucial for optimizing the model's performance and ensuring the relevance and coherence of its responses.</a:t>
+            </a:r>
+          </a:p>
+          <a:p>
+            <a:pPr marL="0" marR="0" indent="0">
+              <a:spcBef>
+                <a:spcPts val="0"/>
+              </a:spcBef>
+              <a:spcAft>
+                <a:spcPts val="0"/>
+              </a:spcAft>
+              <a:buNone/>
+            </a:pPr>
+            <a:br>
+              <a:rPr lang="en-US" sz="1600" kern="100" dirty="0">
+                <a:effectLst/>
+                <a:latin typeface="Times New Roman" panose="02020603050405020304" pitchFamily="18" charset="0"/>
+                <a:ea typeface="Aptos" panose="020B0004020202020204" pitchFamily="34" charset="0"/>
+                <a:cs typeface="Times New Roman" panose="02020603050405020304" pitchFamily="18" charset="0"/>
+              </a:rPr>
+            </a:br>
+            <a:r>
+              <a:rPr lang="en-US" sz="1600" b="1" kern="100" dirty="0">
+                <a:effectLst/>
+                <a:latin typeface="Times New Roman" panose="02020603050405020304" pitchFamily="18" charset="0"/>
+                <a:ea typeface="Aptos" panose="020B0004020202020204" pitchFamily="34" charset="0"/>
+                <a:cs typeface="Times New Roman" panose="02020603050405020304" pitchFamily="18" charset="0"/>
+              </a:rPr>
+              <a:t>Example: </a:t>
+            </a:r>
+            <a:r>
+              <a:rPr lang="en-US" sz="1600" kern="100" dirty="0">
+                <a:effectLst/>
+                <a:latin typeface="Times New Roman" panose="02020603050405020304" pitchFamily="18" charset="0"/>
+                <a:ea typeface="Aptos" panose="020B0004020202020204" pitchFamily="34" charset="0"/>
+                <a:cs typeface="Times New Roman" panose="02020603050405020304" pitchFamily="18" charset="0"/>
+              </a:rPr>
+              <a:t>A comparison between concise and detailed prompts illustrates this concept. Concise prompts may lack specific details, leading to more generalized responses, whereas overly detailed prompts might include superfluous information, which can confuse the model or lead to irrelevant details in the output.</a:t>
+            </a:r>
+          </a:p>
+          <a:p>
+            <a:pPr marL="0" marR="0" indent="0">
+              <a:spcBef>
+                <a:spcPts val="0"/>
+              </a:spcBef>
+              <a:spcAft>
+                <a:spcPts val="0"/>
+              </a:spcAft>
+              <a:buNone/>
+            </a:pPr>
+            <a:endParaRPr lang="en-US" sz="1600" kern="100" dirty="0">
+              <a:effectLst/>
+              <a:latin typeface="Times New Roman" panose="02020603050405020304" pitchFamily="18" charset="0"/>
+              <a:ea typeface="Aptos" panose="020B0004020202020204" pitchFamily="34" charset="0"/>
+              <a:cs typeface="Times New Roman" panose="02020603050405020304" pitchFamily="18" charset="0"/>
+            </a:endParaRPr>
+          </a:p>
+          <a:p>
+            <a:pPr marL="0" marR="0" indent="0">
+              <a:spcBef>
+                <a:spcPts val="0"/>
+              </a:spcBef>
+              <a:spcAft>
+                <a:spcPts val="0"/>
+              </a:spcAft>
+              <a:buNone/>
+            </a:pPr>
+            <a:r>
+              <a:rPr lang="en-US" sz="1600" b="1" kern="100" dirty="0">
+                <a:effectLst/>
+                <a:latin typeface="Times New Roman" panose="02020603050405020304" pitchFamily="18" charset="0"/>
+                <a:ea typeface="Aptos" panose="020B0004020202020204" pitchFamily="34" charset="0"/>
+                <a:cs typeface="Times New Roman" panose="02020603050405020304" pitchFamily="18" charset="0"/>
+              </a:rPr>
+              <a:t> Importance: </a:t>
+            </a:r>
+          </a:p>
+          <a:p>
+            <a:pPr marL="0" marR="0">
+              <a:spcBef>
+                <a:spcPts val="0"/>
+              </a:spcBef>
+              <a:spcAft>
+                <a:spcPts val="0"/>
+              </a:spcAft>
+            </a:pPr>
+            <a:r>
+              <a:rPr lang="en-US" sz="1600" kern="100" dirty="0">
+                <a:effectLst/>
+                <a:latin typeface="Times New Roman" panose="02020603050405020304" pitchFamily="18" charset="0"/>
+                <a:ea typeface="Aptos" panose="020B0004020202020204" pitchFamily="34" charset="0"/>
+                <a:cs typeface="Times New Roman" panose="02020603050405020304" pitchFamily="18" charset="0"/>
+              </a:rPr>
+              <a:t>   Improved Focus: Setting limits on prompt length helps in maintaining the focus of the input, ensuring that the model receives only the most relevant information. This leads to more precise and applicable outputs.</a:t>
+            </a:r>
+          </a:p>
+          <a:p>
+            <a:pPr marL="0" marR="0">
+              <a:spcBef>
+                <a:spcPts val="0"/>
+              </a:spcBef>
+              <a:spcAft>
+                <a:spcPts val="0"/>
+              </a:spcAft>
+            </a:pPr>
+            <a:r>
+              <a:rPr lang="en-US" sz="1600" kern="100" dirty="0">
+                <a:effectLst/>
+                <a:latin typeface="Times New Roman" panose="02020603050405020304" pitchFamily="18" charset="0"/>
+                <a:ea typeface="Aptos" panose="020B0004020202020204" pitchFamily="34" charset="0"/>
+                <a:cs typeface="Times New Roman" panose="02020603050405020304" pitchFamily="18" charset="0"/>
+              </a:rPr>
+              <a:t>  Impact on Model Performance: Excessive information can overwhelm the model, potentially causing it to miss critical details or to generate responses that are less accurate or relevant. Conversely, too little information might not give the model enough context to generate useful responses.</a:t>
+            </a:r>
+          </a:p>
+          <a:p>
+            <a:pPr marL="0" marR="0" indent="0">
+              <a:spcBef>
+                <a:spcPts val="0"/>
+              </a:spcBef>
+              <a:spcAft>
+                <a:spcPts val="0"/>
+              </a:spcAft>
+              <a:buNone/>
+            </a:pPr>
+            <a:r>
+              <a:rPr lang="en-US" sz="1600" kern="100" dirty="0">
+                <a:effectLst/>
+                <a:latin typeface="Times New Roman" panose="02020603050405020304" pitchFamily="18" charset="0"/>
+                <a:ea typeface="Aptos" panose="020B0004020202020204" pitchFamily="34" charset="0"/>
+                <a:cs typeface="Times New Roman" panose="02020603050405020304" pitchFamily="18" charset="0"/>
+              </a:rPr>
+              <a:t> </a:t>
+            </a:r>
+          </a:p>
+          <a:p>
+            <a:pPr marL="0" marR="0" indent="0">
+              <a:spcBef>
+                <a:spcPts val="0"/>
+              </a:spcBef>
+              <a:spcAft>
+                <a:spcPts val="0"/>
+              </a:spcAft>
+              <a:buNone/>
+            </a:pPr>
+            <a:r>
+              <a:rPr lang="en-US" sz="1600" b="1" kern="100" dirty="0">
+                <a:effectLst/>
+                <a:latin typeface="Times New Roman" panose="02020603050405020304" pitchFamily="18" charset="0"/>
+                <a:ea typeface="Aptos" panose="020B0004020202020204" pitchFamily="34" charset="0"/>
+                <a:cs typeface="Times New Roman" panose="02020603050405020304" pitchFamily="18" charset="0"/>
+              </a:rPr>
+              <a:t>Practical Tips:</a:t>
+            </a:r>
+          </a:p>
+          <a:p>
+            <a:pPr marL="0" marR="0" indent="0">
+              <a:spcBef>
+                <a:spcPts val="0"/>
+              </a:spcBef>
+              <a:spcAft>
+                <a:spcPts val="0"/>
+              </a:spcAft>
+              <a:buNone/>
+            </a:pPr>
+            <a:r>
+              <a:rPr lang="en-US" sz="1600" kern="100" dirty="0">
+                <a:effectLst/>
+                <a:latin typeface="Times New Roman" panose="02020603050405020304" pitchFamily="18" charset="0"/>
+                <a:ea typeface="Aptos" panose="020B0004020202020204" pitchFamily="34" charset="0"/>
+                <a:cs typeface="Times New Roman" panose="02020603050405020304" pitchFamily="18" charset="0"/>
+              </a:rPr>
+              <a:t>Balancing Prompt Length: Finding the right balance in prompt length is key to effective communication with LLMs. This involves including enough detail to guide the model's response without overloading it with unnecessary information.</a:t>
+            </a:r>
+          </a:p>
+          <a:p>
+            <a:pPr marL="0" marR="0" indent="0">
+              <a:spcBef>
+                <a:spcPts val="0"/>
+              </a:spcBef>
+              <a:spcAft>
+                <a:spcPts val="0"/>
+              </a:spcAft>
+              <a:buNone/>
+            </a:pPr>
+            <a:endParaRPr lang="en-US" sz="1600" kern="100" dirty="0">
+              <a:effectLst/>
+              <a:latin typeface="Times New Roman" panose="02020603050405020304" pitchFamily="18" charset="0"/>
+              <a:ea typeface="Aptos" panose="020B0004020202020204" pitchFamily="34" charset="0"/>
+              <a:cs typeface="Times New Roman" panose="02020603050405020304" pitchFamily="18" charset="0"/>
+            </a:endParaRPr>
+          </a:p>
+          <a:p>
+            <a:pPr marL="0" marR="0" indent="0">
+              <a:spcBef>
+                <a:spcPts val="0"/>
+              </a:spcBef>
+              <a:spcAft>
+                <a:spcPts val="0"/>
+              </a:spcAft>
+              <a:buNone/>
+            </a:pPr>
+            <a:r>
+              <a:rPr lang="en-US" sz="1600" b="1" kern="100" dirty="0">
+                <a:effectLst/>
+                <a:latin typeface="Times New Roman" panose="02020603050405020304" pitchFamily="18" charset="0"/>
+                <a:ea typeface="Aptos" panose="020B0004020202020204" pitchFamily="34" charset="0"/>
+                <a:cs typeface="Times New Roman" panose="02020603050405020304" pitchFamily="18" charset="0"/>
+              </a:rPr>
+              <a:t>Best Practices:</a:t>
+            </a:r>
+          </a:p>
+          <a:p>
+            <a:pPr marL="0" marR="0" indent="0">
+              <a:spcBef>
+                <a:spcPts val="0"/>
+              </a:spcBef>
+              <a:spcAft>
+                <a:spcPts val="0"/>
+              </a:spcAft>
+              <a:buNone/>
+            </a:pPr>
+            <a:r>
+              <a:rPr lang="en-US" sz="1600" kern="100" dirty="0">
+                <a:effectLst/>
+                <a:latin typeface="Times New Roman" panose="02020603050405020304" pitchFamily="18" charset="0"/>
+                <a:ea typeface="Aptos" panose="020B0004020202020204" pitchFamily="34" charset="0"/>
+                <a:cs typeface="Times New Roman" panose="02020603050405020304" pitchFamily="18" charset="0"/>
+              </a:rPr>
+              <a:t>Utilize Persona Patterns: Crafting prompts that follow certain "persona patterns" can help maintain coherence in interactions. For example, structuring prompts to mimic a specific style of inquiry or response can guide the model to produce outputs that are consistent and coherent.</a:t>
+            </a:r>
+          </a:p>
+          <a:p>
+            <a:pPr marL="0" marR="0" indent="0">
+              <a:spcBef>
+                <a:spcPts val="0"/>
+              </a:spcBef>
+              <a:spcAft>
+                <a:spcPts val="0"/>
+              </a:spcAft>
+              <a:buNone/>
+            </a:pPr>
+            <a:endParaRPr lang="en-US" sz="1600" kern="100" dirty="0">
+              <a:effectLst/>
+              <a:latin typeface="Times New Roman" panose="02020603050405020304" pitchFamily="18" charset="0"/>
+              <a:ea typeface="Aptos" panose="020B0004020202020204" pitchFamily="34" charset="0"/>
+              <a:cs typeface="Times New Roman" panose="02020603050405020304" pitchFamily="18" charset="0"/>
+            </a:endParaRPr>
+          </a:p>
+          <a:p>
+            <a:pPr marL="0" marR="0" indent="0">
+              <a:spcBef>
+                <a:spcPts val="0"/>
+              </a:spcBef>
+              <a:spcAft>
+                <a:spcPts val="0"/>
+              </a:spcAft>
+              <a:buNone/>
+            </a:pPr>
+            <a:r>
+              <a:rPr lang="en-US" sz="1600" kern="100" dirty="0">
+                <a:effectLst/>
+                <a:latin typeface="Times New Roman" panose="02020603050405020304" pitchFamily="18" charset="0"/>
+                <a:ea typeface="Aptos" panose="020B0004020202020204" pitchFamily="34" charset="0"/>
+                <a:cs typeface="Times New Roman" panose="02020603050405020304" pitchFamily="18" charset="0"/>
+              </a:rPr>
+              <a:t>Chunking Information: When dealing with complex queries or instructions, breaking down the information into smaller, manageable pieces can help the model process each part more effectively, leading to better overall outcomes.</a:t>
+            </a:r>
+          </a:p>
+          <a:p>
+            <a:pPr marL="0" marR="0" indent="0">
+              <a:spcBef>
+                <a:spcPts val="0"/>
+              </a:spcBef>
+              <a:spcAft>
+                <a:spcPts val="0"/>
+              </a:spcAft>
+              <a:buNone/>
+            </a:pPr>
+            <a:endParaRPr lang="en-US" sz="1600" kern="100" dirty="0">
+              <a:effectLst/>
+              <a:latin typeface="Times New Roman" panose="02020603050405020304" pitchFamily="18" charset="0"/>
+              <a:ea typeface="Aptos" panose="020B0004020202020204" pitchFamily="34" charset="0"/>
+              <a:cs typeface="Times New Roman" panose="02020603050405020304" pitchFamily="18" charset="0"/>
+            </a:endParaRPr>
+          </a:p>
+          <a:p>
+            <a:pPr marL="0" marR="0" indent="0">
+              <a:spcBef>
+                <a:spcPts val="0"/>
+              </a:spcBef>
+              <a:spcAft>
+                <a:spcPts val="0"/>
+              </a:spcAft>
+              <a:buNone/>
+            </a:pPr>
+            <a:r>
+              <a:rPr lang="en-US" sz="1600" kern="100" dirty="0">
+                <a:effectLst/>
+                <a:latin typeface="Times New Roman" panose="02020603050405020304" pitchFamily="18" charset="0"/>
+                <a:ea typeface="Aptos" panose="020B0004020202020204" pitchFamily="34" charset="0"/>
+                <a:cs typeface="Times New Roman" panose="02020603050405020304" pitchFamily="18" charset="0"/>
+              </a:rPr>
+              <a:t> </a:t>
+            </a:r>
+          </a:p>
+          <a:p>
+            <a:endParaRPr lang="en-US" sz="1600" dirty="0">
+              <a:latin typeface="Times New Roman" panose="02020603050405020304" pitchFamily="18" charset="0"/>
+              <a:cs typeface="Times New Roman" panose="02020603050405020304" pitchFamily="18" charset="0"/>
+            </a:endParaRPr>
+          </a:p>
+        </p:txBody>
+      </p:sp>
+    </p:spTree>
+    <p:extLst>
+      <p:ext uri="{BB962C8B-B14F-4D97-AF65-F5344CB8AC3E}">
+        <p14:creationId xmlns:p14="http://schemas.microsoft.com/office/powerpoint/2010/main" val="2229943876"/>
+      </p:ext>
+    </p:extLst>
+  </p:cSld>
+  <p:clrMapOvr>
+    <a:masterClrMapping/>
+  </p:clrMapOvr>
+</p:sld>
+</file>
+
+<file path=ppt/slides/slide23.xml><?xml version="1.0" encoding="utf-8"?>
+<p:sld xmlns:a="http://schemas.openxmlformats.org/drawingml/2006/main" xmlns:r="http://schemas.openxmlformats.org/officeDocument/2006/relationships" xmlns:p="http://schemas.openxmlformats.org/presentationml/2006/main" show="0">
+  <p:cSld>
+    <p:spTree>
+      <p:nvGrpSpPr>
+        <p:cNvPr id="1" name=""/>
+        <p:cNvGrpSpPr/>
+        <p:nvPr/>
+      </p:nvGrpSpPr>
+      <p:grpSpPr>
+        <a:xfrm>
+          <a:off x="0" y="0"/>
+          <a:ext cx="0" cy="0"/>
+          <a:chOff x="0" y="0"/>
+          <a:chExt cx="0" cy="0"/>
+        </a:xfrm>
+      </p:grpSpPr>
+      <p:sp>
+        <p:nvSpPr>
+          <p:cNvPr id="2" name="Title 1">
+            <a:extLst>
+              <a:ext uri="{FF2B5EF4-FFF2-40B4-BE49-F238E27FC236}">
+                <a16:creationId xmlns:a16="http://schemas.microsoft.com/office/drawing/2014/main" id="{B88B9A78-2609-DEE5-2499-3E9660AD7855}"/>
+              </a:ext>
+            </a:extLst>
+          </p:cNvPr>
+          <p:cNvSpPr>
+            <a:spLocks noGrp="1"/>
+          </p:cNvSpPr>
+          <p:nvPr>
+            <p:ph type="title"/>
+          </p:nvPr>
+        </p:nvSpPr>
+        <p:spPr>
+          <a:xfrm>
+            <a:off x="152400" y="344905"/>
             <a:ext cx="11604170" cy="1130135"/>
           </a:xfrm>
         </p:spPr>
@@ -8402,7 +9672,7 @@
     </p:spTree>
     <p:extLst>
       <p:ext uri="{BB962C8B-B14F-4D97-AF65-F5344CB8AC3E}">
-        <p14:creationId xmlns:p14="http://schemas.microsoft.com/office/powerpoint/2010/main" val="2229943876"/>
+        <p14:creationId xmlns:p14="http://schemas.microsoft.com/office/powerpoint/2010/main" val="1905516647"/>
       </p:ext>
     </p:extLst>
   </p:cSld>
@@ -8412,7 +9682,7 @@
 </p:sld>
 </file>
 
-<file path=ppt/slides/slide22.xml><?xml version="1.0" encoding="utf-8"?>
+<file path=ppt/slides/slide24.xml><?xml version="1.0" encoding="utf-8"?>
 <p:sld xmlns:a="http://schemas.openxmlformats.org/drawingml/2006/main" xmlns:r="http://schemas.openxmlformats.org/officeDocument/2006/relationships" xmlns:p="http://schemas.openxmlformats.org/presentationml/2006/main">
   <p:cSld>
     <p:spTree>
@@ -8445,12 +9715,25 @@
             <p:ph type="title"/>
           </p:nvPr>
         </p:nvSpPr>
-        <p:spPr/>
+        <p:spPr>
+          <a:xfrm>
+            <a:off x="92242" y="120317"/>
+            <a:ext cx="5093369" cy="685800"/>
+          </a:xfrm>
+        </p:spPr>
         <p:txBody>
-          <a:bodyPr/>
+          <a:bodyPr>
+            <a:normAutofit/>
+          </a:bodyPr>
           <a:lstStyle/>
           <a:p>
-            <a:endParaRPr lang="en-US"/>
+            <a:r>
+              <a:rPr lang="en-US" sz="3600" dirty="0">
+                <a:latin typeface="Times New Roman" panose="02020603050405020304" pitchFamily="18" charset="0"/>
+                <a:cs typeface="Times New Roman" panose="02020603050405020304" pitchFamily="18" charset="0"/>
+              </a:rPr>
+              <a:t>QUIZ</a:t>
+            </a:r>
           </a:p>
         </p:txBody>
       </p:sp>
@@ -8470,12 +9753,314 @@
             <p:ph idx="1"/>
           </p:nvPr>
         </p:nvSpPr>
-        <p:spPr/>
+        <p:spPr>
+          <a:xfrm>
+            <a:off x="240631" y="1115761"/>
+            <a:ext cx="11710737" cy="5742239"/>
+          </a:xfrm>
+        </p:spPr>
         <p:txBody>
-          <a:bodyPr/>
+          <a:bodyPr>
+            <a:noAutofit/>
+          </a:bodyPr>
           <a:lstStyle/>
           <a:p>
-            <a:endParaRPr lang="en-US"/>
+            <a:pPr marL="0" indent="0" algn="l">
+              <a:buNone/>
+            </a:pPr>
+            <a:r>
+              <a:rPr lang="en-US" sz="1600" b="1" i="0" dirty="0">
+                <a:solidFill>
+                  <a:srgbClr val="0D0D0D"/>
+                </a:solidFill>
+                <a:effectLst/>
+                <a:latin typeface="Times New Roman" panose="02020603050405020304" pitchFamily="18" charset="0"/>
+                <a:cs typeface="Times New Roman" panose="02020603050405020304" pitchFamily="18" charset="0"/>
+              </a:rPr>
+              <a:t>Multiple Choice Questions (MCQs):</a:t>
+            </a:r>
+          </a:p>
+          <a:p>
+            <a:pPr marL="0" indent="0" algn="l">
+              <a:buNone/>
+            </a:pPr>
+            <a:r>
+              <a:rPr lang="en-US" sz="1600" b="1" i="0" dirty="0">
+                <a:solidFill>
+                  <a:srgbClr val="0D0D0D"/>
+                </a:solidFill>
+                <a:effectLst/>
+                <a:latin typeface="Times New Roman" panose="02020603050405020304" pitchFamily="18" charset="0"/>
+                <a:cs typeface="Times New Roman" panose="02020603050405020304" pitchFamily="18" charset="0"/>
+              </a:rPr>
+              <a:t>MCQ 1:</a:t>
+            </a:r>
+            <a:r>
+              <a:rPr lang="en-US" sz="1600" b="0" i="0" dirty="0">
+                <a:solidFill>
+                  <a:srgbClr val="0D0D0D"/>
+                </a:solidFill>
+                <a:effectLst/>
+                <a:latin typeface="Times New Roman" panose="02020603050405020304" pitchFamily="18" charset="0"/>
+                <a:cs typeface="Times New Roman" panose="02020603050405020304" pitchFamily="18" charset="0"/>
+              </a:rPr>
+              <a:t> What is the primary purpose of using Prompt Patterns in Large Language Models? </a:t>
+            </a:r>
+          </a:p>
+          <a:p>
+            <a:pPr marL="0" indent="0" algn="l">
+              <a:buNone/>
+            </a:pPr>
+            <a:r>
+              <a:rPr lang="en-US" sz="1600" b="0" i="0" dirty="0">
+                <a:solidFill>
+                  <a:srgbClr val="0D0D0D"/>
+                </a:solidFill>
+                <a:effectLst/>
+                <a:latin typeface="Times New Roman" panose="02020603050405020304" pitchFamily="18" charset="0"/>
+                <a:cs typeface="Times New Roman" panose="02020603050405020304" pitchFamily="18" charset="0"/>
+              </a:rPr>
+              <a:t>a) To introduce randomness in the output.</a:t>
+            </a:r>
+          </a:p>
+          <a:p>
+            <a:pPr marL="0" indent="0" algn="l">
+              <a:buNone/>
+            </a:pPr>
+            <a:r>
+              <a:rPr lang="en-US" sz="1600" b="1" i="0" dirty="0">
+                <a:solidFill>
+                  <a:srgbClr val="0D0D0D"/>
+                </a:solidFill>
+                <a:effectLst/>
+                <a:latin typeface="Times New Roman" panose="02020603050405020304" pitchFamily="18" charset="0"/>
+                <a:cs typeface="Times New Roman" panose="02020603050405020304" pitchFamily="18" charset="0"/>
+              </a:rPr>
+              <a:t>b) To structure and guide the input for the model.</a:t>
+            </a:r>
+          </a:p>
+          <a:p>
+            <a:pPr marL="0" indent="0" algn="l">
+              <a:buNone/>
+            </a:pPr>
+            <a:r>
+              <a:rPr lang="en-US" sz="1600" b="0" i="0" dirty="0">
+                <a:solidFill>
+                  <a:srgbClr val="0D0D0D"/>
+                </a:solidFill>
+                <a:effectLst/>
+                <a:latin typeface="Times New Roman" panose="02020603050405020304" pitchFamily="18" charset="0"/>
+                <a:cs typeface="Times New Roman" panose="02020603050405020304" pitchFamily="18" charset="0"/>
+              </a:rPr>
+              <a:t>c) To limit the prompt size.</a:t>
+            </a:r>
+          </a:p>
+          <a:p>
+            <a:pPr marL="0" indent="0" algn="l">
+              <a:buNone/>
+            </a:pPr>
+            <a:r>
+              <a:rPr lang="en-US" sz="1600" b="0" i="0" dirty="0">
+                <a:solidFill>
+                  <a:srgbClr val="0D0D0D"/>
+                </a:solidFill>
+                <a:effectLst/>
+                <a:latin typeface="Times New Roman" panose="02020603050405020304" pitchFamily="18" charset="0"/>
+                <a:cs typeface="Times New Roman" panose="02020603050405020304" pitchFamily="18" charset="0"/>
+              </a:rPr>
+              <a:t>d) To restrict the output to predefined patterns.</a:t>
+            </a:r>
+          </a:p>
+          <a:p>
+            <a:pPr marL="0" indent="0" algn="l">
+              <a:buNone/>
+            </a:pPr>
+            <a:r>
+              <a:rPr lang="en-US" sz="1600" b="1" i="0" dirty="0">
+                <a:solidFill>
+                  <a:srgbClr val="0D0D0D"/>
+                </a:solidFill>
+                <a:effectLst/>
+                <a:latin typeface="Times New Roman" panose="02020603050405020304" pitchFamily="18" charset="0"/>
+                <a:cs typeface="Times New Roman" panose="02020603050405020304" pitchFamily="18" charset="0"/>
+              </a:rPr>
+              <a:t>MCQ 2:</a:t>
+            </a:r>
+            <a:r>
+              <a:rPr lang="en-US" sz="1600" b="0" i="0" dirty="0">
+                <a:solidFill>
+                  <a:srgbClr val="0D0D0D"/>
+                </a:solidFill>
+                <a:effectLst/>
+                <a:latin typeface="Times New Roman" panose="02020603050405020304" pitchFamily="18" charset="0"/>
+                <a:cs typeface="Times New Roman" panose="02020603050405020304" pitchFamily="18" charset="0"/>
+              </a:rPr>
+              <a:t> In the context of Large Language Models, what does "Persona Pattern" primarily focus on?</a:t>
+            </a:r>
+          </a:p>
+          <a:p>
+            <a:pPr marL="0" indent="0" algn="l">
+              <a:buNone/>
+            </a:pPr>
+            <a:r>
+              <a:rPr lang="en-US" sz="1600" b="0" i="0" dirty="0">
+                <a:solidFill>
+                  <a:srgbClr val="0D0D0D"/>
+                </a:solidFill>
+                <a:effectLst/>
+                <a:latin typeface="Times New Roman" panose="02020603050405020304" pitchFamily="18" charset="0"/>
+                <a:cs typeface="Times New Roman" panose="02020603050405020304" pitchFamily="18" charset="0"/>
+              </a:rPr>
+              <a:t>a) Controlling randomness in output.</a:t>
+            </a:r>
+          </a:p>
+          <a:p>
+            <a:pPr marL="0" indent="0" algn="l">
+              <a:buNone/>
+            </a:pPr>
+            <a:r>
+              <a:rPr lang="en-US" sz="1600" b="0" i="0" dirty="0">
+                <a:solidFill>
+                  <a:srgbClr val="0D0D0D"/>
+                </a:solidFill>
+                <a:effectLst/>
+                <a:latin typeface="Times New Roman" panose="02020603050405020304" pitchFamily="18" charset="0"/>
+                <a:cs typeface="Times New Roman" panose="02020603050405020304" pitchFamily="18" charset="0"/>
+              </a:rPr>
+              <a:t>b) Introducing new information.</a:t>
+            </a:r>
+          </a:p>
+          <a:p>
+            <a:pPr marL="0" indent="0" algn="l">
+              <a:buNone/>
+            </a:pPr>
+            <a:r>
+              <a:rPr lang="en-US" sz="1600" b="1" i="0" dirty="0">
+                <a:solidFill>
+                  <a:srgbClr val="0D0D0D"/>
+                </a:solidFill>
+                <a:effectLst/>
+                <a:latin typeface="Times New Roman" panose="02020603050405020304" pitchFamily="18" charset="0"/>
+                <a:cs typeface="Times New Roman" panose="02020603050405020304" pitchFamily="18" charset="0"/>
+              </a:rPr>
+              <a:t>c) Structuring the input with a specified persona.</a:t>
+            </a:r>
+          </a:p>
+          <a:p>
+            <a:pPr marL="0" indent="0" algn="l">
+              <a:buNone/>
+            </a:pPr>
+            <a:r>
+              <a:rPr lang="en-US" sz="1600" b="0" i="0" dirty="0">
+                <a:solidFill>
+                  <a:srgbClr val="0D0D0D"/>
+                </a:solidFill>
+                <a:effectLst/>
+                <a:latin typeface="Times New Roman" panose="02020603050405020304" pitchFamily="18" charset="0"/>
+                <a:cs typeface="Times New Roman" panose="02020603050405020304" pitchFamily="18" charset="0"/>
+              </a:rPr>
+              <a:t>d) Limiting prompt size.</a:t>
+            </a:r>
+          </a:p>
+          <a:p>
+            <a:pPr marL="0" indent="0" algn="l">
+              <a:buNone/>
+            </a:pPr>
+            <a:r>
+              <a:rPr lang="en-US" sz="1600" b="1" i="0" dirty="0">
+                <a:solidFill>
+                  <a:srgbClr val="0D0D0D"/>
+                </a:solidFill>
+                <a:effectLst/>
+                <a:latin typeface="Times New Roman" panose="02020603050405020304" pitchFamily="18" charset="0"/>
+                <a:cs typeface="Times New Roman" panose="02020603050405020304" pitchFamily="18" charset="0"/>
+              </a:rPr>
+              <a:t>MCQ 3:</a:t>
+            </a:r>
+            <a:r>
+              <a:rPr lang="en-US" sz="1600" b="0" i="0" dirty="0">
+                <a:solidFill>
+                  <a:srgbClr val="0D0D0D"/>
+                </a:solidFill>
+                <a:effectLst/>
+                <a:latin typeface="Times New Roman" panose="02020603050405020304" pitchFamily="18" charset="0"/>
+                <a:cs typeface="Times New Roman" panose="02020603050405020304" pitchFamily="18" charset="0"/>
+              </a:rPr>
+              <a:t> Why is controlling prompt size important when interacting with Large Language Models?</a:t>
+            </a:r>
+          </a:p>
+          <a:p>
+            <a:pPr marL="0" indent="0" algn="l">
+              <a:buNone/>
+            </a:pPr>
+            <a:r>
+              <a:rPr lang="en-US" sz="1600" b="0" i="0" dirty="0">
+                <a:solidFill>
+                  <a:srgbClr val="0D0D0D"/>
+                </a:solidFill>
+                <a:effectLst/>
+                <a:latin typeface="Times New Roman" panose="02020603050405020304" pitchFamily="18" charset="0"/>
+                <a:cs typeface="Times New Roman" panose="02020603050405020304" pitchFamily="18" charset="0"/>
+              </a:rPr>
+              <a:t>a) It enhances the model's creativity.</a:t>
+            </a:r>
+          </a:p>
+          <a:p>
+            <a:pPr marL="0" indent="0" algn="l">
+              <a:buNone/>
+            </a:pPr>
+            <a:r>
+              <a:rPr lang="en-US" sz="1600" b="0" i="0" dirty="0">
+                <a:solidFill>
+                  <a:srgbClr val="0D0D0D"/>
+                </a:solidFill>
+                <a:effectLst/>
+                <a:latin typeface="Times New Roman" panose="02020603050405020304" pitchFamily="18" charset="0"/>
+                <a:cs typeface="Times New Roman" panose="02020603050405020304" pitchFamily="18" charset="0"/>
+              </a:rPr>
+              <a:t>b) It improves the model's understanding of context.</a:t>
+            </a:r>
+          </a:p>
+          <a:p>
+            <a:pPr marL="0" indent="0" algn="l">
+              <a:buNone/>
+            </a:pPr>
+            <a:r>
+              <a:rPr lang="en-US" sz="1600" b="1" i="0" dirty="0">
+                <a:solidFill>
+                  <a:srgbClr val="0D0D0D"/>
+                </a:solidFill>
+                <a:effectLst/>
+                <a:latin typeface="Times New Roman" panose="02020603050405020304" pitchFamily="18" charset="0"/>
+                <a:cs typeface="Times New Roman" panose="02020603050405020304" pitchFamily="18" charset="0"/>
+              </a:rPr>
+              <a:t>c) It prevents overwhelming the model with information.</a:t>
+            </a:r>
+          </a:p>
+          <a:p>
+            <a:pPr marL="0" indent="0" algn="l">
+              <a:buNone/>
+            </a:pPr>
+            <a:r>
+              <a:rPr lang="en-US" sz="1600" b="0" i="0" dirty="0">
+                <a:solidFill>
+                  <a:srgbClr val="0D0D0D"/>
+                </a:solidFill>
+                <a:effectLst/>
+                <a:latin typeface="Times New Roman" panose="02020603050405020304" pitchFamily="18" charset="0"/>
+                <a:cs typeface="Times New Roman" panose="02020603050405020304" pitchFamily="18" charset="0"/>
+              </a:rPr>
+              <a:t>d) It allows the model to generate longer responses.</a:t>
+            </a:r>
+          </a:p>
+          <a:p>
+            <a:pPr marL="0" indent="0">
+              <a:buNone/>
+            </a:pPr>
+            <a:endParaRPr lang="en-US" sz="1600" dirty="0">
+              <a:latin typeface="Times New Roman" panose="02020603050405020304" pitchFamily="18" charset="0"/>
+              <a:cs typeface="Times New Roman" panose="02020603050405020304" pitchFamily="18" charset="0"/>
+            </a:endParaRPr>
           </a:p>
         </p:txBody>
       </p:sp>
@@ -8492,7 +10077,7 @@
 </p:sld>
 </file>
 
-<file path=ppt/slides/slide23.xml><?xml version="1.0" encoding="utf-8"?>
+<file path=ppt/slides/slide25.xml><?xml version="1.0" encoding="utf-8"?>
 <p:sld xmlns:a="http://schemas.openxmlformats.org/drawingml/2006/main" xmlns:r="http://schemas.openxmlformats.org/officeDocument/2006/relationships" xmlns:p="http://schemas.openxmlformats.org/presentationml/2006/main">
   <p:cSld>
     <p:spTree>
@@ -8514,7 +10099,7 @@
           <p:cNvPr id="2" name="Title 1">
             <a:extLst>
               <a:ext uri="{FF2B5EF4-FFF2-40B4-BE49-F238E27FC236}">
-                <a16:creationId xmlns:a16="http://schemas.microsoft.com/office/drawing/2014/main" id="{D76740EA-BB2B-089D-8894-F7B4247C4EAB}"/>
+                <a16:creationId xmlns:a16="http://schemas.microsoft.com/office/drawing/2014/main" id="{58093C6F-F772-4D52-22D2-5672836EE9C1}"/>
               </a:ext>
             </a:extLst>
           </p:cNvPr>
@@ -8525,15 +10110,268 @@
             <p:ph type="title"/>
           </p:nvPr>
         </p:nvSpPr>
-        <p:spPr/>
+        <p:spPr>
+          <a:xfrm>
+            <a:off x="92242" y="120316"/>
+            <a:ext cx="5093369" cy="856331"/>
+          </a:xfrm>
+        </p:spPr>
         <p:txBody>
-          <a:bodyPr/>
+          <a:bodyPr>
+            <a:normAutofit/>
+          </a:bodyPr>
           <a:lstStyle/>
           <a:p>
-            <a:endParaRPr lang="en-US"/>
+            <a:r>
+              <a:rPr lang="en-US" sz="3600" dirty="0">
+                <a:latin typeface="Times New Roman" panose="02020603050405020304" pitchFamily="18" charset="0"/>
+                <a:cs typeface="Times New Roman" panose="02020603050405020304" pitchFamily="18" charset="0"/>
+              </a:rPr>
+              <a:t>QUIZ</a:t>
+            </a:r>
           </a:p>
         </p:txBody>
       </p:sp>
+      <p:sp>
+        <p:nvSpPr>
+          <p:cNvPr id="3" name="Content Placeholder 2">
+            <a:extLst>
+              <a:ext uri="{FF2B5EF4-FFF2-40B4-BE49-F238E27FC236}">
+                <a16:creationId xmlns:a16="http://schemas.microsoft.com/office/drawing/2014/main" id="{F0F5C8B6-B1F3-17E5-0ACF-8B39C4750499}"/>
+              </a:ext>
+            </a:extLst>
+          </p:cNvPr>
+          <p:cNvSpPr>
+            <a:spLocks noGrp="1"/>
+          </p:cNvSpPr>
+          <p:nvPr>
+            <p:ph idx="1"/>
+          </p:nvPr>
+        </p:nvSpPr>
+        <p:spPr>
+          <a:xfrm>
+            <a:off x="296778" y="1404518"/>
+            <a:ext cx="11710737" cy="5333165"/>
+          </a:xfrm>
+        </p:spPr>
+        <p:txBody>
+          <a:bodyPr>
+            <a:noAutofit/>
+          </a:bodyPr>
+          <a:lstStyle/>
+          <a:p>
+            <a:pPr marL="0" indent="0" algn="l">
+              <a:buNone/>
+            </a:pPr>
+            <a:r>
+              <a:rPr lang="en-US" sz="1600" b="1" i="0" dirty="0">
+                <a:solidFill>
+                  <a:srgbClr val="0D0D0D"/>
+                </a:solidFill>
+                <a:effectLst/>
+                <a:latin typeface="Times New Roman" panose="02020603050405020304" pitchFamily="18" charset="0"/>
+                <a:cs typeface="Times New Roman" panose="02020603050405020304" pitchFamily="18" charset="0"/>
+              </a:rPr>
+              <a:t>Multiple Choice Questions (MCQs):</a:t>
+            </a:r>
+          </a:p>
+          <a:p>
+            <a:pPr marL="0" indent="0" algn="l">
+              <a:buNone/>
+            </a:pPr>
+            <a:endParaRPr lang="en-US" sz="1600" b="1" i="0" dirty="0">
+              <a:solidFill>
+                <a:srgbClr val="0D0D0D"/>
+              </a:solidFill>
+              <a:effectLst/>
+              <a:latin typeface="Times New Roman" panose="02020603050405020304" pitchFamily="18" charset="0"/>
+              <a:cs typeface="Times New Roman" panose="02020603050405020304" pitchFamily="18" charset="0"/>
+            </a:endParaRPr>
+          </a:p>
+          <a:p>
+            <a:pPr marL="0" indent="0">
+              <a:buNone/>
+            </a:pPr>
+            <a:r>
+              <a:rPr lang="en-US" sz="1600" b="1" dirty="0">
+                <a:latin typeface="Times New Roman" panose="02020603050405020304" pitchFamily="18" charset="0"/>
+                <a:cs typeface="Times New Roman" panose="02020603050405020304" pitchFamily="18" charset="0"/>
+              </a:rPr>
+              <a:t>MCQ 4: </a:t>
+            </a:r>
+            <a:r>
+              <a:rPr lang="en-US" sz="1600" dirty="0">
+                <a:latin typeface="Times New Roman" panose="02020603050405020304" pitchFamily="18" charset="0"/>
+                <a:cs typeface="Times New Roman" panose="02020603050405020304" pitchFamily="18" charset="0"/>
+              </a:rPr>
+              <a:t>What is the significance of introducing new information to Large Language Models through prompts?</a:t>
+            </a:r>
+          </a:p>
+          <a:p>
+            <a:pPr marL="0" indent="0">
+              <a:buNone/>
+            </a:pPr>
+            <a:r>
+              <a:rPr lang="en-US" sz="1600" dirty="0">
+                <a:latin typeface="Times New Roman" panose="02020603050405020304" pitchFamily="18" charset="0"/>
+                <a:cs typeface="Times New Roman" panose="02020603050405020304" pitchFamily="18" charset="0"/>
+              </a:rPr>
+              <a:t>a) It helps in testing the model's memory capacity.</a:t>
+            </a:r>
+          </a:p>
+          <a:p>
+            <a:pPr marL="0" indent="0">
+              <a:buNone/>
+            </a:pPr>
+            <a:r>
+              <a:rPr lang="en-US" sz="1600" b="1" dirty="0">
+                <a:latin typeface="Times New Roman" panose="02020603050405020304" pitchFamily="18" charset="0"/>
+                <a:cs typeface="Times New Roman" panose="02020603050405020304" pitchFamily="18" charset="0"/>
+              </a:rPr>
+              <a:t>b) It enhances the model's ability to generalize.</a:t>
+            </a:r>
+          </a:p>
+          <a:p>
+            <a:pPr marL="0" indent="0">
+              <a:buNone/>
+            </a:pPr>
+            <a:r>
+              <a:rPr lang="en-US" sz="1600" dirty="0">
+                <a:latin typeface="Times New Roman" panose="02020603050405020304" pitchFamily="18" charset="0"/>
+                <a:cs typeface="Times New Roman" panose="02020603050405020304" pitchFamily="18" charset="0"/>
+              </a:rPr>
+              <a:t>c) It is not possible with current language models.</a:t>
+            </a:r>
+          </a:p>
+          <a:p>
+            <a:pPr marL="0" indent="0">
+              <a:buNone/>
+            </a:pPr>
+            <a:r>
+              <a:rPr lang="en-US" sz="1600" dirty="0">
+                <a:latin typeface="Times New Roman" panose="02020603050405020304" pitchFamily="18" charset="0"/>
+                <a:cs typeface="Times New Roman" panose="02020603050405020304" pitchFamily="18" charset="0"/>
+              </a:rPr>
+              <a:t>d) It reduces the model's performance.</a:t>
+            </a:r>
+          </a:p>
+          <a:p>
+            <a:pPr marL="0" indent="0">
+              <a:buNone/>
+            </a:pPr>
+            <a:endParaRPr lang="en-US" sz="1600" dirty="0">
+              <a:latin typeface="Times New Roman" panose="02020603050405020304" pitchFamily="18" charset="0"/>
+              <a:cs typeface="Times New Roman" panose="02020603050405020304" pitchFamily="18" charset="0"/>
+            </a:endParaRPr>
+          </a:p>
+          <a:p>
+            <a:pPr marL="0" indent="0">
+              <a:buNone/>
+            </a:pPr>
+            <a:r>
+              <a:rPr lang="en-US" sz="1600" b="1" dirty="0">
+                <a:latin typeface="Times New Roman" panose="02020603050405020304" pitchFamily="18" charset="0"/>
+                <a:cs typeface="Times New Roman" panose="02020603050405020304" pitchFamily="18" charset="0"/>
+              </a:rPr>
+              <a:t>MCQ 5</a:t>
+            </a:r>
+            <a:r>
+              <a:rPr lang="en-US" sz="1600" dirty="0">
+                <a:latin typeface="Times New Roman" panose="02020603050405020304" pitchFamily="18" charset="0"/>
+                <a:cs typeface="Times New Roman" panose="02020603050405020304" pitchFamily="18" charset="0"/>
+              </a:rPr>
+              <a:t>: How can randomness in the output of Large Language Models be influenced or controlled?</a:t>
+            </a:r>
+          </a:p>
+          <a:p>
+            <a:pPr marL="0" indent="0">
+              <a:buNone/>
+            </a:pPr>
+            <a:r>
+              <a:rPr lang="en-US" sz="1600" dirty="0">
+                <a:latin typeface="Times New Roman" panose="02020603050405020304" pitchFamily="18" charset="0"/>
+                <a:cs typeface="Times New Roman" panose="02020603050405020304" pitchFamily="18" charset="0"/>
+              </a:rPr>
+              <a:t>a) By using fixed and rigid prompt patterns.</a:t>
+            </a:r>
+          </a:p>
+          <a:p>
+            <a:pPr marL="0" indent="0">
+              <a:buNone/>
+            </a:pPr>
+            <a:r>
+              <a:rPr lang="en-US" sz="1600" dirty="0">
+                <a:latin typeface="Times New Roman" panose="02020603050405020304" pitchFamily="18" charset="0"/>
+                <a:cs typeface="Times New Roman" panose="02020603050405020304" pitchFamily="18" charset="0"/>
+              </a:rPr>
+              <a:t>b) By increasing the prompt size.</a:t>
+            </a:r>
+          </a:p>
+          <a:p>
+            <a:pPr marL="0" indent="0">
+              <a:buNone/>
+            </a:pPr>
+            <a:r>
+              <a:rPr lang="en-US" sz="1600" b="1" dirty="0">
+                <a:latin typeface="Times New Roman" panose="02020603050405020304" pitchFamily="18" charset="0"/>
+                <a:cs typeface="Times New Roman" panose="02020603050405020304" pitchFamily="18" charset="0"/>
+              </a:rPr>
+              <a:t>c) By adjusting parameters or modifying prompt patterns.</a:t>
+            </a:r>
+          </a:p>
+          <a:p>
+            <a:pPr marL="0" indent="0">
+              <a:buNone/>
+            </a:pPr>
+            <a:r>
+              <a:rPr lang="en-US" sz="1600" dirty="0">
+                <a:latin typeface="Times New Roman" panose="02020603050405020304" pitchFamily="18" charset="0"/>
+                <a:cs typeface="Times New Roman" panose="02020603050405020304" pitchFamily="18" charset="0"/>
+              </a:rPr>
+              <a:t>d) By limiting the use of Persona Patterns.</a:t>
+            </a:r>
+          </a:p>
+          <a:p>
+            <a:pPr marL="0" indent="0">
+              <a:buNone/>
+            </a:pPr>
+            <a:endParaRPr lang="en-US" sz="1600" dirty="0">
+              <a:latin typeface="Times New Roman" panose="02020603050405020304" pitchFamily="18" charset="0"/>
+              <a:cs typeface="Times New Roman" panose="02020603050405020304" pitchFamily="18" charset="0"/>
+            </a:endParaRPr>
+          </a:p>
+        </p:txBody>
+      </p:sp>
+    </p:spTree>
+    <p:extLst>
+      <p:ext uri="{BB962C8B-B14F-4D97-AF65-F5344CB8AC3E}">
+        <p14:creationId xmlns:p14="http://schemas.microsoft.com/office/powerpoint/2010/main" val="745149139"/>
+      </p:ext>
+    </p:extLst>
+  </p:cSld>
+  <p:clrMapOvr>
+    <a:masterClrMapping/>
+  </p:clrMapOvr>
+</p:sld>
+</file>
+
+<file path=ppt/slides/slide26.xml><?xml version="1.0" encoding="utf-8"?>
+<p:sld xmlns:a="http://schemas.openxmlformats.org/drawingml/2006/main" xmlns:r="http://schemas.openxmlformats.org/officeDocument/2006/relationships" xmlns:p="http://schemas.openxmlformats.org/presentationml/2006/main">
+  <p:cSld>
+    <p:spTree>
+      <p:nvGrpSpPr>
+        <p:cNvPr id="1" name=""/>
+        <p:cNvGrpSpPr/>
+        <p:nvPr/>
+      </p:nvGrpSpPr>
+      <p:grpSpPr>
+        <a:xfrm>
+          <a:off x="0" y="0"/>
+          <a:ext cx="0" cy="0"/>
+          <a:chOff x="0" y="0"/>
+          <a:chExt cx="0" cy="0"/>
+        </a:xfrm>
+      </p:grpSpPr>
       <p:sp>
         <p:nvSpPr>
           <p:cNvPr id="3" name="Content Placeholder 2">
@@ -8550,12 +10388,183 @@
             <p:ph idx="1"/>
           </p:nvPr>
         </p:nvSpPr>
-        <p:spPr/>
+        <p:spPr>
+          <a:xfrm>
+            <a:off x="296778" y="478088"/>
+            <a:ext cx="11895221" cy="6271628"/>
+          </a:xfrm>
+        </p:spPr>
         <p:txBody>
-          <a:bodyPr/>
+          <a:bodyPr>
+            <a:noAutofit/>
+          </a:bodyPr>
           <a:lstStyle/>
           <a:p>
-            <a:endParaRPr lang="en-US"/>
+            <a:pPr marL="0" indent="0">
+              <a:buNone/>
+            </a:pPr>
+            <a:r>
+              <a:rPr lang="en-US" sz="1400" b="1" dirty="0">
+                <a:latin typeface="Times New Roman" panose="02020603050405020304" pitchFamily="18" charset="0"/>
+                <a:cs typeface="Times New Roman" panose="02020603050405020304" pitchFamily="18" charset="0"/>
+              </a:rPr>
+              <a:t>Question 6: Describe the process of creating a Persona Pattern for Large Language Models. Provide an example.</a:t>
+            </a:r>
+          </a:p>
+          <a:p>
+            <a:pPr marL="0" indent="0">
+              <a:buNone/>
+            </a:pPr>
+            <a:r>
+              <a:rPr lang="en-US" sz="1400" dirty="0">
+                <a:latin typeface="Times New Roman" panose="02020603050405020304" pitchFamily="18" charset="0"/>
+                <a:cs typeface="Times New Roman" panose="02020603050405020304" pitchFamily="18" charset="0"/>
+              </a:rPr>
+              <a:t>Answer: A Persona Pattern involves defining a specific character or role for the model to adopt. For example, "You are an enthusiastic tour guide. Describe the highlights of a city for a first-time visitor.”</a:t>
+            </a:r>
+          </a:p>
+          <a:p>
+            <a:pPr marL="0" indent="0">
+              <a:buNone/>
+            </a:pPr>
+            <a:endParaRPr lang="en-US" sz="1400" dirty="0">
+              <a:latin typeface="Times New Roman" panose="02020603050405020304" pitchFamily="18" charset="0"/>
+              <a:cs typeface="Times New Roman" panose="02020603050405020304" pitchFamily="18" charset="0"/>
+            </a:endParaRPr>
+          </a:p>
+          <a:p>
+            <a:pPr marL="0" indent="0">
+              <a:buNone/>
+            </a:pPr>
+            <a:r>
+              <a:rPr lang="en-US" sz="1400" b="1" dirty="0">
+                <a:latin typeface="Times New Roman" panose="02020603050405020304" pitchFamily="18" charset="0"/>
+                <a:cs typeface="Times New Roman" panose="02020603050405020304" pitchFamily="18" charset="0"/>
+              </a:rPr>
+              <a:t>Question 7: Explain the concept of randomness in the output of Large Language Models. How does it impact the overall user experience?</a:t>
+            </a:r>
+          </a:p>
+          <a:p>
+            <a:pPr marL="0" indent="0">
+              <a:buNone/>
+            </a:pPr>
+            <a:r>
+              <a:rPr lang="en-US" sz="1400" dirty="0">
+                <a:latin typeface="Times New Roman" panose="02020603050405020304" pitchFamily="18" charset="0"/>
+                <a:cs typeface="Times New Roman" panose="02020603050405020304" pitchFamily="18" charset="0"/>
+              </a:rPr>
+              <a:t>Answer: Randomness in output refers to the model's ability to generate diverse responses for the same input. It can enhance creativity but may lead to unpredictable results, impacting user experience if not appropriately controlled.</a:t>
+            </a:r>
+          </a:p>
+          <a:p>
+            <a:endParaRPr lang="en-US" sz="1400" dirty="0">
+              <a:latin typeface="Times New Roman" panose="02020603050405020304" pitchFamily="18" charset="0"/>
+              <a:cs typeface="Times New Roman" panose="02020603050405020304" pitchFamily="18" charset="0"/>
+            </a:endParaRPr>
+          </a:p>
+          <a:p>
+            <a:pPr marL="0" indent="0">
+              <a:buNone/>
+            </a:pPr>
+            <a:r>
+              <a:rPr lang="en-US" sz="1400" b="1" dirty="0">
+                <a:latin typeface="Times New Roman" panose="02020603050405020304" pitchFamily="18" charset="0"/>
+                <a:cs typeface="Times New Roman" panose="02020603050405020304" pitchFamily="18" charset="0"/>
+              </a:rPr>
+              <a:t>Question 8: Discuss the potential challenges and advantages associated with introducing new information to Large Language Models through prompts.</a:t>
+            </a:r>
+          </a:p>
+          <a:p>
+            <a:pPr marL="0" indent="0">
+              <a:buNone/>
+            </a:pPr>
+            <a:r>
+              <a:rPr lang="en-US" sz="1400" dirty="0">
+                <a:latin typeface="Times New Roman" panose="02020603050405020304" pitchFamily="18" charset="0"/>
+                <a:cs typeface="Times New Roman" panose="02020603050405020304" pitchFamily="18" charset="0"/>
+              </a:rPr>
+              <a:t>Answer: Challenges include the risk of misinformation, while advantages encompass improved adaptability and the ability to stay updated with current information.</a:t>
+            </a:r>
+          </a:p>
+          <a:p>
+            <a:pPr marL="0" indent="0">
+              <a:buNone/>
+            </a:pPr>
+            <a:endParaRPr lang="en-US" sz="1400" dirty="0">
+              <a:latin typeface="Times New Roman" panose="02020603050405020304" pitchFamily="18" charset="0"/>
+              <a:cs typeface="Times New Roman" panose="02020603050405020304" pitchFamily="18" charset="0"/>
+            </a:endParaRPr>
+          </a:p>
+          <a:p>
+            <a:pPr marL="0" indent="0">
+              <a:buNone/>
+            </a:pPr>
+            <a:r>
+              <a:rPr lang="en-US" sz="1400" b="1" dirty="0">
+                <a:latin typeface="Times New Roman" panose="02020603050405020304" pitchFamily="18" charset="0"/>
+                <a:cs typeface="Times New Roman" panose="02020603050405020304" pitchFamily="18" charset="0"/>
+              </a:rPr>
+              <a:t>Question 9: How does the size of the prompt influence the output of a Large Language Model? Provide examples to illustrate its impact.</a:t>
+            </a:r>
+          </a:p>
+          <a:p>
+            <a:pPr marL="0" indent="0">
+              <a:buNone/>
+            </a:pPr>
+            <a:r>
+              <a:rPr lang="en-US" sz="1400" dirty="0">
+                <a:latin typeface="Times New Roman" panose="02020603050405020304" pitchFamily="18" charset="0"/>
+                <a:cs typeface="Times New Roman" panose="02020603050405020304" pitchFamily="18" charset="0"/>
+              </a:rPr>
+              <a:t>Answer: A larger prompt can provide more context and generate more detailed responses. For instance, "Tell me about dogs" might yield general information, while "Describe the characteristics and behavior of Golden Retrievers" could result in a more specific response.</a:t>
+            </a:r>
+          </a:p>
+          <a:p>
+            <a:endParaRPr lang="en-US" sz="1400" dirty="0">
+              <a:latin typeface="Times New Roman" panose="02020603050405020304" pitchFamily="18" charset="0"/>
+              <a:cs typeface="Times New Roman" panose="02020603050405020304" pitchFamily="18" charset="0"/>
+            </a:endParaRPr>
+          </a:p>
+          <a:p>
+            <a:pPr marL="0" indent="0">
+              <a:buNone/>
+            </a:pPr>
+            <a:r>
+              <a:rPr lang="en-US" sz="1400" b="1" dirty="0">
+                <a:latin typeface="Times New Roman" panose="02020603050405020304" pitchFamily="18" charset="0"/>
+                <a:cs typeface="Times New Roman" panose="02020603050405020304" pitchFamily="18" charset="0"/>
+              </a:rPr>
+              <a:t>Question 10: In what real-world scenarios or applications can an understanding of Prompt Patterns be particularly useful? Provide specific examples to support your answer.</a:t>
+            </a:r>
+          </a:p>
+          <a:p>
+            <a:pPr marL="0" indent="0">
+              <a:buNone/>
+            </a:pPr>
+            <a:r>
+              <a:rPr lang="en-US" sz="1400" dirty="0">
+                <a:latin typeface="Times New Roman" panose="02020603050405020304" pitchFamily="18" charset="0"/>
+                <a:cs typeface="Times New Roman" panose="02020603050405020304" pitchFamily="18" charset="0"/>
+              </a:rPr>
+              <a:t>Answer: Understanding Prompt Patterns is valuable in content creation, chatbot development, and educational tools where controlling the output of Large Language Models is crucial for specific use cases. Examples include generating marketing content or creating tailored responses in customer </a:t>
+            </a:r>
+            <a:r>
+              <a:rPr lang="en-US" sz="1400" dirty="0" err="1">
+                <a:latin typeface="Times New Roman" panose="02020603050405020304" pitchFamily="18" charset="0"/>
+                <a:cs typeface="Times New Roman" panose="02020603050405020304" pitchFamily="18" charset="0"/>
+              </a:rPr>
+              <a:t>suppor</a:t>
+            </a:r>
+            <a:endParaRPr lang="en-US" sz="1400" dirty="0">
+              <a:latin typeface="Times New Roman" panose="02020603050405020304" pitchFamily="18" charset="0"/>
+              <a:cs typeface="Times New Roman" panose="02020603050405020304" pitchFamily="18" charset="0"/>
+            </a:endParaRPr>
+          </a:p>
+          <a:p>
+            <a:endParaRPr lang="en-US" sz="1400" dirty="0">
+              <a:latin typeface="Times New Roman" panose="02020603050405020304" pitchFamily="18" charset="0"/>
+              <a:cs typeface="Times New Roman" panose="02020603050405020304" pitchFamily="18" charset="0"/>
+            </a:endParaRPr>
           </a:p>
         </p:txBody>
       </p:sp>
@@ -9517,6 +11526,14 @@
 <file path=ppt/slides/slide6.xml><?xml version="1.0" encoding="utf-8"?>
 <p:sld xmlns:a="http://schemas.openxmlformats.org/drawingml/2006/main" xmlns:r="http://schemas.openxmlformats.org/officeDocument/2006/relationships" xmlns:p="http://schemas.openxmlformats.org/presentationml/2006/main">
   <p:cSld>
+    <p:bg>
+      <p:bgPr>
+        <a:solidFill>
+          <a:schemeClr val="bg1"/>
+        </a:solidFill>
+        <a:effectLst/>
+      </p:bgPr>
+    </p:bg>
     <p:spTree>
       <p:nvGrpSpPr>
         <p:cNvPr id="1" name=""/>
@@ -9547,25 +11564,27 @@
             <p:ph type="title"/>
           </p:nvPr>
         </p:nvSpPr>
-        <p:spPr/>
+        <p:spPr>
+          <a:xfrm>
+            <a:off x="876693" y="741391"/>
+            <a:ext cx="4597747" cy="1616203"/>
+          </a:xfrm>
+        </p:spPr>
         <p:txBody>
-          <a:bodyPr>
+          <a:bodyPr anchor="b">
             <a:normAutofit/>
           </a:bodyPr>
           <a:lstStyle/>
           <a:p>
             <a:r>
-              <a:rPr lang="en-US" sz="3600" b="1" i="0" dirty="0">
-                <a:solidFill>
-                  <a:srgbClr val="0D0D0D"/>
-                </a:solidFill>
+              <a:rPr lang="en-US" sz="3200" b="1" i="0" dirty="0">
                 <a:effectLst/>
                 <a:latin typeface="Times New Roman" panose="02020603050405020304" pitchFamily="18" charset="0"/>
                 <a:cs typeface="Times New Roman" panose="02020603050405020304" pitchFamily="18" charset="0"/>
               </a:rPr>
               <a:t>Educational Video</a:t>
             </a:r>
-            <a:endParaRPr lang="en-US" sz="3600" dirty="0">
+            <a:endParaRPr lang="en-US" sz="3200" dirty="0">
               <a:latin typeface="Times New Roman" panose="02020603050405020304" pitchFamily="18" charset="0"/>
               <a:cs typeface="Times New Roman" panose="02020603050405020304" pitchFamily="18" charset="0"/>
             </a:endParaRPr>
@@ -9588,27 +11607,276 @@
             <p:ph idx="1"/>
           </p:nvPr>
         </p:nvSpPr>
-        <p:spPr/>
+        <p:spPr>
+          <a:xfrm>
+            <a:off x="876693" y="2533476"/>
+            <a:ext cx="4597746" cy="3447832"/>
+          </a:xfrm>
+        </p:spPr>
         <p:txBody>
-          <a:bodyPr/>
+          <a:bodyPr anchor="t">
+            <a:normAutofit/>
+          </a:bodyPr>
           <a:lstStyle/>
           <a:p>
-            <a:r>
-              <a:rPr lang="en-US" dirty="0">
-                <a:hlinkClick r:id="rId2"/>
-              </a:rPr>
-              <a:t>https://www.youtube.com/watch?v=5sLYAQS9sWQ</a:t>
-            </a:r>
-            <a:endParaRPr lang="en-US" dirty="0"/>
-          </a:p>
-          <a:p>
-            <a:endParaRPr lang="en-US" dirty="0"/>
-          </a:p>
-          <a:p>
-            <a:endParaRPr lang="en-US" dirty="0"/>
+            <a:endParaRPr lang="en-US" sz="2000" dirty="0">
+              <a:hlinkClick r:id="rId3"/>
+            </a:endParaRPr>
+          </a:p>
+          <a:p>
+            <a:pPr marL="0" indent="0">
+              <a:buNone/>
+            </a:pPr>
+            <a:r>
+              <a:rPr lang="en-US" sz="2000" b="1" i="0" dirty="0">
+                <a:effectLst/>
+                <a:latin typeface="Times New Roman" panose="02020603050405020304" pitchFamily="18" charset="0"/>
+                <a:cs typeface="Times New Roman" panose="02020603050405020304" pitchFamily="18" charset="0"/>
+              </a:rPr>
+              <a:t>Short Video on Introduction to </a:t>
+            </a:r>
+            <a:br>
+              <a:rPr lang="en-US" sz="2000" b="1" i="0" dirty="0">
+                <a:effectLst/>
+                <a:latin typeface="Times New Roman" panose="02020603050405020304" pitchFamily="18" charset="0"/>
+                <a:cs typeface="Times New Roman" panose="02020603050405020304" pitchFamily="18" charset="0"/>
+              </a:rPr>
+            </a:br>
+            <a:r>
+              <a:rPr lang="en-US" sz="2000" b="1" i="0" dirty="0">
+                <a:effectLst/>
+                <a:latin typeface="Times New Roman" panose="02020603050405020304" pitchFamily="18" charset="0"/>
+                <a:cs typeface="Times New Roman" panose="02020603050405020304" pitchFamily="18" charset="0"/>
+              </a:rPr>
+              <a:t>Large Language Models</a:t>
+            </a:r>
+            <a:endParaRPr lang="en-US" sz="2000" b="1" dirty="0">
+              <a:latin typeface="Times New Roman" panose="02020603050405020304" pitchFamily="18" charset="0"/>
+              <a:cs typeface="Times New Roman" panose="02020603050405020304" pitchFamily="18" charset="0"/>
+            </a:endParaRPr>
+          </a:p>
+          <a:p>
+            <a:endParaRPr lang="en-US" sz="2000" dirty="0"/>
+          </a:p>
+          <a:p>
+            <a:pPr marL="0" indent="0">
+              <a:buNone/>
+            </a:pPr>
+            <a:endParaRPr lang="en-US" sz="2000" dirty="0"/>
+          </a:p>
+          <a:p>
+            <a:endParaRPr lang="en-US" sz="2000" dirty="0"/>
           </a:p>
         </p:txBody>
       </p:sp>
+      <p:pic>
+        <p:nvPicPr>
+          <p:cNvPr id="4" name="Online Media 3" descr="Introduction to large language models">
+            <a:hlinkClick r:id="" action="ppaction://media"/>
+            <a:extLst>
+              <a:ext uri="{FF2B5EF4-FFF2-40B4-BE49-F238E27FC236}">
+                <a16:creationId xmlns:a16="http://schemas.microsoft.com/office/drawing/2014/main" id="{1F857A8F-F5FF-7EE9-EE25-3AACBC2E53B8}"/>
+              </a:ext>
+            </a:extLst>
+          </p:cNvPr>
+          <p:cNvPicPr>
+            <a:picLocks noRot="1" noChangeAspect="1"/>
+          </p:cNvPicPr>
+          <p:nvPr>
+            <a:videoFile r:link="rId1"/>
+          </p:nvPr>
+        </p:nvPicPr>
+        <p:blipFill>
+          <a:blip r:embed="rId4"/>
+          <a:stretch>
+            <a:fillRect/>
+          </a:stretch>
+        </p:blipFill>
+        <p:spPr>
+          <a:xfrm>
+            <a:off x="6096001" y="1058779"/>
+            <a:ext cx="5319062" cy="4656221"/>
+          </a:xfrm>
+          <a:prstGeom prst="rect">
+            <a:avLst/>
+          </a:prstGeom>
+        </p:spPr>
+      </p:pic>
+      <p:grpSp>
+        <p:nvGrpSpPr>
+          <p:cNvPr id="36" name="Group 35">
+            <a:extLst>
+              <a:ext uri="{FF2B5EF4-FFF2-40B4-BE49-F238E27FC236}">
+                <a16:creationId xmlns:a16="http://schemas.microsoft.com/office/drawing/2014/main" id="{1FD67D68-9B83-C338-8342-3348D8F22347}"/>
+              </a:ext>
+              <a:ext uri="{C183D7F6-B498-43B3-948B-1728B52AA6E4}">
+                <adec:decorative xmlns:adec="http://schemas.microsoft.com/office/drawing/2017/decorative" val="1"/>
+              </a:ext>
+            </a:extLst>
+          </p:cNvPr>
+          <p:cNvGrpSpPr>
+            <a:grpSpLocks noGrp="1" noUngrp="1" noRot="1" noChangeAspect="1" noMove="1" noResize="1"/>
+          </p:cNvGrpSpPr>
+          <p:nvPr>
+            <p:extLst>
+              <p:ext uri="{386F3935-93C4-4BCD-93E2-E3B085C9AB24}">
+                <p16:designElem xmlns:p16="http://schemas.microsoft.com/office/powerpoint/2015/main" val="1"/>
+              </p:ext>
+            </p:extLst>
+          </p:nvPr>
+        </p:nvGrpSpPr>
+        <p:grpSpPr>
+          <a:xfrm>
+            <a:off x="-5025" y="6737718"/>
+            <a:ext cx="12207200" cy="123363"/>
+            <a:chOff x="-5025" y="6737718"/>
+            <a:chExt cx="12207200" cy="123363"/>
+          </a:xfrm>
+        </p:grpSpPr>
+        <p:sp>
+          <p:nvSpPr>
+            <p:cNvPr id="37" name="Rectangle 36">
+              <a:extLst>
+                <a:ext uri="{FF2B5EF4-FFF2-40B4-BE49-F238E27FC236}">
+                  <a16:creationId xmlns:a16="http://schemas.microsoft.com/office/drawing/2014/main" id="{1E397F34-6B84-0D3B-0F29-B1D134B3B885}"/>
+                </a:ext>
+                <a:ext uri="{C183D7F6-B498-43B3-948B-1728B52AA6E4}">
+                  <adec:decorative xmlns:adec="http://schemas.microsoft.com/office/drawing/2017/decorative" val="1"/>
+                </a:ext>
+              </a:extLst>
+            </p:cNvPr>
+            <p:cNvSpPr/>
+            <p:nvPr>
+              <p:extLst>
+                <p:ext uri="{386F3935-93C4-4BCD-93E2-E3B085C9AB24}">
+                  <p16:designElem xmlns:p16="http://schemas.microsoft.com/office/powerpoint/2015/main" val="1"/>
+                </p:ext>
+              </p:extLst>
+            </p:nvPr>
+          </p:nvSpPr>
+          <p:spPr>
+            <a:xfrm rot="5400000" flipH="1">
+              <a:off x="6036894" y="695800"/>
+              <a:ext cx="123362" cy="12207199"/>
+            </a:xfrm>
+            <a:prstGeom prst="rect">
+              <a:avLst/>
+            </a:prstGeom>
+            <a:gradFill>
+              <a:gsLst>
+                <a:gs pos="0">
+                  <a:schemeClr val="accent5"/>
+                </a:gs>
+                <a:gs pos="100000">
+                  <a:schemeClr val="accent2"/>
+                </a:gs>
+              </a:gsLst>
+              <a:lin ang="1800000" scaled="0"/>
+            </a:gradFill>
+            <a:ln>
+              <a:noFill/>
+            </a:ln>
+          </p:spPr>
+          <p:style>
+            <a:lnRef idx="2">
+              <a:schemeClr val="accent1">
+                <a:shade val="50000"/>
+              </a:schemeClr>
+            </a:lnRef>
+            <a:fillRef idx="1">
+              <a:schemeClr val="accent1"/>
+            </a:fillRef>
+            <a:effectRef idx="0">
+              <a:schemeClr val="accent1"/>
+            </a:effectRef>
+            <a:fontRef idx="minor">
+              <a:schemeClr val="lt1"/>
+            </a:fontRef>
+          </p:style>
+          <p:txBody>
+            <a:bodyPr rtlCol="0" anchor="ctr"/>
+            <a:lstStyle/>
+            <a:p>
+              <a:pPr algn="ctr"/>
+              <a:endParaRPr lang="en-US"/>
+            </a:p>
+          </p:txBody>
+        </p:sp>
+        <p:sp>
+          <p:nvSpPr>
+            <p:cNvPr id="38" name="Rectangle 37">
+              <a:extLst>
+                <a:ext uri="{FF2B5EF4-FFF2-40B4-BE49-F238E27FC236}">
+                  <a16:creationId xmlns:a16="http://schemas.microsoft.com/office/drawing/2014/main" id="{9BD98075-BFC1-BE9C-7FB7-23FE55E43393}"/>
+                </a:ext>
+                <a:ext uri="{C183D7F6-B498-43B3-948B-1728B52AA6E4}">
+                  <adec:decorative xmlns:adec="http://schemas.microsoft.com/office/drawing/2017/decorative" val="1"/>
+                </a:ext>
+              </a:extLst>
+            </p:cNvPr>
+            <p:cNvSpPr/>
+            <p:nvPr>
+              <p:extLst>
+                <p:ext uri="{386F3935-93C4-4BCD-93E2-E3B085C9AB24}">
+                  <p16:designElem xmlns:p16="http://schemas.microsoft.com/office/powerpoint/2015/main" val="1"/>
+                </p:ext>
+              </p:extLst>
+            </p:nvPr>
+          </p:nvSpPr>
+          <p:spPr>
+            <a:xfrm rot="16200000">
+              <a:off x="9176406" y="3835311"/>
+              <a:ext cx="123362" cy="5928176"/>
+            </a:xfrm>
+            <a:prstGeom prst="rect">
+              <a:avLst/>
+            </a:prstGeom>
+            <a:gradFill>
+              <a:gsLst>
+                <a:gs pos="19000">
+                  <a:schemeClr val="accent5">
+                    <a:alpha val="0"/>
+                  </a:schemeClr>
+                </a:gs>
+                <a:gs pos="100000">
+                  <a:schemeClr val="accent5">
+                    <a:lumMod val="60000"/>
+                    <a:lumOff val="40000"/>
+                  </a:schemeClr>
+                </a:gs>
+              </a:gsLst>
+              <a:lin ang="600000" scaled="0"/>
+            </a:gradFill>
+            <a:ln>
+              <a:noFill/>
+            </a:ln>
+          </p:spPr>
+          <p:style>
+            <a:lnRef idx="2">
+              <a:schemeClr val="accent1">
+                <a:shade val="50000"/>
+              </a:schemeClr>
+            </a:lnRef>
+            <a:fillRef idx="1">
+              <a:schemeClr val="accent1"/>
+            </a:fillRef>
+            <a:effectRef idx="0">
+              <a:schemeClr val="accent1"/>
+            </a:effectRef>
+            <a:fontRef idx="minor">
+              <a:schemeClr val="lt1"/>
+            </a:fontRef>
+          </p:style>
+          <p:txBody>
+            <a:bodyPr rtlCol="0" anchor="ctr"/>
+            <a:lstStyle/>
+            <a:p>
+              <a:pPr algn="ctr"/>
+              <a:endParaRPr lang="en-US"/>
+            </a:p>
+          </p:txBody>
+        </p:sp>
+      </p:grpSp>
     </p:spTree>
     <p:extLst>
       <p:ext uri="{BB962C8B-B14F-4D97-AF65-F5344CB8AC3E}">
@@ -9619,6 +11887,141 @@
   <p:clrMapOvr>
     <a:masterClrMapping/>
   </p:clrMapOvr>
+  <p:timing>
+    <p:tnLst>
+      <p:par>
+        <p:cTn id="1" dur="indefinite" restart="never" nodeType="tmRoot">
+          <p:childTnLst>
+            <p:seq concurrent="1" nextAc="seek">
+              <p:cTn id="2" dur="indefinite" nodeType="mainSeq">
+                <p:childTnLst>
+                  <p:par>
+                    <p:cTn id="3" fill="hold">
+                      <p:stCondLst>
+                        <p:cond delay="indefinite"/>
+                      </p:stCondLst>
+                      <p:childTnLst>
+                        <p:par>
+                          <p:cTn id="4" fill="hold">
+                            <p:stCondLst>
+                              <p:cond delay="0"/>
+                            </p:stCondLst>
+                            <p:childTnLst>
+                              <p:par>
+                                <p:cTn id="5" presetID="1" presetClass="mediacall" presetSubtype="0" fill="hold" nodeType="clickEffect">
+                                  <p:stCondLst>
+                                    <p:cond delay="0"/>
+                                  </p:stCondLst>
+                                  <p:childTnLst>
+                                    <p:cmd type="call" cmd="playFrom(0.0)">
+                                      <p:cBhvr>
+                                        <p:cTn id="6" dur="1" fill="hold"/>
+                                        <p:tgtEl>
+                                          <p:spTgt spid="4"/>
+                                        </p:tgtEl>
+                                      </p:cBhvr>
+                                    </p:cmd>
+                                  </p:childTnLst>
+                                </p:cTn>
+                              </p:par>
+                            </p:childTnLst>
+                          </p:cTn>
+                        </p:par>
+                      </p:childTnLst>
+                    </p:cTn>
+                  </p:par>
+                </p:childTnLst>
+              </p:cTn>
+              <p:prevCondLst>
+                <p:cond evt="onPrev" delay="0">
+                  <p:tgtEl>
+                    <p:sldTgt/>
+                  </p:tgtEl>
+                </p:cond>
+              </p:prevCondLst>
+              <p:nextCondLst>
+                <p:cond evt="onNext" delay="0">
+                  <p:tgtEl>
+                    <p:sldTgt/>
+                  </p:tgtEl>
+                </p:cond>
+              </p:nextCondLst>
+            </p:seq>
+            <p:video>
+              <p:cMediaNode vol="80000">
+                <p:cTn id="7" fill="hold" display="0">
+                  <p:stCondLst>
+                    <p:cond delay="indefinite"/>
+                  </p:stCondLst>
+                </p:cTn>
+                <p:tgtEl>
+                  <p:spTgt spid="4"/>
+                </p:tgtEl>
+              </p:cMediaNode>
+            </p:video>
+            <p:seq concurrent="1" nextAc="seek">
+              <p:cTn id="8" restart="whenNotActive" fill="hold" evtFilter="cancelBubble" nodeType="interactiveSeq">
+                <p:stCondLst>
+                  <p:cond evt="onClick" delay="0">
+                    <p:tgtEl>
+                      <p:spTgt spid="4"/>
+                    </p:tgtEl>
+                  </p:cond>
+                </p:stCondLst>
+                <p:endSync evt="end" delay="0">
+                  <p:rtn val="all"/>
+                </p:endSync>
+                <p:childTnLst>
+                  <p:par>
+                    <p:cTn id="9" fill="hold">
+                      <p:stCondLst>
+                        <p:cond delay="0"/>
+                      </p:stCondLst>
+                      <p:childTnLst>
+                        <p:par>
+                          <p:cTn id="10" fill="hold">
+                            <p:stCondLst>
+                              <p:cond delay="0"/>
+                            </p:stCondLst>
+                            <p:childTnLst>
+                              <p:par>
+                                <p:cTn id="11" presetID="2" presetClass="mediacall" presetSubtype="0" fill="hold" nodeType="clickEffect">
+                                  <p:stCondLst>
+                                    <p:cond delay="0"/>
+                                  </p:stCondLst>
+                                  <p:childTnLst>
+                                    <p:cmd type="call" cmd="togglePause">
+                                      <p:cBhvr>
+                                        <p:cTn id="12" dur="1" fill="hold"/>
+                                        <p:tgtEl>
+                                          <p:spTgt spid="4"/>
+                                        </p:tgtEl>
+                                      </p:cBhvr>
+                                    </p:cmd>
+                                  </p:childTnLst>
+                                </p:cTn>
+                              </p:par>
+                            </p:childTnLst>
+                          </p:cTn>
+                        </p:par>
+                      </p:childTnLst>
+                    </p:cTn>
+                  </p:par>
+                </p:childTnLst>
+              </p:cTn>
+              <p:nextCondLst>
+                <p:cond evt="onClick" delay="0">
+                  <p:tgtEl>
+                    <p:spTgt spid="4"/>
+                  </p:tgtEl>
+                </p:cond>
+              </p:nextCondLst>
+            </p:seq>
+          </p:childTnLst>
+        </p:cTn>
+      </p:par>
+    </p:tnLst>
+  </p:timing>
 </p:sld>
 </file>
 
@@ -9951,56 +12354,81 @@
               <a:buNone/>
             </a:pPr>
             <a:r>
-              <a:rPr lang="en-US" sz="1400" b="1" dirty="0">
-                <a:latin typeface="Times New Roman" panose="02020603050405020304" pitchFamily="18" charset="0"/>
-                <a:cs typeface="Times New Roman" panose="02020603050405020304" pitchFamily="18" charset="0"/>
-              </a:rPr>
-              <a:t> Creative Writing Prompts:</a:t>
+              <a:rPr lang="en-US" sz="1600" b="1" dirty="0">
+                <a:latin typeface="Times New Roman" panose="02020603050405020304" pitchFamily="18" charset="0"/>
+                <a:cs typeface="Times New Roman" panose="02020603050405020304" pitchFamily="18" charset="0"/>
+              </a:rPr>
+              <a:t>Creative Writing Prompts:</a:t>
+            </a:r>
+            <a:br>
+              <a:rPr lang="en-US" sz="1600" dirty="0">
+                <a:latin typeface="Times New Roman" panose="02020603050405020304" pitchFamily="18" charset="0"/>
+                <a:cs typeface="Times New Roman" panose="02020603050405020304" pitchFamily="18" charset="0"/>
+              </a:rPr>
+            </a:br>
+            <a:r>
+              <a:rPr lang="en-US" sz="1600" dirty="0">
+                <a:latin typeface="Times New Roman" panose="02020603050405020304" pitchFamily="18" charset="0"/>
+                <a:cs typeface="Times New Roman" panose="02020603050405020304" pitchFamily="18" charset="0"/>
+              </a:rPr>
+              <a:t>Prompt: "In a world where gravity is reversed, people walk on..."</a:t>
+            </a:r>
+          </a:p>
+          <a:p>
+            <a:r>
+              <a:rPr lang="en-US" sz="1600" dirty="0">
+                <a:latin typeface="Times New Roman" panose="02020603050405020304" pitchFamily="18" charset="0"/>
+                <a:cs typeface="Times New Roman" panose="02020603050405020304" pitchFamily="18" charset="0"/>
+              </a:rPr>
+              <a:t>   Random Output 1: "the ceilings of their homes."</a:t>
+            </a:r>
+          </a:p>
+          <a:p>
+            <a:r>
+              <a:rPr lang="en-US" sz="1600" dirty="0">
+                <a:latin typeface="Times New Roman" panose="02020603050405020304" pitchFamily="18" charset="0"/>
+                <a:cs typeface="Times New Roman" panose="02020603050405020304" pitchFamily="18" charset="0"/>
+              </a:rPr>
+              <a:t>   Random Output 2: "invisible bridges in the sky."</a:t>
+            </a:r>
+          </a:p>
+          <a:p>
+            <a:r>
+              <a:rPr lang="en-US" sz="1600" dirty="0">
+                <a:latin typeface="Times New Roman" panose="02020603050405020304" pitchFamily="18" charset="0"/>
+                <a:cs typeface="Times New Roman" panose="02020603050405020304" pitchFamily="18" charset="0"/>
+              </a:rPr>
+              <a:t>   Random Output 3: "floating clouds like stepping stones."</a:t>
             </a:r>
           </a:p>
           <a:p>
             <a:pPr marL="0" indent="0">
               <a:buNone/>
             </a:pPr>
+            <a:r>
+              <a:rPr lang="en-US" sz="1600" dirty="0">
+                <a:latin typeface="Times New Roman" panose="02020603050405020304" pitchFamily="18" charset="0"/>
+                <a:cs typeface="Times New Roman" panose="02020603050405020304" pitchFamily="18" charset="0"/>
+              </a:rPr>
+              <a:t>LLMs inject unpredictability into creative prompts, generating diverse and imaginative scenarios with each request.</a:t>
+            </a:r>
+          </a:p>
+          <a:p>
+            <a:pPr marL="0" indent="0">
+              <a:buNone/>
+            </a:pPr>
             <a:br>
-              <a:rPr lang="en-US" sz="1400" dirty="0">
+              <a:rPr lang="en-US" sz="1600" dirty="0">
                 <a:latin typeface="Times New Roman" panose="02020603050405020304" pitchFamily="18" charset="0"/>
                 <a:cs typeface="Times New Roman" panose="02020603050405020304" pitchFamily="18" charset="0"/>
               </a:rPr>
             </a:br>
             <a:r>
-              <a:rPr lang="en-US" sz="1400" dirty="0">
-                <a:latin typeface="Times New Roman" panose="02020603050405020304" pitchFamily="18" charset="0"/>
-                <a:cs typeface="Times New Roman" panose="02020603050405020304" pitchFamily="18" charset="0"/>
-              </a:rPr>
-              <a:t>Prompt: "In a world where gravity is reversed, people walk on..."</a:t>
-            </a:r>
-          </a:p>
-          <a:p>
-            <a:r>
-              <a:rPr lang="en-US" sz="1400" dirty="0">
-                <a:latin typeface="Times New Roman" panose="02020603050405020304" pitchFamily="18" charset="0"/>
-                <a:cs typeface="Times New Roman" panose="02020603050405020304" pitchFamily="18" charset="0"/>
-              </a:rPr>
-              <a:t>   Random Output 1: "the ceilings of their homes."</a:t>
-            </a:r>
-          </a:p>
-          <a:p>
-            <a:r>
-              <a:rPr lang="en-US" sz="1400" dirty="0">
-                <a:latin typeface="Times New Roman" panose="02020603050405020304" pitchFamily="18" charset="0"/>
-                <a:cs typeface="Times New Roman" panose="02020603050405020304" pitchFamily="18" charset="0"/>
-              </a:rPr>
-              <a:t>   Random Output 2: "invisible bridges in the sky."</a:t>
-            </a:r>
-          </a:p>
-          <a:p>
-            <a:r>
-              <a:rPr lang="en-US" sz="1400" dirty="0">
-                <a:latin typeface="Times New Roman" panose="02020603050405020304" pitchFamily="18" charset="0"/>
-                <a:cs typeface="Times New Roman" panose="02020603050405020304" pitchFamily="18" charset="0"/>
-              </a:rPr>
-              <a:t>   Random Output 3: "floating clouds like stepping stones."</a:t>
+              <a:rPr lang="en-US" sz="1600" b="1" dirty="0">
+                <a:latin typeface="Times New Roman" panose="02020603050405020304" pitchFamily="18" charset="0"/>
+                <a:cs typeface="Times New Roman" panose="02020603050405020304" pitchFamily="18" charset="0"/>
+              </a:rPr>
+              <a:t> Question Answering:</a:t>
             </a:r>
           </a:p>
           <a:p>
@@ -10008,29 +12436,57 @@
               <a:buNone/>
             </a:pPr>
             <a:r>
-              <a:rPr lang="en-US" sz="1400" dirty="0">
-                <a:latin typeface="Times New Roman" panose="02020603050405020304" pitchFamily="18" charset="0"/>
-                <a:cs typeface="Times New Roman" panose="02020603050405020304" pitchFamily="18" charset="0"/>
-              </a:rPr>
-              <a:t>  LLMs inject unpredictability into creative prompts, generating diverse and imaginative scenarios with each request.</a:t>
+              <a:rPr lang="en-US" sz="1600" b="1" dirty="0">
+                <a:latin typeface="Times New Roman" panose="02020603050405020304" pitchFamily="18" charset="0"/>
+                <a:cs typeface="Times New Roman" panose="02020603050405020304" pitchFamily="18" charset="0"/>
+              </a:rPr>
+              <a:t>  </a:t>
+            </a:r>
+            <a:r>
+              <a:rPr lang="en-US" sz="1600" dirty="0">
+                <a:latin typeface="Times New Roman" panose="02020603050405020304" pitchFamily="18" charset="0"/>
+                <a:cs typeface="Times New Roman" panose="02020603050405020304" pitchFamily="18" charset="0"/>
+              </a:rPr>
+              <a:t>Prompt: "What is the capital of France?"</a:t>
+            </a:r>
+          </a:p>
+          <a:p>
+            <a:r>
+              <a:rPr lang="en-US" sz="1600" dirty="0">
+                <a:latin typeface="Times New Roman" panose="02020603050405020304" pitchFamily="18" charset="0"/>
+                <a:cs typeface="Times New Roman" panose="02020603050405020304" pitchFamily="18" charset="0"/>
+              </a:rPr>
+              <a:t>    Random Output 1: "Paris"</a:t>
+            </a:r>
+          </a:p>
+          <a:p>
+            <a:r>
+              <a:rPr lang="en-US" sz="1600" dirty="0">
+                <a:latin typeface="Times New Roman" panose="02020603050405020304" pitchFamily="18" charset="0"/>
+                <a:cs typeface="Times New Roman" panose="02020603050405020304" pitchFamily="18" charset="0"/>
+              </a:rPr>
+              <a:t>    Random Output 2: "Lyon"</a:t>
+            </a:r>
+          </a:p>
+          <a:p>
+            <a:r>
+              <a:rPr lang="en-US" sz="1600" dirty="0">
+                <a:latin typeface="Times New Roman" panose="02020603050405020304" pitchFamily="18" charset="0"/>
+                <a:cs typeface="Times New Roman" panose="02020603050405020304" pitchFamily="18" charset="0"/>
+              </a:rPr>
+              <a:t>    Random Output 3: "Marseille"</a:t>
             </a:r>
           </a:p>
           <a:p>
             <a:pPr marL="0" indent="0">
               <a:buNone/>
             </a:pPr>
-            <a:br>
-              <a:rPr lang="en-US" sz="1400" dirty="0">
-                <a:latin typeface="Times New Roman" panose="02020603050405020304" pitchFamily="18" charset="0"/>
-                <a:cs typeface="Times New Roman" panose="02020603050405020304" pitchFamily="18" charset="0"/>
-              </a:rPr>
-            </a:br>
-            <a:r>
-              <a:rPr lang="en-US" sz="1400" b="1" dirty="0">
-                <a:latin typeface="Times New Roman" panose="02020603050405020304" pitchFamily="18" charset="0"/>
-                <a:cs typeface="Times New Roman" panose="02020603050405020304" pitchFamily="18" charset="0"/>
-              </a:rPr>
-              <a:t> Question Answering:</a:t>
+            <a:r>
+              <a:rPr lang="en-US" sz="1600" dirty="0">
+                <a:latin typeface="Times New Roman" panose="02020603050405020304" pitchFamily="18" charset="0"/>
+                <a:cs typeface="Times New Roman" panose="02020603050405020304" pitchFamily="18" charset="0"/>
+              </a:rPr>
+              <a:t> </a:t>
             </a:r>
           </a:p>
           <a:p>
@@ -10038,76 +12494,18 @@
               <a:buNone/>
             </a:pPr>
             <a:r>
-              <a:rPr lang="en-US" sz="1400" b="1" dirty="0">
-                <a:latin typeface="Times New Roman" panose="02020603050405020304" pitchFamily="18" charset="0"/>
-                <a:cs typeface="Times New Roman" panose="02020603050405020304" pitchFamily="18" charset="0"/>
-              </a:rPr>
-              <a:t>  </a:t>
-            </a:r>
-            <a:r>
-              <a:rPr lang="en-US" sz="1400" dirty="0">
-                <a:latin typeface="Times New Roman" panose="02020603050405020304" pitchFamily="18" charset="0"/>
-                <a:cs typeface="Times New Roman" panose="02020603050405020304" pitchFamily="18" charset="0"/>
-              </a:rPr>
-              <a:t>Prompt: "What is the capital of France?"</a:t>
-            </a:r>
-          </a:p>
-          <a:p>
-            <a:r>
-              <a:rPr lang="en-US" sz="1400" dirty="0">
-                <a:latin typeface="Times New Roman" panose="02020603050405020304" pitchFamily="18" charset="0"/>
-                <a:cs typeface="Times New Roman" panose="02020603050405020304" pitchFamily="18" charset="0"/>
-              </a:rPr>
-              <a:t>    Random Output 1: "Paris"</a:t>
-            </a:r>
-          </a:p>
-          <a:p>
-            <a:r>
-              <a:rPr lang="en-US" sz="1400" dirty="0">
-                <a:latin typeface="Times New Roman" panose="02020603050405020304" pitchFamily="18" charset="0"/>
-                <a:cs typeface="Times New Roman" panose="02020603050405020304" pitchFamily="18" charset="0"/>
-              </a:rPr>
-              <a:t>    Random Output 2: "Lyon"</a:t>
-            </a:r>
-          </a:p>
-          <a:p>
-            <a:r>
-              <a:rPr lang="en-US" sz="1400" dirty="0">
-                <a:latin typeface="Times New Roman" panose="02020603050405020304" pitchFamily="18" charset="0"/>
-                <a:cs typeface="Times New Roman" panose="02020603050405020304" pitchFamily="18" charset="0"/>
-              </a:rPr>
-              <a:t>    Random Output 3: "Marseille"</a:t>
+              <a:rPr lang="en-US" sz="1600" dirty="0">
+                <a:latin typeface="Times New Roman" panose="02020603050405020304" pitchFamily="18" charset="0"/>
+                <a:cs typeface="Times New Roman" panose="02020603050405020304" pitchFamily="18" charset="0"/>
+              </a:rPr>
+              <a:t>   Even in factual queries, LLMs introduce randomness by presenting alternative correct answers.</a:t>
             </a:r>
           </a:p>
           <a:p>
             <a:pPr marL="0" indent="0">
               <a:buNone/>
             </a:pPr>
-            <a:r>
-              <a:rPr lang="en-US" sz="1400" dirty="0">
-                <a:latin typeface="Times New Roman" panose="02020603050405020304" pitchFamily="18" charset="0"/>
-                <a:cs typeface="Times New Roman" panose="02020603050405020304" pitchFamily="18" charset="0"/>
-              </a:rPr>
-              <a:t> </a:t>
-            </a:r>
-          </a:p>
-          <a:p>
-            <a:pPr marL="0" indent="0">
-              <a:buNone/>
-            </a:pPr>
-            <a:r>
-              <a:rPr lang="en-US" sz="1400" dirty="0">
-                <a:latin typeface="Times New Roman" panose="02020603050405020304" pitchFamily="18" charset="0"/>
-                <a:cs typeface="Times New Roman" panose="02020603050405020304" pitchFamily="18" charset="0"/>
-              </a:rPr>
-              <a:t>   Even in factual queries, LLMs introduce randomness by presenting alternative correct answers.</a:t>
-            </a:r>
-          </a:p>
-          <a:p>
-            <a:pPr marL="0" indent="0">
-              <a:buNone/>
-            </a:pPr>
-            <a:endParaRPr lang="en-US" sz="1400" b="1" dirty="0">
+            <a:endParaRPr lang="en-US" sz="1600" b="1" dirty="0">
               <a:latin typeface="Times New Roman" panose="02020603050405020304" pitchFamily="18" charset="0"/>
               <a:cs typeface="Times New Roman" panose="02020603050405020304" pitchFamily="18" charset="0"/>
             </a:endParaRPr>
@@ -10116,7 +12514,7 @@
             <a:pPr marL="0" indent="0">
               <a:buNone/>
             </a:pPr>
-            <a:endParaRPr lang="en-US" sz="1400" dirty="0">
+            <a:endParaRPr lang="en-US" sz="1600" dirty="0">
               <a:latin typeface="Times New Roman" panose="02020603050405020304" pitchFamily="18" charset="0"/>
               <a:cs typeface="Times New Roman" panose="02020603050405020304" pitchFamily="18" charset="0"/>
             </a:endParaRPr>
@@ -10126,7 +12524,7 @@
               <a:buNone/>
             </a:pPr>
             <a:r>
-              <a:rPr lang="en-US" sz="1400" dirty="0">
+              <a:rPr lang="en-US" sz="1600" dirty="0">
                 <a:latin typeface="Times New Roman" panose="02020603050405020304" pitchFamily="18" charset="0"/>
                 <a:cs typeface="Times New Roman" panose="02020603050405020304" pitchFamily="18" charset="0"/>
               </a:rPr>
@@ -10243,6 +12641,9 @@
             </a:r>
           </a:p>
           <a:p>
+            <a:pPr marL="0" indent="0">
+              <a:buNone/>
+            </a:pPr>
             <a:r>
               <a:rPr lang="en-US" sz="1400" dirty="0">
                 <a:latin typeface="Times New Roman" panose="02020603050405020304" pitchFamily="18" charset="0"/>

--- a/PROMPT_ENGINEERING_AND_AI/LLM-Intro_Prompting-SlideDecks_Videos_Quizzes/Introduction to LLMs and Prompting_Module1.pptx
+++ b/PROMPT_ENGINEERING_AND_AI/LLM-Intro_Prompting-SlideDecks_Videos_Quizzes/Introduction to LLMs and Prompting_Module1.pptx
@@ -5,7 +5,7 @@
     <p:sldMasterId id="2147483648" r:id="rId1"/>
   </p:sldMasterIdLst>
   <p:notesMasterIdLst>
-    <p:notesMasterId r:id="rId28"/>
+    <p:notesMasterId r:id="rId27"/>
   </p:notesMasterIdLst>
   <p:sldIdLst>
     <p:sldId id="256" r:id="rId2"/>
@@ -30,10 +30,9 @@
     <p:sldId id="290" r:id="rId21"/>
     <p:sldId id="311" r:id="rId22"/>
     <p:sldId id="303" r:id="rId23"/>
-    <p:sldId id="310" r:id="rId24"/>
-    <p:sldId id="305" r:id="rId25"/>
-    <p:sldId id="309" r:id="rId26"/>
-    <p:sldId id="306" r:id="rId27"/>
+    <p:sldId id="305" r:id="rId24"/>
+    <p:sldId id="309" r:id="rId25"/>
+    <p:sldId id="306" r:id="rId26"/>
   </p:sldIdLst>
   <p:sldSz cx="12192000" cy="6858000"/>
   <p:notesSz cx="6858000" cy="9144000"/>
@@ -9252,7 +9251,7 @@
 </file>
 
 <file path=ppt/slides/slide23.xml><?xml version="1.0" encoding="utf-8"?>
-<p:sld xmlns:a="http://schemas.openxmlformats.org/drawingml/2006/main" xmlns:r="http://schemas.openxmlformats.org/officeDocument/2006/relationships" xmlns:p="http://schemas.openxmlformats.org/presentationml/2006/main" show="0">
+<p:sld xmlns:a="http://schemas.openxmlformats.org/drawingml/2006/main" xmlns:r="http://schemas.openxmlformats.org/officeDocument/2006/relationships" xmlns:p="http://schemas.openxmlformats.org/presentationml/2006/main">
   <p:cSld>
     <p:spTree>
       <p:nvGrpSpPr>
@@ -9273,7 +9272,7 @@
           <p:cNvPr id="2" name="Title 1">
             <a:extLst>
               <a:ext uri="{FF2B5EF4-FFF2-40B4-BE49-F238E27FC236}">
-                <a16:creationId xmlns:a16="http://schemas.microsoft.com/office/drawing/2014/main" id="{B88B9A78-2609-DEE5-2499-3E9660AD7855}"/>
+                <a16:creationId xmlns:a16="http://schemas.microsoft.com/office/drawing/2014/main" id="{58093C6F-F772-4D52-22D2-5672836EE9C1}"/>
               </a:ext>
             </a:extLst>
           </p:cNvPr>
@@ -9286,8 +9285,8 @@
         </p:nvSpPr>
         <p:spPr>
           <a:xfrm>
-            <a:off x="152400" y="344905"/>
-            <a:ext cx="11604170" cy="1130135"/>
+            <a:off x="92242" y="120317"/>
+            <a:ext cx="5093369" cy="685800"/>
           </a:xfrm>
         </p:spPr>
         <p:txBody>
@@ -9297,20 +9296,12 @@
           <a:lstStyle/>
           <a:p>
             <a:r>
-              <a:rPr lang="en-US" sz="3600" i="0" dirty="0">
-                <a:solidFill>
-                  <a:srgbClr val="0D0D0D"/>
-                </a:solidFill>
-                <a:effectLst/>
-                <a:latin typeface="Times New Roman" panose="02020603050405020304" pitchFamily="18" charset="0"/>
-                <a:cs typeface="Times New Roman" panose="02020603050405020304" pitchFamily="18" charset="0"/>
-              </a:rPr>
-              <a:t>Introducing New Information to the Large Language Model and Prompt Size Limitations</a:t>
-            </a:r>
-            <a:endParaRPr lang="en-US" sz="3600" dirty="0">
-              <a:latin typeface="Times New Roman" panose="02020603050405020304" pitchFamily="18" charset="0"/>
-              <a:cs typeface="Times New Roman" panose="02020603050405020304" pitchFamily="18" charset="0"/>
-            </a:endParaRPr>
+              <a:rPr lang="en-US" sz="3600" dirty="0">
+                <a:latin typeface="Times New Roman" panose="02020603050405020304" pitchFamily="18" charset="0"/>
+                <a:cs typeface="Times New Roman" panose="02020603050405020304" pitchFamily="18" charset="0"/>
+              </a:rPr>
+              <a:t>QUIZ</a:t>
+            </a:r>
           </a:p>
         </p:txBody>
       </p:sp>
@@ -9319,7 +9310,7 @@
           <p:cNvPr id="3" name="Content Placeholder 2">
             <a:extLst>
               <a:ext uri="{FF2B5EF4-FFF2-40B4-BE49-F238E27FC236}">
-                <a16:creationId xmlns:a16="http://schemas.microsoft.com/office/drawing/2014/main" id="{976A3C4C-EBF1-9077-5B48-48F3E62B38F9}"/>
+                <a16:creationId xmlns:a16="http://schemas.microsoft.com/office/drawing/2014/main" id="{F0F5C8B6-B1F3-17E5-0ACF-8B39C4750499}"/>
               </a:ext>
             </a:extLst>
           </p:cNvPr>
@@ -9332,8 +9323,8 @@
         </p:nvSpPr>
         <p:spPr>
           <a:xfrm>
-            <a:off x="-1" y="1825624"/>
-            <a:ext cx="11756571" cy="5032375"/>
+            <a:off x="240631" y="1115761"/>
+            <a:ext cx="11710737" cy="5742239"/>
           </a:xfrm>
         </p:spPr>
         <p:txBody>
@@ -9354,21 +9345,12 @@
                 <a:latin typeface="Times New Roman" panose="02020603050405020304" pitchFamily="18" charset="0"/>
                 <a:cs typeface="Times New Roman" panose="02020603050405020304" pitchFamily="18" charset="0"/>
               </a:rPr>
-              <a:t>Updating LLMs with New Information:</a:t>
-            </a:r>
-            <a:endParaRPr lang="en-US" sz="1600" b="0" i="0" dirty="0">
-              <a:solidFill>
-                <a:srgbClr val="0D0D0D"/>
-              </a:solidFill>
-              <a:effectLst/>
-              <a:latin typeface="Times New Roman" panose="02020603050405020304" pitchFamily="18" charset="0"/>
-              <a:cs typeface="Times New Roman" panose="02020603050405020304" pitchFamily="18" charset="0"/>
-            </a:endParaRPr>
-          </a:p>
-          <a:p>
-            <a:pPr algn="l">
-              <a:buFont typeface="Arial" panose="020B0604020202020204" pitchFamily="34" charset="0"/>
-              <a:buChar char="•"/>
+              <a:t>Multiple Choice Questions (MCQs):</a:t>
+            </a:r>
+          </a:p>
+          <a:p>
+            <a:pPr marL="0" indent="0" algn="l">
+              <a:buNone/>
             </a:pPr>
             <a:r>
               <a:rPr lang="en-US" sz="1600" b="1" i="0" dirty="0">
@@ -9379,7 +9361,7 @@
                 <a:latin typeface="Times New Roman" panose="02020603050405020304" pitchFamily="18" charset="0"/>
                 <a:cs typeface="Times New Roman" panose="02020603050405020304" pitchFamily="18" charset="0"/>
               </a:rPr>
-              <a:t>Need for Context:</a:t>
+              <a:t>MCQ 1:</a:t>
             </a:r>
             <a:r>
               <a:rPr lang="en-US" sz="1600" b="0" i="0" dirty="0">
@@ -9390,13 +9372,28 @@
                 <a:latin typeface="Times New Roman" panose="02020603050405020304" pitchFamily="18" charset="0"/>
                 <a:cs typeface="Times New Roman" panose="02020603050405020304" pitchFamily="18" charset="0"/>
               </a:rPr>
-              <a:t> Emphasize the LLM's dependence on user-provided context for events and data post-training cutoff.</a:t>
-            </a:r>
-          </a:p>
-          <a:p>
-            <a:pPr algn="l">
-              <a:buFont typeface="Arial" panose="020B0604020202020204" pitchFamily="34" charset="0"/>
-              <a:buChar char="•"/>
+              <a:t> What is the primary purpose of using Prompt Patterns in Large Language Models? </a:t>
+            </a:r>
+          </a:p>
+          <a:p>
+            <a:pPr marL="0" indent="0" algn="l">
+              <a:buNone/>
+            </a:pPr>
+            <a:r>
+              <a:rPr lang="en-US" sz="1600" b="0" i="0" dirty="0">
+                <a:solidFill>
+                  <a:srgbClr val="0D0D0D"/>
+                </a:solidFill>
+                <a:effectLst/>
+                <a:latin typeface="Times New Roman" panose="02020603050405020304" pitchFamily="18" charset="0"/>
+                <a:cs typeface="Times New Roman" panose="02020603050405020304" pitchFamily="18" charset="0"/>
+              </a:rPr>
+              <a:t>a) To introduce randomness in the output.</a:t>
+            </a:r>
+          </a:p>
+          <a:p>
+            <a:pPr marL="0" indent="0" algn="l">
+              <a:buNone/>
             </a:pPr>
             <a:r>
               <a:rPr lang="en-US" sz="1600" b="1" i="0" dirty="0">
@@ -9407,8 +9404,13 @@
                 <a:latin typeface="Times New Roman" panose="02020603050405020304" pitchFamily="18" charset="0"/>
                 <a:cs typeface="Times New Roman" panose="02020603050405020304" pitchFamily="18" charset="0"/>
               </a:rPr>
-              <a:t>Method:</a:t>
-            </a:r>
+              <a:t>b) To structure and guide the input for the model.</a:t>
+            </a:r>
+          </a:p>
+          <a:p>
+            <a:pPr marL="0" indent="0" algn="l">
+              <a:buNone/>
+            </a:pPr>
             <a:r>
               <a:rPr lang="en-US" sz="1600" b="0" i="0" dirty="0">
                 <a:solidFill>
@@ -9418,7 +9420,7 @@
                 <a:latin typeface="Times New Roman" panose="02020603050405020304" pitchFamily="18" charset="0"/>
                 <a:cs typeface="Times New Roman" panose="02020603050405020304" pitchFamily="18" charset="0"/>
               </a:rPr>
-              <a:t> Outline how to introduce new facts or recent information succinctly within the prompt for accurate LLM response</a:t>
+              <a:t>c) To limit the prompt size.</a:t>
             </a:r>
           </a:p>
           <a:p>
@@ -9426,6 +9428,22 @@
               <a:buNone/>
             </a:pPr>
             <a:r>
+              <a:rPr lang="en-US" sz="1600" b="0" i="0" dirty="0">
+                <a:solidFill>
+                  <a:srgbClr val="0D0D0D"/>
+                </a:solidFill>
+                <a:effectLst/>
+                <a:latin typeface="Times New Roman" panose="02020603050405020304" pitchFamily="18" charset="0"/>
+                <a:cs typeface="Times New Roman" panose="02020603050405020304" pitchFamily="18" charset="0"/>
+              </a:rPr>
+              <a:t>d) To restrict the output to predefined patterns.</a:t>
+            </a:r>
+          </a:p>
+          <a:p>
+            <a:pPr marL="0" indent="0" algn="l">
+              <a:buNone/>
+            </a:pPr>
+            <a:r>
               <a:rPr lang="en-US" sz="1600" b="1" i="0" dirty="0">
                 <a:solidFill>
                   <a:srgbClr val="0D0D0D"/>
@@ -9434,21 +9452,55 @@
                 <a:latin typeface="Times New Roman" panose="02020603050405020304" pitchFamily="18" charset="0"/>
                 <a:cs typeface="Times New Roman" panose="02020603050405020304" pitchFamily="18" charset="0"/>
               </a:rPr>
-              <a:t>Understanding Prompt Size Limits:</a:t>
-            </a:r>
-            <a:endParaRPr lang="en-US" sz="1600" b="0" i="0" dirty="0">
-              <a:solidFill>
-                <a:srgbClr val="0D0D0D"/>
-              </a:solidFill>
-              <a:effectLst/>
-              <a:latin typeface="Times New Roman" panose="02020603050405020304" pitchFamily="18" charset="0"/>
-              <a:cs typeface="Times New Roman" panose="02020603050405020304" pitchFamily="18" charset="0"/>
-            </a:endParaRPr>
-          </a:p>
-          <a:p>
-            <a:pPr marL="742950" lvl="1" indent="-285750" algn="l">
-              <a:buFont typeface="+mj-lt"/>
-              <a:buAutoNum type="arabicPeriod"/>
+              <a:t>MCQ 2:</a:t>
+            </a:r>
+            <a:r>
+              <a:rPr lang="en-US" sz="1600" b="0" i="0" dirty="0">
+                <a:solidFill>
+                  <a:srgbClr val="0D0D0D"/>
+                </a:solidFill>
+                <a:effectLst/>
+                <a:latin typeface="Times New Roman" panose="02020603050405020304" pitchFamily="18" charset="0"/>
+                <a:cs typeface="Times New Roman" panose="02020603050405020304" pitchFamily="18" charset="0"/>
+              </a:rPr>
+              <a:t> In the context of Large Language Models, what does "Persona Pattern" primarily focus on?</a:t>
+            </a:r>
+          </a:p>
+          <a:p>
+            <a:pPr marL="0" indent="0" algn="l">
+              <a:buNone/>
+            </a:pPr>
+            <a:r>
+              <a:rPr lang="en-US" sz="1600" b="0" i="0" dirty="0">
+                <a:solidFill>
+                  <a:srgbClr val="0D0D0D"/>
+                </a:solidFill>
+                <a:effectLst/>
+                <a:latin typeface="Times New Roman" panose="02020603050405020304" pitchFamily="18" charset="0"/>
+                <a:cs typeface="Times New Roman" panose="02020603050405020304" pitchFamily="18" charset="0"/>
+              </a:rPr>
+              <a:t>a) Controlling randomness in output.</a:t>
+            </a:r>
+          </a:p>
+          <a:p>
+            <a:pPr marL="0" indent="0" algn="l">
+              <a:buNone/>
+            </a:pPr>
+            <a:r>
+              <a:rPr lang="en-US" sz="1600" b="0" i="0" dirty="0">
+                <a:solidFill>
+                  <a:srgbClr val="0D0D0D"/>
+                </a:solidFill>
+                <a:effectLst/>
+                <a:latin typeface="Times New Roman" panose="02020603050405020304" pitchFamily="18" charset="0"/>
+                <a:cs typeface="Times New Roman" panose="02020603050405020304" pitchFamily="18" charset="0"/>
+              </a:rPr>
+              <a:t>b) Introducing new information.</a:t>
+            </a:r>
+          </a:p>
+          <a:p>
+            <a:pPr marL="0" indent="0" algn="l">
+              <a:buNone/>
             </a:pPr>
             <a:r>
               <a:rPr lang="en-US" sz="1600" b="1" i="0" dirty="0">
@@ -9459,8 +9511,13 @@
                 <a:latin typeface="Times New Roman" panose="02020603050405020304" pitchFamily="18" charset="0"/>
                 <a:cs typeface="Times New Roman" panose="02020603050405020304" pitchFamily="18" charset="0"/>
               </a:rPr>
-              <a:t>Character &amp; Token Constraints:</a:t>
-            </a:r>
+              <a:t>c) Structuring the input with a specified persona.</a:t>
+            </a:r>
+          </a:p>
+          <a:p>
+            <a:pPr marL="0" indent="0" algn="l">
+              <a:buNone/>
+            </a:pPr>
             <a:r>
               <a:rPr lang="en-US" sz="1600" b="0" i="0" dirty="0">
                 <a:solidFill>
@@ -9470,13 +9527,12 @@
                 <a:latin typeface="Times New Roman" panose="02020603050405020304" pitchFamily="18" charset="0"/>
                 <a:cs typeface="Times New Roman" panose="02020603050405020304" pitchFamily="18" charset="0"/>
               </a:rPr>
-              <a:t> Explain the maximum length of input that LLMs can process, and how exceeding it can lead to truncated information.</a:t>
-            </a:r>
-          </a:p>
-          <a:p>
-            <a:pPr marL="742950" lvl="1" indent="-285750" algn="l">
-              <a:buFont typeface="+mj-lt"/>
-              <a:buAutoNum type="arabicPeriod"/>
+              <a:t>d) Limiting prompt size.</a:t>
+            </a:r>
+          </a:p>
+          <a:p>
+            <a:pPr marL="0" indent="0" algn="l">
+              <a:buNone/>
             </a:pPr>
             <a:r>
               <a:rPr lang="en-US" sz="1600" b="1" i="0" dirty="0">
@@ -9487,7 +9543,7 @@
                 <a:latin typeface="Times New Roman" panose="02020603050405020304" pitchFamily="18" charset="0"/>
                 <a:cs typeface="Times New Roman" panose="02020603050405020304" pitchFamily="18" charset="0"/>
               </a:rPr>
-              <a:t>Quality of Responses:</a:t>
+              <a:t>MCQ 3:</a:t>
             </a:r>
             <a:r>
               <a:rPr lang="en-US" sz="1600" b="0" i="0" dirty="0">
@@ -9498,7 +9554,7 @@
                 <a:latin typeface="Times New Roman" panose="02020603050405020304" pitchFamily="18" charset="0"/>
                 <a:cs typeface="Times New Roman" panose="02020603050405020304" pitchFamily="18" charset="0"/>
               </a:rPr>
-              <a:t> Connect how prompt size directly impacts the completeness and accuracy of the LLM's output.</a:t>
+              <a:t> Why is controlling prompt size important when interacting with Large Language Models?</a:t>
             </a:r>
           </a:p>
           <a:p>
@@ -9506,6 +9562,38 @@
               <a:buNone/>
             </a:pPr>
             <a:r>
+              <a:rPr lang="en-US" sz="1600" b="0" i="0" dirty="0">
+                <a:solidFill>
+                  <a:srgbClr val="0D0D0D"/>
+                </a:solidFill>
+                <a:effectLst/>
+                <a:latin typeface="Times New Roman" panose="02020603050405020304" pitchFamily="18" charset="0"/>
+                <a:cs typeface="Times New Roman" panose="02020603050405020304" pitchFamily="18" charset="0"/>
+              </a:rPr>
+              <a:t>a) It enhances the model's creativity.</a:t>
+            </a:r>
+          </a:p>
+          <a:p>
+            <a:pPr marL="0" indent="0" algn="l">
+              <a:buNone/>
+            </a:pPr>
+            <a:r>
+              <a:rPr lang="en-US" sz="1600" b="0" i="0" dirty="0">
+                <a:solidFill>
+                  <a:srgbClr val="0D0D0D"/>
+                </a:solidFill>
+                <a:effectLst/>
+                <a:latin typeface="Times New Roman" panose="02020603050405020304" pitchFamily="18" charset="0"/>
+                <a:cs typeface="Times New Roman" panose="02020603050405020304" pitchFamily="18" charset="0"/>
+              </a:rPr>
+              <a:t>b) It improves the model's understanding of context.</a:t>
+            </a:r>
+          </a:p>
+          <a:p>
+            <a:pPr marL="0" indent="0" algn="l">
+              <a:buNone/>
+            </a:pPr>
+            <a:r>
               <a:rPr lang="en-US" sz="1600" b="1" i="0" dirty="0">
                 <a:solidFill>
                   <a:srgbClr val="0D0D0D"/>
@@ -9514,33 +9602,13 @@
                 <a:latin typeface="Times New Roman" panose="02020603050405020304" pitchFamily="18" charset="0"/>
                 <a:cs typeface="Times New Roman" panose="02020603050405020304" pitchFamily="18" charset="0"/>
               </a:rPr>
-              <a:t>Best Practices for Learners:</a:t>
-            </a:r>
-            <a:endParaRPr lang="en-US" sz="1600" b="0" i="0" dirty="0">
-              <a:solidFill>
-                <a:srgbClr val="0D0D0D"/>
-              </a:solidFill>
-              <a:effectLst/>
-              <a:latin typeface="Times New Roman" panose="02020603050405020304" pitchFamily="18" charset="0"/>
-              <a:cs typeface="Times New Roman" panose="02020603050405020304" pitchFamily="18" charset="0"/>
-            </a:endParaRPr>
-          </a:p>
-          <a:p>
-            <a:pPr marL="742950" lvl="1" indent="-285750" algn="l">
-              <a:buFont typeface="+mj-lt"/>
-              <a:buAutoNum type="arabicPeriod"/>
-            </a:pPr>
-            <a:r>
-              <a:rPr lang="en-US" sz="1600" b="1" i="0" dirty="0">
-                <a:solidFill>
-                  <a:srgbClr val="0D0D0D"/>
-                </a:solidFill>
-                <a:effectLst/>
-                <a:latin typeface="Times New Roman" panose="02020603050405020304" pitchFamily="18" charset="0"/>
-                <a:cs typeface="Times New Roman" panose="02020603050405020304" pitchFamily="18" charset="0"/>
-              </a:rPr>
-              <a:t>Conciseness:</a:t>
-            </a:r>
+              <a:t>c) It prevents overwhelming the model with information.</a:t>
+            </a:r>
+          </a:p>
+          <a:p>
+            <a:pPr marL="0" indent="0" algn="l">
+              <a:buNone/>
+            </a:pPr>
             <a:r>
               <a:rPr lang="en-US" sz="1600" b="0" i="0" dirty="0">
                 <a:solidFill>
@@ -9550,118 +9618,13 @@
                 <a:latin typeface="Times New Roman" panose="02020603050405020304" pitchFamily="18" charset="0"/>
                 <a:cs typeface="Times New Roman" panose="02020603050405020304" pitchFamily="18" charset="0"/>
               </a:rPr>
-              <a:t> Encourage the practice of being brief yet descriptive to maximize the efficiency of prompt space.</a:t>
-            </a:r>
-          </a:p>
-          <a:p>
-            <a:pPr marL="742950" lvl="1" indent="-285750" algn="l">
-              <a:buFont typeface="+mj-lt"/>
-              <a:buAutoNum type="arabicPeriod"/>
-            </a:pPr>
-            <a:r>
-              <a:rPr lang="en-US" sz="1600" b="1" i="0" dirty="0">
-                <a:solidFill>
-                  <a:srgbClr val="0D0D0D"/>
-                </a:solidFill>
-                <a:effectLst/>
-                <a:latin typeface="Times New Roman" panose="02020603050405020304" pitchFamily="18" charset="0"/>
-                <a:cs typeface="Times New Roman" panose="02020603050405020304" pitchFamily="18" charset="0"/>
-              </a:rPr>
-              <a:t>Segmentation:</a:t>
-            </a:r>
-            <a:r>
-              <a:rPr lang="en-US" sz="1600" b="0" i="0" dirty="0">
-                <a:solidFill>
-                  <a:srgbClr val="0D0D0D"/>
-                </a:solidFill>
-                <a:effectLst/>
-                <a:latin typeface="Times New Roman" panose="02020603050405020304" pitchFamily="18" charset="0"/>
-                <a:cs typeface="Times New Roman" panose="02020603050405020304" pitchFamily="18" charset="0"/>
-              </a:rPr>
-              <a:t> Introduce the concept of breaking down complex queries into smaller parts to avoid hitting prompt limits.</a:t>
-            </a:r>
-          </a:p>
-          <a:p>
-            <a:pPr marL="0" indent="0" algn="l">
-              <a:buNone/>
-            </a:pPr>
-            <a:r>
-              <a:rPr lang="en-US" sz="1600" b="1" i="0" dirty="0">
-                <a:solidFill>
-                  <a:srgbClr val="0D0D0D"/>
-                </a:solidFill>
-                <a:effectLst/>
-                <a:latin typeface="Times New Roman" panose="02020603050405020304" pitchFamily="18" charset="0"/>
-                <a:cs typeface="Times New Roman" panose="02020603050405020304" pitchFamily="18" charset="0"/>
-              </a:rPr>
-              <a:t>Example for New Information:</a:t>
-            </a:r>
-            <a:endParaRPr lang="en-US" sz="1600" b="0" i="0" dirty="0">
-              <a:solidFill>
-                <a:srgbClr val="0D0D0D"/>
-              </a:solidFill>
-              <a:effectLst/>
-              <a:latin typeface="Times New Roman" panose="02020603050405020304" pitchFamily="18" charset="0"/>
-              <a:cs typeface="Times New Roman" panose="02020603050405020304" pitchFamily="18" charset="0"/>
-            </a:endParaRPr>
-          </a:p>
-          <a:p>
-            <a:pPr algn="l">
-              <a:buFont typeface="Arial" panose="020B0604020202020204" pitchFamily="34" charset="0"/>
-              <a:buChar char="•"/>
-            </a:pPr>
-            <a:r>
-              <a:rPr lang="en-US" sz="1600" b="0" i="0" dirty="0">
-                <a:solidFill>
-                  <a:srgbClr val="0D0D0D"/>
-                </a:solidFill>
-                <a:effectLst/>
-                <a:latin typeface="Times New Roman" panose="02020603050405020304" pitchFamily="18" charset="0"/>
-                <a:cs typeface="Times New Roman" panose="02020603050405020304" pitchFamily="18" charset="0"/>
-              </a:rPr>
-              <a:t>"As of 2024, what is the impact of the new environmental policy on electric car manufacturing?"</a:t>
-            </a:r>
-          </a:p>
-          <a:p>
-            <a:pPr algn="l"/>
-            <a:r>
-              <a:rPr lang="en-US" sz="1600" b="1" i="0" dirty="0">
-                <a:solidFill>
-                  <a:srgbClr val="0D0D0D"/>
-                </a:solidFill>
-                <a:effectLst/>
-                <a:latin typeface="Times New Roman" panose="02020603050405020304" pitchFamily="18" charset="0"/>
-                <a:cs typeface="Times New Roman" panose="02020603050405020304" pitchFamily="18" charset="0"/>
-              </a:rPr>
-              <a:t>Example for Prompt Size:</a:t>
-            </a:r>
-            <a:endParaRPr lang="en-US" sz="1600" b="0" i="0" dirty="0">
-              <a:solidFill>
-                <a:srgbClr val="0D0D0D"/>
-              </a:solidFill>
-              <a:effectLst/>
-              <a:latin typeface="Times New Roman" panose="02020603050405020304" pitchFamily="18" charset="0"/>
-              <a:cs typeface="Times New Roman" panose="02020603050405020304" pitchFamily="18" charset="0"/>
-            </a:endParaRPr>
-          </a:p>
-          <a:p>
-            <a:pPr algn="l">
-              <a:buFont typeface="Arial" panose="020B0604020202020204" pitchFamily="34" charset="0"/>
-              <a:buChar char="•"/>
-            </a:pPr>
-            <a:r>
-              <a:rPr lang="en-US" sz="1600" b="0" i="0" dirty="0">
-                <a:solidFill>
-                  <a:srgbClr val="0D0D0D"/>
-                </a:solidFill>
-                <a:effectLst/>
-                <a:latin typeface="Times New Roman" panose="02020603050405020304" pitchFamily="18" charset="0"/>
-                <a:cs typeface="Times New Roman" panose="02020603050405020304" pitchFamily="18" charset="0"/>
-              </a:rPr>
-              <a:t>Instead of a full historical background, ask, "How has the historical context influenced current electric car manufacturing policies?</a:t>
-            </a:r>
-          </a:p>
-          <a:p>
+              <a:t>d) It allows the model to generate longer responses.</a:t>
+            </a:r>
+          </a:p>
+          <a:p>
+            <a:pPr marL="0" indent="0">
+              <a:buNone/>
+            </a:pPr>
             <a:endParaRPr lang="en-US" sz="1600" dirty="0">
               <a:latin typeface="Times New Roman" panose="02020603050405020304" pitchFamily="18" charset="0"/>
               <a:cs typeface="Times New Roman" panose="02020603050405020304" pitchFamily="18" charset="0"/>
@@ -9672,7 +9635,7 @@
     </p:spTree>
     <p:extLst>
       <p:ext uri="{BB962C8B-B14F-4D97-AF65-F5344CB8AC3E}">
-        <p14:creationId xmlns:p14="http://schemas.microsoft.com/office/powerpoint/2010/main" val="1905516647"/>
+        <p14:creationId xmlns:p14="http://schemas.microsoft.com/office/powerpoint/2010/main" val="369635134"/>
       </p:ext>
     </p:extLst>
   </p:cSld>
@@ -9717,401 +9680,6 @@
         </p:nvSpPr>
         <p:spPr>
           <a:xfrm>
-            <a:off x="92242" y="120317"/>
-            <a:ext cx="5093369" cy="685800"/>
-          </a:xfrm>
-        </p:spPr>
-        <p:txBody>
-          <a:bodyPr>
-            <a:normAutofit/>
-          </a:bodyPr>
-          <a:lstStyle/>
-          <a:p>
-            <a:r>
-              <a:rPr lang="en-US" sz="3600" dirty="0">
-                <a:latin typeface="Times New Roman" panose="02020603050405020304" pitchFamily="18" charset="0"/>
-                <a:cs typeface="Times New Roman" panose="02020603050405020304" pitchFamily="18" charset="0"/>
-              </a:rPr>
-              <a:t>QUIZ</a:t>
-            </a:r>
-          </a:p>
-        </p:txBody>
-      </p:sp>
-      <p:sp>
-        <p:nvSpPr>
-          <p:cNvPr id="3" name="Content Placeholder 2">
-            <a:extLst>
-              <a:ext uri="{FF2B5EF4-FFF2-40B4-BE49-F238E27FC236}">
-                <a16:creationId xmlns:a16="http://schemas.microsoft.com/office/drawing/2014/main" id="{F0F5C8B6-B1F3-17E5-0ACF-8B39C4750499}"/>
-              </a:ext>
-            </a:extLst>
-          </p:cNvPr>
-          <p:cNvSpPr>
-            <a:spLocks noGrp="1"/>
-          </p:cNvSpPr>
-          <p:nvPr>
-            <p:ph idx="1"/>
-          </p:nvPr>
-        </p:nvSpPr>
-        <p:spPr>
-          <a:xfrm>
-            <a:off x="240631" y="1115761"/>
-            <a:ext cx="11710737" cy="5742239"/>
-          </a:xfrm>
-        </p:spPr>
-        <p:txBody>
-          <a:bodyPr>
-            <a:noAutofit/>
-          </a:bodyPr>
-          <a:lstStyle/>
-          <a:p>
-            <a:pPr marL="0" indent="0" algn="l">
-              <a:buNone/>
-            </a:pPr>
-            <a:r>
-              <a:rPr lang="en-US" sz="1600" b="1" i="0" dirty="0">
-                <a:solidFill>
-                  <a:srgbClr val="0D0D0D"/>
-                </a:solidFill>
-                <a:effectLst/>
-                <a:latin typeface="Times New Roman" panose="02020603050405020304" pitchFamily="18" charset="0"/>
-                <a:cs typeface="Times New Roman" panose="02020603050405020304" pitchFamily="18" charset="0"/>
-              </a:rPr>
-              <a:t>Multiple Choice Questions (MCQs):</a:t>
-            </a:r>
-          </a:p>
-          <a:p>
-            <a:pPr marL="0" indent="0" algn="l">
-              <a:buNone/>
-            </a:pPr>
-            <a:r>
-              <a:rPr lang="en-US" sz="1600" b="1" i="0" dirty="0">
-                <a:solidFill>
-                  <a:srgbClr val="0D0D0D"/>
-                </a:solidFill>
-                <a:effectLst/>
-                <a:latin typeface="Times New Roman" panose="02020603050405020304" pitchFamily="18" charset="0"/>
-                <a:cs typeface="Times New Roman" panose="02020603050405020304" pitchFamily="18" charset="0"/>
-              </a:rPr>
-              <a:t>MCQ 1:</a:t>
-            </a:r>
-            <a:r>
-              <a:rPr lang="en-US" sz="1600" b="0" i="0" dirty="0">
-                <a:solidFill>
-                  <a:srgbClr val="0D0D0D"/>
-                </a:solidFill>
-                <a:effectLst/>
-                <a:latin typeface="Times New Roman" panose="02020603050405020304" pitchFamily="18" charset="0"/>
-                <a:cs typeface="Times New Roman" panose="02020603050405020304" pitchFamily="18" charset="0"/>
-              </a:rPr>
-              <a:t> What is the primary purpose of using Prompt Patterns in Large Language Models? </a:t>
-            </a:r>
-          </a:p>
-          <a:p>
-            <a:pPr marL="0" indent="0" algn="l">
-              <a:buNone/>
-            </a:pPr>
-            <a:r>
-              <a:rPr lang="en-US" sz="1600" b="0" i="0" dirty="0">
-                <a:solidFill>
-                  <a:srgbClr val="0D0D0D"/>
-                </a:solidFill>
-                <a:effectLst/>
-                <a:latin typeface="Times New Roman" panose="02020603050405020304" pitchFamily="18" charset="0"/>
-                <a:cs typeface="Times New Roman" panose="02020603050405020304" pitchFamily="18" charset="0"/>
-              </a:rPr>
-              <a:t>a) To introduce randomness in the output.</a:t>
-            </a:r>
-          </a:p>
-          <a:p>
-            <a:pPr marL="0" indent="0" algn="l">
-              <a:buNone/>
-            </a:pPr>
-            <a:r>
-              <a:rPr lang="en-US" sz="1600" b="1" i="0" dirty="0">
-                <a:solidFill>
-                  <a:srgbClr val="0D0D0D"/>
-                </a:solidFill>
-                <a:effectLst/>
-                <a:latin typeface="Times New Roman" panose="02020603050405020304" pitchFamily="18" charset="0"/>
-                <a:cs typeface="Times New Roman" panose="02020603050405020304" pitchFamily="18" charset="0"/>
-              </a:rPr>
-              <a:t>b) To structure and guide the input for the model.</a:t>
-            </a:r>
-          </a:p>
-          <a:p>
-            <a:pPr marL="0" indent="0" algn="l">
-              <a:buNone/>
-            </a:pPr>
-            <a:r>
-              <a:rPr lang="en-US" sz="1600" b="0" i="0" dirty="0">
-                <a:solidFill>
-                  <a:srgbClr val="0D0D0D"/>
-                </a:solidFill>
-                <a:effectLst/>
-                <a:latin typeface="Times New Roman" panose="02020603050405020304" pitchFamily="18" charset="0"/>
-                <a:cs typeface="Times New Roman" panose="02020603050405020304" pitchFamily="18" charset="0"/>
-              </a:rPr>
-              <a:t>c) To limit the prompt size.</a:t>
-            </a:r>
-          </a:p>
-          <a:p>
-            <a:pPr marL="0" indent="0" algn="l">
-              <a:buNone/>
-            </a:pPr>
-            <a:r>
-              <a:rPr lang="en-US" sz="1600" b="0" i="0" dirty="0">
-                <a:solidFill>
-                  <a:srgbClr val="0D0D0D"/>
-                </a:solidFill>
-                <a:effectLst/>
-                <a:latin typeface="Times New Roman" panose="02020603050405020304" pitchFamily="18" charset="0"/>
-                <a:cs typeface="Times New Roman" panose="02020603050405020304" pitchFamily="18" charset="0"/>
-              </a:rPr>
-              <a:t>d) To restrict the output to predefined patterns.</a:t>
-            </a:r>
-          </a:p>
-          <a:p>
-            <a:pPr marL="0" indent="0" algn="l">
-              <a:buNone/>
-            </a:pPr>
-            <a:r>
-              <a:rPr lang="en-US" sz="1600" b="1" i="0" dirty="0">
-                <a:solidFill>
-                  <a:srgbClr val="0D0D0D"/>
-                </a:solidFill>
-                <a:effectLst/>
-                <a:latin typeface="Times New Roman" panose="02020603050405020304" pitchFamily="18" charset="0"/>
-                <a:cs typeface="Times New Roman" panose="02020603050405020304" pitchFamily="18" charset="0"/>
-              </a:rPr>
-              <a:t>MCQ 2:</a:t>
-            </a:r>
-            <a:r>
-              <a:rPr lang="en-US" sz="1600" b="0" i="0" dirty="0">
-                <a:solidFill>
-                  <a:srgbClr val="0D0D0D"/>
-                </a:solidFill>
-                <a:effectLst/>
-                <a:latin typeface="Times New Roman" panose="02020603050405020304" pitchFamily="18" charset="0"/>
-                <a:cs typeface="Times New Roman" panose="02020603050405020304" pitchFamily="18" charset="0"/>
-              </a:rPr>
-              <a:t> In the context of Large Language Models, what does "Persona Pattern" primarily focus on?</a:t>
-            </a:r>
-          </a:p>
-          <a:p>
-            <a:pPr marL="0" indent="0" algn="l">
-              <a:buNone/>
-            </a:pPr>
-            <a:r>
-              <a:rPr lang="en-US" sz="1600" b="0" i="0" dirty="0">
-                <a:solidFill>
-                  <a:srgbClr val="0D0D0D"/>
-                </a:solidFill>
-                <a:effectLst/>
-                <a:latin typeface="Times New Roman" panose="02020603050405020304" pitchFamily="18" charset="0"/>
-                <a:cs typeface="Times New Roman" panose="02020603050405020304" pitchFamily="18" charset="0"/>
-              </a:rPr>
-              <a:t>a) Controlling randomness in output.</a:t>
-            </a:r>
-          </a:p>
-          <a:p>
-            <a:pPr marL="0" indent="0" algn="l">
-              <a:buNone/>
-            </a:pPr>
-            <a:r>
-              <a:rPr lang="en-US" sz="1600" b="0" i="0" dirty="0">
-                <a:solidFill>
-                  <a:srgbClr val="0D0D0D"/>
-                </a:solidFill>
-                <a:effectLst/>
-                <a:latin typeface="Times New Roman" panose="02020603050405020304" pitchFamily="18" charset="0"/>
-                <a:cs typeface="Times New Roman" panose="02020603050405020304" pitchFamily="18" charset="0"/>
-              </a:rPr>
-              <a:t>b) Introducing new information.</a:t>
-            </a:r>
-          </a:p>
-          <a:p>
-            <a:pPr marL="0" indent="0" algn="l">
-              <a:buNone/>
-            </a:pPr>
-            <a:r>
-              <a:rPr lang="en-US" sz="1600" b="1" i="0" dirty="0">
-                <a:solidFill>
-                  <a:srgbClr val="0D0D0D"/>
-                </a:solidFill>
-                <a:effectLst/>
-                <a:latin typeface="Times New Roman" panose="02020603050405020304" pitchFamily="18" charset="0"/>
-                <a:cs typeface="Times New Roman" panose="02020603050405020304" pitchFamily="18" charset="0"/>
-              </a:rPr>
-              <a:t>c) Structuring the input with a specified persona.</a:t>
-            </a:r>
-          </a:p>
-          <a:p>
-            <a:pPr marL="0" indent="0" algn="l">
-              <a:buNone/>
-            </a:pPr>
-            <a:r>
-              <a:rPr lang="en-US" sz="1600" b="0" i="0" dirty="0">
-                <a:solidFill>
-                  <a:srgbClr val="0D0D0D"/>
-                </a:solidFill>
-                <a:effectLst/>
-                <a:latin typeface="Times New Roman" panose="02020603050405020304" pitchFamily="18" charset="0"/>
-                <a:cs typeface="Times New Roman" panose="02020603050405020304" pitchFamily="18" charset="0"/>
-              </a:rPr>
-              <a:t>d) Limiting prompt size.</a:t>
-            </a:r>
-          </a:p>
-          <a:p>
-            <a:pPr marL="0" indent="0" algn="l">
-              <a:buNone/>
-            </a:pPr>
-            <a:r>
-              <a:rPr lang="en-US" sz="1600" b="1" i="0" dirty="0">
-                <a:solidFill>
-                  <a:srgbClr val="0D0D0D"/>
-                </a:solidFill>
-                <a:effectLst/>
-                <a:latin typeface="Times New Roman" panose="02020603050405020304" pitchFamily="18" charset="0"/>
-                <a:cs typeface="Times New Roman" panose="02020603050405020304" pitchFamily="18" charset="0"/>
-              </a:rPr>
-              <a:t>MCQ 3:</a:t>
-            </a:r>
-            <a:r>
-              <a:rPr lang="en-US" sz="1600" b="0" i="0" dirty="0">
-                <a:solidFill>
-                  <a:srgbClr val="0D0D0D"/>
-                </a:solidFill>
-                <a:effectLst/>
-                <a:latin typeface="Times New Roman" panose="02020603050405020304" pitchFamily="18" charset="0"/>
-                <a:cs typeface="Times New Roman" panose="02020603050405020304" pitchFamily="18" charset="0"/>
-              </a:rPr>
-              <a:t> Why is controlling prompt size important when interacting with Large Language Models?</a:t>
-            </a:r>
-          </a:p>
-          <a:p>
-            <a:pPr marL="0" indent="0" algn="l">
-              <a:buNone/>
-            </a:pPr>
-            <a:r>
-              <a:rPr lang="en-US" sz="1600" b="0" i="0" dirty="0">
-                <a:solidFill>
-                  <a:srgbClr val="0D0D0D"/>
-                </a:solidFill>
-                <a:effectLst/>
-                <a:latin typeface="Times New Roman" panose="02020603050405020304" pitchFamily="18" charset="0"/>
-                <a:cs typeface="Times New Roman" panose="02020603050405020304" pitchFamily="18" charset="0"/>
-              </a:rPr>
-              <a:t>a) It enhances the model's creativity.</a:t>
-            </a:r>
-          </a:p>
-          <a:p>
-            <a:pPr marL="0" indent="0" algn="l">
-              <a:buNone/>
-            </a:pPr>
-            <a:r>
-              <a:rPr lang="en-US" sz="1600" b="0" i="0" dirty="0">
-                <a:solidFill>
-                  <a:srgbClr val="0D0D0D"/>
-                </a:solidFill>
-                <a:effectLst/>
-                <a:latin typeface="Times New Roman" panose="02020603050405020304" pitchFamily="18" charset="0"/>
-                <a:cs typeface="Times New Roman" panose="02020603050405020304" pitchFamily="18" charset="0"/>
-              </a:rPr>
-              <a:t>b) It improves the model's understanding of context.</a:t>
-            </a:r>
-          </a:p>
-          <a:p>
-            <a:pPr marL="0" indent="0" algn="l">
-              <a:buNone/>
-            </a:pPr>
-            <a:r>
-              <a:rPr lang="en-US" sz="1600" b="1" i="0" dirty="0">
-                <a:solidFill>
-                  <a:srgbClr val="0D0D0D"/>
-                </a:solidFill>
-                <a:effectLst/>
-                <a:latin typeface="Times New Roman" panose="02020603050405020304" pitchFamily="18" charset="0"/>
-                <a:cs typeface="Times New Roman" panose="02020603050405020304" pitchFamily="18" charset="0"/>
-              </a:rPr>
-              <a:t>c) It prevents overwhelming the model with information.</a:t>
-            </a:r>
-          </a:p>
-          <a:p>
-            <a:pPr marL="0" indent="0" algn="l">
-              <a:buNone/>
-            </a:pPr>
-            <a:r>
-              <a:rPr lang="en-US" sz="1600" b="0" i="0" dirty="0">
-                <a:solidFill>
-                  <a:srgbClr val="0D0D0D"/>
-                </a:solidFill>
-                <a:effectLst/>
-                <a:latin typeface="Times New Roman" panose="02020603050405020304" pitchFamily="18" charset="0"/>
-                <a:cs typeface="Times New Roman" panose="02020603050405020304" pitchFamily="18" charset="0"/>
-              </a:rPr>
-              <a:t>d) It allows the model to generate longer responses.</a:t>
-            </a:r>
-          </a:p>
-          <a:p>
-            <a:pPr marL="0" indent="0">
-              <a:buNone/>
-            </a:pPr>
-            <a:endParaRPr lang="en-US" sz="1600" dirty="0">
-              <a:latin typeface="Times New Roman" panose="02020603050405020304" pitchFamily="18" charset="0"/>
-              <a:cs typeface="Times New Roman" panose="02020603050405020304" pitchFamily="18" charset="0"/>
-            </a:endParaRPr>
-          </a:p>
-        </p:txBody>
-      </p:sp>
-    </p:spTree>
-    <p:extLst>
-      <p:ext uri="{BB962C8B-B14F-4D97-AF65-F5344CB8AC3E}">
-        <p14:creationId xmlns:p14="http://schemas.microsoft.com/office/powerpoint/2010/main" val="369635134"/>
-      </p:ext>
-    </p:extLst>
-  </p:cSld>
-  <p:clrMapOvr>
-    <a:masterClrMapping/>
-  </p:clrMapOvr>
-</p:sld>
-</file>
-
-<file path=ppt/slides/slide25.xml><?xml version="1.0" encoding="utf-8"?>
-<p:sld xmlns:a="http://schemas.openxmlformats.org/drawingml/2006/main" xmlns:r="http://schemas.openxmlformats.org/officeDocument/2006/relationships" xmlns:p="http://schemas.openxmlformats.org/presentationml/2006/main">
-  <p:cSld>
-    <p:spTree>
-      <p:nvGrpSpPr>
-        <p:cNvPr id="1" name=""/>
-        <p:cNvGrpSpPr/>
-        <p:nvPr/>
-      </p:nvGrpSpPr>
-      <p:grpSpPr>
-        <a:xfrm>
-          <a:off x="0" y="0"/>
-          <a:ext cx="0" cy="0"/>
-          <a:chOff x="0" y="0"/>
-          <a:chExt cx="0" cy="0"/>
-        </a:xfrm>
-      </p:grpSpPr>
-      <p:sp>
-        <p:nvSpPr>
-          <p:cNvPr id="2" name="Title 1">
-            <a:extLst>
-              <a:ext uri="{FF2B5EF4-FFF2-40B4-BE49-F238E27FC236}">
-                <a16:creationId xmlns:a16="http://schemas.microsoft.com/office/drawing/2014/main" id="{58093C6F-F772-4D52-22D2-5672836EE9C1}"/>
-              </a:ext>
-            </a:extLst>
-          </p:cNvPr>
-          <p:cNvSpPr>
-            <a:spLocks noGrp="1"/>
-          </p:cNvSpPr>
-          <p:nvPr>
-            <p:ph type="title"/>
-          </p:nvPr>
-        </p:nvSpPr>
-        <p:spPr>
-          <a:xfrm>
             <a:off x="92242" y="120316"/>
             <a:ext cx="5093369" cy="856331"/>
           </a:xfrm>
@@ -10355,7 +9923,7 @@
 </p:sld>
 </file>
 
-<file path=ppt/slides/slide26.xml><?xml version="1.0" encoding="utf-8"?>
+<file path=ppt/slides/slide25.xml><?xml version="1.0" encoding="utf-8"?>
 <p:sld xmlns:a="http://schemas.openxmlformats.org/drawingml/2006/main" xmlns:r="http://schemas.openxmlformats.org/officeDocument/2006/relationships" xmlns:p="http://schemas.openxmlformats.org/presentationml/2006/main">
   <p:cSld>
     <p:spTree>
